--- a/report/project_presentation.pptx
+++ b/report/project_presentation.pptx
@@ -4,14 +4,19 @@
   <p:sldMasterIdLst>
     <p:sldMasterId id="2147483686" r:id="rId1"/>
   </p:sldMasterIdLst>
+  <p:notesMasterIdLst>
+    <p:notesMasterId r:id="rId11"/>
+  </p:notesMasterIdLst>
   <p:sldIdLst>
     <p:sldId id="256" r:id="rId2"/>
-    <p:sldId id="257" r:id="rId3"/>
-    <p:sldId id="258" r:id="rId4"/>
-    <p:sldId id="259" r:id="rId5"/>
-    <p:sldId id="260" r:id="rId6"/>
-    <p:sldId id="261" r:id="rId7"/>
-    <p:sldId id="262" r:id="rId8"/>
+    <p:sldId id="263" r:id="rId3"/>
+    <p:sldId id="257" r:id="rId4"/>
+    <p:sldId id="258" r:id="rId5"/>
+    <p:sldId id="259" r:id="rId6"/>
+    <p:sldId id="260" r:id="rId7"/>
+    <p:sldId id="261" r:id="rId8"/>
+    <p:sldId id="262" r:id="rId9"/>
+    <p:sldId id="264" r:id="rId10"/>
   </p:sldIdLst>
   <p:sldSz cx="12192000" cy="6858000"/>
   <p:notesSz cx="6858000" cy="9144000"/>
@@ -110,7 +115,788 @@
       </a:defRPr>
     </a:lvl9pPr>
   </p:defaultTextStyle>
+  <p:extLst>
+    <p:ext uri="{EFAFB233-063F-42B5-8137-9DF3F51BA10A}">
+      <p15:sldGuideLst xmlns:p15="http://schemas.microsoft.com/office/powerpoint/2012/main"/>
+    </p:ext>
+  </p:extLst>
 </p:presentation>
+</file>
+
+<file path=ppt/notesMasters/notesMaster1.xml><?xml version="1.0" encoding="utf-8"?>
+<p:notesMaster xmlns:a="http://schemas.openxmlformats.org/drawingml/2006/main" xmlns:r="http://schemas.openxmlformats.org/officeDocument/2006/relationships" xmlns:p="http://schemas.openxmlformats.org/presentationml/2006/main">
+  <p:cSld>
+    <p:bg>
+      <p:bgRef idx="1001">
+        <a:schemeClr val="bg1"/>
+      </p:bgRef>
+    </p:bg>
+    <p:spTree>
+      <p:nvGrpSpPr>
+        <p:cNvPr id="1" name=""/>
+        <p:cNvGrpSpPr/>
+        <p:nvPr/>
+      </p:nvGrpSpPr>
+      <p:grpSpPr>
+        <a:xfrm>
+          <a:off x="0" y="0"/>
+          <a:ext cx="0" cy="0"/>
+          <a:chOff x="0" y="0"/>
+          <a:chExt cx="0" cy="0"/>
+        </a:xfrm>
+      </p:grpSpPr>
+      <p:sp>
+        <p:nvSpPr>
+          <p:cNvPr id="2" name="Header Placeholder 1"/>
+          <p:cNvSpPr>
+            <a:spLocks noGrp="1"/>
+          </p:cNvSpPr>
+          <p:nvPr>
+            <p:ph type="hdr" sz="quarter"/>
+          </p:nvPr>
+        </p:nvSpPr>
+        <p:spPr>
+          <a:xfrm>
+            <a:off x="0" y="0"/>
+            <a:ext cx="2971800" cy="458788"/>
+          </a:xfrm>
+          <a:prstGeom prst="rect">
+            <a:avLst/>
+          </a:prstGeom>
+        </p:spPr>
+        <p:txBody>
+          <a:bodyPr vert="horz" lIns="91440" tIns="45720" rIns="91440" bIns="45720" rtlCol="0"/>
+          <a:lstStyle>
+            <a:lvl1pPr algn="l">
+              <a:defRPr sz="1200"/>
+            </a:lvl1pPr>
+          </a:lstStyle>
+          <a:p>
+            <a:endParaRPr lang="en-US"/>
+          </a:p>
+        </p:txBody>
+      </p:sp>
+      <p:sp>
+        <p:nvSpPr>
+          <p:cNvPr id="3" name="Date Placeholder 2"/>
+          <p:cNvSpPr>
+            <a:spLocks noGrp="1"/>
+          </p:cNvSpPr>
+          <p:nvPr>
+            <p:ph type="dt" idx="1"/>
+          </p:nvPr>
+        </p:nvSpPr>
+        <p:spPr>
+          <a:xfrm>
+            <a:off x="3884613" y="0"/>
+            <a:ext cx="2971800" cy="458788"/>
+          </a:xfrm>
+          <a:prstGeom prst="rect">
+            <a:avLst/>
+          </a:prstGeom>
+        </p:spPr>
+        <p:txBody>
+          <a:bodyPr vert="horz" lIns="91440" tIns="45720" rIns="91440" bIns="45720" rtlCol="0"/>
+          <a:lstStyle>
+            <a:lvl1pPr algn="r">
+              <a:defRPr sz="1200"/>
+            </a:lvl1pPr>
+          </a:lstStyle>
+          <a:p>
+            <a:fld id="{BFED8B4C-F872-BB40-941E-1DCEAAB37286}" type="datetimeFigureOut">
+              <a:rPr lang="en-US" smtClean="0"/>
+              <a:t>11/26/23</a:t>
+            </a:fld>
+            <a:endParaRPr lang="en-US"/>
+          </a:p>
+        </p:txBody>
+      </p:sp>
+      <p:sp>
+        <p:nvSpPr>
+          <p:cNvPr id="4" name="Slide Image Placeholder 3"/>
+          <p:cNvSpPr>
+            <a:spLocks noGrp="1" noRot="1" noChangeAspect="1"/>
+          </p:cNvSpPr>
+          <p:nvPr>
+            <p:ph type="sldImg" idx="2"/>
+          </p:nvPr>
+        </p:nvSpPr>
+        <p:spPr>
+          <a:xfrm>
+            <a:off x="685800" y="1143000"/>
+            <a:ext cx="5486400" cy="3086100"/>
+          </a:xfrm>
+          <a:prstGeom prst="rect">
+            <a:avLst/>
+          </a:prstGeom>
+          <a:noFill/>
+          <a:ln w="12700">
+            <a:solidFill>
+              <a:prstClr val="black"/>
+            </a:solidFill>
+          </a:ln>
+        </p:spPr>
+        <p:txBody>
+          <a:bodyPr vert="horz" lIns="91440" tIns="45720" rIns="91440" bIns="45720" rtlCol="0" anchor="ctr"/>
+          <a:lstStyle/>
+          <a:p>
+            <a:endParaRPr lang="en-US"/>
+          </a:p>
+        </p:txBody>
+      </p:sp>
+      <p:sp>
+        <p:nvSpPr>
+          <p:cNvPr id="5" name="Notes Placeholder 4"/>
+          <p:cNvSpPr>
+            <a:spLocks noGrp="1"/>
+          </p:cNvSpPr>
+          <p:nvPr>
+            <p:ph type="body" sz="quarter" idx="3"/>
+          </p:nvPr>
+        </p:nvSpPr>
+        <p:spPr>
+          <a:xfrm>
+            <a:off x="685800" y="4400550"/>
+            <a:ext cx="5486400" cy="3600450"/>
+          </a:xfrm>
+          <a:prstGeom prst="rect">
+            <a:avLst/>
+          </a:prstGeom>
+        </p:spPr>
+        <p:txBody>
+          <a:bodyPr vert="horz" lIns="91440" tIns="45720" rIns="91440" bIns="45720" rtlCol="0"/>
+          <a:lstStyle/>
+          <a:p>
+            <a:pPr lvl="0"/>
+            <a:r>
+              <a:rPr lang="en-US"/>
+              <a:t>Click to edit Master text styles</a:t>
+            </a:r>
+          </a:p>
+          <a:p>
+            <a:pPr lvl="1"/>
+            <a:r>
+              <a:rPr lang="en-US"/>
+              <a:t>Second level</a:t>
+            </a:r>
+          </a:p>
+          <a:p>
+            <a:pPr lvl="2"/>
+            <a:r>
+              <a:rPr lang="en-US"/>
+              <a:t>Third level</a:t>
+            </a:r>
+          </a:p>
+          <a:p>
+            <a:pPr lvl="3"/>
+            <a:r>
+              <a:rPr lang="en-US"/>
+              <a:t>Fourth level</a:t>
+            </a:r>
+          </a:p>
+          <a:p>
+            <a:pPr lvl="4"/>
+            <a:r>
+              <a:rPr lang="en-US"/>
+              <a:t>Fifth level</a:t>
+            </a:r>
+          </a:p>
+        </p:txBody>
+      </p:sp>
+      <p:sp>
+        <p:nvSpPr>
+          <p:cNvPr id="6" name="Footer Placeholder 5"/>
+          <p:cNvSpPr>
+            <a:spLocks noGrp="1"/>
+          </p:cNvSpPr>
+          <p:nvPr>
+            <p:ph type="ftr" sz="quarter" idx="4"/>
+          </p:nvPr>
+        </p:nvSpPr>
+        <p:spPr>
+          <a:xfrm>
+            <a:off x="0" y="8685213"/>
+            <a:ext cx="2971800" cy="458787"/>
+          </a:xfrm>
+          <a:prstGeom prst="rect">
+            <a:avLst/>
+          </a:prstGeom>
+        </p:spPr>
+        <p:txBody>
+          <a:bodyPr vert="horz" lIns="91440" tIns="45720" rIns="91440" bIns="45720" rtlCol="0" anchor="b"/>
+          <a:lstStyle>
+            <a:lvl1pPr algn="l">
+              <a:defRPr sz="1200"/>
+            </a:lvl1pPr>
+          </a:lstStyle>
+          <a:p>
+            <a:endParaRPr lang="en-US"/>
+          </a:p>
+        </p:txBody>
+      </p:sp>
+      <p:sp>
+        <p:nvSpPr>
+          <p:cNvPr id="7" name="Slide Number Placeholder 6"/>
+          <p:cNvSpPr>
+            <a:spLocks noGrp="1"/>
+          </p:cNvSpPr>
+          <p:nvPr>
+            <p:ph type="sldNum" sz="quarter" idx="5"/>
+          </p:nvPr>
+        </p:nvSpPr>
+        <p:spPr>
+          <a:xfrm>
+            <a:off x="3884613" y="8685213"/>
+            <a:ext cx="2971800" cy="458787"/>
+          </a:xfrm>
+          <a:prstGeom prst="rect">
+            <a:avLst/>
+          </a:prstGeom>
+        </p:spPr>
+        <p:txBody>
+          <a:bodyPr vert="horz" lIns="91440" tIns="45720" rIns="91440" bIns="45720" rtlCol="0" anchor="b"/>
+          <a:lstStyle>
+            <a:lvl1pPr algn="r">
+              <a:defRPr sz="1200"/>
+            </a:lvl1pPr>
+          </a:lstStyle>
+          <a:p>
+            <a:fld id="{AF049292-9110-EF43-9B06-BC27797FB358}" type="slidenum">
+              <a:rPr lang="en-US" smtClean="0"/>
+              <a:t>‹#›</a:t>
+            </a:fld>
+            <a:endParaRPr lang="en-US"/>
+          </a:p>
+        </p:txBody>
+      </p:sp>
+    </p:spTree>
+    <p:extLst>
+      <p:ext uri="{BB962C8B-B14F-4D97-AF65-F5344CB8AC3E}">
+        <p14:creationId xmlns:p14="http://schemas.microsoft.com/office/powerpoint/2010/main" val="1152982219"/>
+      </p:ext>
+    </p:extLst>
+  </p:cSld>
+  <p:clrMap bg1="lt1" tx1="dk1" bg2="lt2" tx2="dk2" accent1="accent1" accent2="accent2" accent3="accent3" accent4="accent4" accent5="accent5" accent6="accent6" hlink="hlink" folHlink="folHlink"/>
+  <p:notesStyle>
+    <a:lvl1pPr marL="0" algn="l" defTabSz="914400" rtl="0" eaLnBrk="1" latinLnBrk="0" hangingPunct="1">
+      <a:defRPr sz="1200" kern="1200">
+        <a:solidFill>
+          <a:schemeClr val="tx1"/>
+        </a:solidFill>
+        <a:latin typeface="+mn-lt"/>
+        <a:ea typeface="+mn-ea"/>
+        <a:cs typeface="+mn-cs"/>
+      </a:defRPr>
+    </a:lvl1pPr>
+    <a:lvl2pPr marL="457200" algn="l" defTabSz="914400" rtl="0" eaLnBrk="1" latinLnBrk="0" hangingPunct="1">
+      <a:defRPr sz="1200" kern="1200">
+        <a:solidFill>
+          <a:schemeClr val="tx1"/>
+        </a:solidFill>
+        <a:latin typeface="+mn-lt"/>
+        <a:ea typeface="+mn-ea"/>
+        <a:cs typeface="+mn-cs"/>
+      </a:defRPr>
+    </a:lvl2pPr>
+    <a:lvl3pPr marL="914400" algn="l" defTabSz="914400" rtl="0" eaLnBrk="1" latinLnBrk="0" hangingPunct="1">
+      <a:defRPr sz="1200" kern="1200">
+        <a:solidFill>
+          <a:schemeClr val="tx1"/>
+        </a:solidFill>
+        <a:latin typeface="+mn-lt"/>
+        <a:ea typeface="+mn-ea"/>
+        <a:cs typeface="+mn-cs"/>
+      </a:defRPr>
+    </a:lvl3pPr>
+    <a:lvl4pPr marL="1371600" algn="l" defTabSz="914400" rtl="0" eaLnBrk="1" latinLnBrk="0" hangingPunct="1">
+      <a:defRPr sz="1200" kern="1200">
+        <a:solidFill>
+          <a:schemeClr val="tx1"/>
+        </a:solidFill>
+        <a:latin typeface="+mn-lt"/>
+        <a:ea typeface="+mn-ea"/>
+        <a:cs typeface="+mn-cs"/>
+      </a:defRPr>
+    </a:lvl4pPr>
+    <a:lvl5pPr marL="1828800" algn="l" defTabSz="914400" rtl="0" eaLnBrk="1" latinLnBrk="0" hangingPunct="1">
+      <a:defRPr sz="1200" kern="1200">
+        <a:solidFill>
+          <a:schemeClr val="tx1"/>
+        </a:solidFill>
+        <a:latin typeface="+mn-lt"/>
+        <a:ea typeface="+mn-ea"/>
+        <a:cs typeface="+mn-cs"/>
+      </a:defRPr>
+    </a:lvl5pPr>
+    <a:lvl6pPr marL="2286000" algn="l" defTabSz="914400" rtl="0" eaLnBrk="1" latinLnBrk="0" hangingPunct="1">
+      <a:defRPr sz="1200" kern="1200">
+        <a:solidFill>
+          <a:schemeClr val="tx1"/>
+        </a:solidFill>
+        <a:latin typeface="+mn-lt"/>
+        <a:ea typeface="+mn-ea"/>
+        <a:cs typeface="+mn-cs"/>
+      </a:defRPr>
+    </a:lvl6pPr>
+    <a:lvl7pPr marL="2743200" algn="l" defTabSz="914400" rtl="0" eaLnBrk="1" latinLnBrk="0" hangingPunct="1">
+      <a:defRPr sz="1200" kern="1200">
+        <a:solidFill>
+          <a:schemeClr val="tx1"/>
+        </a:solidFill>
+        <a:latin typeface="+mn-lt"/>
+        <a:ea typeface="+mn-ea"/>
+        <a:cs typeface="+mn-cs"/>
+      </a:defRPr>
+    </a:lvl7pPr>
+    <a:lvl8pPr marL="3200400" algn="l" defTabSz="914400" rtl="0" eaLnBrk="1" latinLnBrk="0" hangingPunct="1">
+      <a:defRPr sz="1200" kern="1200">
+        <a:solidFill>
+          <a:schemeClr val="tx1"/>
+        </a:solidFill>
+        <a:latin typeface="+mn-lt"/>
+        <a:ea typeface="+mn-ea"/>
+        <a:cs typeface="+mn-cs"/>
+      </a:defRPr>
+    </a:lvl8pPr>
+    <a:lvl9pPr marL="3657600" algn="l" defTabSz="914400" rtl="0" eaLnBrk="1" latinLnBrk="0" hangingPunct="1">
+      <a:defRPr sz="1200" kern="1200">
+        <a:solidFill>
+          <a:schemeClr val="tx1"/>
+        </a:solidFill>
+        <a:latin typeface="+mn-lt"/>
+        <a:ea typeface="+mn-ea"/>
+        <a:cs typeface="+mn-cs"/>
+      </a:defRPr>
+    </a:lvl9pPr>
+  </p:notesStyle>
+</p:notesMaster>
+</file>
+
+<file path=ppt/notesSlides/notesSlide1.xml><?xml version="1.0" encoding="utf-8"?>
+<p:notes xmlns:a="http://schemas.openxmlformats.org/drawingml/2006/main" xmlns:r="http://schemas.openxmlformats.org/officeDocument/2006/relationships" xmlns:p="http://schemas.openxmlformats.org/presentationml/2006/main">
+  <p:cSld>
+    <p:spTree>
+      <p:nvGrpSpPr>
+        <p:cNvPr id="1" name=""/>
+        <p:cNvGrpSpPr/>
+        <p:nvPr/>
+      </p:nvGrpSpPr>
+      <p:grpSpPr>
+        <a:xfrm>
+          <a:off x="0" y="0"/>
+          <a:ext cx="0" cy="0"/>
+          <a:chOff x="0" y="0"/>
+          <a:chExt cx="0" cy="0"/>
+        </a:xfrm>
+      </p:grpSpPr>
+      <p:sp>
+        <p:nvSpPr>
+          <p:cNvPr id="2" name="Slide Image Placeholder 1"/>
+          <p:cNvSpPr>
+            <a:spLocks noGrp="1" noRot="1" noChangeAspect="1"/>
+          </p:cNvSpPr>
+          <p:nvPr>
+            <p:ph type="sldImg"/>
+          </p:nvPr>
+        </p:nvSpPr>
+        <p:spPr/>
+      </p:sp>
+      <p:sp>
+        <p:nvSpPr>
+          <p:cNvPr id="3" name="Notes Placeholder 2"/>
+          <p:cNvSpPr>
+            <a:spLocks noGrp="1"/>
+          </p:cNvSpPr>
+          <p:nvPr>
+            <p:ph type="body" idx="1"/>
+          </p:nvPr>
+        </p:nvSpPr>
+        <p:spPr/>
+        <p:txBody>
+          <a:bodyPr/>
+          <a:lstStyle/>
+          <a:p>
+            <a:endParaRPr lang="en-US" dirty="0"/>
+          </a:p>
+          <a:p>
+            <a:pPr marL="0" marR="0" lvl="0" indent="0" algn="l" defTabSz="914400" rtl="0" eaLnBrk="1" fontAlgn="auto" latinLnBrk="0" hangingPunct="1">
+              <a:lnSpc>
+                <a:spcPct val="100000"/>
+              </a:lnSpc>
+              <a:spcBef>
+                <a:spcPts val="0"/>
+              </a:spcBef>
+              <a:spcAft>
+                <a:spcPts val="0"/>
+              </a:spcAft>
+              <a:buClrTx/>
+              <a:buSzTx/>
+              <a:buFontTx/>
+              <a:buNone/>
+              <a:tabLst/>
+              <a:defRPr/>
+            </a:pPr>
+            <a:r>
+              <a:rPr lang="en-US" u="sng" dirty="0"/>
+              <a:t>Introduce the Malware issue</a:t>
+            </a:r>
+            <a:endParaRPr lang="en-US" dirty="0"/>
+          </a:p>
+          <a:p>
+            <a:r>
+              <a:rPr lang="en-US" dirty="0"/>
+              <a:t>The Android operating system has become a popular choice for smartphone users worldwide. It currently has a global market share of 72% in the mobile operating systems market. However, the rapid growth of Android apps and its worldwide popularity in the smartphone market as well as it’s open-source nature has made it an easy and accessible target for malware. </a:t>
+            </a:r>
+          </a:p>
+          <a:p>
+            <a:endParaRPr lang="en-US" dirty="0"/>
+          </a:p>
+          <a:p>
+            <a:r>
+              <a:rPr lang="en-US" dirty="0"/>
+              <a:t>Although Android attempts to curb the harm of malicious software with updates to fix vulnerabilities, like they do with Play Protect in the Google Play Appstore, unfortunately, malware apps have also upgraded and adapted to this evolution. </a:t>
+            </a:r>
+          </a:p>
+          <a:p>
+            <a:endParaRPr lang="en-US" dirty="0"/>
+          </a:p>
+          <a:p>
+            <a:r>
+              <a:rPr lang="en-US" dirty="0"/>
+              <a:t>For those of us unfamiliar with the concept, malware is a type of software that is designed to harm or exploit any device it infects. It can be used to steal personal information, damage files or even take control of a device. The ever-increasing number of native AOS permissions and developers’ ability to create custom permissions provide plenty of options to gain control over devices and private data. Therefore newly created permissions could be of great importance in detecting current malware. </a:t>
+            </a:r>
+          </a:p>
+          <a:p>
+            <a:endParaRPr lang="en-US" dirty="0"/>
+          </a:p>
+        </p:txBody>
+      </p:sp>
+      <p:sp>
+        <p:nvSpPr>
+          <p:cNvPr id="4" name="Slide Number Placeholder 3"/>
+          <p:cNvSpPr>
+            <a:spLocks noGrp="1"/>
+          </p:cNvSpPr>
+          <p:nvPr>
+            <p:ph type="sldNum" sz="quarter" idx="5"/>
+          </p:nvPr>
+        </p:nvSpPr>
+        <p:spPr/>
+        <p:txBody>
+          <a:bodyPr/>
+          <a:lstStyle/>
+          <a:p>
+            <a:fld id="{AF049292-9110-EF43-9B06-BC27797FB358}" type="slidenum">
+              <a:rPr lang="en-US" smtClean="0"/>
+              <a:t>2</a:t>
+            </a:fld>
+            <a:endParaRPr lang="en-US"/>
+          </a:p>
+        </p:txBody>
+      </p:sp>
+    </p:spTree>
+    <p:extLst>
+      <p:ext uri="{BB962C8B-B14F-4D97-AF65-F5344CB8AC3E}">
+        <p14:creationId xmlns:p14="http://schemas.microsoft.com/office/powerpoint/2010/main" val="268272540"/>
+      </p:ext>
+    </p:extLst>
+  </p:cSld>
+  <p:clrMapOvr>
+    <a:masterClrMapping/>
+  </p:clrMapOvr>
+</p:notes>
+</file>
+
+<file path=ppt/notesSlides/notesSlide2.xml><?xml version="1.0" encoding="utf-8"?>
+<p:notes xmlns:a="http://schemas.openxmlformats.org/drawingml/2006/main" xmlns:r="http://schemas.openxmlformats.org/officeDocument/2006/relationships" xmlns:p="http://schemas.openxmlformats.org/presentationml/2006/main">
+  <p:cSld>
+    <p:spTree>
+      <p:nvGrpSpPr>
+        <p:cNvPr id="1" name=""/>
+        <p:cNvGrpSpPr/>
+        <p:nvPr/>
+      </p:nvGrpSpPr>
+      <p:grpSpPr>
+        <a:xfrm>
+          <a:off x="0" y="0"/>
+          <a:ext cx="0" cy="0"/>
+          <a:chOff x="0" y="0"/>
+          <a:chExt cx="0" cy="0"/>
+        </a:xfrm>
+      </p:grpSpPr>
+      <p:sp>
+        <p:nvSpPr>
+          <p:cNvPr id="2" name="Slide Image Placeholder 1"/>
+          <p:cNvSpPr>
+            <a:spLocks noGrp="1" noRot="1" noChangeAspect="1"/>
+          </p:cNvSpPr>
+          <p:nvPr>
+            <p:ph type="sldImg"/>
+          </p:nvPr>
+        </p:nvSpPr>
+        <p:spPr/>
+      </p:sp>
+      <p:sp>
+        <p:nvSpPr>
+          <p:cNvPr id="3" name="Notes Placeholder 2"/>
+          <p:cNvSpPr>
+            <a:spLocks noGrp="1"/>
+          </p:cNvSpPr>
+          <p:nvPr>
+            <p:ph type="body" idx="1"/>
+          </p:nvPr>
+        </p:nvSpPr>
+        <p:spPr/>
+        <p:txBody>
+          <a:bodyPr/>
+          <a:lstStyle/>
+          <a:p>
+            <a:pPr marL="0" marR="0" lvl="0" indent="0" algn="l" defTabSz="914400" rtl="0" eaLnBrk="1" fontAlgn="auto" latinLnBrk="0" hangingPunct="1">
+              <a:lnSpc>
+                <a:spcPct val="100000"/>
+              </a:lnSpc>
+              <a:spcBef>
+                <a:spcPts val="0"/>
+              </a:spcBef>
+              <a:spcAft>
+                <a:spcPts val="0"/>
+              </a:spcAft>
+              <a:buClrTx/>
+              <a:buSzTx/>
+              <a:buFontTx/>
+              <a:buNone/>
+              <a:tabLst/>
+              <a:defRPr/>
+            </a:pPr>
+            <a:r>
+              <a:rPr lang="en-US" u="sng" dirty="0"/>
+              <a:t>Discuss the article we will be referencing</a:t>
+            </a:r>
+          </a:p>
+          <a:p>
+            <a:r>
+              <a:rPr lang="en-US" dirty="0"/>
+              <a:t>Our project was inspired by a paper from the Journal of information Security and Applications which tackles this very issue. The researchers of this article have proposed a novel malware detection framework for Android called </a:t>
+            </a:r>
+            <a:r>
+              <a:rPr lang="en-US" dirty="0" err="1"/>
+              <a:t>NATICUSdroid</a:t>
+            </a:r>
+            <a:r>
+              <a:rPr lang="en-US" dirty="0"/>
+              <a:t>. </a:t>
+            </a:r>
+            <a:r>
+              <a:rPr lang="en-US" dirty="0" err="1"/>
+              <a:t>NATICUSdroid</a:t>
+            </a:r>
+            <a:r>
+              <a:rPr lang="en-US" dirty="0"/>
+              <a:t> investigates and classifies benign and malware using statistically selected native and custom Android permissions as features for various machine learning classifiers. </a:t>
+            </a:r>
+          </a:p>
+          <a:p>
+            <a:endParaRPr lang="en-US" dirty="0"/>
+          </a:p>
+          <a:p>
+            <a:r>
+              <a:rPr lang="en-US" u="sng" dirty="0"/>
+              <a:t>Our objective</a:t>
+            </a:r>
+            <a:endParaRPr lang="en-US" u="none" dirty="0"/>
+          </a:p>
+          <a:p>
+            <a:r>
+              <a:rPr lang="en-US" u="none" dirty="0"/>
+              <a:t>Our objective was first to replicate the performance of some of their machine learning methods before attempting to improve upon them with some of our own ideas. We see that Random Forest had done the best with a validation accuracy of 97%. Aside from the models here we will also fit a neural network to see if we can get a better performance. </a:t>
+            </a:r>
+            <a:endParaRPr lang="en-US" u="sng" dirty="0"/>
+          </a:p>
+          <a:p>
+            <a:endParaRPr lang="en-US" dirty="0"/>
+          </a:p>
+        </p:txBody>
+      </p:sp>
+      <p:sp>
+        <p:nvSpPr>
+          <p:cNvPr id="4" name="Slide Number Placeholder 3"/>
+          <p:cNvSpPr>
+            <a:spLocks noGrp="1"/>
+          </p:cNvSpPr>
+          <p:nvPr>
+            <p:ph type="sldNum" sz="quarter" idx="5"/>
+          </p:nvPr>
+        </p:nvSpPr>
+        <p:spPr/>
+        <p:txBody>
+          <a:bodyPr/>
+          <a:lstStyle/>
+          <a:p>
+            <a:fld id="{AF049292-9110-EF43-9B06-BC27797FB358}" type="slidenum">
+              <a:rPr lang="en-US" smtClean="0"/>
+              <a:t>3</a:t>
+            </a:fld>
+            <a:endParaRPr lang="en-US"/>
+          </a:p>
+        </p:txBody>
+      </p:sp>
+    </p:spTree>
+    <p:extLst>
+      <p:ext uri="{BB962C8B-B14F-4D97-AF65-F5344CB8AC3E}">
+        <p14:creationId xmlns:p14="http://schemas.microsoft.com/office/powerpoint/2010/main" val="322801201"/>
+      </p:ext>
+    </p:extLst>
+  </p:cSld>
+  <p:clrMapOvr>
+    <a:masterClrMapping/>
+  </p:clrMapOvr>
+</p:notes>
+</file>
+
+<file path=ppt/notesSlides/notesSlide3.xml><?xml version="1.0" encoding="utf-8"?>
+<p:notes xmlns:a="http://schemas.openxmlformats.org/drawingml/2006/main" xmlns:r="http://schemas.openxmlformats.org/officeDocument/2006/relationships" xmlns:p="http://schemas.openxmlformats.org/presentationml/2006/main">
+  <p:cSld>
+    <p:spTree>
+      <p:nvGrpSpPr>
+        <p:cNvPr id="1" name=""/>
+        <p:cNvGrpSpPr/>
+        <p:nvPr/>
+      </p:nvGrpSpPr>
+      <p:grpSpPr>
+        <a:xfrm>
+          <a:off x="0" y="0"/>
+          <a:ext cx="0" cy="0"/>
+          <a:chOff x="0" y="0"/>
+          <a:chExt cx="0" cy="0"/>
+        </a:xfrm>
+      </p:grpSpPr>
+      <p:sp>
+        <p:nvSpPr>
+          <p:cNvPr id="2" name="Slide Image Placeholder 1"/>
+          <p:cNvSpPr>
+            <a:spLocks noGrp="1" noRot="1" noChangeAspect="1"/>
+          </p:cNvSpPr>
+          <p:nvPr>
+            <p:ph type="sldImg"/>
+          </p:nvPr>
+        </p:nvSpPr>
+        <p:spPr/>
+      </p:sp>
+      <p:sp>
+        <p:nvSpPr>
+          <p:cNvPr id="3" name="Notes Placeholder 2"/>
+          <p:cNvSpPr>
+            <a:spLocks noGrp="1"/>
+          </p:cNvSpPr>
+          <p:nvPr>
+            <p:ph type="body" idx="1"/>
+          </p:nvPr>
+        </p:nvSpPr>
+        <p:spPr/>
+        <p:txBody>
+          <a:bodyPr/>
+          <a:lstStyle/>
+          <a:p>
+            <a:pPr marL="0" marR="0" lvl="0" indent="0" algn="l" defTabSz="914400" rtl="0" eaLnBrk="1" fontAlgn="auto" latinLnBrk="0" hangingPunct="1">
+              <a:lnSpc>
+                <a:spcPct val="100000"/>
+              </a:lnSpc>
+              <a:spcBef>
+                <a:spcPts val="0"/>
+              </a:spcBef>
+              <a:spcAft>
+                <a:spcPts val="0"/>
+              </a:spcAft>
+              <a:buClrTx/>
+              <a:buSzTx/>
+              <a:buFontTx/>
+              <a:buNone/>
+              <a:tabLst/>
+              <a:defRPr/>
+            </a:pPr>
+            <a:r>
+              <a:rPr lang="en-US" u="sng" dirty="0"/>
+              <a:t>Discuss the dataset</a:t>
+            </a:r>
+            <a:endParaRPr lang="en-US" dirty="0"/>
+          </a:p>
+          <a:p>
+            <a:r>
+              <a:rPr lang="en-US" dirty="0"/>
+              <a:t>86 permissions were analyzed in roughly 30,000 benign and malware collected during 2010-2019 to identify the most significant permissions. </a:t>
+            </a:r>
+          </a:p>
+          <a:p>
+            <a:r>
+              <a:rPr lang="en-US" dirty="0"/>
+              <a:t>The data has two main sources. Benign apps which were taken from the </a:t>
+            </a:r>
+            <a:r>
+              <a:rPr lang="en-US" dirty="0" err="1"/>
+              <a:t>Androzoo</a:t>
+            </a:r>
+            <a:r>
+              <a:rPr lang="en-US" dirty="0"/>
+              <a:t> database. Although a few sources like Google Play Store have been known to contain malware, for simplicity, an assumption was made that the apps from these sources exhibit non-malicious behavior. To add additional assurance, the 15,000 apps chosen were rated ‘benign’ by an antivirus software and further pruned using a threshold of a specific API protection level. </a:t>
+            </a:r>
+          </a:p>
+          <a:p>
+            <a:endParaRPr lang="en-US" dirty="0"/>
+          </a:p>
+          <a:p>
+            <a:r>
+              <a:rPr lang="en-US" dirty="0"/>
+              <a:t>The malware dataset was taken from Argus Lab’s Android Malware Database, of which a roughly similar random sample size was taken.</a:t>
+            </a:r>
+          </a:p>
+          <a:p>
+            <a:endParaRPr lang="en-US" dirty="0"/>
+          </a:p>
+          <a:p>
+            <a:r>
+              <a:rPr lang="en-US" dirty="0"/>
+              <a:t>We’ll notice some overlap in the permissions being used for both benign and malicious apps so we can guess that they may not be included in the final features after we fit our models. The table just gives an idea of the most frequently used permissions in the apps. </a:t>
+            </a:r>
+          </a:p>
+          <a:p>
+            <a:endParaRPr lang="en-US" dirty="0"/>
+          </a:p>
+        </p:txBody>
+      </p:sp>
+      <p:sp>
+        <p:nvSpPr>
+          <p:cNvPr id="4" name="Slide Number Placeholder 3"/>
+          <p:cNvSpPr>
+            <a:spLocks noGrp="1"/>
+          </p:cNvSpPr>
+          <p:nvPr>
+            <p:ph type="sldNum" sz="quarter" idx="5"/>
+          </p:nvPr>
+        </p:nvSpPr>
+        <p:spPr/>
+        <p:txBody>
+          <a:bodyPr/>
+          <a:lstStyle/>
+          <a:p>
+            <a:fld id="{AF049292-9110-EF43-9B06-BC27797FB358}" type="slidenum">
+              <a:rPr lang="en-US" smtClean="0"/>
+              <a:t>4</a:t>
+            </a:fld>
+            <a:endParaRPr lang="en-US"/>
+          </a:p>
+        </p:txBody>
+      </p:sp>
+    </p:spTree>
+    <p:extLst>
+      <p:ext uri="{BB962C8B-B14F-4D97-AF65-F5344CB8AC3E}">
+        <p14:creationId xmlns:p14="http://schemas.microsoft.com/office/powerpoint/2010/main" val="2020589855"/>
+      </p:ext>
+    </p:extLst>
+  </p:cSld>
+  <p:clrMapOvr>
+    <a:masterClrMapping/>
+  </p:clrMapOvr>
+</p:notes>
 </file>
 
 <file path=ppt/slideLayouts/slideLayout1.xml><?xml version="1.0" encoding="utf-8"?>
@@ -275,7 +1061,7 @@
           <a:p>
             <a:fld id="{E6171E64-FE02-4DE5-B72F-53C3706641C3}" type="datetimeFigureOut">
               <a:rPr lang="en-US" smtClean="0"/>
-              <a:t>11/25/23</a:t>
+              <a:t>11/26/23</a:t>
             </a:fld>
             <a:endParaRPr lang="en-US"/>
           </a:p>
@@ -662,7 +1448,7 @@
           <a:p>
             <a:fld id="{E6171E64-FE02-4DE5-B72F-53C3706641C3}" type="datetimeFigureOut">
               <a:rPr lang="en-US" smtClean="0"/>
-              <a:t>11/25/23</a:t>
+              <a:t>11/26/23</a:t>
             </a:fld>
             <a:endParaRPr lang="en-US"/>
           </a:p>
@@ -1055,7 +1841,7 @@
           <a:p>
             <a:fld id="{E6171E64-FE02-4DE5-B72F-53C3706641C3}" type="datetimeFigureOut">
               <a:rPr lang="en-US" smtClean="0"/>
-              <a:t>11/25/23</a:t>
+              <a:t>11/26/23</a:t>
             </a:fld>
             <a:endParaRPr lang="en-US"/>
           </a:p>
@@ -1470,7 +2256,7 @@
           <a:p>
             <a:fld id="{E6171E64-FE02-4DE5-B72F-53C3706641C3}" type="datetimeFigureOut">
               <a:rPr lang="en-US" smtClean="0"/>
-              <a:t>11/25/23</a:t>
+              <a:t>11/26/23</a:t>
             </a:fld>
             <a:endParaRPr lang="en-US"/>
           </a:p>
@@ -1812,7 +2598,7 @@
           <a:p>
             <a:fld id="{E6171E64-FE02-4DE5-B72F-53C3706641C3}" type="datetimeFigureOut">
               <a:rPr lang="en-US" smtClean="0"/>
-              <a:t>11/25/23</a:t>
+              <a:t>11/26/23</a:t>
             </a:fld>
             <a:endParaRPr lang="en-US"/>
           </a:p>
@@ -2136,7 +2922,7 @@
           <a:p>
             <a:fld id="{E6171E64-FE02-4DE5-B72F-53C3706641C3}" type="datetimeFigureOut">
               <a:rPr lang="en-US" smtClean="0"/>
-              <a:t>11/25/23</a:t>
+              <a:t>11/26/23</a:t>
             </a:fld>
             <a:endParaRPr lang="en-US"/>
           </a:p>
@@ -2617,7 +3403,7 @@
           <a:p>
             <a:fld id="{E6171E64-FE02-4DE5-B72F-53C3706641C3}" type="datetimeFigureOut">
               <a:rPr lang="en-US" smtClean="0"/>
-              <a:t>11/25/23</a:t>
+              <a:t>11/26/23</a:t>
             </a:fld>
             <a:endParaRPr lang="en-US"/>
           </a:p>
@@ -2779,7 +3565,7 @@
           <a:p>
             <a:fld id="{E6171E64-FE02-4DE5-B72F-53C3706641C3}" type="datetimeFigureOut">
               <a:rPr lang="en-US" smtClean="0"/>
-              <a:t>11/25/23</a:t>
+              <a:t>11/26/23</a:t>
             </a:fld>
             <a:endParaRPr lang="en-US"/>
           </a:p>
@@ -2892,7 +3678,7 @@
           <a:p>
             <a:fld id="{E6171E64-FE02-4DE5-B72F-53C3706641C3}" type="datetimeFigureOut">
               <a:rPr lang="en-US" smtClean="0"/>
-              <a:t>11/25/23</a:t>
+              <a:t>11/26/23</a:t>
             </a:fld>
             <a:endParaRPr lang="en-US"/>
           </a:p>
@@ -3214,7 +4000,7 @@
           <a:p>
             <a:fld id="{E6171E64-FE02-4DE5-B72F-53C3706641C3}" type="datetimeFigureOut">
               <a:rPr lang="en-US" smtClean="0"/>
-              <a:t>11/25/23</a:t>
+              <a:t>11/26/23</a:t>
             </a:fld>
             <a:endParaRPr lang="en-US"/>
           </a:p>
@@ -3516,7 +4302,7 @@
           <a:p>
             <a:fld id="{E6171E64-FE02-4DE5-B72F-53C3706641C3}" type="datetimeFigureOut">
               <a:rPr lang="en-US" smtClean="0"/>
-              <a:t>11/25/23</a:t>
+              <a:t>11/26/23</a:t>
             </a:fld>
             <a:endParaRPr lang="en-US"/>
           </a:p>
@@ -3757,7 +4543,7 @@
           <a:p>
             <a:fld id="{E6171E64-FE02-4DE5-B72F-53C3706641C3}" type="datetimeFigureOut">
               <a:rPr lang="en-US" smtClean="0"/>
-              <a:t>11/25/23</a:t>
+              <a:t>11/26/23</a:t>
             </a:fld>
             <a:endParaRPr lang="en-US"/>
           </a:p>
@@ -4924,7 +5710,7 @@
           <p:cNvPr id="2" name="Title 1">
             <a:extLst>
               <a:ext uri="{FF2B5EF4-FFF2-40B4-BE49-F238E27FC236}">
-                <a16:creationId xmlns:a16="http://schemas.microsoft.com/office/drawing/2014/main" id="{D663F9CA-71F1-DDC8-353E-6579169DDC14}"/>
+                <a16:creationId xmlns:a16="http://schemas.microsoft.com/office/drawing/2014/main" id="{BBC50C80-13C9-A9EC-47FA-327E94B65227}"/>
               </a:ext>
             </a:extLst>
           </p:cNvPr>
@@ -4935,50 +5721,57 @@
             <p:ph type="title"/>
           </p:nvPr>
         </p:nvSpPr>
-        <p:spPr/>
+        <p:spPr>
+          <a:xfrm>
+            <a:off x="808661" y="365125"/>
+            <a:ext cx="10357666" cy="634335"/>
+          </a:xfrm>
+        </p:spPr>
         <p:txBody>
           <a:bodyPr/>
           <a:lstStyle/>
           <a:p>
+            <a:pPr algn="ctr"/>
             <a:r>
               <a:rPr lang="en-US" dirty="0"/>
-              <a:t>Introduction</a:t>
-            </a:r>
-          </a:p>
-        </p:txBody>
-      </p:sp>
-      <p:sp>
-        <p:nvSpPr>
-          <p:cNvPr id="3" name="Content Placeholder 2">
-            <a:extLst>
-              <a:ext uri="{FF2B5EF4-FFF2-40B4-BE49-F238E27FC236}">
-                <a16:creationId xmlns:a16="http://schemas.microsoft.com/office/drawing/2014/main" id="{CF6D84E7-25B7-2BF4-7F07-6557D74F431C}"/>
-              </a:ext>
-            </a:extLst>
-          </p:cNvPr>
-          <p:cNvSpPr>
-            <a:spLocks noGrp="1"/>
-          </p:cNvSpPr>
-          <p:nvPr>
-            <p:ph idx="1"/>
-          </p:nvPr>
-        </p:nvSpPr>
-        <p:spPr/>
-        <p:txBody>
-          <a:bodyPr/>
-          <a:lstStyle/>
-          <a:p>
-            <a:r>
-              <a:rPr lang="en-US" dirty="0"/>
-              <a:t>Talk about the article and the dataset</a:t>
-            </a:r>
-          </a:p>
-        </p:txBody>
-      </p:sp>
+              <a:t>Malware</a:t>
+            </a:r>
+          </a:p>
+        </p:txBody>
+      </p:sp>
+      <p:pic>
+        <p:nvPicPr>
+          <p:cNvPr id="4" name="Picture 3">
+            <a:extLst>
+              <a:ext uri="{FF2B5EF4-FFF2-40B4-BE49-F238E27FC236}">
+                <a16:creationId xmlns:a16="http://schemas.microsoft.com/office/drawing/2014/main" id="{F4688C94-B4D0-4498-5E2B-B16CC95C8798}"/>
+              </a:ext>
+            </a:extLst>
+          </p:cNvPr>
+          <p:cNvPicPr>
+            <a:picLocks noChangeAspect="1"/>
+          </p:cNvPicPr>
+          <p:nvPr/>
+        </p:nvPicPr>
+        <p:blipFill rotWithShape="1">
+          <a:blip r:embed="rId3"/>
+          <a:srcRect b="7450"/>
+          <a:stretch/>
+        </p:blipFill>
+        <p:spPr>
+          <a:xfrm>
+            <a:off x="3064354" y="1564414"/>
+            <a:ext cx="5104829" cy="4049577"/>
+          </a:xfrm>
+          <a:prstGeom prst="rect">
+            <a:avLst/>
+          </a:prstGeom>
+        </p:spPr>
+      </p:pic>
     </p:spTree>
     <p:extLst>
       <p:ext uri="{BB962C8B-B14F-4D97-AF65-F5344CB8AC3E}">
-        <p14:creationId xmlns:p14="http://schemas.microsoft.com/office/powerpoint/2010/main" val="4161649350"/>
+        <p14:creationId xmlns:p14="http://schemas.microsoft.com/office/powerpoint/2010/main" val="411291352"/>
       </p:ext>
     </p:extLst>
   </p:cSld>
@@ -5005,64 +5798,70 @@
           <a:chExt cx="0" cy="0"/>
         </a:xfrm>
       </p:grpSpPr>
-      <p:sp>
-        <p:nvSpPr>
-          <p:cNvPr id="2" name="Title 1">
-            <a:extLst>
-              <a:ext uri="{FF2B5EF4-FFF2-40B4-BE49-F238E27FC236}">
-                <a16:creationId xmlns:a16="http://schemas.microsoft.com/office/drawing/2014/main" id="{BBC50C80-13C9-A9EC-47FA-327E94B65227}"/>
-              </a:ext>
-            </a:extLst>
-          </p:cNvPr>
-          <p:cNvSpPr>
-            <a:spLocks noGrp="1"/>
-          </p:cNvSpPr>
-          <p:nvPr>
-            <p:ph type="title"/>
-          </p:nvPr>
-        </p:nvSpPr>
-        <p:spPr/>
-        <p:txBody>
-          <a:bodyPr/>
-          <a:lstStyle/>
-          <a:p>
-            <a:r>
-              <a:rPr lang="en-US"/>
-              <a:t>Exploring the data</a:t>
-            </a:r>
-            <a:endParaRPr lang="en-US" dirty="0"/>
-          </a:p>
-        </p:txBody>
-      </p:sp>
-      <p:sp>
-        <p:nvSpPr>
-          <p:cNvPr id="3" name="Content Placeholder 2">
-            <a:extLst>
-              <a:ext uri="{FF2B5EF4-FFF2-40B4-BE49-F238E27FC236}">
-                <a16:creationId xmlns:a16="http://schemas.microsoft.com/office/drawing/2014/main" id="{DDA04962-5CB6-D7E4-9493-6C746DD473A8}"/>
-              </a:ext>
-            </a:extLst>
-          </p:cNvPr>
-          <p:cNvSpPr>
-            <a:spLocks noGrp="1"/>
-          </p:cNvSpPr>
-          <p:nvPr>
-            <p:ph idx="1"/>
-          </p:nvPr>
-        </p:nvSpPr>
-        <p:spPr/>
-        <p:txBody>
-          <a:bodyPr/>
-          <a:lstStyle/>
-          <a:p>
-            <a:endParaRPr lang="en-US"/>
-          </a:p>
-        </p:txBody>
-      </p:sp>
+      <p:pic>
+        <p:nvPicPr>
+          <p:cNvPr id="10" name="Picture 9" descr="A close-up of a document&#10;&#10;Description automatically generated">
+            <a:extLst>
+              <a:ext uri="{FF2B5EF4-FFF2-40B4-BE49-F238E27FC236}">
+                <a16:creationId xmlns:a16="http://schemas.microsoft.com/office/drawing/2014/main" id="{99A67774-2B7D-C5B1-9435-FE98DC480EAC}"/>
+              </a:ext>
+            </a:extLst>
+          </p:cNvPr>
+          <p:cNvPicPr>
+            <a:picLocks noChangeAspect="1"/>
+          </p:cNvPicPr>
+          <p:nvPr/>
+        </p:nvPicPr>
+        <p:blipFill>
+          <a:blip r:embed="rId3"/>
+          <a:stretch>
+            <a:fillRect/>
+          </a:stretch>
+        </p:blipFill>
+        <p:spPr>
+          <a:xfrm>
+            <a:off x="1737431" y="217650"/>
+            <a:ext cx="7772400" cy="2991270"/>
+          </a:xfrm>
+          <a:prstGeom prst="rect">
+            <a:avLst/>
+          </a:prstGeom>
+        </p:spPr>
+      </p:pic>
+      <p:pic>
+        <p:nvPicPr>
+          <p:cNvPr id="19" name="Picture 18" descr="A table with numbers and symbols&#10;&#10;Description automatically generated">
+            <a:extLst>
+              <a:ext uri="{FF2B5EF4-FFF2-40B4-BE49-F238E27FC236}">
+                <a16:creationId xmlns:a16="http://schemas.microsoft.com/office/drawing/2014/main" id="{3D670857-8684-F74D-7CA6-F89E00988926}"/>
+              </a:ext>
+            </a:extLst>
+          </p:cNvPr>
+          <p:cNvPicPr>
+            <a:picLocks noChangeAspect="1"/>
+          </p:cNvPicPr>
+          <p:nvPr/>
+        </p:nvPicPr>
+        <p:blipFill>
+          <a:blip r:embed="rId4"/>
+          <a:stretch>
+            <a:fillRect/>
+          </a:stretch>
+        </p:blipFill>
+        <p:spPr>
+          <a:xfrm>
+            <a:off x="1737431" y="3429000"/>
+            <a:ext cx="7772400" cy="2701956"/>
+          </a:xfrm>
+          <a:prstGeom prst="rect">
+            <a:avLst/>
+          </a:prstGeom>
+        </p:spPr>
+      </p:pic>
     </p:spTree>
     <p:extLst>
       <p:ext uri="{BB962C8B-B14F-4D97-AF65-F5344CB8AC3E}">
-        <p14:creationId xmlns:p14="http://schemas.microsoft.com/office/powerpoint/2010/main" val="2061080694"/>
+        <p14:creationId xmlns:p14="http://schemas.microsoft.com/office/powerpoint/2010/main" val="4161649350"/>
       </p:ext>
     </p:extLst>
   </p:cSld>
@@ -5094,7 +5893,7 @@
           <p:cNvPr id="2" name="Title 1">
             <a:extLst>
               <a:ext uri="{FF2B5EF4-FFF2-40B4-BE49-F238E27FC236}">
-                <a16:creationId xmlns:a16="http://schemas.microsoft.com/office/drawing/2014/main" id="{0F6CE28D-D77F-885B-91A5-7302FAE378C4}"/>
+                <a16:creationId xmlns:a16="http://schemas.microsoft.com/office/drawing/2014/main" id="{BBC50C80-13C9-A9EC-47FA-327E94B65227}"/>
               </a:ext>
             </a:extLst>
           </p:cNvPr>
@@ -5105,47 +5904,107 @@
             <p:ph type="title"/>
           </p:nvPr>
         </p:nvSpPr>
-        <p:spPr/>
+        <p:spPr>
+          <a:xfrm>
+            <a:off x="2738878" y="0"/>
+            <a:ext cx="6714243" cy="1080561"/>
+          </a:xfrm>
+        </p:spPr>
         <p:txBody>
           <a:bodyPr/>
           <a:lstStyle/>
           <a:p>
             <a:r>
-              <a:rPr lang="en-US" dirty="0"/>
-              <a:t>Methodology</a:t>
-            </a:r>
-          </a:p>
-        </p:txBody>
-      </p:sp>
-      <p:sp>
-        <p:nvSpPr>
-          <p:cNvPr id="3" name="Content Placeholder 2">
-            <a:extLst>
-              <a:ext uri="{FF2B5EF4-FFF2-40B4-BE49-F238E27FC236}">
-                <a16:creationId xmlns:a16="http://schemas.microsoft.com/office/drawing/2014/main" id="{88C63423-5311-72BE-AC08-8DDEB193F258}"/>
-              </a:ext>
-            </a:extLst>
-          </p:cNvPr>
-          <p:cNvSpPr>
-            <a:spLocks noGrp="1"/>
-          </p:cNvSpPr>
-          <p:nvPr>
-            <p:ph idx="1"/>
-          </p:nvPr>
-        </p:nvSpPr>
-        <p:spPr/>
-        <p:txBody>
-          <a:bodyPr/>
-          <a:lstStyle/>
-          <a:p>
-            <a:endParaRPr lang="en-US"/>
-          </a:p>
-        </p:txBody>
-      </p:sp>
+              <a:rPr lang="en-US"/>
+              <a:t>Exploring the data</a:t>
+            </a:r>
+            <a:endParaRPr lang="en-US" dirty="0"/>
+          </a:p>
+        </p:txBody>
+      </p:sp>
+      <p:grpSp>
+        <p:nvGrpSpPr>
+          <p:cNvPr id="7" name="Group 6">
+            <a:extLst>
+              <a:ext uri="{FF2B5EF4-FFF2-40B4-BE49-F238E27FC236}">
+                <a16:creationId xmlns:a16="http://schemas.microsoft.com/office/drawing/2014/main" id="{D59A329F-D812-D2CA-C126-0BF31776A657}"/>
+              </a:ext>
+            </a:extLst>
+          </p:cNvPr>
+          <p:cNvGrpSpPr/>
+          <p:nvPr/>
+        </p:nvGrpSpPr>
+        <p:grpSpPr>
+          <a:xfrm>
+            <a:off x="1838376" y="3842844"/>
+            <a:ext cx="7772400" cy="2690791"/>
+            <a:chOff x="1680721" y="1363717"/>
+            <a:chExt cx="7772400" cy="2690791"/>
+          </a:xfrm>
+        </p:grpSpPr>
+        <p:pic>
+          <p:nvPicPr>
+            <p:cNvPr id="5" name="Picture 4" descr="A table with text on it&#10;&#10;Description automatically generated">
+              <a:extLst>
+                <a:ext uri="{FF2B5EF4-FFF2-40B4-BE49-F238E27FC236}">
+                  <a16:creationId xmlns:a16="http://schemas.microsoft.com/office/drawing/2014/main" id="{43357CEB-D28A-A98E-8165-6C333652CB2D}"/>
+                </a:ext>
+              </a:extLst>
+            </p:cNvPr>
+            <p:cNvPicPr>
+              <a:picLocks noChangeAspect="1"/>
+            </p:cNvPicPr>
+            <p:nvPr/>
+          </p:nvPicPr>
+          <p:blipFill rotWithShape="1">
+            <a:blip r:embed="rId3"/>
+            <a:srcRect b="81074"/>
+            <a:stretch/>
+          </p:blipFill>
+          <p:spPr>
+            <a:xfrm>
+              <a:off x="1680721" y="1363717"/>
+              <a:ext cx="7772400" cy="843455"/>
+            </a:xfrm>
+            <a:prstGeom prst="rect">
+              <a:avLst/>
+            </a:prstGeom>
+          </p:spPr>
+        </p:pic>
+        <p:pic>
+          <p:nvPicPr>
+            <p:cNvPr id="6" name="Picture 5" descr="A table with text on it&#10;&#10;Description automatically generated">
+              <a:extLst>
+                <a:ext uri="{FF2B5EF4-FFF2-40B4-BE49-F238E27FC236}">
+                  <a16:creationId xmlns:a16="http://schemas.microsoft.com/office/drawing/2014/main" id="{7B8B6DD2-97A7-7411-9430-E1B3514E35D2}"/>
+                </a:ext>
+              </a:extLst>
+            </p:cNvPr>
+            <p:cNvPicPr>
+              <a:picLocks noChangeAspect="1"/>
+            </p:cNvPicPr>
+            <p:nvPr/>
+          </p:nvPicPr>
+          <p:blipFill rotWithShape="1">
+            <a:blip r:embed="rId3"/>
+            <a:srcRect t="58547"/>
+            <a:stretch/>
+          </p:blipFill>
+          <p:spPr>
+            <a:xfrm>
+              <a:off x="1680721" y="2207172"/>
+              <a:ext cx="7772400" cy="1847336"/>
+            </a:xfrm>
+            <a:prstGeom prst="rect">
+              <a:avLst/>
+            </a:prstGeom>
+          </p:spPr>
+        </p:pic>
+      </p:grpSp>
     </p:spTree>
     <p:extLst>
       <p:ext uri="{BB962C8B-B14F-4D97-AF65-F5344CB8AC3E}">
-        <p14:creationId xmlns:p14="http://schemas.microsoft.com/office/powerpoint/2010/main" val="2356807947"/>
+        <p14:creationId xmlns:p14="http://schemas.microsoft.com/office/powerpoint/2010/main" val="2061080694"/>
       </p:ext>
     </p:extLst>
   </p:cSld>
@@ -5177,7 +6036,7 @@
           <p:cNvPr id="2" name="Title 1">
             <a:extLst>
               <a:ext uri="{FF2B5EF4-FFF2-40B4-BE49-F238E27FC236}">
-                <a16:creationId xmlns:a16="http://schemas.microsoft.com/office/drawing/2014/main" id="{B7CFA0D9-8FA7-A2E9-6C74-6271BAAE8E2B}"/>
+                <a16:creationId xmlns:a16="http://schemas.microsoft.com/office/drawing/2014/main" id="{0F6CE28D-D77F-885B-91A5-7302FAE378C4}"/>
               </a:ext>
             </a:extLst>
           </p:cNvPr>
@@ -5195,7 +6054,7 @@
           <a:p>
             <a:r>
               <a:rPr lang="en-US" dirty="0"/>
-              <a:t>Results: Prediction</a:t>
+              <a:t>Methodology</a:t>
             </a:r>
           </a:p>
         </p:txBody>
@@ -5205,7 +6064,7 @@
           <p:cNvPr id="3" name="Content Placeholder 2">
             <a:extLst>
               <a:ext uri="{FF2B5EF4-FFF2-40B4-BE49-F238E27FC236}">
-                <a16:creationId xmlns:a16="http://schemas.microsoft.com/office/drawing/2014/main" id="{C0BAB623-DF89-7F64-925C-AAC7D0161319}"/>
+                <a16:creationId xmlns:a16="http://schemas.microsoft.com/office/drawing/2014/main" id="{88C63423-5311-72BE-AC08-8DDEB193F258}"/>
               </a:ext>
             </a:extLst>
           </p:cNvPr>
@@ -5228,7 +6087,7 @@
     </p:spTree>
     <p:extLst>
       <p:ext uri="{BB962C8B-B14F-4D97-AF65-F5344CB8AC3E}">
-        <p14:creationId xmlns:p14="http://schemas.microsoft.com/office/powerpoint/2010/main" val="3755429688"/>
+        <p14:creationId xmlns:p14="http://schemas.microsoft.com/office/powerpoint/2010/main" val="2356807947"/>
       </p:ext>
     </p:extLst>
   </p:cSld>
@@ -5260,7 +6119,7 @@
           <p:cNvPr id="2" name="Title 1">
             <a:extLst>
               <a:ext uri="{FF2B5EF4-FFF2-40B4-BE49-F238E27FC236}">
-                <a16:creationId xmlns:a16="http://schemas.microsoft.com/office/drawing/2014/main" id="{EF105882-36DC-D387-CA38-FF8841B6DF85}"/>
+                <a16:creationId xmlns:a16="http://schemas.microsoft.com/office/drawing/2014/main" id="{B7CFA0D9-8FA7-A2E9-6C74-6271BAAE8E2B}"/>
               </a:ext>
             </a:extLst>
           </p:cNvPr>
@@ -5278,7 +6137,7 @@
           <a:p>
             <a:r>
               <a:rPr lang="en-US" dirty="0"/>
-              <a:t>Results: Interpretation</a:t>
+              <a:t>Results: Prediction</a:t>
             </a:r>
           </a:p>
         </p:txBody>
@@ -5288,7 +6147,7 @@
           <p:cNvPr id="3" name="Content Placeholder 2">
             <a:extLst>
               <a:ext uri="{FF2B5EF4-FFF2-40B4-BE49-F238E27FC236}">
-                <a16:creationId xmlns:a16="http://schemas.microsoft.com/office/drawing/2014/main" id="{121302A5-C0D1-86C4-9AA4-66F33B64A5E0}"/>
+                <a16:creationId xmlns:a16="http://schemas.microsoft.com/office/drawing/2014/main" id="{C0BAB623-DF89-7F64-925C-AAC7D0161319}"/>
               </a:ext>
             </a:extLst>
           </p:cNvPr>
@@ -5311,7 +6170,7 @@
     </p:spTree>
     <p:extLst>
       <p:ext uri="{BB962C8B-B14F-4D97-AF65-F5344CB8AC3E}">
-        <p14:creationId xmlns:p14="http://schemas.microsoft.com/office/powerpoint/2010/main" val="1204778042"/>
+        <p14:creationId xmlns:p14="http://schemas.microsoft.com/office/powerpoint/2010/main" val="3755429688"/>
       </p:ext>
     </p:extLst>
   </p:cSld>
@@ -5343,6 +6202,89 @@
           <p:cNvPr id="2" name="Title 1">
             <a:extLst>
               <a:ext uri="{FF2B5EF4-FFF2-40B4-BE49-F238E27FC236}">
+                <a16:creationId xmlns:a16="http://schemas.microsoft.com/office/drawing/2014/main" id="{EF105882-36DC-D387-CA38-FF8841B6DF85}"/>
+              </a:ext>
+            </a:extLst>
+          </p:cNvPr>
+          <p:cNvSpPr>
+            <a:spLocks noGrp="1"/>
+          </p:cNvSpPr>
+          <p:nvPr>
+            <p:ph type="title"/>
+          </p:nvPr>
+        </p:nvSpPr>
+        <p:spPr/>
+        <p:txBody>
+          <a:bodyPr/>
+          <a:lstStyle/>
+          <a:p>
+            <a:r>
+              <a:rPr lang="en-US" dirty="0"/>
+              <a:t>Results: Interpretation</a:t>
+            </a:r>
+          </a:p>
+        </p:txBody>
+      </p:sp>
+      <p:sp>
+        <p:nvSpPr>
+          <p:cNvPr id="3" name="Content Placeholder 2">
+            <a:extLst>
+              <a:ext uri="{FF2B5EF4-FFF2-40B4-BE49-F238E27FC236}">
+                <a16:creationId xmlns:a16="http://schemas.microsoft.com/office/drawing/2014/main" id="{121302A5-C0D1-86C4-9AA4-66F33B64A5E0}"/>
+              </a:ext>
+            </a:extLst>
+          </p:cNvPr>
+          <p:cNvSpPr>
+            <a:spLocks noGrp="1"/>
+          </p:cNvSpPr>
+          <p:nvPr>
+            <p:ph idx="1"/>
+          </p:nvPr>
+        </p:nvSpPr>
+        <p:spPr/>
+        <p:txBody>
+          <a:bodyPr/>
+          <a:lstStyle/>
+          <a:p>
+            <a:endParaRPr lang="en-US"/>
+          </a:p>
+        </p:txBody>
+      </p:sp>
+    </p:spTree>
+    <p:extLst>
+      <p:ext uri="{BB962C8B-B14F-4D97-AF65-F5344CB8AC3E}">
+        <p14:creationId xmlns:p14="http://schemas.microsoft.com/office/powerpoint/2010/main" val="1204778042"/>
+      </p:ext>
+    </p:extLst>
+  </p:cSld>
+  <p:clrMapOvr>
+    <a:masterClrMapping/>
+  </p:clrMapOvr>
+</p:sld>
+</file>
+
+<file path=ppt/slides/slide8.xml><?xml version="1.0" encoding="utf-8"?>
+<p:sld xmlns:a="http://schemas.openxmlformats.org/drawingml/2006/main" xmlns:r="http://schemas.openxmlformats.org/officeDocument/2006/relationships" xmlns:p="http://schemas.openxmlformats.org/presentationml/2006/main">
+  <p:cSld>
+    <p:spTree>
+      <p:nvGrpSpPr>
+        <p:cNvPr id="1" name=""/>
+        <p:cNvGrpSpPr/>
+        <p:nvPr/>
+      </p:nvGrpSpPr>
+      <p:grpSpPr>
+        <a:xfrm>
+          <a:off x="0" y="0"/>
+          <a:ext cx="0" cy="0"/>
+          <a:chOff x="0" y="0"/>
+          <a:chExt cx="0" cy="0"/>
+        </a:xfrm>
+      </p:grpSpPr>
+      <p:sp>
+        <p:nvSpPr>
+          <p:cNvPr id="2" name="Title 1">
+            <a:extLst>
+              <a:ext uri="{FF2B5EF4-FFF2-40B4-BE49-F238E27FC236}">
                 <a16:creationId xmlns:a16="http://schemas.microsoft.com/office/drawing/2014/main" id="{6701D6D5-DD5A-43F1-AC14-453CAE214ABD}"/>
               </a:ext>
             </a:extLst>
@@ -5396,6 +6338,113 @@
     <p:extLst>
       <p:ext uri="{BB962C8B-B14F-4D97-AF65-F5344CB8AC3E}">
         <p14:creationId xmlns:p14="http://schemas.microsoft.com/office/powerpoint/2010/main" val="3858923319"/>
+      </p:ext>
+    </p:extLst>
+  </p:cSld>
+  <p:clrMapOvr>
+    <a:masterClrMapping/>
+  </p:clrMapOvr>
+</p:sld>
+</file>
+
+<file path=ppt/slides/slide9.xml><?xml version="1.0" encoding="utf-8"?>
+<p:sld xmlns:a="http://schemas.openxmlformats.org/drawingml/2006/main" xmlns:r="http://schemas.openxmlformats.org/officeDocument/2006/relationships" xmlns:p="http://schemas.openxmlformats.org/presentationml/2006/main">
+  <p:cSld>
+    <p:spTree>
+      <p:nvGrpSpPr>
+        <p:cNvPr id="1" name=""/>
+        <p:cNvGrpSpPr/>
+        <p:nvPr/>
+      </p:nvGrpSpPr>
+      <p:grpSpPr>
+        <a:xfrm>
+          <a:off x="0" y="0"/>
+          <a:ext cx="0" cy="0"/>
+          <a:chOff x="0" y="0"/>
+          <a:chExt cx="0" cy="0"/>
+        </a:xfrm>
+      </p:grpSpPr>
+      <p:pic>
+        <p:nvPicPr>
+          <p:cNvPr id="4" name="Picture 3" descr="Alert: Memes could have malware and take control of the device - Infobae">
+            <a:extLst>
+              <a:ext uri="{FF2B5EF4-FFF2-40B4-BE49-F238E27FC236}">
+                <a16:creationId xmlns:a16="http://schemas.microsoft.com/office/drawing/2014/main" id="{9F84D7FA-0A53-17A1-010C-7E0BE3BE4166}"/>
+              </a:ext>
+            </a:extLst>
+          </p:cNvPr>
+          <p:cNvPicPr>
+            <a:picLocks noChangeAspect="1" noChangeArrowheads="1"/>
+          </p:cNvPicPr>
+          <p:nvPr/>
+        </p:nvPicPr>
+        <p:blipFill>
+          <a:blip r:embed="rId2">
+            <a:extLst>
+              <a:ext uri="{28A0092B-C50C-407E-A947-70E740481C1C}">
+                <a14:useLocalDpi xmlns:a14="http://schemas.microsoft.com/office/drawing/2010/main" val="0"/>
+              </a:ext>
+            </a:extLst>
+          </a:blip>
+          <a:srcRect/>
+          <a:stretch>
+            <a:fillRect/>
+          </a:stretch>
+        </p:blipFill>
+        <p:spPr bwMode="auto">
+          <a:xfrm>
+            <a:off x="533473" y="3067623"/>
+            <a:ext cx="5082694" cy="2770068"/>
+          </a:xfrm>
+          <a:prstGeom prst="rect">
+            <a:avLst/>
+          </a:prstGeom>
+          <a:noFill/>
+          <a:extLst>
+            <a:ext uri="{909E8E84-426E-40DD-AFC4-6F175D3DCCD1}">
+              <a14:hiddenFill xmlns:a14="http://schemas.microsoft.com/office/drawing/2010/main">
+                <a:solidFill>
+                  <a:srgbClr val="FFFFFF"/>
+                </a:solidFill>
+              </a14:hiddenFill>
+            </a:ext>
+          </a:extLst>
+        </p:spPr>
+      </p:pic>
+      <p:pic>
+        <p:nvPicPr>
+          <p:cNvPr id="5" name="Picture 4">
+            <a:extLst>
+              <a:ext uri="{FF2B5EF4-FFF2-40B4-BE49-F238E27FC236}">
+                <a16:creationId xmlns:a16="http://schemas.microsoft.com/office/drawing/2014/main" id="{08A07069-5C98-61CD-2726-3FAE83F5684D}"/>
+              </a:ext>
+            </a:extLst>
+          </p:cNvPr>
+          <p:cNvPicPr>
+            <a:picLocks noChangeAspect="1"/>
+          </p:cNvPicPr>
+          <p:nvPr/>
+        </p:nvPicPr>
+        <p:blipFill>
+          <a:blip r:embed="rId3"/>
+          <a:stretch>
+            <a:fillRect/>
+          </a:stretch>
+        </p:blipFill>
+        <p:spPr>
+          <a:xfrm>
+            <a:off x="8239966" y="3846874"/>
+            <a:ext cx="2361594" cy="2833913"/>
+          </a:xfrm>
+          <a:prstGeom prst="rect">
+            <a:avLst/>
+          </a:prstGeom>
+        </p:spPr>
+      </p:pic>
+    </p:spTree>
+    <p:extLst>
+      <p:ext uri="{BB962C8B-B14F-4D97-AF65-F5344CB8AC3E}">
+        <p14:creationId xmlns:p14="http://schemas.microsoft.com/office/powerpoint/2010/main" val="4094484015"/>
       </p:ext>
     </p:extLst>
   </p:cSld>
@@ -5604,4 +6653,299 @@
     </a:ext>
   </a:extLst>
 </a:theme>
+</file>
+
+<file path=ppt/theme/theme2.xml><?xml version="1.0" encoding="utf-8"?>
+<a:theme xmlns:a="http://schemas.openxmlformats.org/drawingml/2006/main" name="Office Theme">
+  <a:themeElements>
+    <a:clrScheme name="Office">
+      <a:dk1>
+        <a:sysClr val="windowText" lastClr="000000"/>
+      </a:dk1>
+      <a:lt1>
+        <a:sysClr val="window" lastClr="FFFFFF"/>
+      </a:lt1>
+      <a:dk2>
+        <a:srgbClr val="44546A"/>
+      </a:dk2>
+      <a:lt2>
+        <a:srgbClr val="E7E6E6"/>
+      </a:lt2>
+      <a:accent1>
+        <a:srgbClr val="4472C4"/>
+      </a:accent1>
+      <a:accent2>
+        <a:srgbClr val="ED7D31"/>
+      </a:accent2>
+      <a:accent3>
+        <a:srgbClr val="A5A5A5"/>
+      </a:accent3>
+      <a:accent4>
+        <a:srgbClr val="FFC000"/>
+      </a:accent4>
+      <a:accent5>
+        <a:srgbClr val="5B9BD5"/>
+      </a:accent5>
+      <a:accent6>
+        <a:srgbClr val="70AD47"/>
+      </a:accent6>
+      <a:hlink>
+        <a:srgbClr val="0563C1"/>
+      </a:hlink>
+      <a:folHlink>
+        <a:srgbClr val="954F72"/>
+      </a:folHlink>
+    </a:clrScheme>
+    <a:fontScheme name="Office">
+      <a:majorFont>
+        <a:latin typeface="Calibri Light" panose="020F0302020204030204"/>
+        <a:ea typeface=""/>
+        <a:cs typeface=""/>
+        <a:font script="Jpan" typeface="游ゴシック Light"/>
+        <a:font script="Hang" typeface="맑은 고딕"/>
+        <a:font script="Hans" typeface="等线 Light"/>
+        <a:font script="Hant" typeface="新細明體"/>
+        <a:font script="Arab" typeface="Times New Roman"/>
+        <a:font script="Hebr" typeface="Times New Roman"/>
+        <a:font script="Thai" typeface="Angsana New"/>
+        <a:font script="Ethi" typeface="Nyala"/>
+        <a:font script="Beng" typeface="Vrinda"/>
+        <a:font script="Gujr" typeface="Shruti"/>
+        <a:font script="Khmr" typeface="MoolBoran"/>
+        <a:font script="Knda" typeface="Tunga"/>
+        <a:font script="Guru" typeface="Raavi"/>
+        <a:font script="Cans" typeface="Euphemia"/>
+        <a:font script="Cher" typeface="Plantagenet Cherokee"/>
+        <a:font script="Yiii" typeface="Microsoft Yi Baiti"/>
+        <a:font script="Tibt" typeface="Microsoft Himalaya"/>
+        <a:font script="Thaa" typeface="MV Boli"/>
+        <a:font script="Deva" typeface="Mangal"/>
+        <a:font script="Telu" typeface="Gautami"/>
+        <a:font script="Taml" typeface="Latha"/>
+        <a:font script="Syrc" typeface="Estrangelo Edessa"/>
+        <a:font script="Orya" typeface="Kalinga"/>
+        <a:font script="Mlym" typeface="Kartika"/>
+        <a:font script="Laoo" typeface="DokChampa"/>
+        <a:font script="Sinh" typeface="Iskoola Pota"/>
+        <a:font script="Mong" typeface="Mongolian Baiti"/>
+        <a:font script="Viet" typeface="Times New Roman"/>
+        <a:font script="Uigh" typeface="Microsoft Uighur"/>
+        <a:font script="Geor" typeface="Sylfaen"/>
+        <a:font script="Armn" typeface="Arial"/>
+        <a:font script="Bugi" typeface="Leelawadee UI"/>
+        <a:font script="Bopo" typeface="Microsoft JhengHei"/>
+        <a:font script="Java" typeface="Javanese Text"/>
+        <a:font script="Lisu" typeface="Segoe UI"/>
+        <a:font script="Mymr" typeface="Myanmar Text"/>
+        <a:font script="Nkoo" typeface="Ebrima"/>
+        <a:font script="Olck" typeface="Nirmala UI"/>
+        <a:font script="Osma" typeface="Ebrima"/>
+        <a:font script="Phag" typeface="Phagspa"/>
+        <a:font script="Syrn" typeface="Estrangelo Edessa"/>
+        <a:font script="Syrj" typeface="Estrangelo Edessa"/>
+        <a:font script="Syre" typeface="Estrangelo Edessa"/>
+        <a:font script="Sora" typeface="Nirmala UI"/>
+        <a:font script="Tale" typeface="Microsoft Tai Le"/>
+        <a:font script="Talu" typeface="Microsoft New Tai Lue"/>
+        <a:font script="Tfng" typeface="Ebrima"/>
+      </a:majorFont>
+      <a:minorFont>
+        <a:latin typeface="Calibri" panose="020F0502020204030204"/>
+        <a:ea typeface=""/>
+        <a:cs typeface=""/>
+        <a:font script="Jpan" typeface="游ゴシック"/>
+        <a:font script="Hang" typeface="맑은 고딕"/>
+        <a:font script="Hans" typeface="等线"/>
+        <a:font script="Hant" typeface="新細明體"/>
+        <a:font script="Arab" typeface="Arial"/>
+        <a:font script="Hebr" typeface="Arial"/>
+        <a:font script="Thai" typeface="Cordia New"/>
+        <a:font script="Ethi" typeface="Nyala"/>
+        <a:font script="Beng" typeface="Vrinda"/>
+        <a:font script="Gujr" typeface="Shruti"/>
+        <a:font script="Khmr" typeface="DaunPenh"/>
+        <a:font script="Knda" typeface="Tunga"/>
+        <a:font script="Guru" typeface="Raavi"/>
+        <a:font script="Cans" typeface="Euphemia"/>
+        <a:font script="Cher" typeface="Plantagenet Cherokee"/>
+        <a:font script="Yiii" typeface="Microsoft Yi Baiti"/>
+        <a:font script="Tibt" typeface="Microsoft Himalaya"/>
+        <a:font script="Thaa" typeface="MV Boli"/>
+        <a:font script="Deva" typeface="Mangal"/>
+        <a:font script="Telu" typeface="Gautami"/>
+        <a:font script="Taml" typeface="Latha"/>
+        <a:font script="Syrc" typeface="Estrangelo Edessa"/>
+        <a:font script="Orya" typeface="Kalinga"/>
+        <a:font script="Mlym" typeface="Kartika"/>
+        <a:font script="Laoo" typeface="DokChampa"/>
+        <a:font script="Sinh" typeface="Iskoola Pota"/>
+        <a:font script="Mong" typeface="Mongolian Baiti"/>
+        <a:font script="Viet" typeface="Arial"/>
+        <a:font script="Uigh" typeface="Microsoft Uighur"/>
+        <a:font script="Geor" typeface="Sylfaen"/>
+        <a:font script="Armn" typeface="Arial"/>
+        <a:font script="Bugi" typeface="Leelawadee UI"/>
+        <a:font script="Bopo" typeface="Microsoft JhengHei"/>
+        <a:font script="Java" typeface="Javanese Text"/>
+        <a:font script="Lisu" typeface="Segoe UI"/>
+        <a:font script="Mymr" typeface="Myanmar Text"/>
+        <a:font script="Nkoo" typeface="Ebrima"/>
+        <a:font script="Olck" typeface="Nirmala UI"/>
+        <a:font script="Osma" typeface="Ebrima"/>
+        <a:font script="Phag" typeface="Phagspa"/>
+        <a:font script="Syrn" typeface="Estrangelo Edessa"/>
+        <a:font script="Syrj" typeface="Estrangelo Edessa"/>
+        <a:font script="Syre" typeface="Estrangelo Edessa"/>
+        <a:font script="Sora" typeface="Nirmala UI"/>
+        <a:font script="Tale" typeface="Microsoft Tai Le"/>
+        <a:font script="Talu" typeface="Microsoft New Tai Lue"/>
+        <a:font script="Tfng" typeface="Ebrima"/>
+      </a:minorFont>
+    </a:fontScheme>
+    <a:fmtScheme name="Office">
+      <a:fillStyleLst>
+        <a:solidFill>
+          <a:schemeClr val="phClr"/>
+        </a:solidFill>
+        <a:gradFill rotWithShape="1">
+          <a:gsLst>
+            <a:gs pos="0">
+              <a:schemeClr val="phClr">
+                <a:lumMod val="110000"/>
+                <a:satMod val="105000"/>
+                <a:tint val="67000"/>
+              </a:schemeClr>
+            </a:gs>
+            <a:gs pos="50000">
+              <a:schemeClr val="phClr">
+                <a:lumMod val="105000"/>
+                <a:satMod val="103000"/>
+                <a:tint val="73000"/>
+              </a:schemeClr>
+            </a:gs>
+            <a:gs pos="100000">
+              <a:schemeClr val="phClr">
+                <a:lumMod val="105000"/>
+                <a:satMod val="109000"/>
+                <a:tint val="81000"/>
+              </a:schemeClr>
+            </a:gs>
+          </a:gsLst>
+          <a:lin ang="5400000" scaled="0"/>
+        </a:gradFill>
+        <a:gradFill rotWithShape="1">
+          <a:gsLst>
+            <a:gs pos="0">
+              <a:schemeClr val="phClr">
+                <a:satMod val="103000"/>
+                <a:lumMod val="102000"/>
+                <a:tint val="94000"/>
+              </a:schemeClr>
+            </a:gs>
+            <a:gs pos="50000">
+              <a:schemeClr val="phClr">
+                <a:satMod val="110000"/>
+                <a:lumMod val="100000"/>
+                <a:shade val="100000"/>
+              </a:schemeClr>
+            </a:gs>
+            <a:gs pos="100000">
+              <a:schemeClr val="phClr">
+                <a:lumMod val="99000"/>
+                <a:satMod val="120000"/>
+                <a:shade val="78000"/>
+              </a:schemeClr>
+            </a:gs>
+          </a:gsLst>
+          <a:lin ang="5400000" scaled="0"/>
+        </a:gradFill>
+      </a:fillStyleLst>
+      <a:lnStyleLst>
+        <a:ln w="6350" cap="flat" cmpd="sng" algn="ctr">
+          <a:solidFill>
+            <a:schemeClr val="phClr"/>
+          </a:solidFill>
+          <a:prstDash val="solid"/>
+          <a:miter lim="800000"/>
+        </a:ln>
+        <a:ln w="12700" cap="flat" cmpd="sng" algn="ctr">
+          <a:solidFill>
+            <a:schemeClr val="phClr"/>
+          </a:solidFill>
+          <a:prstDash val="solid"/>
+          <a:miter lim="800000"/>
+        </a:ln>
+        <a:ln w="19050" cap="flat" cmpd="sng" algn="ctr">
+          <a:solidFill>
+            <a:schemeClr val="phClr"/>
+          </a:solidFill>
+          <a:prstDash val="solid"/>
+          <a:miter lim="800000"/>
+        </a:ln>
+      </a:lnStyleLst>
+      <a:effectStyleLst>
+        <a:effectStyle>
+          <a:effectLst/>
+        </a:effectStyle>
+        <a:effectStyle>
+          <a:effectLst/>
+        </a:effectStyle>
+        <a:effectStyle>
+          <a:effectLst>
+            <a:outerShdw blurRad="57150" dist="19050" dir="5400000" algn="ctr" rotWithShape="0">
+              <a:srgbClr val="000000">
+                <a:alpha val="63000"/>
+              </a:srgbClr>
+            </a:outerShdw>
+          </a:effectLst>
+        </a:effectStyle>
+      </a:effectStyleLst>
+      <a:bgFillStyleLst>
+        <a:solidFill>
+          <a:schemeClr val="phClr"/>
+        </a:solidFill>
+        <a:solidFill>
+          <a:schemeClr val="phClr">
+            <a:tint val="95000"/>
+            <a:satMod val="170000"/>
+          </a:schemeClr>
+        </a:solidFill>
+        <a:gradFill rotWithShape="1">
+          <a:gsLst>
+            <a:gs pos="0">
+              <a:schemeClr val="phClr">
+                <a:tint val="93000"/>
+                <a:satMod val="150000"/>
+                <a:shade val="98000"/>
+                <a:lumMod val="102000"/>
+              </a:schemeClr>
+            </a:gs>
+            <a:gs pos="50000">
+              <a:schemeClr val="phClr">
+                <a:tint val="98000"/>
+                <a:satMod val="130000"/>
+                <a:shade val="90000"/>
+                <a:lumMod val="103000"/>
+              </a:schemeClr>
+            </a:gs>
+            <a:gs pos="100000">
+              <a:schemeClr val="phClr">
+                <a:shade val="63000"/>
+                <a:satMod val="120000"/>
+              </a:schemeClr>
+            </a:gs>
+          </a:gsLst>
+          <a:lin ang="5400000" scaled="0"/>
+        </a:gradFill>
+      </a:bgFillStyleLst>
+    </a:fmtScheme>
+  </a:themeElements>
+  <a:objectDefaults/>
+  <a:extraClrSchemeLst/>
+  <a:extLst>
+    <a:ext uri="{05A4C25C-085E-4340-85A3-A5531E510DB2}">
+      <thm15:themeFamily xmlns:thm15="http://schemas.microsoft.com/office/thememl/2012/main" name="Office Theme" id="{62F939B6-93AF-4DB8-9C6B-D6C7DFDC589F}" vid="{4A3C46E8-61CC-4603-A589-7422A47A8E4A}"/>
+    </a:ext>
+  </a:extLst>
+</a:theme>
 </file>
--- a/report/project_presentation.pptx
+++ b/report/project_presentation.pptx
@@ -5,7 +5,7 @@
     <p:sldMasterId id="2147483686" r:id="rId1"/>
   </p:sldMasterIdLst>
   <p:notesMasterIdLst>
-    <p:notesMasterId r:id="rId11"/>
+    <p:notesMasterId r:id="rId10"/>
   </p:notesMasterIdLst>
   <p:sldIdLst>
     <p:sldId id="256" r:id="rId2"/>
@@ -16,7 +16,6 @@
     <p:sldId id="260" r:id="rId7"/>
     <p:sldId id="261" r:id="rId8"/>
     <p:sldId id="262" r:id="rId9"/>
-    <p:sldId id="264" r:id="rId10"/>
   </p:sldIdLst>
   <p:sldSz cx="12192000" cy="6858000"/>
   <p:notesSz cx="6858000" cy="9144000"/>
@@ -205,7 +204,7 @@
           <a:p>
             <a:fld id="{BFED8B4C-F872-BB40-941E-1DCEAAB37286}" type="datetimeFigureOut">
               <a:rPr lang="en-US" smtClean="0"/>
-              <a:t>11/26/23</a:t>
+              <a:t>11/27/23</a:t>
             </a:fld>
             <a:endParaRPr lang="en-US"/>
           </a:p>
@@ -1061,7 +1060,7 @@
           <a:p>
             <a:fld id="{E6171E64-FE02-4DE5-B72F-53C3706641C3}" type="datetimeFigureOut">
               <a:rPr lang="en-US" smtClean="0"/>
-              <a:t>11/26/23</a:t>
+              <a:t>11/27/23</a:t>
             </a:fld>
             <a:endParaRPr lang="en-US"/>
           </a:p>
@@ -1448,7 +1447,7 @@
           <a:p>
             <a:fld id="{E6171E64-FE02-4DE5-B72F-53C3706641C3}" type="datetimeFigureOut">
               <a:rPr lang="en-US" smtClean="0"/>
-              <a:t>11/26/23</a:t>
+              <a:t>11/27/23</a:t>
             </a:fld>
             <a:endParaRPr lang="en-US"/>
           </a:p>
@@ -1841,7 +1840,7 @@
           <a:p>
             <a:fld id="{E6171E64-FE02-4DE5-B72F-53C3706641C3}" type="datetimeFigureOut">
               <a:rPr lang="en-US" smtClean="0"/>
-              <a:t>11/26/23</a:t>
+              <a:t>11/27/23</a:t>
             </a:fld>
             <a:endParaRPr lang="en-US"/>
           </a:p>
@@ -2256,7 +2255,7 @@
           <a:p>
             <a:fld id="{E6171E64-FE02-4DE5-B72F-53C3706641C3}" type="datetimeFigureOut">
               <a:rPr lang="en-US" smtClean="0"/>
-              <a:t>11/26/23</a:t>
+              <a:t>11/27/23</a:t>
             </a:fld>
             <a:endParaRPr lang="en-US"/>
           </a:p>
@@ -2598,7 +2597,7 @@
           <a:p>
             <a:fld id="{E6171E64-FE02-4DE5-B72F-53C3706641C3}" type="datetimeFigureOut">
               <a:rPr lang="en-US" smtClean="0"/>
-              <a:t>11/26/23</a:t>
+              <a:t>11/27/23</a:t>
             </a:fld>
             <a:endParaRPr lang="en-US"/>
           </a:p>
@@ -2922,7 +2921,7 @@
           <a:p>
             <a:fld id="{E6171E64-FE02-4DE5-B72F-53C3706641C3}" type="datetimeFigureOut">
               <a:rPr lang="en-US" smtClean="0"/>
-              <a:t>11/26/23</a:t>
+              <a:t>11/27/23</a:t>
             </a:fld>
             <a:endParaRPr lang="en-US"/>
           </a:p>
@@ -3403,7 +3402,7 @@
           <a:p>
             <a:fld id="{E6171E64-FE02-4DE5-B72F-53C3706641C3}" type="datetimeFigureOut">
               <a:rPr lang="en-US" smtClean="0"/>
-              <a:t>11/26/23</a:t>
+              <a:t>11/27/23</a:t>
             </a:fld>
             <a:endParaRPr lang="en-US"/>
           </a:p>
@@ -3565,7 +3564,7 @@
           <a:p>
             <a:fld id="{E6171E64-FE02-4DE5-B72F-53C3706641C3}" type="datetimeFigureOut">
               <a:rPr lang="en-US" smtClean="0"/>
-              <a:t>11/26/23</a:t>
+              <a:t>11/27/23</a:t>
             </a:fld>
             <a:endParaRPr lang="en-US"/>
           </a:p>
@@ -3678,7 +3677,7 @@
           <a:p>
             <a:fld id="{E6171E64-FE02-4DE5-B72F-53C3706641C3}" type="datetimeFigureOut">
               <a:rPr lang="en-US" smtClean="0"/>
-              <a:t>11/26/23</a:t>
+              <a:t>11/27/23</a:t>
             </a:fld>
             <a:endParaRPr lang="en-US"/>
           </a:p>
@@ -4000,7 +3999,7 @@
           <a:p>
             <a:fld id="{E6171E64-FE02-4DE5-B72F-53C3706641C3}" type="datetimeFigureOut">
               <a:rPr lang="en-US" smtClean="0"/>
-              <a:t>11/26/23</a:t>
+              <a:t>11/27/23</a:t>
             </a:fld>
             <a:endParaRPr lang="en-US"/>
           </a:p>
@@ -4302,7 +4301,7 @@
           <a:p>
             <a:fld id="{E6171E64-FE02-4DE5-B72F-53C3706641C3}" type="datetimeFigureOut">
               <a:rPr lang="en-US" smtClean="0"/>
-              <a:t>11/26/23</a:t>
+              <a:t>11/27/23</a:t>
             </a:fld>
             <a:endParaRPr lang="en-US"/>
           </a:p>
@@ -4543,7 +4542,7 @@
           <a:p>
             <a:fld id="{E6171E64-FE02-4DE5-B72F-53C3706641C3}" type="datetimeFigureOut">
               <a:rPr lang="en-US" smtClean="0"/>
-              <a:t>11/26/23</a:t>
+              <a:t>11/27/23</a:t>
             </a:fld>
             <a:endParaRPr lang="en-US"/>
           </a:p>
@@ -5906,19 +5905,20 @@
         </p:nvSpPr>
         <p:spPr>
           <a:xfrm>
-            <a:off x="2738878" y="0"/>
-            <a:ext cx="6714243" cy="1080561"/>
+            <a:off x="2209800" y="324365"/>
+            <a:ext cx="7772400" cy="1080561"/>
           </a:xfrm>
         </p:spPr>
         <p:txBody>
-          <a:bodyPr/>
+          <a:bodyPr>
+            <a:normAutofit fontScale="90000"/>
+          </a:bodyPr>
           <a:lstStyle/>
           <a:p>
             <a:r>
-              <a:rPr lang="en-US"/>
-              <a:t>Exploring the data</a:t>
-            </a:r>
-            <a:endParaRPr lang="en-US" dirty="0"/>
+              <a:rPr lang="en-US" dirty="0"/>
+              <a:t>Exploratory Data Analysis</a:t>
+            </a:r>
           </a:p>
         </p:txBody>
       </p:sp>
@@ -5936,7 +5936,7 @@
         </p:nvGrpSpPr>
         <p:grpSpPr>
           <a:xfrm>
-            <a:off x="1838376" y="3842844"/>
+            <a:off x="2209800" y="3842844"/>
             <a:ext cx="7772400" cy="2690791"/>
             <a:chOff x="1680721" y="1363717"/>
             <a:chExt cx="7772400" cy="2690791"/>
@@ -6142,31 +6142,844 @@
           </a:p>
         </p:txBody>
       </p:sp>
-      <p:sp>
-        <p:nvSpPr>
-          <p:cNvPr id="3" name="Content Placeholder 2">
-            <a:extLst>
-              <a:ext uri="{FF2B5EF4-FFF2-40B4-BE49-F238E27FC236}">
-                <a16:creationId xmlns:a16="http://schemas.microsoft.com/office/drawing/2014/main" id="{C0BAB623-DF89-7F64-925C-AAC7D0161319}"/>
-              </a:ext>
-            </a:extLst>
-          </p:cNvPr>
-          <p:cNvSpPr>
-            <a:spLocks noGrp="1"/>
-          </p:cNvSpPr>
+      <p:graphicFrame>
+        <p:nvGraphicFramePr>
+          <p:cNvPr id="7" name="Content Placeholder 6">
+            <a:extLst>
+              <a:ext uri="{FF2B5EF4-FFF2-40B4-BE49-F238E27FC236}">
+                <a16:creationId xmlns:a16="http://schemas.microsoft.com/office/drawing/2014/main" id="{BF93F72F-1EED-DE4E-4D6E-401E550F0FAB}"/>
+              </a:ext>
+            </a:extLst>
+          </p:cNvPr>
+          <p:cNvGraphicFramePr>
+            <a:graphicFrameLocks noGrp="1"/>
+          </p:cNvGraphicFramePr>
           <p:nvPr>
             <p:ph idx="1"/>
-          </p:nvPr>
-        </p:nvSpPr>
-        <p:spPr/>
-        <p:txBody>
-          <a:bodyPr/>
-          <a:lstStyle/>
-          <a:p>
-            <a:endParaRPr lang="en-US"/>
-          </a:p>
-        </p:txBody>
-      </p:sp>
+            <p:extLst>
+              <p:ext uri="{D42A27DB-BD31-4B8C-83A1-F6EECF244321}">
+                <p14:modId xmlns:p14="http://schemas.microsoft.com/office/powerpoint/2010/main" val="3649649385"/>
+              </p:ext>
+            </p:extLst>
+          </p:nvPr>
+        </p:nvGraphicFramePr>
+        <p:xfrm>
+          <a:off x="808038" y="2019300"/>
+          <a:ext cx="10358436" cy="2677160"/>
+        </p:xfrm>
+        <a:graphic>
+          <a:graphicData uri="http://schemas.openxmlformats.org/drawingml/2006/table">
+            <a:tbl>
+              <a:tblPr firstRow="1" bandRow="1">
+                <a:tableStyleId>{073A0DAA-6AF3-43AB-8588-CEC1D06C72B9}</a:tableStyleId>
+              </a:tblPr>
+              <a:tblGrid>
+                <a:gridCol w="1726406">
+                  <a:extLst>
+                    <a:ext uri="{9D8B030D-6E8A-4147-A177-3AD203B41FA5}">
+                      <a16:colId xmlns:a16="http://schemas.microsoft.com/office/drawing/2014/main" val="931704071"/>
+                    </a:ext>
+                  </a:extLst>
+                </a:gridCol>
+                <a:gridCol w="1726406">
+                  <a:extLst>
+                    <a:ext uri="{9D8B030D-6E8A-4147-A177-3AD203B41FA5}">
+                      <a16:colId xmlns:a16="http://schemas.microsoft.com/office/drawing/2014/main" val="2950367686"/>
+                    </a:ext>
+                  </a:extLst>
+                </a:gridCol>
+                <a:gridCol w="1726406">
+                  <a:extLst>
+                    <a:ext uri="{9D8B030D-6E8A-4147-A177-3AD203B41FA5}">
+                      <a16:colId xmlns:a16="http://schemas.microsoft.com/office/drawing/2014/main" val="3173891034"/>
+                    </a:ext>
+                  </a:extLst>
+                </a:gridCol>
+                <a:gridCol w="1726406">
+                  <a:extLst>
+                    <a:ext uri="{9D8B030D-6E8A-4147-A177-3AD203B41FA5}">
+                      <a16:colId xmlns:a16="http://schemas.microsoft.com/office/drawing/2014/main" val="3455772237"/>
+                    </a:ext>
+                  </a:extLst>
+                </a:gridCol>
+                <a:gridCol w="1726406">
+                  <a:extLst>
+                    <a:ext uri="{9D8B030D-6E8A-4147-A177-3AD203B41FA5}">
+                      <a16:colId xmlns:a16="http://schemas.microsoft.com/office/drawing/2014/main" val="2390296316"/>
+                    </a:ext>
+                  </a:extLst>
+                </a:gridCol>
+                <a:gridCol w="1726406">
+                  <a:extLst>
+                    <a:ext uri="{9D8B030D-6E8A-4147-A177-3AD203B41FA5}">
+                      <a16:colId xmlns:a16="http://schemas.microsoft.com/office/drawing/2014/main" val="1270917060"/>
+                    </a:ext>
+                  </a:extLst>
+                </a:gridCol>
+              </a:tblGrid>
+              <a:tr h="370840">
+                <a:tc>
+                  <a:txBody>
+                    <a:bodyPr/>
+                    <a:lstStyle/>
+                    <a:p>
+                      <a:r>
+                        <a:rPr lang="en-US" sz="1600" b="0" dirty="0">
+                          <a:solidFill>
+                            <a:schemeClr val="tx1"/>
+                          </a:solidFill>
+                        </a:rPr>
+                        <a:t>Performance Metrics</a:t>
+                      </a:r>
+                    </a:p>
+                  </a:txBody>
+                  <a:tcPr>
+                    <a:lnB w="12700" cap="flat" cmpd="sng" algn="ctr">
+                      <a:solidFill>
+                        <a:schemeClr val="tx1"/>
+                      </a:solidFill>
+                      <a:prstDash val="solid"/>
+                      <a:round/>
+                      <a:headEnd type="none" w="med" len="med"/>
+                      <a:tailEnd type="none" w="med" len="med"/>
+                    </a:lnB>
+                    <a:solidFill>
+                      <a:srgbClr val="E7E7E7"/>
+                    </a:solidFill>
+                  </a:tcPr>
+                </a:tc>
+                <a:tc>
+                  <a:txBody>
+                    <a:bodyPr/>
+                    <a:lstStyle/>
+                    <a:p>
+                      <a:r>
+                        <a:rPr lang="en-US" sz="1600" b="0" dirty="0">
+                          <a:solidFill>
+                            <a:schemeClr val="tx1"/>
+                          </a:solidFill>
+                        </a:rPr>
+                        <a:t>Logistic Regression (LG)</a:t>
+                      </a:r>
+                    </a:p>
+                  </a:txBody>
+                  <a:tcPr>
+                    <a:lnB w="12700" cap="flat" cmpd="sng" algn="ctr">
+                      <a:solidFill>
+                        <a:schemeClr val="tx1"/>
+                      </a:solidFill>
+                      <a:prstDash val="solid"/>
+                      <a:round/>
+                      <a:headEnd type="none" w="med" len="med"/>
+                      <a:tailEnd type="none" w="med" len="med"/>
+                    </a:lnB>
+                    <a:solidFill>
+                      <a:srgbClr val="E7E7E7"/>
+                    </a:solidFill>
+                  </a:tcPr>
+                </a:tc>
+                <a:tc>
+                  <a:txBody>
+                    <a:bodyPr/>
+                    <a:lstStyle/>
+                    <a:p>
+                      <a:r>
+                        <a:rPr lang="en-US" sz="1600" b="0" dirty="0">
+                          <a:solidFill>
+                            <a:schemeClr val="tx1"/>
+                          </a:solidFill>
+                        </a:rPr>
+                        <a:t>Random Forest</a:t>
+                      </a:r>
+                    </a:p>
+                    <a:p>
+                      <a:r>
+                        <a:rPr lang="en-US" sz="1600" b="0" dirty="0">
+                          <a:solidFill>
+                            <a:schemeClr val="tx1"/>
+                          </a:solidFill>
+                        </a:rPr>
+                        <a:t>(RF)</a:t>
+                      </a:r>
+                    </a:p>
+                  </a:txBody>
+                  <a:tcPr>
+                    <a:lnB w="12700" cap="flat" cmpd="sng" algn="ctr">
+                      <a:solidFill>
+                        <a:schemeClr val="tx1"/>
+                      </a:solidFill>
+                      <a:prstDash val="solid"/>
+                      <a:round/>
+                      <a:headEnd type="none" w="med" len="med"/>
+                      <a:tailEnd type="none" w="med" len="med"/>
+                    </a:lnB>
+                    <a:solidFill>
+                      <a:srgbClr val="E7E7E7"/>
+                    </a:solidFill>
+                  </a:tcPr>
+                </a:tc>
+                <a:tc>
+                  <a:txBody>
+                    <a:bodyPr/>
+                    <a:lstStyle/>
+                    <a:p>
+                      <a:pPr marL="0" marR="0" indent="0" algn="l" defTabSz="914400" rtl="0" eaLnBrk="1" fontAlgn="auto" latinLnBrk="0" hangingPunct="1">
+                        <a:lnSpc>
+                          <a:spcPct val="100000"/>
+                        </a:lnSpc>
+                        <a:spcBef>
+                          <a:spcPts val="0"/>
+                        </a:spcBef>
+                        <a:spcAft>
+                          <a:spcPts val="0"/>
+                        </a:spcAft>
+                        <a:buClrTx/>
+                        <a:buSzTx/>
+                        <a:buFontTx/>
+                        <a:buNone/>
+                        <a:tabLst/>
+                        <a:defRPr/>
+                      </a:pPr>
+                      <a:r>
+                        <a:rPr lang="en-US" sz="1600" b="0" dirty="0">
+                          <a:solidFill>
+                            <a:schemeClr val="tx1"/>
+                          </a:solidFill>
+                        </a:rPr>
+                        <a:t>K-nearest neighbors (kNN)</a:t>
+                      </a:r>
+                    </a:p>
+                  </a:txBody>
+                  <a:tcPr>
+                    <a:lnB w="12700" cap="flat" cmpd="sng" algn="ctr">
+                      <a:solidFill>
+                        <a:schemeClr val="tx1"/>
+                      </a:solidFill>
+                      <a:prstDash val="solid"/>
+                      <a:round/>
+                      <a:headEnd type="none" w="med" len="med"/>
+                      <a:tailEnd type="none" w="med" len="med"/>
+                    </a:lnB>
+                    <a:solidFill>
+                      <a:srgbClr val="E7E7E7"/>
+                    </a:solidFill>
+                  </a:tcPr>
+                </a:tc>
+                <a:tc>
+                  <a:txBody>
+                    <a:bodyPr/>
+                    <a:lstStyle/>
+                    <a:p>
+                      <a:r>
+                        <a:rPr lang="en-US" sz="1600" b="0" dirty="0">
+                          <a:solidFill>
+                            <a:schemeClr val="tx1"/>
+                          </a:solidFill>
+                        </a:rPr>
+                        <a:t>Feed Forward Neural Network (FF)</a:t>
+                      </a:r>
+                    </a:p>
+                  </a:txBody>
+                  <a:tcPr>
+                    <a:lnB w="12700" cap="flat" cmpd="sng" algn="ctr">
+                      <a:solidFill>
+                        <a:schemeClr val="tx1"/>
+                      </a:solidFill>
+                      <a:prstDash val="solid"/>
+                      <a:round/>
+                      <a:headEnd type="none" w="med" len="med"/>
+                      <a:tailEnd type="none" w="med" len="med"/>
+                    </a:lnB>
+                    <a:solidFill>
+                      <a:srgbClr val="E7E7E7"/>
+                    </a:solidFill>
+                  </a:tcPr>
+                </a:tc>
+                <a:tc>
+                  <a:txBody>
+                    <a:bodyPr/>
+                    <a:lstStyle/>
+                    <a:p>
+                      <a:r>
+                        <a:rPr lang="en-US" sz="1600" b="0" dirty="0">
+                          <a:solidFill>
+                            <a:schemeClr val="tx1"/>
+                          </a:solidFill>
+                        </a:rPr>
+                        <a:t>Ensemble Stacking</a:t>
+                      </a:r>
+                    </a:p>
+                    <a:p>
+                      <a:r>
+                        <a:rPr lang="en-US" sz="1600" b="0" dirty="0">
+                          <a:solidFill>
+                            <a:schemeClr val="tx1"/>
+                          </a:solidFill>
+                        </a:rPr>
+                        <a:t>(ST)</a:t>
+                      </a:r>
+                    </a:p>
+                  </a:txBody>
+                  <a:tcPr>
+                    <a:lnB w="12700" cap="flat" cmpd="sng" algn="ctr">
+                      <a:solidFill>
+                        <a:schemeClr val="tx1"/>
+                      </a:solidFill>
+                      <a:prstDash val="solid"/>
+                      <a:round/>
+                      <a:headEnd type="none" w="med" len="med"/>
+                      <a:tailEnd type="none" w="med" len="med"/>
+                    </a:lnB>
+                    <a:solidFill>
+                      <a:srgbClr val="E7E7E7"/>
+                    </a:solidFill>
+                  </a:tcPr>
+                </a:tc>
+                <a:extLst>
+                  <a:ext uri="{0D108BD9-81ED-4DB2-BD59-A6C34878D82A}">
+                    <a16:rowId xmlns:a16="http://schemas.microsoft.com/office/drawing/2014/main" val="2740682390"/>
+                  </a:ext>
+                </a:extLst>
+              </a:tr>
+              <a:tr h="370840">
+                <a:tc>
+                  <a:txBody>
+                    <a:bodyPr/>
+                    <a:lstStyle/>
+                    <a:p>
+                      <a:r>
+                        <a:rPr lang="en-US" b="0" dirty="0"/>
+                        <a:t>Accuracy</a:t>
+                      </a:r>
+                    </a:p>
+                  </a:txBody>
+                  <a:tcPr>
+                    <a:lnT w="12700" cap="flat" cmpd="sng" algn="ctr">
+                      <a:solidFill>
+                        <a:schemeClr val="tx1"/>
+                      </a:solidFill>
+                      <a:prstDash val="solid"/>
+                      <a:round/>
+                      <a:headEnd type="none" w="med" len="med"/>
+                      <a:tailEnd type="none" w="med" len="med"/>
+                    </a:lnT>
+                  </a:tcPr>
+                </a:tc>
+                <a:tc>
+                  <a:txBody>
+                    <a:bodyPr/>
+                    <a:lstStyle/>
+                    <a:p>
+                      <a:r>
+                        <a:rPr lang="en-US" dirty="0">
+                          <a:effectLst/>
+                        </a:rPr>
+                        <a:t>0.960</a:t>
+                      </a:r>
+                    </a:p>
+                  </a:txBody>
+                  <a:tcPr marL="76200" marR="76200" marT="38100" marB="38100" anchor="ctr">
+                    <a:lnT w="12700" cap="flat" cmpd="sng" algn="ctr">
+                      <a:solidFill>
+                        <a:schemeClr val="tx1"/>
+                      </a:solidFill>
+                      <a:prstDash val="solid"/>
+                      <a:round/>
+                      <a:headEnd type="none" w="med" len="med"/>
+                      <a:tailEnd type="none" w="med" len="med"/>
+                    </a:lnT>
+                  </a:tcPr>
+                </a:tc>
+                <a:tc>
+                  <a:txBody>
+                    <a:bodyPr/>
+                    <a:lstStyle/>
+                    <a:p>
+                      <a:r>
+                        <a:rPr lang="en-US">
+                          <a:effectLst/>
+                        </a:rPr>
+                        <a:t>0.969</a:t>
+                      </a:r>
+                    </a:p>
+                  </a:txBody>
+                  <a:tcPr marL="76200" marR="76200" marT="38100" marB="38100" anchor="ctr">
+                    <a:lnT w="12700" cap="flat" cmpd="sng" algn="ctr">
+                      <a:solidFill>
+                        <a:schemeClr val="tx1"/>
+                      </a:solidFill>
+                      <a:prstDash val="solid"/>
+                      <a:round/>
+                      <a:headEnd type="none" w="med" len="med"/>
+                      <a:tailEnd type="none" w="med" len="med"/>
+                    </a:lnT>
+                  </a:tcPr>
+                </a:tc>
+                <a:tc>
+                  <a:txBody>
+                    <a:bodyPr/>
+                    <a:lstStyle/>
+                    <a:p>
+                      <a:r>
+                        <a:rPr lang="en-US">
+                          <a:effectLst/>
+                        </a:rPr>
+                        <a:t>0.962</a:t>
+                      </a:r>
+                    </a:p>
+                  </a:txBody>
+                  <a:tcPr marL="76200" marR="76200" marT="38100" marB="38100" anchor="ctr">
+                    <a:lnT w="12700" cap="flat" cmpd="sng" algn="ctr">
+                      <a:solidFill>
+                        <a:schemeClr val="tx1"/>
+                      </a:solidFill>
+                      <a:prstDash val="solid"/>
+                      <a:round/>
+                      <a:headEnd type="none" w="med" len="med"/>
+                      <a:tailEnd type="none" w="med" len="med"/>
+                    </a:lnT>
+                  </a:tcPr>
+                </a:tc>
+                <a:tc>
+                  <a:txBody>
+                    <a:bodyPr/>
+                    <a:lstStyle/>
+                    <a:p>
+                      <a:r>
+                        <a:rPr lang="en-US">
+                          <a:effectLst/>
+                        </a:rPr>
+                        <a:t>0.970</a:t>
+                      </a:r>
+                    </a:p>
+                  </a:txBody>
+                  <a:tcPr marL="76200" marR="76200" marT="38100" marB="38100" anchor="ctr">
+                    <a:lnT w="12700" cap="flat" cmpd="sng" algn="ctr">
+                      <a:solidFill>
+                        <a:schemeClr val="tx1"/>
+                      </a:solidFill>
+                      <a:prstDash val="solid"/>
+                      <a:round/>
+                      <a:headEnd type="none" w="med" len="med"/>
+                      <a:tailEnd type="none" w="med" len="med"/>
+                    </a:lnT>
+                  </a:tcPr>
+                </a:tc>
+                <a:tc>
+                  <a:txBody>
+                    <a:bodyPr/>
+                    <a:lstStyle/>
+                    <a:p>
+                      <a:r>
+                        <a:rPr lang="en-US" dirty="0">
+                          <a:effectLst/>
+                        </a:rPr>
+                        <a:t>0.968</a:t>
+                      </a:r>
+                    </a:p>
+                  </a:txBody>
+                  <a:tcPr marL="76200" marR="76200" marT="38100" marB="38100" anchor="ctr">
+                    <a:lnT w="12700" cap="flat" cmpd="sng" algn="ctr">
+                      <a:solidFill>
+                        <a:schemeClr val="tx1"/>
+                      </a:solidFill>
+                      <a:prstDash val="solid"/>
+                      <a:round/>
+                      <a:headEnd type="none" w="med" len="med"/>
+                      <a:tailEnd type="none" w="med" len="med"/>
+                    </a:lnT>
+                  </a:tcPr>
+                </a:tc>
+                <a:extLst>
+                  <a:ext uri="{0D108BD9-81ED-4DB2-BD59-A6C34878D82A}">
+                    <a16:rowId xmlns:a16="http://schemas.microsoft.com/office/drawing/2014/main" val="1912788705"/>
+                  </a:ext>
+                </a:extLst>
+              </a:tr>
+              <a:tr h="370840">
+                <a:tc>
+                  <a:txBody>
+                    <a:bodyPr/>
+                    <a:lstStyle/>
+                    <a:p>
+                      <a:r>
+                        <a:rPr lang="en-US" b="0" dirty="0"/>
+                        <a:t>F1</a:t>
+                      </a:r>
+                    </a:p>
+                  </a:txBody>
+                  <a:tcPr/>
+                </a:tc>
+                <a:tc>
+                  <a:txBody>
+                    <a:bodyPr/>
+                    <a:lstStyle/>
+                    <a:p>
+                      <a:r>
+                        <a:rPr lang="en-US" dirty="0">
+                          <a:effectLst/>
+                        </a:rPr>
+                        <a:t>0.960</a:t>
+                      </a:r>
+                    </a:p>
+                  </a:txBody>
+                  <a:tcPr marL="76200" marR="76200" marT="38100" marB="38100" anchor="ctr"/>
+                </a:tc>
+                <a:tc>
+                  <a:txBody>
+                    <a:bodyPr/>
+                    <a:lstStyle/>
+                    <a:p>
+                      <a:r>
+                        <a:rPr lang="en-US">
+                          <a:effectLst/>
+                        </a:rPr>
+                        <a:t>0.969</a:t>
+                      </a:r>
+                    </a:p>
+                  </a:txBody>
+                  <a:tcPr marL="76200" marR="76200" marT="38100" marB="38100" anchor="ctr"/>
+                </a:tc>
+                <a:tc>
+                  <a:txBody>
+                    <a:bodyPr/>
+                    <a:lstStyle/>
+                    <a:p>
+                      <a:r>
+                        <a:rPr lang="en-US">
+                          <a:effectLst/>
+                        </a:rPr>
+                        <a:t>0.963</a:t>
+                      </a:r>
+                    </a:p>
+                  </a:txBody>
+                  <a:tcPr marL="76200" marR="76200" marT="38100" marB="38100" anchor="ctr"/>
+                </a:tc>
+                <a:tc>
+                  <a:txBody>
+                    <a:bodyPr/>
+                    <a:lstStyle/>
+                    <a:p>
+                      <a:r>
+                        <a:rPr lang="en-US">
+                          <a:effectLst/>
+                        </a:rPr>
+                        <a:t>0.969</a:t>
+                      </a:r>
+                    </a:p>
+                  </a:txBody>
+                  <a:tcPr marL="76200" marR="76200" marT="38100" marB="38100" anchor="ctr"/>
+                </a:tc>
+                <a:tc>
+                  <a:txBody>
+                    <a:bodyPr/>
+                    <a:lstStyle/>
+                    <a:p>
+                      <a:r>
+                        <a:rPr lang="en-US" dirty="0">
+                          <a:effectLst/>
+                        </a:rPr>
+                        <a:t>0.968</a:t>
+                      </a:r>
+                    </a:p>
+                  </a:txBody>
+                  <a:tcPr marL="76200" marR="76200" marT="38100" marB="38100" anchor="ctr"/>
+                </a:tc>
+                <a:extLst>
+                  <a:ext uri="{0D108BD9-81ED-4DB2-BD59-A6C34878D82A}">
+                    <a16:rowId xmlns:a16="http://schemas.microsoft.com/office/drawing/2014/main" val="825469187"/>
+                  </a:ext>
+                </a:extLst>
+              </a:tr>
+              <a:tr h="370840">
+                <a:tc>
+                  <a:txBody>
+                    <a:bodyPr/>
+                    <a:lstStyle/>
+                    <a:p>
+                      <a:r>
+                        <a:rPr lang="en-US" b="0" dirty="0"/>
+                        <a:t>Precision</a:t>
+                      </a:r>
+                    </a:p>
+                  </a:txBody>
+                  <a:tcPr/>
+                </a:tc>
+                <a:tc>
+                  <a:txBody>
+                    <a:bodyPr/>
+                    <a:lstStyle/>
+                    <a:p>
+                      <a:r>
+                        <a:rPr lang="en-US" dirty="0">
+                          <a:effectLst/>
+                        </a:rPr>
+                        <a:t>0.956</a:t>
+                      </a:r>
+                    </a:p>
+                  </a:txBody>
+                  <a:tcPr marL="76200" marR="76200" marT="38100" marB="38100" anchor="ctr"/>
+                </a:tc>
+                <a:tc>
+                  <a:txBody>
+                    <a:bodyPr/>
+                    <a:lstStyle/>
+                    <a:p>
+                      <a:r>
+                        <a:rPr lang="en-US">
+                          <a:effectLst/>
+                        </a:rPr>
+                        <a:t>0.973</a:t>
+                      </a:r>
+                    </a:p>
+                  </a:txBody>
+                  <a:tcPr marL="76200" marR="76200" marT="38100" marB="38100" anchor="ctr"/>
+                </a:tc>
+                <a:tc>
+                  <a:txBody>
+                    <a:bodyPr/>
+                    <a:lstStyle/>
+                    <a:p>
+                      <a:r>
+                        <a:rPr lang="en-US">
+                          <a:effectLst/>
+                        </a:rPr>
+                        <a:t>0.953</a:t>
+                      </a:r>
+                    </a:p>
+                  </a:txBody>
+                  <a:tcPr marL="76200" marR="76200" marT="38100" marB="38100" anchor="ctr"/>
+                </a:tc>
+                <a:tc>
+                  <a:txBody>
+                    <a:bodyPr/>
+                    <a:lstStyle/>
+                    <a:p>
+                      <a:r>
+                        <a:rPr lang="en-US">
+                          <a:effectLst/>
+                        </a:rPr>
+                        <a:t>0.977</a:t>
+                      </a:r>
+                    </a:p>
+                  </a:txBody>
+                  <a:tcPr marL="76200" marR="76200" marT="38100" marB="38100" anchor="ctr"/>
+                </a:tc>
+                <a:tc>
+                  <a:txBody>
+                    <a:bodyPr/>
+                    <a:lstStyle/>
+                    <a:p>
+                      <a:r>
+                        <a:rPr lang="en-US" dirty="0">
+                          <a:effectLst/>
+                        </a:rPr>
+                        <a:t>0.971</a:t>
+                      </a:r>
+                    </a:p>
+                  </a:txBody>
+                  <a:tcPr marL="76200" marR="76200" marT="38100" marB="38100" anchor="ctr"/>
+                </a:tc>
+                <a:extLst>
+                  <a:ext uri="{0D108BD9-81ED-4DB2-BD59-A6C34878D82A}">
+                    <a16:rowId xmlns:a16="http://schemas.microsoft.com/office/drawing/2014/main" val="3328294842"/>
+                  </a:ext>
+                </a:extLst>
+              </a:tr>
+              <a:tr h="370840">
+                <a:tc>
+                  <a:txBody>
+                    <a:bodyPr/>
+                    <a:lstStyle/>
+                    <a:p>
+                      <a:r>
+                        <a:rPr lang="en-US" b="0" dirty="0"/>
+                        <a:t>Recall</a:t>
+                      </a:r>
+                    </a:p>
+                  </a:txBody>
+                  <a:tcPr/>
+                </a:tc>
+                <a:tc>
+                  <a:txBody>
+                    <a:bodyPr/>
+                    <a:lstStyle/>
+                    <a:p>
+                      <a:r>
+                        <a:rPr lang="en-US" dirty="0">
+                          <a:effectLst/>
+                        </a:rPr>
+                        <a:t>0.965</a:t>
+                      </a:r>
+                    </a:p>
+                  </a:txBody>
+                  <a:tcPr marL="76200" marR="76200" marT="38100" marB="38100" anchor="ctr"/>
+                </a:tc>
+                <a:tc>
+                  <a:txBody>
+                    <a:bodyPr/>
+                    <a:lstStyle/>
+                    <a:p>
+                      <a:r>
+                        <a:rPr lang="en-US">
+                          <a:effectLst/>
+                        </a:rPr>
+                        <a:t>0.965</a:t>
+                      </a:r>
+                    </a:p>
+                  </a:txBody>
+                  <a:tcPr marL="76200" marR="76200" marT="38100" marB="38100" anchor="ctr"/>
+                </a:tc>
+                <a:tc>
+                  <a:txBody>
+                    <a:bodyPr/>
+                    <a:lstStyle/>
+                    <a:p>
+                      <a:r>
+                        <a:rPr lang="en-US">
+                          <a:effectLst/>
+                        </a:rPr>
+                        <a:t>0.972</a:t>
+                      </a:r>
+                    </a:p>
+                  </a:txBody>
+                  <a:tcPr marL="76200" marR="76200" marT="38100" marB="38100" anchor="ctr"/>
+                </a:tc>
+                <a:tc>
+                  <a:txBody>
+                    <a:bodyPr/>
+                    <a:lstStyle/>
+                    <a:p>
+                      <a:r>
+                        <a:rPr lang="en-US">
+                          <a:effectLst/>
+                        </a:rPr>
+                        <a:t>0.963</a:t>
+                      </a:r>
+                    </a:p>
+                  </a:txBody>
+                  <a:tcPr marL="76200" marR="76200" marT="38100" marB="38100" anchor="ctr"/>
+                </a:tc>
+                <a:tc>
+                  <a:txBody>
+                    <a:bodyPr/>
+                    <a:lstStyle/>
+                    <a:p>
+                      <a:r>
+                        <a:rPr lang="en-US" dirty="0">
+                          <a:effectLst/>
+                        </a:rPr>
+                        <a:t>0.966</a:t>
+                      </a:r>
+                    </a:p>
+                  </a:txBody>
+                  <a:tcPr marL="76200" marR="76200" marT="38100" marB="38100" anchor="ctr"/>
+                </a:tc>
+                <a:extLst>
+                  <a:ext uri="{0D108BD9-81ED-4DB2-BD59-A6C34878D82A}">
+                    <a16:rowId xmlns:a16="http://schemas.microsoft.com/office/drawing/2014/main" val="3977941811"/>
+                  </a:ext>
+                </a:extLst>
+              </a:tr>
+              <a:tr h="370840">
+                <a:tc>
+                  <a:txBody>
+                    <a:bodyPr/>
+                    <a:lstStyle/>
+                    <a:p>
+                      <a:r>
+                        <a:rPr lang="en-US" b="0" dirty="0"/>
+                        <a:t>ROC_AUC</a:t>
+                      </a:r>
+                    </a:p>
+                  </a:txBody>
+                  <a:tcPr/>
+                </a:tc>
+                <a:tc>
+                  <a:txBody>
+                    <a:bodyPr/>
+                    <a:lstStyle/>
+                    <a:p>
+                      <a:r>
+                        <a:rPr lang="en-US" dirty="0">
+                          <a:effectLst/>
+                        </a:rPr>
+                        <a:t>0.988</a:t>
+                      </a:r>
+                    </a:p>
+                  </a:txBody>
+                  <a:tcPr marL="76200" marR="76200" marT="38100" marB="38100" anchor="ctr"/>
+                </a:tc>
+                <a:tc>
+                  <a:txBody>
+                    <a:bodyPr/>
+                    <a:lstStyle/>
+                    <a:p>
+                      <a:r>
+                        <a:rPr lang="en-US">
+                          <a:effectLst/>
+                        </a:rPr>
+                        <a:t>0.995</a:t>
+                      </a:r>
+                    </a:p>
+                  </a:txBody>
+                  <a:tcPr marL="76200" marR="76200" marT="38100" marB="38100" anchor="ctr"/>
+                </a:tc>
+                <a:tc>
+                  <a:txBody>
+                    <a:bodyPr/>
+                    <a:lstStyle/>
+                    <a:p>
+                      <a:r>
+                        <a:rPr lang="en-US">
+                          <a:effectLst/>
+                        </a:rPr>
+                        <a:t>0.986</a:t>
+                      </a:r>
+                    </a:p>
+                  </a:txBody>
+                  <a:tcPr marL="76200" marR="76200" marT="38100" marB="38100" anchor="ctr"/>
+                </a:tc>
+                <a:tc>
+                  <a:txBody>
+                    <a:bodyPr/>
+                    <a:lstStyle/>
+                    <a:p>
+                      <a:r>
+                        <a:rPr lang="en-US">
+                          <a:effectLst/>
+                        </a:rPr>
+                        <a:t>0.993</a:t>
+                      </a:r>
+                    </a:p>
+                  </a:txBody>
+                  <a:tcPr marL="76200" marR="76200" marT="38100" marB="38100" anchor="ctr"/>
+                </a:tc>
+                <a:tc>
+                  <a:txBody>
+                    <a:bodyPr/>
+                    <a:lstStyle/>
+                    <a:p>
+                      <a:r>
+                        <a:rPr lang="en-US" dirty="0">
+                          <a:effectLst/>
+                        </a:rPr>
+                        <a:t>0.995</a:t>
+                      </a:r>
+                    </a:p>
+                  </a:txBody>
+                  <a:tcPr marL="76200" marR="76200" marT="38100" marB="38100" anchor="ctr"/>
+                </a:tc>
+                <a:extLst>
+                  <a:ext uri="{0D108BD9-81ED-4DB2-BD59-A6C34878D82A}">
+                    <a16:rowId xmlns:a16="http://schemas.microsoft.com/office/drawing/2014/main" val="314094018"/>
+                  </a:ext>
+                </a:extLst>
+              </a:tr>
+            </a:tbl>
+          </a:graphicData>
+        </a:graphic>
+      </p:graphicFrame>
     </p:spTree>
     <p:extLst>
       <p:ext uri="{BB962C8B-B14F-4D97-AF65-F5344CB8AC3E}">
@@ -6338,113 +7151,6 @@
     <p:extLst>
       <p:ext uri="{BB962C8B-B14F-4D97-AF65-F5344CB8AC3E}">
         <p14:creationId xmlns:p14="http://schemas.microsoft.com/office/powerpoint/2010/main" val="3858923319"/>
-      </p:ext>
-    </p:extLst>
-  </p:cSld>
-  <p:clrMapOvr>
-    <a:masterClrMapping/>
-  </p:clrMapOvr>
-</p:sld>
-</file>
-
-<file path=ppt/slides/slide9.xml><?xml version="1.0" encoding="utf-8"?>
-<p:sld xmlns:a="http://schemas.openxmlformats.org/drawingml/2006/main" xmlns:r="http://schemas.openxmlformats.org/officeDocument/2006/relationships" xmlns:p="http://schemas.openxmlformats.org/presentationml/2006/main">
-  <p:cSld>
-    <p:spTree>
-      <p:nvGrpSpPr>
-        <p:cNvPr id="1" name=""/>
-        <p:cNvGrpSpPr/>
-        <p:nvPr/>
-      </p:nvGrpSpPr>
-      <p:grpSpPr>
-        <a:xfrm>
-          <a:off x="0" y="0"/>
-          <a:ext cx="0" cy="0"/>
-          <a:chOff x="0" y="0"/>
-          <a:chExt cx="0" cy="0"/>
-        </a:xfrm>
-      </p:grpSpPr>
-      <p:pic>
-        <p:nvPicPr>
-          <p:cNvPr id="4" name="Picture 3" descr="Alert: Memes could have malware and take control of the device - Infobae">
-            <a:extLst>
-              <a:ext uri="{FF2B5EF4-FFF2-40B4-BE49-F238E27FC236}">
-                <a16:creationId xmlns:a16="http://schemas.microsoft.com/office/drawing/2014/main" id="{9F84D7FA-0A53-17A1-010C-7E0BE3BE4166}"/>
-              </a:ext>
-            </a:extLst>
-          </p:cNvPr>
-          <p:cNvPicPr>
-            <a:picLocks noChangeAspect="1" noChangeArrowheads="1"/>
-          </p:cNvPicPr>
-          <p:nvPr/>
-        </p:nvPicPr>
-        <p:blipFill>
-          <a:blip r:embed="rId2">
-            <a:extLst>
-              <a:ext uri="{28A0092B-C50C-407E-A947-70E740481C1C}">
-                <a14:useLocalDpi xmlns:a14="http://schemas.microsoft.com/office/drawing/2010/main" val="0"/>
-              </a:ext>
-            </a:extLst>
-          </a:blip>
-          <a:srcRect/>
-          <a:stretch>
-            <a:fillRect/>
-          </a:stretch>
-        </p:blipFill>
-        <p:spPr bwMode="auto">
-          <a:xfrm>
-            <a:off x="533473" y="3067623"/>
-            <a:ext cx="5082694" cy="2770068"/>
-          </a:xfrm>
-          <a:prstGeom prst="rect">
-            <a:avLst/>
-          </a:prstGeom>
-          <a:noFill/>
-          <a:extLst>
-            <a:ext uri="{909E8E84-426E-40DD-AFC4-6F175D3DCCD1}">
-              <a14:hiddenFill xmlns:a14="http://schemas.microsoft.com/office/drawing/2010/main">
-                <a:solidFill>
-                  <a:srgbClr val="FFFFFF"/>
-                </a:solidFill>
-              </a14:hiddenFill>
-            </a:ext>
-          </a:extLst>
-        </p:spPr>
-      </p:pic>
-      <p:pic>
-        <p:nvPicPr>
-          <p:cNvPr id="5" name="Picture 4">
-            <a:extLst>
-              <a:ext uri="{FF2B5EF4-FFF2-40B4-BE49-F238E27FC236}">
-                <a16:creationId xmlns:a16="http://schemas.microsoft.com/office/drawing/2014/main" id="{08A07069-5C98-61CD-2726-3FAE83F5684D}"/>
-              </a:ext>
-            </a:extLst>
-          </p:cNvPr>
-          <p:cNvPicPr>
-            <a:picLocks noChangeAspect="1"/>
-          </p:cNvPicPr>
-          <p:nvPr/>
-        </p:nvPicPr>
-        <p:blipFill>
-          <a:blip r:embed="rId3"/>
-          <a:stretch>
-            <a:fillRect/>
-          </a:stretch>
-        </p:blipFill>
-        <p:spPr>
-          <a:xfrm>
-            <a:off x="8239966" y="3846874"/>
-            <a:ext cx="2361594" cy="2833913"/>
-          </a:xfrm>
-          <a:prstGeom prst="rect">
-            <a:avLst/>
-          </a:prstGeom>
-        </p:spPr>
-      </p:pic>
-    </p:spTree>
-    <p:extLst>
-      <p:ext uri="{BB962C8B-B14F-4D97-AF65-F5344CB8AC3E}">
-        <p14:creationId xmlns:p14="http://schemas.microsoft.com/office/powerpoint/2010/main" val="4094484015"/>
       </p:ext>
     </p:extLst>
   </p:cSld>

--- a/report/project_presentation.pptx
+++ b/report/project_presentation.pptx
@@ -5,7 +5,7 @@
     <p:sldMasterId id="2147483686" r:id="rId1"/>
   </p:sldMasterIdLst>
   <p:notesMasterIdLst>
-    <p:notesMasterId r:id="rId10"/>
+    <p:notesMasterId r:id="rId16"/>
   </p:notesMasterIdLst>
   <p:sldIdLst>
     <p:sldId id="256" r:id="rId2"/>
@@ -13,9 +13,15 @@
     <p:sldId id="257" r:id="rId4"/>
     <p:sldId id="258" r:id="rId5"/>
     <p:sldId id="259" r:id="rId6"/>
-    <p:sldId id="260" r:id="rId7"/>
-    <p:sldId id="261" r:id="rId8"/>
-    <p:sldId id="262" r:id="rId9"/>
+    <p:sldId id="265" r:id="rId7"/>
+    <p:sldId id="267" r:id="rId8"/>
+    <p:sldId id="266" r:id="rId9"/>
+    <p:sldId id="268" r:id="rId10"/>
+    <p:sldId id="269" r:id="rId11"/>
+    <p:sldId id="270" r:id="rId12"/>
+    <p:sldId id="260" r:id="rId13"/>
+    <p:sldId id="261" r:id="rId14"/>
+    <p:sldId id="262" r:id="rId15"/>
   </p:sldIdLst>
   <p:sldSz cx="12192000" cy="6858000"/>
   <p:notesSz cx="6858000" cy="9144000"/>
@@ -204,7 +210,7 @@
           <a:p>
             <a:fld id="{BFED8B4C-F872-BB40-941E-1DCEAAB37286}" type="datetimeFigureOut">
               <a:rPr lang="en-US" smtClean="0"/>
-              <a:t>11/27/23</a:t>
+              <a:t>12/1/2023</a:t>
             </a:fld>
             <a:endParaRPr lang="en-US"/>
           </a:p>
@@ -898,6 +904,561 @@
 </p:notes>
 </file>
 
+<file path=ppt/notesSlides/notesSlide4.xml><?xml version="1.0" encoding="utf-8"?>
+<p:notes xmlns:a="http://schemas.openxmlformats.org/drawingml/2006/main" xmlns:r="http://schemas.openxmlformats.org/officeDocument/2006/relationships" xmlns:p="http://schemas.openxmlformats.org/presentationml/2006/main">
+  <p:cSld>
+    <p:spTree>
+      <p:nvGrpSpPr>
+        <p:cNvPr id="1" name=""/>
+        <p:cNvGrpSpPr/>
+        <p:nvPr/>
+      </p:nvGrpSpPr>
+      <p:grpSpPr>
+        <a:xfrm>
+          <a:off x="0" y="0"/>
+          <a:ext cx="0" cy="0"/>
+          <a:chOff x="0" y="0"/>
+          <a:chExt cx="0" cy="0"/>
+        </a:xfrm>
+      </p:grpSpPr>
+      <p:sp>
+        <p:nvSpPr>
+          <p:cNvPr id="2" name="Slide Image Placeholder 1"/>
+          <p:cNvSpPr>
+            <a:spLocks noGrp="1" noRot="1" noChangeAspect="1"/>
+          </p:cNvSpPr>
+          <p:nvPr>
+            <p:ph type="sldImg"/>
+          </p:nvPr>
+        </p:nvSpPr>
+        <p:spPr/>
+      </p:sp>
+      <p:sp>
+        <p:nvSpPr>
+          <p:cNvPr id="3" name="Notes Placeholder 2"/>
+          <p:cNvSpPr>
+            <a:spLocks noGrp="1"/>
+          </p:cNvSpPr>
+          <p:nvPr>
+            <p:ph type="body" idx="1"/>
+          </p:nvPr>
+        </p:nvSpPr>
+        <p:spPr/>
+        <p:txBody>
+          <a:bodyPr/>
+          <a:lstStyle/>
+          <a:p>
+            <a:r>
+              <a:rPr lang="en-US" dirty="0"/>
+              <a:t>Image source:</a:t>
+            </a:r>
+          </a:p>
+          <a:p>
+            <a:r>
+              <a:rPr lang="en-US" dirty="0"/>
+              <a:t>https://www.researchgate.net/figure/Repeated-K-Fold-Cross-Validation-A-repeated-10-fold-CV-was-applied-The-10-fold-CV-works_fig1_328798891</a:t>
+            </a:r>
+          </a:p>
+        </p:txBody>
+      </p:sp>
+      <p:sp>
+        <p:nvSpPr>
+          <p:cNvPr id="4" name="Slide Number Placeholder 3"/>
+          <p:cNvSpPr>
+            <a:spLocks noGrp="1"/>
+          </p:cNvSpPr>
+          <p:nvPr>
+            <p:ph type="sldNum" sz="quarter" idx="5"/>
+          </p:nvPr>
+        </p:nvSpPr>
+        <p:spPr/>
+        <p:txBody>
+          <a:bodyPr/>
+          <a:lstStyle/>
+          <a:p>
+            <a:fld id="{AF049292-9110-EF43-9B06-BC27797FB358}" type="slidenum">
+              <a:rPr lang="en-US" smtClean="0"/>
+              <a:t>5</a:t>
+            </a:fld>
+            <a:endParaRPr lang="en-US"/>
+          </a:p>
+        </p:txBody>
+      </p:sp>
+    </p:spTree>
+    <p:extLst>
+      <p:ext uri="{BB962C8B-B14F-4D97-AF65-F5344CB8AC3E}">
+        <p14:creationId xmlns:p14="http://schemas.microsoft.com/office/powerpoint/2010/main" val="1424183369"/>
+      </p:ext>
+    </p:extLst>
+  </p:cSld>
+  <p:clrMapOvr>
+    <a:masterClrMapping/>
+  </p:clrMapOvr>
+</p:notes>
+</file>
+
+<file path=ppt/notesSlides/notesSlide5.xml><?xml version="1.0" encoding="utf-8"?>
+<p:notes xmlns:a="http://schemas.openxmlformats.org/drawingml/2006/main" xmlns:r="http://schemas.openxmlformats.org/officeDocument/2006/relationships" xmlns:p="http://schemas.openxmlformats.org/presentationml/2006/main">
+  <p:cSld>
+    <p:spTree>
+      <p:nvGrpSpPr>
+        <p:cNvPr id="1" name=""/>
+        <p:cNvGrpSpPr/>
+        <p:nvPr/>
+      </p:nvGrpSpPr>
+      <p:grpSpPr>
+        <a:xfrm>
+          <a:off x="0" y="0"/>
+          <a:ext cx="0" cy="0"/>
+          <a:chOff x="0" y="0"/>
+          <a:chExt cx="0" cy="0"/>
+        </a:xfrm>
+      </p:grpSpPr>
+      <p:sp>
+        <p:nvSpPr>
+          <p:cNvPr id="2" name="Slide Image Placeholder 1"/>
+          <p:cNvSpPr>
+            <a:spLocks noGrp="1" noRot="1" noChangeAspect="1"/>
+          </p:cNvSpPr>
+          <p:nvPr>
+            <p:ph type="sldImg"/>
+          </p:nvPr>
+        </p:nvSpPr>
+        <p:spPr/>
+      </p:sp>
+      <p:sp>
+        <p:nvSpPr>
+          <p:cNvPr id="3" name="Notes Placeholder 2"/>
+          <p:cNvSpPr>
+            <a:spLocks noGrp="1"/>
+          </p:cNvSpPr>
+          <p:nvPr>
+            <p:ph type="body" idx="1"/>
+          </p:nvPr>
+        </p:nvSpPr>
+        <p:spPr/>
+        <p:txBody>
+          <a:bodyPr/>
+          <a:lstStyle/>
+          <a:p>
+            <a:r>
+              <a:rPr lang="en-US" dirty="0"/>
+              <a:t>Random Forest and k-Nearest Neighbors are the most successful models from Mathur (2021). We select these to replicate their results.</a:t>
+            </a:r>
+          </a:p>
+          <a:p>
+            <a:r>
+              <a:rPr lang="en-US" dirty="0"/>
+              <a:t>In addition, we also experiment with:</a:t>
+            </a:r>
+          </a:p>
+          <a:p>
+            <a:r>
+              <a:rPr lang="en-US" dirty="0"/>
+              <a:t>Logistic Regression (to test a linear baseline)</a:t>
+            </a:r>
+          </a:p>
+          <a:p>
+            <a:r>
+              <a:rPr lang="en-US" dirty="0"/>
+              <a:t>Feedforward Neural Network</a:t>
+            </a:r>
+          </a:p>
+          <a:p>
+            <a:r>
+              <a:rPr lang="en-US" dirty="0"/>
+              <a:t>Stacking Ensemble</a:t>
+            </a:r>
+          </a:p>
+          <a:p>
+            <a:endParaRPr lang="en-US" dirty="0"/>
+          </a:p>
+          <a:p>
+            <a:r>
+              <a:rPr lang="en-US" dirty="0"/>
+              <a:t>Image source:</a:t>
+            </a:r>
+          </a:p>
+          <a:p>
+            <a:r>
+              <a:rPr lang="en-US" dirty="0"/>
+              <a:t>https://scipython.com/blog/plotting-the-decision-boundary-of-a-logistic-regression-model/</a:t>
+            </a:r>
+          </a:p>
+        </p:txBody>
+      </p:sp>
+      <p:sp>
+        <p:nvSpPr>
+          <p:cNvPr id="4" name="Slide Number Placeholder 3"/>
+          <p:cNvSpPr>
+            <a:spLocks noGrp="1"/>
+          </p:cNvSpPr>
+          <p:nvPr>
+            <p:ph type="sldNum" sz="quarter" idx="5"/>
+          </p:nvPr>
+        </p:nvSpPr>
+        <p:spPr/>
+        <p:txBody>
+          <a:bodyPr/>
+          <a:lstStyle/>
+          <a:p>
+            <a:fld id="{AF049292-9110-EF43-9B06-BC27797FB358}" type="slidenum">
+              <a:rPr lang="en-US" smtClean="0"/>
+              <a:t>7</a:t>
+            </a:fld>
+            <a:endParaRPr lang="en-US"/>
+          </a:p>
+        </p:txBody>
+      </p:sp>
+    </p:spTree>
+    <p:extLst>
+      <p:ext uri="{BB962C8B-B14F-4D97-AF65-F5344CB8AC3E}">
+        <p14:creationId xmlns:p14="http://schemas.microsoft.com/office/powerpoint/2010/main" val="2934724227"/>
+      </p:ext>
+    </p:extLst>
+  </p:cSld>
+  <p:clrMapOvr>
+    <a:masterClrMapping/>
+  </p:clrMapOvr>
+</p:notes>
+</file>
+
+<file path=ppt/notesSlides/notesSlide6.xml><?xml version="1.0" encoding="utf-8"?>
+<p:notes xmlns:a="http://schemas.openxmlformats.org/drawingml/2006/main" xmlns:r="http://schemas.openxmlformats.org/officeDocument/2006/relationships" xmlns:p="http://schemas.openxmlformats.org/presentationml/2006/main">
+  <p:cSld>
+    <p:spTree>
+      <p:nvGrpSpPr>
+        <p:cNvPr id="1" name=""/>
+        <p:cNvGrpSpPr/>
+        <p:nvPr/>
+      </p:nvGrpSpPr>
+      <p:grpSpPr>
+        <a:xfrm>
+          <a:off x="0" y="0"/>
+          <a:ext cx="0" cy="0"/>
+          <a:chOff x="0" y="0"/>
+          <a:chExt cx="0" cy="0"/>
+        </a:xfrm>
+      </p:grpSpPr>
+      <p:sp>
+        <p:nvSpPr>
+          <p:cNvPr id="2" name="Slide Image Placeholder 1"/>
+          <p:cNvSpPr>
+            <a:spLocks noGrp="1" noRot="1" noChangeAspect="1"/>
+          </p:cNvSpPr>
+          <p:nvPr>
+            <p:ph type="sldImg"/>
+          </p:nvPr>
+        </p:nvSpPr>
+        <p:spPr/>
+      </p:sp>
+      <p:sp>
+        <p:nvSpPr>
+          <p:cNvPr id="3" name="Notes Placeholder 2"/>
+          <p:cNvSpPr>
+            <a:spLocks noGrp="1"/>
+          </p:cNvSpPr>
+          <p:nvPr>
+            <p:ph type="body" idx="1"/>
+          </p:nvPr>
+        </p:nvSpPr>
+        <p:spPr/>
+        <p:txBody>
+          <a:bodyPr/>
+          <a:lstStyle/>
+          <a:p>
+            <a:endParaRPr lang="en-US" dirty="0"/>
+          </a:p>
+        </p:txBody>
+      </p:sp>
+      <p:sp>
+        <p:nvSpPr>
+          <p:cNvPr id="4" name="Slide Number Placeholder 3"/>
+          <p:cNvSpPr>
+            <a:spLocks noGrp="1"/>
+          </p:cNvSpPr>
+          <p:nvPr>
+            <p:ph type="sldNum" sz="quarter" idx="5"/>
+          </p:nvPr>
+        </p:nvSpPr>
+        <p:spPr/>
+        <p:txBody>
+          <a:bodyPr/>
+          <a:lstStyle/>
+          <a:p>
+            <a:fld id="{AF049292-9110-EF43-9B06-BC27797FB358}" type="slidenum">
+              <a:rPr lang="en-US" smtClean="0"/>
+              <a:t>8</a:t>
+            </a:fld>
+            <a:endParaRPr lang="en-US"/>
+          </a:p>
+        </p:txBody>
+      </p:sp>
+    </p:spTree>
+    <p:extLst>
+      <p:ext uri="{BB962C8B-B14F-4D97-AF65-F5344CB8AC3E}">
+        <p14:creationId xmlns:p14="http://schemas.microsoft.com/office/powerpoint/2010/main" val="2637022461"/>
+      </p:ext>
+    </p:extLst>
+  </p:cSld>
+  <p:clrMapOvr>
+    <a:masterClrMapping/>
+  </p:clrMapOvr>
+</p:notes>
+</file>
+
+<file path=ppt/notesSlides/notesSlide7.xml><?xml version="1.0" encoding="utf-8"?>
+<p:notes xmlns:a="http://schemas.openxmlformats.org/drawingml/2006/main" xmlns:r="http://schemas.openxmlformats.org/officeDocument/2006/relationships" xmlns:p="http://schemas.openxmlformats.org/presentationml/2006/main">
+  <p:cSld>
+    <p:spTree>
+      <p:nvGrpSpPr>
+        <p:cNvPr id="1" name=""/>
+        <p:cNvGrpSpPr/>
+        <p:nvPr/>
+      </p:nvGrpSpPr>
+      <p:grpSpPr>
+        <a:xfrm>
+          <a:off x="0" y="0"/>
+          <a:ext cx="0" cy="0"/>
+          <a:chOff x="0" y="0"/>
+          <a:chExt cx="0" cy="0"/>
+        </a:xfrm>
+      </p:grpSpPr>
+      <p:sp>
+        <p:nvSpPr>
+          <p:cNvPr id="2" name="Slide Image Placeholder 1"/>
+          <p:cNvSpPr>
+            <a:spLocks noGrp="1" noRot="1" noChangeAspect="1"/>
+          </p:cNvSpPr>
+          <p:nvPr>
+            <p:ph type="sldImg"/>
+          </p:nvPr>
+        </p:nvSpPr>
+        <p:spPr/>
+      </p:sp>
+      <p:sp>
+        <p:nvSpPr>
+          <p:cNvPr id="3" name="Notes Placeholder 2"/>
+          <p:cNvSpPr>
+            <a:spLocks noGrp="1"/>
+          </p:cNvSpPr>
+          <p:nvPr>
+            <p:ph type="body" idx="1"/>
+          </p:nvPr>
+        </p:nvSpPr>
+        <p:spPr/>
+        <p:txBody>
+          <a:bodyPr/>
+          <a:lstStyle/>
+          <a:p>
+            <a:endParaRPr lang="en-US" dirty="0"/>
+          </a:p>
+        </p:txBody>
+      </p:sp>
+      <p:sp>
+        <p:nvSpPr>
+          <p:cNvPr id="4" name="Slide Number Placeholder 3"/>
+          <p:cNvSpPr>
+            <a:spLocks noGrp="1"/>
+          </p:cNvSpPr>
+          <p:nvPr>
+            <p:ph type="sldNum" sz="quarter" idx="5"/>
+          </p:nvPr>
+        </p:nvSpPr>
+        <p:spPr/>
+        <p:txBody>
+          <a:bodyPr/>
+          <a:lstStyle/>
+          <a:p>
+            <a:fld id="{AF049292-9110-EF43-9B06-BC27797FB358}" type="slidenum">
+              <a:rPr lang="en-US" smtClean="0"/>
+              <a:t>9</a:t>
+            </a:fld>
+            <a:endParaRPr lang="en-US"/>
+          </a:p>
+        </p:txBody>
+      </p:sp>
+    </p:spTree>
+    <p:extLst>
+      <p:ext uri="{BB962C8B-B14F-4D97-AF65-F5344CB8AC3E}">
+        <p14:creationId xmlns:p14="http://schemas.microsoft.com/office/powerpoint/2010/main" val="4013006554"/>
+      </p:ext>
+    </p:extLst>
+  </p:cSld>
+  <p:clrMapOvr>
+    <a:masterClrMapping/>
+  </p:clrMapOvr>
+</p:notes>
+</file>
+
+<file path=ppt/notesSlides/notesSlide8.xml><?xml version="1.0" encoding="utf-8"?>
+<p:notes xmlns:a="http://schemas.openxmlformats.org/drawingml/2006/main" xmlns:r="http://schemas.openxmlformats.org/officeDocument/2006/relationships" xmlns:p="http://schemas.openxmlformats.org/presentationml/2006/main">
+  <p:cSld>
+    <p:spTree>
+      <p:nvGrpSpPr>
+        <p:cNvPr id="1" name=""/>
+        <p:cNvGrpSpPr/>
+        <p:nvPr/>
+      </p:nvGrpSpPr>
+      <p:grpSpPr>
+        <a:xfrm>
+          <a:off x="0" y="0"/>
+          <a:ext cx="0" cy="0"/>
+          <a:chOff x="0" y="0"/>
+          <a:chExt cx="0" cy="0"/>
+        </a:xfrm>
+      </p:grpSpPr>
+      <p:sp>
+        <p:nvSpPr>
+          <p:cNvPr id="2" name="Slide Image Placeholder 1"/>
+          <p:cNvSpPr>
+            <a:spLocks noGrp="1" noRot="1" noChangeAspect="1"/>
+          </p:cNvSpPr>
+          <p:nvPr>
+            <p:ph type="sldImg"/>
+          </p:nvPr>
+        </p:nvSpPr>
+        <p:spPr/>
+      </p:sp>
+      <p:sp>
+        <p:nvSpPr>
+          <p:cNvPr id="3" name="Notes Placeholder 2"/>
+          <p:cNvSpPr>
+            <a:spLocks noGrp="1"/>
+          </p:cNvSpPr>
+          <p:nvPr>
+            <p:ph type="body" idx="1"/>
+          </p:nvPr>
+        </p:nvSpPr>
+        <p:spPr/>
+        <p:txBody>
+          <a:bodyPr/>
+          <a:lstStyle/>
+          <a:p>
+            <a:endParaRPr lang="en-US" dirty="0"/>
+          </a:p>
+        </p:txBody>
+      </p:sp>
+      <p:sp>
+        <p:nvSpPr>
+          <p:cNvPr id="4" name="Slide Number Placeholder 3"/>
+          <p:cNvSpPr>
+            <a:spLocks noGrp="1"/>
+          </p:cNvSpPr>
+          <p:nvPr>
+            <p:ph type="sldNum" sz="quarter" idx="5"/>
+          </p:nvPr>
+        </p:nvSpPr>
+        <p:spPr/>
+        <p:txBody>
+          <a:bodyPr/>
+          <a:lstStyle/>
+          <a:p>
+            <a:fld id="{AF049292-9110-EF43-9B06-BC27797FB358}" type="slidenum">
+              <a:rPr lang="en-US" smtClean="0"/>
+              <a:t>10</a:t>
+            </a:fld>
+            <a:endParaRPr lang="en-US"/>
+          </a:p>
+        </p:txBody>
+      </p:sp>
+    </p:spTree>
+    <p:extLst>
+      <p:ext uri="{BB962C8B-B14F-4D97-AF65-F5344CB8AC3E}">
+        <p14:creationId xmlns:p14="http://schemas.microsoft.com/office/powerpoint/2010/main" val="2926890030"/>
+      </p:ext>
+    </p:extLst>
+  </p:cSld>
+  <p:clrMapOvr>
+    <a:masterClrMapping/>
+  </p:clrMapOvr>
+</p:notes>
+</file>
+
+<file path=ppt/notesSlides/notesSlide9.xml><?xml version="1.0" encoding="utf-8"?>
+<p:notes xmlns:a="http://schemas.openxmlformats.org/drawingml/2006/main" xmlns:r="http://schemas.openxmlformats.org/officeDocument/2006/relationships" xmlns:p="http://schemas.openxmlformats.org/presentationml/2006/main">
+  <p:cSld>
+    <p:spTree>
+      <p:nvGrpSpPr>
+        <p:cNvPr id="1" name=""/>
+        <p:cNvGrpSpPr/>
+        <p:nvPr/>
+      </p:nvGrpSpPr>
+      <p:grpSpPr>
+        <a:xfrm>
+          <a:off x="0" y="0"/>
+          <a:ext cx="0" cy="0"/>
+          <a:chOff x="0" y="0"/>
+          <a:chExt cx="0" cy="0"/>
+        </a:xfrm>
+      </p:grpSpPr>
+      <p:sp>
+        <p:nvSpPr>
+          <p:cNvPr id="2" name="Slide Image Placeholder 1"/>
+          <p:cNvSpPr>
+            <a:spLocks noGrp="1" noRot="1" noChangeAspect="1"/>
+          </p:cNvSpPr>
+          <p:nvPr>
+            <p:ph type="sldImg"/>
+          </p:nvPr>
+        </p:nvSpPr>
+        <p:spPr/>
+      </p:sp>
+      <p:sp>
+        <p:nvSpPr>
+          <p:cNvPr id="3" name="Notes Placeholder 2"/>
+          <p:cNvSpPr>
+            <a:spLocks noGrp="1"/>
+          </p:cNvSpPr>
+          <p:nvPr>
+            <p:ph type="body" idx="1"/>
+          </p:nvPr>
+        </p:nvSpPr>
+        <p:spPr/>
+        <p:txBody>
+          <a:bodyPr/>
+          <a:lstStyle/>
+          <a:p>
+            <a:endParaRPr lang="en-US" dirty="0"/>
+          </a:p>
+        </p:txBody>
+      </p:sp>
+      <p:sp>
+        <p:nvSpPr>
+          <p:cNvPr id="4" name="Slide Number Placeholder 3"/>
+          <p:cNvSpPr>
+            <a:spLocks noGrp="1"/>
+          </p:cNvSpPr>
+          <p:nvPr>
+            <p:ph type="sldNum" sz="quarter" idx="5"/>
+          </p:nvPr>
+        </p:nvSpPr>
+        <p:spPr/>
+        <p:txBody>
+          <a:bodyPr/>
+          <a:lstStyle/>
+          <a:p>
+            <a:fld id="{AF049292-9110-EF43-9B06-BC27797FB358}" type="slidenum">
+              <a:rPr lang="en-US" smtClean="0"/>
+              <a:t>11</a:t>
+            </a:fld>
+            <a:endParaRPr lang="en-US"/>
+          </a:p>
+        </p:txBody>
+      </p:sp>
+    </p:spTree>
+    <p:extLst>
+      <p:ext uri="{BB962C8B-B14F-4D97-AF65-F5344CB8AC3E}">
+        <p14:creationId xmlns:p14="http://schemas.microsoft.com/office/powerpoint/2010/main" val="997116608"/>
+      </p:ext>
+    </p:extLst>
+  </p:cSld>
+  <p:clrMapOvr>
+    <a:masterClrMapping/>
+  </p:clrMapOvr>
+</p:notes>
+</file>
+
 <file path=ppt/slideLayouts/slideLayout1.xml><?xml version="1.0" encoding="utf-8"?>
 <p:sldLayout xmlns:a="http://schemas.openxmlformats.org/drawingml/2006/main" xmlns:r="http://schemas.openxmlformats.org/officeDocument/2006/relationships" xmlns:p="http://schemas.openxmlformats.org/presentationml/2006/main" showMasterSp="0" type="title" preserve="1">
   <p:cSld name="Title Slide">
@@ -1060,7 +1621,7 @@
           <a:p>
             <a:fld id="{E6171E64-FE02-4DE5-B72F-53C3706641C3}" type="datetimeFigureOut">
               <a:rPr lang="en-US" smtClean="0"/>
-              <a:t>11/27/23</a:t>
+              <a:t>12/1/2023</a:t>
             </a:fld>
             <a:endParaRPr lang="en-US"/>
           </a:p>
@@ -1447,7 +2008,7 @@
           <a:p>
             <a:fld id="{E6171E64-FE02-4DE5-B72F-53C3706641C3}" type="datetimeFigureOut">
               <a:rPr lang="en-US" smtClean="0"/>
-              <a:t>11/27/23</a:t>
+              <a:t>12/1/2023</a:t>
             </a:fld>
             <a:endParaRPr lang="en-US"/>
           </a:p>
@@ -1840,7 +2401,7 @@
           <a:p>
             <a:fld id="{E6171E64-FE02-4DE5-B72F-53C3706641C3}" type="datetimeFigureOut">
               <a:rPr lang="en-US" smtClean="0"/>
-              <a:t>11/27/23</a:t>
+              <a:t>12/1/2023</a:t>
             </a:fld>
             <a:endParaRPr lang="en-US"/>
           </a:p>
@@ -2255,7 +2816,7 @@
           <a:p>
             <a:fld id="{E6171E64-FE02-4DE5-B72F-53C3706641C3}" type="datetimeFigureOut">
               <a:rPr lang="en-US" smtClean="0"/>
-              <a:t>11/27/23</a:t>
+              <a:t>12/1/2023</a:t>
             </a:fld>
             <a:endParaRPr lang="en-US"/>
           </a:p>
@@ -2597,7 +3158,7 @@
           <a:p>
             <a:fld id="{E6171E64-FE02-4DE5-B72F-53C3706641C3}" type="datetimeFigureOut">
               <a:rPr lang="en-US" smtClean="0"/>
-              <a:t>11/27/23</a:t>
+              <a:t>12/1/2023</a:t>
             </a:fld>
             <a:endParaRPr lang="en-US"/>
           </a:p>
@@ -2921,7 +3482,7 @@
           <a:p>
             <a:fld id="{E6171E64-FE02-4DE5-B72F-53C3706641C3}" type="datetimeFigureOut">
               <a:rPr lang="en-US" smtClean="0"/>
-              <a:t>11/27/23</a:t>
+              <a:t>12/1/2023</a:t>
             </a:fld>
             <a:endParaRPr lang="en-US"/>
           </a:p>
@@ -3402,7 +3963,7 @@
           <a:p>
             <a:fld id="{E6171E64-FE02-4DE5-B72F-53C3706641C3}" type="datetimeFigureOut">
               <a:rPr lang="en-US" smtClean="0"/>
-              <a:t>11/27/23</a:t>
+              <a:t>12/1/2023</a:t>
             </a:fld>
             <a:endParaRPr lang="en-US"/>
           </a:p>
@@ -3564,7 +4125,7 @@
           <a:p>
             <a:fld id="{E6171E64-FE02-4DE5-B72F-53C3706641C3}" type="datetimeFigureOut">
               <a:rPr lang="en-US" smtClean="0"/>
-              <a:t>11/27/23</a:t>
+              <a:t>12/1/2023</a:t>
             </a:fld>
             <a:endParaRPr lang="en-US"/>
           </a:p>
@@ -3677,7 +4238,7 @@
           <a:p>
             <a:fld id="{E6171E64-FE02-4DE5-B72F-53C3706641C3}" type="datetimeFigureOut">
               <a:rPr lang="en-US" smtClean="0"/>
-              <a:t>11/27/23</a:t>
+              <a:t>12/1/2023</a:t>
             </a:fld>
             <a:endParaRPr lang="en-US"/>
           </a:p>
@@ -3999,7 +4560,7 @@
           <a:p>
             <a:fld id="{E6171E64-FE02-4DE5-B72F-53C3706641C3}" type="datetimeFigureOut">
               <a:rPr lang="en-US" smtClean="0"/>
-              <a:t>11/27/23</a:t>
+              <a:t>12/1/2023</a:t>
             </a:fld>
             <a:endParaRPr lang="en-US"/>
           </a:p>
@@ -4301,7 +4862,7 @@
           <a:p>
             <a:fld id="{E6171E64-FE02-4DE5-B72F-53C3706641C3}" type="datetimeFigureOut">
               <a:rPr lang="en-US" smtClean="0"/>
-              <a:t>11/27/23</a:t>
+              <a:t>12/1/2023</a:t>
             </a:fld>
             <a:endParaRPr lang="en-US"/>
           </a:p>
@@ -4542,7 +5103,7 @@
           <a:p>
             <a:fld id="{E6171E64-FE02-4DE5-B72F-53C3706641C3}" type="datetimeFigureOut">
               <a:rPr lang="en-US" smtClean="0"/>
-              <a:t>11/27/23</a:t>
+              <a:t>12/1/2023</a:t>
             </a:fld>
             <a:endParaRPr lang="en-US"/>
           </a:p>
@@ -5687,7 +6248,7 @@
 </p:sld>
 </file>
 
-<file path=ppt/slides/slide2.xml><?xml version="1.0" encoding="utf-8"?>
+<file path=ppt/slides/slide10.xml><?xml version="1.0" encoding="utf-8"?>
 <p:sld xmlns:a="http://schemas.openxmlformats.org/drawingml/2006/main" xmlns:r="http://schemas.openxmlformats.org/officeDocument/2006/relationships" xmlns:p="http://schemas.openxmlformats.org/presentationml/2006/main">
   <p:cSld>
     <p:spTree>
@@ -5709,7 +6270,7 @@
           <p:cNvPr id="2" name="Title 1">
             <a:extLst>
               <a:ext uri="{FF2B5EF4-FFF2-40B4-BE49-F238E27FC236}">
-                <a16:creationId xmlns:a16="http://schemas.microsoft.com/office/drawing/2014/main" id="{BBC50C80-13C9-A9EC-47FA-327E94B65227}"/>
+                <a16:creationId xmlns:a16="http://schemas.microsoft.com/office/drawing/2014/main" id="{0F6CE28D-D77F-885B-91A5-7302FAE378C4}"/>
               </a:ext>
             </a:extLst>
           </p:cNvPr>
@@ -5720,30 +6281,100 @@
             <p:ph type="title"/>
           </p:nvPr>
         </p:nvSpPr>
+        <p:spPr/>
+        <p:txBody>
+          <a:bodyPr/>
+          <a:lstStyle/>
+          <a:p>
+            <a:r>
+              <a:rPr lang="en-US" dirty="0"/>
+              <a:t>Methodology: Stacking ensemble</a:t>
+            </a:r>
+          </a:p>
+        </p:txBody>
+      </p:sp>
+      <p:sp>
+        <p:nvSpPr>
+          <p:cNvPr id="3" name="Content Placeholder 2">
+            <a:extLst>
+              <a:ext uri="{FF2B5EF4-FFF2-40B4-BE49-F238E27FC236}">
+                <a16:creationId xmlns:a16="http://schemas.microsoft.com/office/drawing/2014/main" id="{88C63423-5311-72BE-AC08-8DDEB193F258}"/>
+              </a:ext>
+            </a:extLst>
+          </p:cNvPr>
+          <p:cNvSpPr>
+            <a:spLocks noGrp="1"/>
+          </p:cNvSpPr>
+          <p:nvPr>
+            <p:ph idx="1"/>
+          </p:nvPr>
+        </p:nvSpPr>
         <p:spPr>
           <a:xfrm>
-            <a:off x="808661" y="365125"/>
-            <a:ext cx="10357666" cy="634335"/>
+            <a:off x="917166" y="1905833"/>
+            <a:ext cx="10357666" cy="4114801"/>
           </a:xfrm>
         </p:spPr>
         <p:txBody>
           <a:bodyPr/>
           <a:lstStyle/>
           <a:p>
-            <a:pPr algn="ctr"/>
             <a:r>
               <a:rPr lang="en-US" dirty="0"/>
-              <a:t>Malware</a:t>
-            </a:r>
+              <a:t>Consider a regression example</a:t>
+            </a:r>
+          </a:p>
+          <a:p>
+            <a:r>
+              <a:rPr lang="en-US" dirty="0"/>
+              <a:t>Given predictions from Level 0 models</a:t>
+            </a:r>
+          </a:p>
+          <a:p>
+            <a:r>
+              <a:rPr lang="en-US" dirty="0"/>
+              <a:t>Let the dataset </a:t>
+            </a:r>
+            <a:r>
+              <a:rPr lang="en-US" b="1" dirty="0"/>
+              <a:t>Z </a:t>
+            </a:r>
+            <a:r>
+              <a:rPr lang="en-US" dirty="0"/>
+              <a:t>be distributed according to (X,Y) ~ </a:t>
+            </a:r>
+            <a:r>
+              <a:rPr lang="en-US" i="1" dirty="0"/>
+              <a:t>P</a:t>
+            </a:r>
+          </a:p>
+          <a:p>
+            <a:r>
+              <a:rPr lang="en-US" dirty="0"/>
+              <a:t>Under square error loss, we are searching for weights such that</a:t>
+            </a:r>
+          </a:p>
+          <a:p>
+            <a:endParaRPr lang="en-US" dirty="0"/>
+          </a:p>
+          <a:p>
+            <a:endParaRPr lang="en-US" dirty="0"/>
+          </a:p>
+          <a:p>
+            <a:r>
+              <a:rPr lang="en-US" dirty="0"/>
+              <a:t>At the population level, this solution corresponds to a Level 1 Linear Regression model </a:t>
+            </a:r>
+            <a:endParaRPr lang="en-US" b="0" dirty="0"/>
           </a:p>
         </p:txBody>
       </p:sp>
       <p:pic>
         <p:nvPicPr>
-          <p:cNvPr id="4" name="Picture 3">
+          <p:cNvPr id="5" name="Picture 4">
             <a:extLst>
               <a:ext uri="{FF2B5EF4-FFF2-40B4-BE49-F238E27FC236}">
-                <a16:creationId xmlns:a16="http://schemas.microsoft.com/office/drawing/2014/main" id="{F4688C94-B4D0-4498-5E2B-B16CC95C8798}"/>
+                <a16:creationId xmlns:a16="http://schemas.microsoft.com/office/drawing/2014/main" id="{95AEBBCC-6049-E10B-B2EF-F036B33C9436}"/>
               </a:ext>
             </a:extLst>
           </p:cNvPr>
@@ -5752,15 +6383,46 @@
           </p:cNvPicPr>
           <p:nvPr/>
         </p:nvPicPr>
-        <p:blipFill rotWithShape="1">
+        <p:blipFill>
           <a:blip r:embed="rId3"/>
-          <a:srcRect b="7450"/>
-          <a:stretch/>
+          <a:stretch>
+            <a:fillRect/>
+          </a:stretch>
         </p:blipFill>
         <p:spPr>
           <a:xfrm>
-            <a:off x="3064354" y="1564414"/>
-            <a:ext cx="5104829" cy="4049577"/>
+            <a:off x="5793544" y="2445467"/>
+            <a:ext cx="1485939" cy="391896"/>
+          </a:xfrm>
+          <a:prstGeom prst="rect">
+            <a:avLst/>
+          </a:prstGeom>
+        </p:spPr>
+      </p:pic>
+      <p:pic>
+        <p:nvPicPr>
+          <p:cNvPr id="7" name="Picture 6">
+            <a:extLst>
+              <a:ext uri="{FF2B5EF4-FFF2-40B4-BE49-F238E27FC236}">
+                <a16:creationId xmlns:a16="http://schemas.microsoft.com/office/drawing/2014/main" id="{75577332-AA70-4AEA-2555-C1C61CC5962D}"/>
+              </a:ext>
+            </a:extLst>
+          </p:cNvPr>
+          <p:cNvPicPr>
+            <a:picLocks noChangeAspect="1"/>
+          </p:cNvPicPr>
+          <p:nvPr/>
+        </p:nvPicPr>
+        <p:blipFill>
+          <a:blip r:embed="rId4"/>
+          <a:stretch>
+            <a:fillRect/>
+          </a:stretch>
+        </p:blipFill>
+        <p:spPr>
+          <a:xfrm>
+            <a:off x="3706449" y="4020638"/>
+            <a:ext cx="4316299" cy="1066828"/>
           </a:xfrm>
           <a:prstGeom prst="rect">
             <a:avLst/>
@@ -5770,7 +6432,7 @@
     </p:spTree>
     <p:extLst>
       <p:ext uri="{BB962C8B-B14F-4D97-AF65-F5344CB8AC3E}">
-        <p14:creationId xmlns:p14="http://schemas.microsoft.com/office/powerpoint/2010/main" val="411291352"/>
+        <p14:creationId xmlns:p14="http://schemas.microsoft.com/office/powerpoint/2010/main" val="1976424682"/>
       </p:ext>
     </p:extLst>
   </p:cSld>
@@ -5780,7 +6442,7 @@
 </p:sld>
 </file>
 
-<file path=ppt/slides/slide3.xml><?xml version="1.0" encoding="utf-8"?>
+<file path=ppt/slides/slide11.xml><?xml version="1.0" encoding="utf-8"?>
 <p:sld xmlns:a="http://schemas.openxmlformats.org/drawingml/2006/main" xmlns:r="http://schemas.openxmlformats.org/officeDocument/2006/relationships" xmlns:p="http://schemas.openxmlformats.org/presentationml/2006/main">
   <p:cSld>
     <p:spTree>
@@ -5797,12 +6459,56 @@
           <a:chExt cx="0" cy="0"/>
         </a:xfrm>
       </p:grpSpPr>
+      <p:sp>
+        <p:nvSpPr>
+          <p:cNvPr id="2" name="Title 1">
+            <a:extLst>
+              <a:ext uri="{FF2B5EF4-FFF2-40B4-BE49-F238E27FC236}">
+                <a16:creationId xmlns:a16="http://schemas.microsoft.com/office/drawing/2014/main" id="{0F6CE28D-D77F-885B-91A5-7302FAE378C4}"/>
+              </a:ext>
+            </a:extLst>
+          </p:cNvPr>
+          <p:cNvSpPr>
+            <a:spLocks noGrp="1"/>
+          </p:cNvSpPr>
+          <p:nvPr>
+            <p:ph type="title"/>
+          </p:nvPr>
+        </p:nvSpPr>
+        <p:spPr>
+          <a:xfrm>
+            <a:off x="795014" y="1107588"/>
+            <a:ext cx="6429248" cy="1364476"/>
+          </a:xfrm>
+        </p:spPr>
+        <p:txBody>
+          <a:bodyPr anchor="t">
+            <a:normAutofit/>
+          </a:bodyPr>
+          <a:lstStyle/>
+          <a:p>
+            <a:pPr>
+              <a:lnSpc>
+                <a:spcPct val="110000"/>
+              </a:lnSpc>
+            </a:pPr>
+            <a:r>
+              <a:rPr lang="en-US" sz="2500" dirty="0">
+                <a:solidFill>
+                  <a:srgbClr val="000000"/>
+                </a:solidFill>
+              </a:rPr>
+              <a:t>Methodology: Probability Calibration</a:t>
+            </a:r>
+          </a:p>
+        </p:txBody>
+      </p:sp>
       <p:pic>
         <p:nvPicPr>
-          <p:cNvPr id="10" name="Picture 9" descr="A close-up of a document&#10;&#10;Description automatically generated">
+          <p:cNvPr id="6" name="Picture 5" descr="A graph of a graph showing the number of calibration curves&#10;&#10;Description automatically generated">
             <a:extLst>
               <a:ext uri="{FF2B5EF4-FFF2-40B4-BE49-F238E27FC236}">
-                <a16:creationId xmlns:a16="http://schemas.microsoft.com/office/drawing/2014/main" id="{99A67774-2B7D-C5B1-9435-FE98DC480EAC}"/>
+                <a16:creationId xmlns:a16="http://schemas.microsoft.com/office/drawing/2014/main" id="{1A14F204-B448-DB54-F6EF-D042683595EE}"/>
               </a:ext>
             </a:extLst>
           </p:cNvPr>
@@ -5819,48 +6525,219 @@
         </p:blipFill>
         <p:spPr>
           <a:xfrm>
-            <a:off x="1737431" y="217650"/>
-            <a:ext cx="7772400" cy="2991270"/>
+            <a:off x="443179" y="2190308"/>
+            <a:ext cx="5361225" cy="3350770"/>
           </a:xfrm>
           <a:prstGeom prst="rect">
             <a:avLst/>
           </a:prstGeom>
+          <a:noFill/>
         </p:spPr>
       </p:pic>
-      <p:pic>
-        <p:nvPicPr>
-          <p:cNvPr id="19" name="Picture 18" descr="A table with numbers and symbols&#10;&#10;Description automatically generated">
+      <p:sp>
+        <p:nvSpPr>
+          <p:cNvPr id="3" name="Content Placeholder 2">
             <a:extLst>
               <a:ext uri="{FF2B5EF4-FFF2-40B4-BE49-F238E27FC236}">
-                <a16:creationId xmlns:a16="http://schemas.microsoft.com/office/drawing/2014/main" id="{3D670857-8684-F74D-7CA6-F89E00988926}"/>
+                <a16:creationId xmlns:a16="http://schemas.microsoft.com/office/drawing/2014/main" id="{88C63423-5311-72BE-AC08-8DDEB193F258}"/>
               </a:ext>
             </a:extLst>
           </p:cNvPr>
-          <p:cNvPicPr>
-            <a:picLocks noChangeAspect="1"/>
-          </p:cNvPicPr>
-          <p:nvPr/>
-        </p:nvPicPr>
-        <p:blipFill>
-          <a:blip r:embed="rId4"/>
-          <a:stretch>
-            <a:fillRect/>
-          </a:stretch>
-        </p:blipFill>
+          <p:cNvSpPr>
+            <a:spLocks noGrp="1"/>
+          </p:cNvSpPr>
+          <p:nvPr>
+            <p:ph idx="1"/>
+          </p:nvPr>
+        </p:nvSpPr>
         <p:spPr>
           <a:xfrm>
-            <a:off x="1737431" y="3429000"/>
-            <a:ext cx="7772400" cy="2701956"/>
+            <a:off x="5931893" y="2282663"/>
+            <a:ext cx="5361225" cy="2820894"/>
           </a:xfrm>
-          <a:prstGeom prst="rect">
-            <a:avLst/>
-          </a:prstGeom>
         </p:spPr>
-      </p:pic>
+        <p:txBody>
+          <a:bodyPr>
+            <a:normAutofit/>
+          </a:bodyPr>
+          <a:lstStyle/>
+          <a:p>
+            <a:pPr>
+              <a:lnSpc>
+                <a:spcPct val="120000"/>
+              </a:lnSpc>
+            </a:pPr>
+            <a:r>
+              <a:rPr lang="en-US" sz="1700" b="0" dirty="0">
+                <a:solidFill>
+                  <a:srgbClr val="000000"/>
+                </a:solidFill>
+              </a:rPr>
+              <a:t>Before using ensemble stacking, it is prudent to ensure the predicted probabilities are well calibrated</a:t>
+            </a:r>
+          </a:p>
+          <a:p>
+            <a:pPr>
+              <a:lnSpc>
+                <a:spcPct val="120000"/>
+              </a:lnSpc>
+            </a:pPr>
+            <a:r>
+              <a:rPr lang="en-US" sz="1700" dirty="0">
+                <a:solidFill>
+                  <a:srgbClr val="000000"/>
+                </a:solidFill>
+              </a:rPr>
+              <a:t>Good calibration means that the predicted probabilities are good estimates of the true probability. This also ensures that the scaling of the probabilities are consistent across Level 0 models</a:t>
+            </a:r>
+          </a:p>
+          <a:p>
+            <a:pPr>
+              <a:lnSpc>
+                <a:spcPct val="120000"/>
+              </a:lnSpc>
+            </a:pPr>
+            <a:r>
+              <a:rPr lang="en-US" sz="1700" b="0" dirty="0">
+                <a:solidFill>
+                  <a:srgbClr val="000000"/>
+                </a:solidFill>
+              </a:rPr>
+              <a:t>Check using a probability calibration curve</a:t>
+            </a:r>
+          </a:p>
+        </p:txBody>
+      </p:sp>
+      <p:sp>
+        <p:nvSpPr>
+          <p:cNvPr id="11" name="Date Placeholder 4">
+            <a:extLst>
+              <a:ext uri="{FF2B5EF4-FFF2-40B4-BE49-F238E27FC236}">
+                <a16:creationId xmlns:a16="http://schemas.microsoft.com/office/drawing/2014/main" id="{460BE097-8227-4FAA-855E-A7E0050E5D31}"/>
+              </a:ext>
+            </a:extLst>
+          </p:cNvPr>
+          <p:cNvSpPr>
+            <a:spLocks noGrp="1"/>
+          </p:cNvSpPr>
+          <p:nvPr>
+            <p:ph type="dt" sz="half" idx="10"/>
+          </p:nvPr>
+        </p:nvSpPr>
+        <p:spPr>
+          <a:xfrm>
+            <a:off x="795014" y="6342042"/>
+            <a:ext cx="2743200" cy="365125"/>
+          </a:xfrm>
+        </p:spPr>
+        <p:txBody>
+          <a:bodyPr/>
+          <a:lstStyle/>
+          <a:p>
+            <a:pPr>
+              <a:spcAft>
+                <a:spcPts val="600"/>
+              </a:spcAft>
+            </a:pPr>
+            <a:fld id="{B828F7A6-25AF-4EC8-9A20-E5DA931E7D30}" type="datetime1">
+              <a:rPr lang="en-US" smtClean="0"/>
+              <a:pPr>
+                <a:spcAft>
+                  <a:spcPts val="600"/>
+                </a:spcAft>
+              </a:pPr>
+              <a:t>12/1/2023</a:t>
+            </a:fld>
+            <a:endParaRPr lang="en-US"/>
+          </a:p>
+        </p:txBody>
+      </p:sp>
+      <p:sp>
+        <p:nvSpPr>
+          <p:cNvPr id="13" name="Footer Placeholder 5">
+            <a:extLst>
+              <a:ext uri="{FF2B5EF4-FFF2-40B4-BE49-F238E27FC236}">
+                <a16:creationId xmlns:a16="http://schemas.microsoft.com/office/drawing/2014/main" id="{CACE5B7E-B6A7-412F-9CDD-CE2F7B02346C}"/>
+              </a:ext>
+            </a:extLst>
+          </p:cNvPr>
+          <p:cNvSpPr>
+            <a:spLocks noGrp="1"/>
+          </p:cNvSpPr>
+          <p:nvPr>
+            <p:ph type="ftr" sz="quarter" idx="11"/>
+          </p:nvPr>
+        </p:nvSpPr>
+        <p:spPr>
+          <a:xfrm>
+            <a:off x="7696200" y="6342042"/>
+            <a:ext cx="3470128" cy="365125"/>
+          </a:xfrm>
+        </p:spPr>
+        <p:txBody>
+          <a:bodyPr/>
+          <a:lstStyle/>
+          <a:p>
+            <a:pPr>
+              <a:spcAft>
+                <a:spcPts val="600"/>
+              </a:spcAft>
+            </a:pPr>
+            <a:r>
+              <a:rPr lang="en-US"/>
+              <a:t>Sample Footer Text</a:t>
+            </a:r>
+          </a:p>
+        </p:txBody>
+      </p:sp>
+      <p:sp>
+        <p:nvSpPr>
+          <p:cNvPr id="15" name="Slide Number Placeholder 6">
+            <a:extLst>
+              <a:ext uri="{FF2B5EF4-FFF2-40B4-BE49-F238E27FC236}">
+                <a16:creationId xmlns:a16="http://schemas.microsoft.com/office/drawing/2014/main" id="{486D18E6-2C3A-4D4A-93B8-55C657561BEA}"/>
+              </a:ext>
+            </a:extLst>
+          </p:cNvPr>
+          <p:cNvSpPr>
+            <a:spLocks noGrp="1"/>
+          </p:cNvSpPr>
+          <p:nvPr>
+            <p:ph type="sldNum" sz="quarter" idx="12"/>
+          </p:nvPr>
+        </p:nvSpPr>
+        <p:spPr>
+          <a:xfrm>
+            <a:off x="11166329" y="6342042"/>
+            <a:ext cx="526228" cy="365125"/>
+          </a:xfrm>
+        </p:spPr>
+        <p:txBody>
+          <a:bodyPr/>
+          <a:lstStyle/>
+          <a:p>
+            <a:pPr>
+              <a:spcAft>
+                <a:spcPts val="600"/>
+              </a:spcAft>
+            </a:pPr>
+            <a:fld id="{1B0A0659-E443-491A-A36E-EC2EE49C5850}" type="slidenum">
+              <a:rPr lang="en-US" smtClean="0"/>
+              <a:pPr>
+                <a:spcAft>
+                  <a:spcPts val="600"/>
+                </a:spcAft>
+              </a:pPr>
+              <a:t>11</a:t>
+            </a:fld>
+            <a:endParaRPr lang="en-US"/>
+          </a:p>
+        </p:txBody>
+      </p:sp>
     </p:spTree>
     <p:extLst>
       <p:ext uri="{BB962C8B-B14F-4D97-AF65-F5344CB8AC3E}">
-        <p14:creationId xmlns:p14="http://schemas.microsoft.com/office/powerpoint/2010/main" val="4161649350"/>
+        <p14:creationId xmlns:p14="http://schemas.microsoft.com/office/powerpoint/2010/main" val="3042929453"/>
       </p:ext>
     </p:extLst>
   </p:cSld>
@@ -5870,234 +6747,7 @@
 </p:sld>
 </file>
 
-<file path=ppt/slides/slide4.xml><?xml version="1.0" encoding="utf-8"?>
-<p:sld xmlns:a="http://schemas.openxmlformats.org/drawingml/2006/main" xmlns:r="http://schemas.openxmlformats.org/officeDocument/2006/relationships" xmlns:p="http://schemas.openxmlformats.org/presentationml/2006/main">
-  <p:cSld>
-    <p:spTree>
-      <p:nvGrpSpPr>
-        <p:cNvPr id="1" name=""/>
-        <p:cNvGrpSpPr/>
-        <p:nvPr/>
-      </p:nvGrpSpPr>
-      <p:grpSpPr>
-        <a:xfrm>
-          <a:off x="0" y="0"/>
-          <a:ext cx="0" cy="0"/>
-          <a:chOff x="0" y="0"/>
-          <a:chExt cx="0" cy="0"/>
-        </a:xfrm>
-      </p:grpSpPr>
-      <p:sp>
-        <p:nvSpPr>
-          <p:cNvPr id="2" name="Title 1">
-            <a:extLst>
-              <a:ext uri="{FF2B5EF4-FFF2-40B4-BE49-F238E27FC236}">
-                <a16:creationId xmlns:a16="http://schemas.microsoft.com/office/drawing/2014/main" id="{BBC50C80-13C9-A9EC-47FA-327E94B65227}"/>
-              </a:ext>
-            </a:extLst>
-          </p:cNvPr>
-          <p:cNvSpPr>
-            <a:spLocks noGrp="1"/>
-          </p:cNvSpPr>
-          <p:nvPr>
-            <p:ph type="title"/>
-          </p:nvPr>
-        </p:nvSpPr>
-        <p:spPr>
-          <a:xfrm>
-            <a:off x="2209800" y="324365"/>
-            <a:ext cx="7772400" cy="1080561"/>
-          </a:xfrm>
-        </p:spPr>
-        <p:txBody>
-          <a:bodyPr>
-            <a:normAutofit fontScale="90000"/>
-          </a:bodyPr>
-          <a:lstStyle/>
-          <a:p>
-            <a:r>
-              <a:rPr lang="en-US" dirty="0"/>
-              <a:t>Exploratory Data Analysis</a:t>
-            </a:r>
-          </a:p>
-        </p:txBody>
-      </p:sp>
-      <p:grpSp>
-        <p:nvGrpSpPr>
-          <p:cNvPr id="7" name="Group 6">
-            <a:extLst>
-              <a:ext uri="{FF2B5EF4-FFF2-40B4-BE49-F238E27FC236}">
-                <a16:creationId xmlns:a16="http://schemas.microsoft.com/office/drawing/2014/main" id="{D59A329F-D812-D2CA-C126-0BF31776A657}"/>
-              </a:ext>
-            </a:extLst>
-          </p:cNvPr>
-          <p:cNvGrpSpPr/>
-          <p:nvPr/>
-        </p:nvGrpSpPr>
-        <p:grpSpPr>
-          <a:xfrm>
-            <a:off x="2209800" y="3842844"/>
-            <a:ext cx="7772400" cy="2690791"/>
-            <a:chOff x="1680721" y="1363717"/>
-            <a:chExt cx="7772400" cy="2690791"/>
-          </a:xfrm>
-        </p:grpSpPr>
-        <p:pic>
-          <p:nvPicPr>
-            <p:cNvPr id="5" name="Picture 4" descr="A table with text on it&#10;&#10;Description automatically generated">
-              <a:extLst>
-                <a:ext uri="{FF2B5EF4-FFF2-40B4-BE49-F238E27FC236}">
-                  <a16:creationId xmlns:a16="http://schemas.microsoft.com/office/drawing/2014/main" id="{43357CEB-D28A-A98E-8165-6C333652CB2D}"/>
-                </a:ext>
-              </a:extLst>
-            </p:cNvPr>
-            <p:cNvPicPr>
-              <a:picLocks noChangeAspect="1"/>
-            </p:cNvPicPr>
-            <p:nvPr/>
-          </p:nvPicPr>
-          <p:blipFill rotWithShape="1">
-            <a:blip r:embed="rId3"/>
-            <a:srcRect b="81074"/>
-            <a:stretch/>
-          </p:blipFill>
-          <p:spPr>
-            <a:xfrm>
-              <a:off x="1680721" y="1363717"/>
-              <a:ext cx="7772400" cy="843455"/>
-            </a:xfrm>
-            <a:prstGeom prst="rect">
-              <a:avLst/>
-            </a:prstGeom>
-          </p:spPr>
-        </p:pic>
-        <p:pic>
-          <p:nvPicPr>
-            <p:cNvPr id="6" name="Picture 5" descr="A table with text on it&#10;&#10;Description automatically generated">
-              <a:extLst>
-                <a:ext uri="{FF2B5EF4-FFF2-40B4-BE49-F238E27FC236}">
-                  <a16:creationId xmlns:a16="http://schemas.microsoft.com/office/drawing/2014/main" id="{7B8B6DD2-97A7-7411-9430-E1B3514E35D2}"/>
-                </a:ext>
-              </a:extLst>
-            </p:cNvPr>
-            <p:cNvPicPr>
-              <a:picLocks noChangeAspect="1"/>
-            </p:cNvPicPr>
-            <p:nvPr/>
-          </p:nvPicPr>
-          <p:blipFill rotWithShape="1">
-            <a:blip r:embed="rId3"/>
-            <a:srcRect t="58547"/>
-            <a:stretch/>
-          </p:blipFill>
-          <p:spPr>
-            <a:xfrm>
-              <a:off x="1680721" y="2207172"/>
-              <a:ext cx="7772400" cy="1847336"/>
-            </a:xfrm>
-            <a:prstGeom prst="rect">
-              <a:avLst/>
-            </a:prstGeom>
-          </p:spPr>
-        </p:pic>
-      </p:grpSp>
-    </p:spTree>
-    <p:extLst>
-      <p:ext uri="{BB962C8B-B14F-4D97-AF65-F5344CB8AC3E}">
-        <p14:creationId xmlns:p14="http://schemas.microsoft.com/office/powerpoint/2010/main" val="2061080694"/>
-      </p:ext>
-    </p:extLst>
-  </p:cSld>
-  <p:clrMapOvr>
-    <a:masterClrMapping/>
-  </p:clrMapOvr>
-</p:sld>
-</file>
-
-<file path=ppt/slides/slide5.xml><?xml version="1.0" encoding="utf-8"?>
-<p:sld xmlns:a="http://schemas.openxmlformats.org/drawingml/2006/main" xmlns:r="http://schemas.openxmlformats.org/officeDocument/2006/relationships" xmlns:p="http://schemas.openxmlformats.org/presentationml/2006/main">
-  <p:cSld>
-    <p:spTree>
-      <p:nvGrpSpPr>
-        <p:cNvPr id="1" name=""/>
-        <p:cNvGrpSpPr/>
-        <p:nvPr/>
-      </p:nvGrpSpPr>
-      <p:grpSpPr>
-        <a:xfrm>
-          <a:off x="0" y="0"/>
-          <a:ext cx="0" cy="0"/>
-          <a:chOff x="0" y="0"/>
-          <a:chExt cx="0" cy="0"/>
-        </a:xfrm>
-      </p:grpSpPr>
-      <p:sp>
-        <p:nvSpPr>
-          <p:cNvPr id="2" name="Title 1">
-            <a:extLst>
-              <a:ext uri="{FF2B5EF4-FFF2-40B4-BE49-F238E27FC236}">
-                <a16:creationId xmlns:a16="http://schemas.microsoft.com/office/drawing/2014/main" id="{0F6CE28D-D77F-885B-91A5-7302FAE378C4}"/>
-              </a:ext>
-            </a:extLst>
-          </p:cNvPr>
-          <p:cNvSpPr>
-            <a:spLocks noGrp="1"/>
-          </p:cNvSpPr>
-          <p:nvPr>
-            <p:ph type="title"/>
-          </p:nvPr>
-        </p:nvSpPr>
-        <p:spPr/>
-        <p:txBody>
-          <a:bodyPr/>
-          <a:lstStyle/>
-          <a:p>
-            <a:r>
-              <a:rPr lang="en-US" dirty="0"/>
-              <a:t>Methodology</a:t>
-            </a:r>
-          </a:p>
-        </p:txBody>
-      </p:sp>
-      <p:sp>
-        <p:nvSpPr>
-          <p:cNvPr id="3" name="Content Placeholder 2">
-            <a:extLst>
-              <a:ext uri="{FF2B5EF4-FFF2-40B4-BE49-F238E27FC236}">
-                <a16:creationId xmlns:a16="http://schemas.microsoft.com/office/drawing/2014/main" id="{88C63423-5311-72BE-AC08-8DDEB193F258}"/>
-              </a:ext>
-            </a:extLst>
-          </p:cNvPr>
-          <p:cNvSpPr>
-            <a:spLocks noGrp="1"/>
-          </p:cNvSpPr>
-          <p:nvPr>
-            <p:ph idx="1"/>
-          </p:nvPr>
-        </p:nvSpPr>
-        <p:spPr/>
-        <p:txBody>
-          <a:bodyPr/>
-          <a:lstStyle/>
-          <a:p>
-            <a:endParaRPr lang="en-US"/>
-          </a:p>
-        </p:txBody>
-      </p:sp>
-    </p:spTree>
-    <p:extLst>
-      <p:ext uri="{BB962C8B-B14F-4D97-AF65-F5344CB8AC3E}">
-        <p14:creationId xmlns:p14="http://schemas.microsoft.com/office/powerpoint/2010/main" val="2356807947"/>
-      </p:ext>
-    </p:extLst>
-  </p:cSld>
-  <p:clrMapOvr>
-    <a:masterClrMapping/>
-  </p:clrMapOvr>
-</p:sld>
-</file>
-
-<file path=ppt/slides/slide6.xml><?xml version="1.0" encoding="utf-8"?>
+<file path=ppt/slides/slide12.xml><?xml version="1.0" encoding="utf-8"?>
 <p:sld xmlns:a="http://schemas.openxmlformats.org/drawingml/2006/main" xmlns:r="http://schemas.openxmlformats.org/officeDocument/2006/relationships" xmlns:p="http://schemas.openxmlformats.org/presentationml/2006/main">
   <p:cSld>
     <p:spTree>
@@ -6993,6 +7643,1137 @@
 </p:sld>
 </file>
 
+<file path=ppt/slides/slide13.xml><?xml version="1.0" encoding="utf-8"?>
+<p:sld xmlns:a="http://schemas.openxmlformats.org/drawingml/2006/main" xmlns:r="http://schemas.openxmlformats.org/officeDocument/2006/relationships" xmlns:p="http://schemas.openxmlformats.org/presentationml/2006/main">
+  <p:cSld>
+    <p:spTree>
+      <p:nvGrpSpPr>
+        <p:cNvPr id="1" name=""/>
+        <p:cNvGrpSpPr/>
+        <p:nvPr/>
+      </p:nvGrpSpPr>
+      <p:grpSpPr>
+        <a:xfrm>
+          <a:off x="0" y="0"/>
+          <a:ext cx="0" cy="0"/>
+          <a:chOff x="0" y="0"/>
+          <a:chExt cx="0" cy="0"/>
+        </a:xfrm>
+      </p:grpSpPr>
+      <p:sp>
+        <p:nvSpPr>
+          <p:cNvPr id="2" name="Title 1">
+            <a:extLst>
+              <a:ext uri="{FF2B5EF4-FFF2-40B4-BE49-F238E27FC236}">
+                <a16:creationId xmlns:a16="http://schemas.microsoft.com/office/drawing/2014/main" id="{EF105882-36DC-D387-CA38-FF8841B6DF85}"/>
+              </a:ext>
+            </a:extLst>
+          </p:cNvPr>
+          <p:cNvSpPr>
+            <a:spLocks noGrp="1"/>
+          </p:cNvSpPr>
+          <p:nvPr>
+            <p:ph type="title"/>
+          </p:nvPr>
+        </p:nvSpPr>
+        <p:spPr/>
+        <p:txBody>
+          <a:bodyPr/>
+          <a:lstStyle/>
+          <a:p>
+            <a:r>
+              <a:rPr lang="en-US" dirty="0"/>
+              <a:t>Results: Interpretation</a:t>
+            </a:r>
+          </a:p>
+        </p:txBody>
+      </p:sp>
+      <p:sp>
+        <p:nvSpPr>
+          <p:cNvPr id="3" name="Content Placeholder 2">
+            <a:extLst>
+              <a:ext uri="{FF2B5EF4-FFF2-40B4-BE49-F238E27FC236}">
+                <a16:creationId xmlns:a16="http://schemas.microsoft.com/office/drawing/2014/main" id="{121302A5-C0D1-86C4-9AA4-66F33B64A5E0}"/>
+              </a:ext>
+            </a:extLst>
+          </p:cNvPr>
+          <p:cNvSpPr>
+            <a:spLocks noGrp="1"/>
+          </p:cNvSpPr>
+          <p:nvPr>
+            <p:ph idx="1"/>
+          </p:nvPr>
+        </p:nvSpPr>
+        <p:spPr/>
+        <p:txBody>
+          <a:bodyPr/>
+          <a:lstStyle/>
+          <a:p>
+            <a:endParaRPr lang="en-US"/>
+          </a:p>
+        </p:txBody>
+      </p:sp>
+    </p:spTree>
+    <p:extLst>
+      <p:ext uri="{BB962C8B-B14F-4D97-AF65-F5344CB8AC3E}">
+        <p14:creationId xmlns:p14="http://schemas.microsoft.com/office/powerpoint/2010/main" val="1204778042"/>
+      </p:ext>
+    </p:extLst>
+  </p:cSld>
+  <p:clrMapOvr>
+    <a:masterClrMapping/>
+  </p:clrMapOvr>
+</p:sld>
+</file>
+
+<file path=ppt/slides/slide14.xml><?xml version="1.0" encoding="utf-8"?>
+<p:sld xmlns:a="http://schemas.openxmlformats.org/drawingml/2006/main" xmlns:r="http://schemas.openxmlformats.org/officeDocument/2006/relationships" xmlns:p="http://schemas.openxmlformats.org/presentationml/2006/main">
+  <p:cSld>
+    <p:spTree>
+      <p:nvGrpSpPr>
+        <p:cNvPr id="1" name=""/>
+        <p:cNvGrpSpPr/>
+        <p:nvPr/>
+      </p:nvGrpSpPr>
+      <p:grpSpPr>
+        <a:xfrm>
+          <a:off x="0" y="0"/>
+          <a:ext cx="0" cy="0"/>
+          <a:chOff x="0" y="0"/>
+          <a:chExt cx="0" cy="0"/>
+        </a:xfrm>
+      </p:grpSpPr>
+      <p:sp>
+        <p:nvSpPr>
+          <p:cNvPr id="2" name="Title 1">
+            <a:extLst>
+              <a:ext uri="{FF2B5EF4-FFF2-40B4-BE49-F238E27FC236}">
+                <a16:creationId xmlns:a16="http://schemas.microsoft.com/office/drawing/2014/main" id="{6701D6D5-DD5A-43F1-AC14-453CAE214ABD}"/>
+              </a:ext>
+            </a:extLst>
+          </p:cNvPr>
+          <p:cNvSpPr>
+            <a:spLocks noGrp="1"/>
+          </p:cNvSpPr>
+          <p:nvPr>
+            <p:ph type="title"/>
+          </p:nvPr>
+        </p:nvSpPr>
+        <p:spPr/>
+        <p:txBody>
+          <a:bodyPr/>
+          <a:lstStyle/>
+          <a:p>
+            <a:r>
+              <a:rPr lang="en-US"/>
+              <a:t>Conclusion</a:t>
+            </a:r>
+            <a:endParaRPr lang="en-US" dirty="0"/>
+          </a:p>
+        </p:txBody>
+      </p:sp>
+      <p:sp>
+        <p:nvSpPr>
+          <p:cNvPr id="3" name="Content Placeholder 2">
+            <a:extLst>
+              <a:ext uri="{FF2B5EF4-FFF2-40B4-BE49-F238E27FC236}">
+                <a16:creationId xmlns:a16="http://schemas.microsoft.com/office/drawing/2014/main" id="{2EE94C4F-E112-FD23-50C2-654544403AE1}"/>
+              </a:ext>
+            </a:extLst>
+          </p:cNvPr>
+          <p:cNvSpPr>
+            <a:spLocks noGrp="1"/>
+          </p:cNvSpPr>
+          <p:nvPr>
+            <p:ph idx="1"/>
+          </p:nvPr>
+        </p:nvSpPr>
+        <p:spPr/>
+        <p:txBody>
+          <a:bodyPr/>
+          <a:lstStyle/>
+          <a:p>
+            <a:endParaRPr lang="en-US"/>
+          </a:p>
+        </p:txBody>
+      </p:sp>
+    </p:spTree>
+    <p:extLst>
+      <p:ext uri="{BB962C8B-B14F-4D97-AF65-F5344CB8AC3E}">
+        <p14:creationId xmlns:p14="http://schemas.microsoft.com/office/powerpoint/2010/main" val="3858923319"/>
+      </p:ext>
+    </p:extLst>
+  </p:cSld>
+  <p:clrMapOvr>
+    <a:masterClrMapping/>
+  </p:clrMapOvr>
+</p:sld>
+</file>
+
+<file path=ppt/slides/slide2.xml><?xml version="1.0" encoding="utf-8"?>
+<p:sld xmlns:a="http://schemas.openxmlformats.org/drawingml/2006/main" xmlns:r="http://schemas.openxmlformats.org/officeDocument/2006/relationships" xmlns:p="http://schemas.openxmlformats.org/presentationml/2006/main">
+  <p:cSld>
+    <p:spTree>
+      <p:nvGrpSpPr>
+        <p:cNvPr id="1" name=""/>
+        <p:cNvGrpSpPr/>
+        <p:nvPr/>
+      </p:nvGrpSpPr>
+      <p:grpSpPr>
+        <a:xfrm>
+          <a:off x="0" y="0"/>
+          <a:ext cx="0" cy="0"/>
+          <a:chOff x="0" y="0"/>
+          <a:chExt cx="0" cy="0"/>
+        </a:xfrm>
+      </p:grpSpPr>
+      <p:sp>
+        <p:nvSpPr>
+          <p:cNvPr id="2" name="Title 1">
+            <a:extLst>
+              <a:ext uri="{FF2B5EF4-FFF2-40B4-BE49-F238E27FC236}">
+                <a16:creationId xmlns:a16="http://schemas.microsoft.com/office/drawing/2014/main" id="{BBC50C80-13C9-A9EC-47FA-327E94B65227}"/>
+              </a:ext>
+            </a:extLst>
+          </p:cNvPr>
+          <p:cNvSpPr>
+            <a:spLocks noGrp="1"/>
+          </p:cNvSpPr>
+          <p:nvPr>
+            <p:ph type="title"/>
+          </p:nvPr>
+        </p:nvSpPr>
+        <p:spPr>
+          <a:xfrm>
+            <a:off x="808661" y="365125"/>
+            <a:ext cx="10357666" cy="634335"/>
+          </a:xfrm>
+        </p:spPr>
+        <p:txBody>
+          <a:bodyPr/>
+          <a:lstStyle/>
+          <a:p>
+            <a:pPr algn="ctr"/>
+            <a:r>
+              <a:rPr lang="en-US" dirty="0"/>
+              <a:t>Malware</a:t>
+            </a:r>
+          </a:p>
+        </p:txBody>
+      </p:sp>
+      <p:pic>
+        <p:nvPicPr>
+          <p:cNvPr id="4" name="Picture 3">
+            <a:extLst>
+              <a:ext uri="{FF2B5EF4-FFF2-40B4-BE49-F238E27FC236}">
+                <a16:creationId xmlns:a16="http://schemas.microsoft.com/office/drawing/2014/main" id="{F4688C94-B4D0-4498-5E2B-B16CC95C8798}"/>
+              </a:ext>
+            </a:extLst>
+          </p:cNvPr>
+          <p:cNvPicPr>
+            <a:picLocks noChangeAspect="1"/>
+          </p:cNvPicPr>
+          <p:nvPr/>
+        </p:nvPicPr>
+        <p:blipFill rotWithShape="1">
+          <a:blip r:embed="rId3"/>
+          <a:srcRect b="7450"/>
+          <a:stretch/>
+        </p:blipFill>
+        <p:spPr>
+          <a:xfrm>
+            <a:off x="3064354" y="1564414"/>
+            <a:ext cx="5104829" cy="4049577"/>
+          </a:xfrm>
+          <a:prstGeom prst="rect">
+            <a:avLst/>
+          </a:prstGeom>
+        </p:spPr>
+      </p:pic>
+    </p:spTree>
+    <p:extLst>
+      <p:ext uri="{BB962C8B-B14F-4D97-AF65-F5344CB8AC3E}">
+        <p14:creationId xmlns:p14="http://schemas.microsoft.com/office/powerpoint/2010/main" val="411291352"/>
+      </p:ext>
+    </p:extLst>
+  </p:cSld>
+  <p:clrMapOvr>
+    <a:masterClrMapping/>
+  </p:clrMapOvr>
+</p:sld>
+</file>
+
+<file path=ppt/slides/slide3.xml><?xml version="1.0" encoding="utf-8"?>
+<p:sld xmlns:a="http://schemas.openxmlformats.org/drawingml/2006/main" xmlns:r="http://schemas.openxmlformats.org/officeDocument/2006/relationships" xmlns:p="http://schemas.openxmlformats.org/presentationml/2006/main">
+  <p:cSld>
+    <p:spTree>
+      <p:nvGrpSpPr>
+        <p:cNvPr id="1" name=""/>
+        <p:cNvGrpSpPr/>
+        <p:nvPr/>
+      </p:nvGrpSpPr>
+      <p:grpSpPr>
+        <a:xfrm>
+          <a:off x="0" y="0"/>
+          <a:ext cx="0" cy="0"/>
+          <a:chOff x="0" y="0"/>
+          <a:chExt cx="0" cy="0"/>
+        </a:xfrm>
+      </p:grpSpPr>
+      <p:pic>
+        <p:nvPicPr>
+          <p:cNvPr id="10" name="Picture 9" descr="A close-up of a document&#10;&#10;Description automatically generated">
+            <a:extLst>
+              <a:ext uri="{FF2B5EF4-FFF2-40B4-BE49-F238E27FC236}">
+                <a16:creationId xmlns:a16="http://schemas.microsoft.com/office/drawing/2014/main" id="{99A67774-2B7D-C5B1-9435-FE98DC480EAC}"/>
+              </a:ext>
+            </a:extLst>
+          </p:cNvPr>
+          <p:cNvPicPr>
+            <a:picLocks noChangeAspect="1"/>
+          </p:cNvPicPr>
+          <p:nvPr/>
+        </p:nvPicPr>
+        <p:blipFill>
+          <a:blip r:embed="rId3"/>
+          <a:stretch>
+            <a:fillRect/>
+          </a:stretch>
+        </p:blipFill>
+        <p:spPr>
+          <a:xfrm>
+            <a:off x="1737431" y="217650"/>
+            <a:ext cx="7772400" cy="2991270"/>
+          </a:xfrm>
+          <a:prstGeom prst="rect">
+            <a:avLst/>
+          </a:prstGeom>
+        </p:spPr>
+      </p:pic>
+      <p:pic>
+        <p:nvPicPr>
+          <p:cNvPr id="19" name="Picture 18" descr="A table with numbers and symbols&#10;&#10;Description automatically generated">
+            <a:extLst>
+              <a:ext uri="{FF2B5EF4-FFF2-40B4-BE49-F238E27FC236}">
+                <a16:creationId xmlns:a16="http://schemas.microsoft.com/office/drawing/2014/main" id="{3D670857-8684-F74D-7CA6-F89E00988926}"/>
+              </a:ext>
+            </a:extLst>
+          </p:cNvPr>
+          <p:cNvPicPr>
+            <a:picLocks noChangeAspect="1"/>
+          </p:cNvPicPr>
+          <p:nvPr/>
+        </p:nvPicPr>
+        <p:blipFill>
+          <a:blip r:embed="rId4"/>
+          <a:stretch>
+            <a:fillRect/>
+          </a:stretch>
+        </p:blipFill>
+        <p:spPr>
+          <a:xfrm>
+            <a:off x="1737431" y="3429000"/>
+            <a:ext cx="7772400" cy="2701956"/>
+          </a:xfrm>
+          <a:prstGeom prst="rect">
+            <a:avLst/>
+          </a:prstGeom>
+        </p:spPr>
+      </p:pic>
+    </p:spTree>
+    <p:extLst>
+      <p:ext uri="{BB962C8B-B14F-4D97-AF65-F5344CB8AC3E}">
+        <p14:creationId xmlns:p14="http://schemas.microsoft.com/office/powerpoint/2010/main" val="4161649350"/>
+      </p:ext>
+    </p:extLst>
+  </p:cSld>
+  <p:clrMapOvr>
+    <a:masterClrMapping/>
+  </p:clrMapOvr>
+</p:sld>
+</file>
+
+<file path=ppt/slides/slide4.xml><?xml version="1.0" encoding="utf-8"?>
+<p:sld xmlns:a="http://schemas.openxmlformats.org/drawingml/2006/main" xmlns:r="http://schemas.openxmlformats.org/officeDocument/2006/relationships" xmlns:p="http://schemas.openxmlformats.org/presentationml/2006/main">
+  <p:cSld>
+    <p:spTree>
+      <p:nvGrpSpPr>
+        <p:cNvPr id="1" name=""/>
+        <p:cNvGrpSpPr/>
+        <p:nvPr/>
+      </p:nvGrpSpPr>
+      <p:grpSpPr>
+        <a:xfrm>
+          <a:off x="0" y="0"/>
+          <a:ext cx="0" cy="0"/>
+          <a:chOff x="0" y="0"/>
+          <a:chExt cx="0" cy="0"/>
+        </a:xfrm>
+      </p:grpSpPr>
+      <p:sp>
+        <p:nvSpPr>
+          <p:cNvPr id="2" name="Title 1">
+            <a:extLst>
+              <a:ext uri="{FF2B5EF4-FFF2-40B4-BE49-F238E27FC236}">
+                <a16:creationId xmlns:a16="http://schemas.microsoft.com/office/drawing/2014/main" id="{BBC50C80-13C9-A9EC-47FA-327E94B65227}"/>
+              </a:ext>
+            </a:extLst>
+          </p:cNvPr>
+          <p:cNvSpPr>
+            <a:spLocks noGrp="1"/>
+          </p:cNvSpPr>
+          <p:nvPr>
+            <p:ph type="title"/>
+          </p:nvPr>
+        </p:nvSpPr>
+        <p:spPr>
+          <a:xfrm>
+            <a:off x="2209800" y="324365"/>
+            <a:ext cx="7772400" cy="1080561"/>
+          </a:xfrm>
+        </p:spPr>
+        <p:txBody>
+          <a:bodyPr>
+            <a:normAutofit fontScale="90000"/>
+          </a:bodyPr>
+          <a:lstStyle/>
+          <a:p>
+            <a:r>
+              <a:rPr lang="en-US" dirty="0"/>
+              <a:t>Exploratory Data Analysis</a:t>
+            </a:r>
+          </a:p>
+        </p:txBody>
+      </p:sp>
+      <p:grpSp>
+        <p:nvGrpSpPr>
+          <p:cNvPr id="7" name="Group 6">
+            <a:extLst>
+              <a:ext uri="{FF2B5EF4-FFF2-40B4-BE49-F238E27FC236}">
+                <a16:creationId xmlns:a16="http://schemas.microsoft.com/office/drawing/2014/main" id="{D59A329F-D812-D2CA-C126-0BF31776A657}"/>
+              </a:ext>
+            </a:extLst>
+          </p:cNvPr>
+          <p:cNvGrpSpPr/>
+          <p:nvPr/>
+        </p:nvGrpSpPr>
+        <p:grpSpPr>
+          <a:xfrm>
+            <a:off x="2209800" y="3842844"/>
+            <a:ext cx="7772400" cy="2690791"/>
+            <a:chOff x="1680721" y="1363717"/>
+            <a:chExt cx="7772400" cy="2690791"/>
+          </a:xfrm>
+        </p:grpSpPr>
+        <p:pic>
+          <p:nvPicPr>
+            <p:cNvPr id="5" name="Picture 4" descr="A table with text on it&#10;&#10;Description automatically generated">
+              <a:extLst>
+                <a:ext uri="{FF2B5EF4-FFF2-40B4-BE49-F238E27FC236}">
+                  <a16:creationId xmlns:a16="http://schemas.microsoft.com/office/drawing/2014/main" id="{43357CEB-D28A-A98E-8165-6C333652CB2D}"/>
+                </a:ext>
+              </a:extLst>
+            </p:cNvPr>
+            <p:cNvPicPr>
+              <a:picLocks noChangeAspect="1"/>
+            </p:cNvPicPr>
+            <p:nvPr/>
+          </p:nvPicPr>
+          <p:blipFill rotWithShape="1">
+            <a:blip r:embed="rId3"/>
+            <a:srcRect b="81074"/>
+            <a:stretch/>
+          </p:blipFill>
+          <p:spPr>
+            <a:xfrm>
+              <a:off x="1680721" y="1363717"/>
+              <a:ext cx="7772400" cy="843455"/>
+            </a:xfrm>
+            <a:prstGeom prst="rect">
+              <a:avLst/>
+            </a:prstGeom>
+          </p:spPr>
+        </p:pic>
+        <p:pic>
+          <p:nvPicPr>
+            <p:cNvPr id="6" name="Picture 5" descr="A table with text on it&#10;&#10;Description automatically generated">
+              <a:extLst>
+                <a:ext uri="{FF2B5EF4-FFF2-40B4-BE49-F238E27FC236}">
+                  <a16:creationId xmlns:a16="http://schemas.microsoft.com/office/drawing/2014/main" id="{7B8B6DD2-97A7-7411-9430-E1B3514E35D2}"/>
+                </a:ext>
+              </a:extLst>
+            </p:cNvPr>
+            <p:cNvPicPr>
+              <a:picLocks noChangeAspect="1"/>
+            </p:cNvPicPr>
+            <p:nvPr/>
+          </p:nvPicPr>
+          <p:blipFill rotWithShape="1">
+            <a:blip r:embed="rId3"/>
+            <a:srcRect t="58547"/>
+            <a:stretch/>
+          </p:blipFill>
+          <p:spPr>
+            <a:xfrm>
+              <a:off x="1680721" y="2207172"/>
+              <a:ext cx="7772400" cy="1847336"/>
+            </a:xfrm>
+            <a:prstGeom prst="rect">
+              <a:avLst/>
+            </a:prstGeom>
+          </p:spPr>
+        </p:pic>
+      </p:grpSp>
+    </p:spTree>
+    <p:extLst>
+      <p:ext uri="{BB962C8B-B14F-4D97-AF65-F5344CB8AC3E}">
+        <p14:creationId xmlns:p14="http://schemas.microsoft.com/office/powerpoint/2010/main" val="2061080694"/>
+      </p:ext>
+    </p:extLst>
+  </p:cSld>
+  <p:clrMapOvr>
+    <a:masterClrMapping/>
+  </p:clrMapOvr>
+</p:sld>
+</file>
+
+<file path=ppt/slides/slide5.xml><?xml version="1.0" encoding="utf-8"?>
+<p:sld xmlns:a="http://schemas.openxmlformats.org/drawingml/2006/main" xmlns:r="http://schemas.openxmlformats.org/officeDocument/2006/relationships" xmlns:p="http://schemas.openxmlformats.org/presentationml/2006/main">
+  <p:cSld>
+    <p:spTree>
+      <p:nvGrpSpPr>
+        <p:cNvPr id="1" name=""/>
+        <p:cNvGrpSpPr/>
+        <p:nvPr/>
+      </p:nvGrpSpPr>
+      <p:grpSpPr>
+        <a:xfrm>
+          <a:off x="0" y="0"/>
+          <a:ext cx="0" cy="0"/>
+          <a:chOff x="0" y="0"/>
+          <a:chExt cx="0" cy="0"/>
+        </a:xfrm>
+      </p:grpSpPr>
+      <p:sp>
+        <p:nvSpPr>
+          <p:cNvPr id="2" name="Title 1">
+            <a:extLst>
+              <a:ext uri="{FF2B5EF4-FFF2-40B4-BE49-F238E27FC236}">
+                <a16:creationId xmlns:a16="http://schemas.microsoft.com/office/drawing/2014/main" id="{0F6CE28D-D77F-885B-91A5-7302FAE378C4}"/>
+              </a:ext>
+            </a:extLst>
+          </p:cNvPr>
+          <p:cNvSpPr>
+            <a:spLocks noGrp="1"/>
+          </p:cNvSpPr>
+          <p:nvPr>
+            <p:ph type="title"/>
+          </p:nvPr>
+        </p:nvSpPr>
+        <p:spPr/>
+        <p:txBody>
+          <a:bodyPr/>
+          <a:lstStyle/>
+          <a:p>
+            <a:r>
+              <a:rPr lang="en-US" dirty="0"/>
+              <a:t>Methodology: Data Split</a:t>
+            </a:r>
+          </a:p>
+        </p:txBody>
+      </p:sp>
+      <p:sp>
+        <p:nvSpPr>
+          <p:cNvPr id="3" name="Content Placeholder 2">
+            <a:extLst>
+              <a:ext uri="{FF2B5EF4-FFF2-40B4-BE49-F238E27FC236}">
+                <a16:creationId xmlns:a16="http://schemas.microsoft.com/office/drawing/2014/main" id="{88C63423-5311-72BE-AC08-8DDEB193F258}"/>
+              </a:ext>
+            </a:extLst>
+          </p:cNvPr>
+          <p:cNvSpPr>
+            <a:spLocks noGrp="1"/>
+          </p:cNvSpPr>
+          <p:nvPr>
+            <p:ph idx="1"/>
+          </p:nvPr>
+        </p:nvSpPr>
+        <p:spPr>
+          <a:xfrm>
+            <a:off x="696701" y="2019298"/>
+            <a:ext cx="5250236" cy="4114801"/>
+          </a:xfrm>
+        </p:spPr>
+        <p:txBody>
+          <a:bodyPr>
+            <a:normAutofit/>
+          </a:bodyPr>
+          <a:lstStyle/>
+          <a:p>
+            <a:r>
+              <a:rPr lang="en-US" sz="1700" dirty="0"/>
+              <a:t>Randomly split data into non-test for training and validation and test to estimate generalization error (i.e. performance on unseen data)</a:t>
+            </a:r>
+          </a:p>
+          <a:p>
+            <a:r>
+              <a:rPr lang="en-US" sz="1700" dirty="0"/>
+              <a:t>10-fold cross validation on the non-test data is used for feature selection and hyperparameter tuning for each model (except Neural Network)</a:t>
+            </a:r>
+          </a:p>
+          <a:p>
+            <a:r>
+              <a:rPr lang="en-US" sz="1700" dirty="0"/>
+              <a:t>For Neural Network, validation was done with a train (60%), validation (20%), and test (20%) split strategy out of computational concerns of k-fold CV</a:t>
+            </a:r>
+          </a:p>
+        </p:txBody>
+      </p:sp>
+      <p:grpSp>
+        <p:nvGrpSpPr>
+          <p:cNvPr id="27" name="Group 26">
+            <a:extLst>
+              <a:ext uri="{FF2B5EF4-FFF2-40B4-BE49-F238E27FC236}">
+                <a16:creationId xmlns:a16="http://schemas.microsoft.com/office/drawing/2014/main" id="{28DA3C1E-52E8-90F1-F756-ECA015A34626}"/>
+              </a:ext>
+            </a:extLst>
+          </p:cNvPr>
+          <p:cNvGrpSpPr/>
+          <p:nvPr/>
+        </p:nvGrpSpPr>
+        <p:grpSpPr>
+          <a:xfrm>
+            <a:off x="5836903" y="2295316"/>
+            <a:ext cx="5442588" cy="3164642"/>
+            <a:chOff x="5903648" y="2475526"/>
+            <a:chExt cx="5442588" cy="3164642"/>
+          </a:xfrm>
+        </p:grpSpPr>
+        <p:grpSp>
+          <p:nvGrpSpPr>
+            <p:cNvPr id="21" name="Group 20">
+              <a:extLst>
+                <a:ext uri="{FF2B5EF4-FFF2-40B4-BE49-F238E27FC236}">
+                  <a16:creationId xmlns:a16="http://schemas.microsoft.com/office/drawing/2014/main" id="{887DD3D2-5D00-80A6-EAA0-EBDAF9554AD4}"/>
+                </a:ext>
+              </a:extLst>
+            </p:cNvPr>
+            <p:cNvGrpSpPr/>
+            <p:nvPr/>
+          </p:nvGrpSpPr>
+          <p:grpSpPr>
+            <a:xfrm>
+              <a:off x="6846595" y="2475526"/>
+              <a:ext cx="4499641" cy="380295"/>
+              <a:chOff x="1364092" y="3258801"/>
+              <a:chExt cx="8040211" cy="340397"/>
+            </a:xfrm>
+          </p:grpSpPr>
+          <p:sp>
+            <p:nvSpPr>
+              <p:cNvPr id="4" name="Rectangle 3">
+                <a:extLst>
+                  <a:ext uri="{FF2B5EF4-FFF2-40B4-BE49-F238E27FC236}">
+                    <a16:creationId xmlns:a16="http://schemas.microsoft.com/office/drawing/2014/main" id="{AE76810B-83F6-FB2E-3BA1-1F7F06157F31}"/>
+                  </a:ext>
+                </a:extLst>
+              </p:cNvPr>
+              <p:cNvSpPr/>
+              <p:nvPr/>
+            </p:nvSpPr>
+            <p:spPr>
+              <a:xfrm>
+                <a:off x="1364092" y="3258801"/>
+                <a:ext cx="6113799" cy="340397"/>
+              </a:xfrm>
+              <a:prstGeom prst="rect">
+                <a:avLst/>
+              </a:prstGeom>
+              <a:solidFill>
+                <a:srgbClr val="0070C0"/>
+              </a:solidFill>
+            </p:spPr>
+            <p:style>
+              <a:lnRef idx="2">
+                <a:schemeClr val="accent1">
+                  <a:shade val="15000"/>
+                </a:schemeClr>
+              </a:lnRef>
+              <a:fillRef idx="1">
+                <a:schemeClr val="accent1"/>
+              </a:fillRef>
+              <a:effectRef idx="0">
+                <a:schemeClr val="accent1"/>
+              </a:effectRef>
+              <a:fontRef idx="minor">
+                <a:schemeClr val="lt1"/>
+              </a:fontRef>
+            </p:style>
+            <p:txBody>
+              <a:bodyPr rtlCol="0" anchor="ctr"/>
+              <a:lstStyle/>
+              <a:p>
+                <a:pPr algn="ctr"/>
+                <a:r>
+                  <a:rPr lang="en-US" sz="1200" dirty="0"/>
+                  <a:t>Training and Validation Data (80%)</a:t>
+                </a:r>
+              </a:p>
+            </p:txBody>
+          </p:sp>
+          <p:sp>
+            <p:nvSpPr>
+              <p:cNvPr id="20" name="Rectangle 19">
+                <a:extLst>
+                  <a:ext uri="{FF2B5EF4-FFF2-40B4-BE49-F238E27FC236}">
+                    <a16:creationId xmlns:a16="http://schemas.microsoft.com/office/drawing/2014/main" id="{5F006541-E806-A9CE-68B4-E6E9ACF2D678}"/>
+                  </a:ext>
+                </a:extLst>
+              </p:cNvPr>
+              <p:cNvSpPr/>
+              <p:nvPr/>
+            </p:nvSpPr>
+            <p:spPr>
+              <a:xfrm>
+                <a:off x="7477890" y="3258801"/>
+                <a:ext cx="1926413" cy="340397"/>
+              </a:xfrm>
+              <a:prstGeom prst="rect">
+                <a:avLst/>
+              </a:prstGeom>
+            </p:spPr>
+            <p:style>
+              <a:lnRef idx="2">
+                <a:schemeClr val="accent1">
+                  <a:shade val="15000"/>
+                </a:schemeClr>
+              </a:lnRef>
+              <a:fillRef idx="1">
+                <a:schemeClr val="accent1"/>
+              </a:fillRef>
+              <a:effectRef idx="0">
+                <a:schemeClr val="accent1"/>
+              </a:effectRef>
+              <a:fontRef idx="minor">
+                <a:schemeClr val="lt1"/>
+              </a:fontRef>
+            </p:style>
+            <p:txBody>
+              <a:bodyPr rtlCol="0" anchor="ctr"/>
+              <a:lstStyle/>
+              <a:p>
+                <a:pPr algn="ctr"/>
+                <a:r>
+                  <a:rPr lang="en-US" sz="1200" dirty="0"/>
+                  <a:t>Test Data (20%)</a:t>
+                </a:r>
+              </a:p>
+            </p:txBody>
+          </p:sp>
+        </p:grpSp>
+        <p:pic>
+          <p:nvPicPr>
+            <p:cNvPr id="1028" name="Picture 4" descr="Repeated K-Fold Cross Validation. A repeated 10-fold CV was applied. The 10-fold CV works by dividing the training data into 10 equal parts. These parts are iterated through 10 times. During each iteration, 9 of the 10 parts are treated as training data, and the remaining 10 th part as the validation set. The performance metrics are measured after each iteration. At the end, accuracy and kappa values are computed as measures of model performance. The above procedure is repeated 10 times.">
+              <a:extLst>
+                <a:ext uri="{FF2B5EF4-FFF2-40B4-BE49-F238E27FC236}">
+                  <a16:creationId xmlns:a16="http://schemas.microsoft.com/office/drawing/2014/main" id="{A0C6A75E-508D-77D3-2D51-887A3C46F929}"/>
+                </a:ext>
+              </a:extLst>
+            </p:cNvPr>
+            <p:cNvPicPr>
+              <a:picLocks noChangeAspect="1" noChangeArrowheads="1"/>
+            </p:cNvPicPr>
+            <p:nvPr/>
+          </p:nvPicPr>
+          <p:blipFill rotWithShape="1">
+            <a:blip r:embed="rId3">
+              <a:extLst>
+                <a:ext uri="{28A0092B-C50C-407E-A947-70E740481C1C}">
+                  <a14:useLocalDpi xmlns:a14="http://schemas.microsoft.com/office/drawing/2010/main" val="0"/>
+                </a:ext>
+              </a:extLst>
+            </a:blip>
+            <a:srcRect l="1857" t="31322" r="20598" b="6059"/>
+            <a:stretch/>
+          </p:blipFill>
+          <p:spPr bwMode="auto">
+            <a:xfrm>
+              <a:off x="5903648" y="3282694"/>
+              <a:ext cx="5307433" cy="2357474"/>
+            </a:xfrm>
+            <a:prstGeom prst="rect">
+              <a:avLst/>
+            </a:prstGeom>
+            <a:noFill/>
+            <a:extLst>
+              <a:ext uri="{909E8E84-426E-40DD-AFC4-6F175D3DCCD1}">
+                <a14:hiddenFill xmlns:a14="http://schemas.microsoft.com/office/drawing/2010/main">
+                  <a:solidFill>
+                    <a:srgbClr val="FFFFFF"/>
+                  </a:solidFill>
+                </a14:hiddenFill>
+              </a:ext>
+            </a:extLst>
+          </p:spPr>
+        </p:pic>
+        <p:sp>
+          <p:nvSpPr>
+            <p:cNvPr id="26" name="Arrow: Down 25">
+              <a:extLst>
+                <a:ext uri="{FF2B5EF4-FFF2-40B4-BE49-F238E27FC236}">
+                  <a16:creationId xmlns:a16="http://schemas.microsoft.com/office/drawing/2014/main" id="{7146E9E4-1F58-E26F-FD14-2FDDBD7EECB0}"/>
+                </a:ext>
+              </a:extLst>
+            </p:cNvPr>
+            <p:cNvSpPr/>
+            <p:nvPr/>
+          </p:nvSpPr>
+          <p:spPr>
+            <a:xfrm>
+              <a:off x="8363089" y="2916737"/>
+              <a:ext cx="453863" cy="305041"/>
+            </a:xfrm>
+            <a:prstGeom prst="downArrow">
+              <a:avLst/>
+            </a:prstGeom>
+            <a:solidFill>
+              <a:srgbClr val="0070C0"/>
+            </a:solidFill>
+          </p:spPr>
+          <p:style>
+            <a:lnRef idx="2">
+              <a:schemeClr val="accent1">
+                <a:shade val="15000"/>
+              </a:schemeClr>
+            </a:lnRef>
+            <a:fillRef idx="1">
+              <a:schemeClr val="accent1"/>
+            </a:fillRef>
+            <a:effectRef idx="0">
+              <a:schemeClr val="accent1"/>
+            </a:effectRef>
+            <a:fontRef idx="minor">
+              <a:schemeClr val="lt1"/>
+            </a:fontRef>
+          </p:style>
+          <p:txBody>
+            <a:bodyPr rtlCol="0" anchor="ctr"/>
+            <a:lstStyle/>
+            <a:p>
+              <a:pPr algn="ctr"/>
+              <a:endParaRPr lang="en-US"/>
+            </a:p>
+          </p:txBody>
+        </p:sp>
+      </p:grpSp>
+    </p:spTree>
+    <p:extLst>
+      <p:ext uri="{BB962C8B-B14F-4D97-AF65-F5344CB8AC3E}">
+        <p14:creationId xmlns:p14="http://schemas.microsoft.com/office/powerpoint/2010/main" val="2356807947"/>
+      </p:ext>
+    </p:extLst>
+  </p:cSld>
+  <p:clrMapOvr>
+    <a:masterClrMapping/>
+  </p:clrMapOvr>
+</p:sld>
+</file>
+
+<file path=ppt/slides/slide6.xml><?xml version="1.0" encoding="utf-8"?>
+<p:sld xmlns:a="http://schemas.openxmlformats.org/drawingml/2006/main" xmlns:r="http://schemas.openxmlformats.org/officeDocument/2006/relationships" xmlns:p="http://schemas.openxmlformats.org/presentationml/2006/main">
+  <p:cSld>
+    <p:spTree>
+      <p:nvGrpSpPr>
+        <p:cNvPr id="1" name=""/>
+        <p:cNvGrpSpPr/>
+        <p:nvPr/>
+      </p:nvGrpSpPr>
+      <p:grpSpPr>
+        <a:xfrm>
+          <a:off x="0" y="0"/>
+          <a:ext cx="0" cy="0"/>
+          <a:chOff x="0" y="0"/>
+          <a:chExt cx="0" cy="0"/>
+        </a:xfrm>
+      </p:grpSpPr>
+      <p:sp>
+        <p:nvSpPr>
+          <p:cNvPr id="2" name="Title 1">
+            <a:extLst>
+              <a:ext uri="{FF2B5EF4-FFF2-40B4-BE49-F238E27FC236}">
+                <a16:creationId xmlns:a16="http://schemas.microsoft.com/office/drawing/2014/main" id="{0F6CE28D-D77F-885B-91A5-7302FAE378C4}"/>
+              </a:ext>
+            </a:extLst>
+          </p:cNvPr>
+          <p:cNvSpPr>
+            <a:spLocks noGrp="1"/>
+          </p:cNvSpPr>
+          <p:nvPr>
+            <p:ph type="title"/>
+          </p:nvPr>
+        </p:nvSpPr>
+        <p:spPr>
+          <a:xfrm>
+            <a:off x="805542" y="365124"/>
+            <a:ext cx="10278577" cy="1325563"/>
+          </a:xfrm>
+        </p:spPr>
+        <p:txBody>
+          <a:bodyPr>
+            <a:normAutofit/>
+          </a:bodyPr>
+          <a:lstStyle/>
+          <a:p>
+            <a:r>
+              <a:rPr lang="en-US" dirty="0"/>
+              <a:t>Methodology: Feature selection</a:t>
+            </a:r>
+          </a:p>
+        </p:txBody>
+      </p:sp>
+      <p:pic>
+        <p:nvPicPr>
+          <p:cNvPr id="5" name="Picture 4" descr="A graph of different colored lines&#10;&#10;Description automatically generated">
+            <a:extLst>
+              <a:ext uri="{FF2B5EF4-FFF2-40B4-BE49-F238E27FC236}">
+                <a16:creationId xmlns:a16="http://schemas.microsoft.com/office/drawing/2014/main" id="{F1F476E8-5363-2B9D-C6CF-DDFD7016859B}"/>
+              </a:ext>
+            </a:extLst>
+          </p:cNvPr>
+          <p:cNvPicPr>
+            <a:picLocks noChangeAspect="1"/>
+          </p:cNvPicPr>
+          <p:nvPr/>
+        </p:nvPicPr>
+        <p:blipFill>
+          <a:blip r:embed="rId2"/>
+          <a:stretch>
+            <a:fillRect/>
+          </a:stretch>
+        </p:blipFill>
+        <p:spPr>
+          <a:xfrm>
+            <a:off x="632005" y="2062470"/>
+            <a:ext cx="5363147" cy="3754205"/>
+          </a:xfrm>
+          <a:prstGeom prst="rect">
+            <a:avLst/>
+          </a:prstGeom>
+          <a:noFill/>
+        </p:spPr>
+      </p:pic>
+      <p:sp>
+        <p:nvSpPr>
+          <p:cNvPr id="3" name="Content Placeholder 2">
+            <a:extLst>
+              <a:ext uri="{FF2B5EF4-FFF2-40B4-BE49-F238E27FC236}">
+                <a16:creationId xmlns:a16="http://schemas.microsoft.com/office/drawing/2014/main" id="{88C63423-5311-72BE-AC08-8DDEB193F258}"/>
+              </a:ext>
+            </a:extLst>
+          </p:cNvPr>
+          <p:cNvSpPr>
+            <a:spLocks noGrp="1"/>
+          </p:cNvSpPr>
+          <p:nvPr>
+            <p:ph idx="1"/>
+          </p:nvPr>
+        </p:nvSpPr>
+        <p:spPr>
+          <a:xfrm>
+            <a:off x="6096000" y="2186609"/>
+            <a:ext cx="4988119" cy="3923742"/>
+          </a:xfrm>
+        </p:spPr>
+        <p:txBody>
+          <a:bodyPr>
+            <a:normAutofit/>
+          </a:bodyPr>
+          <a:lstStyle/>
+          <a:p>
+            <a:pPr>
+              <a:lnSpc>
+                <a:spcPct val="120000"/>
+              </a:lnSpc>
+            </a:pPr>
+            <a:r>
+              <a:rPr lang="en-US" sz="1700" dirty="0"/>
+              <a:t>How do we reduce the dimensionality of the data (86 different Android permissions)?</a:t>
+            </a:r>
+          </a:p>
+          <a:p>
+            <a:pPr>
+              <a:lnSpc>
+                <a:spcPct val="120000"/>
+              </a:lnSpc>
+            </a:pPr>
+            <a:r>
+              <a:rPr lang="en-US" sz="1700" dirty="0"/>
+              <a:t>Select top n most influential features based on Random Forest (RF) importance scores</a:t>
+            </a:r>
+          </a:p>
+          <a:p>
+            <a:pPr>
+              <a:lnSpc>
+                <a:spcPct val="120000"/>
+              </a:lnSpc>
+            </a:pPr>
+            <a:r>
+              <a:rPr lang="en-US" sz="1700" dirty="0"/>
+              <a:t>RF importance scores are a measure of mean decrease in impurity a feature is responsible for across the forest</a:t>
+            </a:r>
+          </a:p>
+          <a:p>
+            <a:pPr>
+              <a:lnSpc>
+                <a:spcPct val="120000"/>
+              </a:lnSpc>
+            </a:pPr>
+            <a:r>
+              <a:rPr lang="en-US" sz="1700" dirty="0"/>
+              <a:t>On CV performance, we see that performance plateaus after selecting top 40 features for Logistic Regression, Random Forest, and kNN</a:t>
+            </a:r>
+          </a:p>
+        </p:txBody>
+      </p:sp>
+      <p:sp>
+        <p:nvSpPr>
+          <p:cNvPr id="10" name="Date Placeholder 3">
+            <a:extLst>
+              <a:ext uri="{FF2B5EF4-FFF2-40B4-BE49-F238E27FC236}">
+                <a16:creationId xmlns:a16="http://schemas.microsoft.com/office/drawing/2014/main" id="{442FCCAC-F479-4C3B-9AF8-4F80CBC12C4B}"/>
+              </a:ext>
+            </a:extLst>
+          </p:cNvPr>
+          <p:cNvSpPr>
+            <a:spLocks noGrp="1"/>
+          </p:cNvSpPr>
+          <p:nvPr>
+            <p:ph type="dt" sz="half" idx="10"/>
+          </p:nvPr>
+        </p:nvSpPr>
+        <p:spPr>
+          <a:xfrm>
+            <a:off x="795014" y="6342042"/>
+            <a:ext cx="2743200" cy="365125"/>
+          </a:xfrm>
+        </p:spPr>
+        <p:txBody>
+          <a:bodyPr/>
+          <a:lstStyle/>
+          <a:p>
+            <a:pPr>
+              <a:spcAft>
+                <a:spcPts val="600"/>
+              </a:spcAft>
+            </a:pPr>
+            <a:fld id="{77D9A200-CC35-4609-8973-70AC57D7C400}" type="datetime1">
+              <a:rPr lang="en-US" smtClean="0"/>
+              <a:pPr>
+                <a:spcAft>
+                  <a:spcPts val="600"/>
+                </a:spcAft>
+              </a:pPr>
+              <a:t>12/1/2023</a:t>
+            </a:fld>
+            <a:endParaRPr lang="en-US" dirty="0"/>
+          </a:p>
+        </p:txBody>
+      </p:sp>
+      <p:sp>
+        <p:nvSpPr>
+          <p:cNvPr id="12" name="Footer Placeholder 4">
+            <a:extLst>
+              <a:ext uri="{FF2B5EF4-FFF2-40B4-BE49-F238E27FC236}">
+                <a16:creationId xmlns:a16="http://schemas.microsoft.com/office/drawing/2014/main" id="{0427418D-D0A4-4210-8534-DDA111D18066}"/>
+              </a:ext>
+            </a:extLst>
+          </p:cNvPr>
+          <p:cNvSpPr>
+            <a:spLocks noGrp="1"/>
+          </p:cNvSpPr>
+          <p:nvPr>
+            <p:ph type="ftr" sz="quarter" idx="11"/>
+          </p:nvPr>
+        </p:nvSpPr>
+        <p:spPr>
+          <a:xfrm>
+            <a:off x="7696200" y="6342042"/>
+            <a:ext cx="3470128" cy="365125"/>
+          </a:xfrm>
+        </p:spPr>
+        <p:txBody>
+          <a:bodyPr/>
+          <a:lstStyle/>
+          <a:p>
+            <a:pPr>
+              <a:spcAft>
+                <a:spcPts val="600"/>
+              </a:spcAft>
+            </a:pPr>
+            <a:r>
+              <a:rPr lang="en-US"/>
+              <a:t>Sample Footer Text</a:t>
+            </a:r>
+          </a:p>
+        </p:txBody>
+      </p:sp>
+      <p:sp>
+        <p:nvSpPr>
+          <p:cNvPr id="14" name="Slide Number Placeholder 5">
+            <a:extLst>
+              <a:ext uri="{FF2B5EF4-FFF2-40B4-BE49-F238E27FC236}">
+                <a16:creationId xmlns:a16="http://schemas.microsoft.com/office/drawing/2014/main" id="{AC886AA8-2271-4049-978B-6911BFE36F37}"/>
+              </a:ext>
+            </a:extLst>
+          </p:cNvPr>
+          <p:cNvSpPr>
+            <a:spLocks noGrp="1"/>
+          </p:cNvSpPr>
+          <p:nvPr>
+            <p:ph type="sldNum" sz="quarter" idx="12"/>
+          </p:nvPr>
+        </p:nvSpPr>
+        <p:spPr>
+          <a:xfrm>
+            <a:off x="11166329" y="6342042"/>
+            <a:ext cx="526228" cy="365125"/>
+          </a:xfrm>
+        </p:spPr>
+        <p:txBody>
+          <a:bodyPr/>
+          <a:lstStyle/>
+          <a:p>
+            <a:pPr>
+              <a:spcAft>
+                <a:spcPts val="600"/>
+              </a:spcAft>
+            </a:pPr>
+            <a:fld id="{1B0A0659-E443-491A-A36E-EC2EE49C5850}" type="slidenum">
+              <a:rPr lang="en-US" smtClean="0"/>
+              <a:pPr>
+                <a:spcAft>
+                  <a:spcPts val="600"/>
+                </a:spcAft>
+              </a:pPr>
+              <a:t>6</a:t>
+            </a:fld>
+            <a:endParaRPr lang="en-US"/>
+          </a:p>
+        </p:txBody>
+      </p:sp>
+    </p:spTree>
+    <p:extLst>
+      <p:ext uri="{BB962C8B-B14F-4D97-AF65-F5344CB8AC3E}">
+        <p14:creationId xmlns:p14="http://schemas.microsoft.com/office/powerpoint/2010/main" val="4225734007"/>
+      </p:ext>
+    </p:extLst>
+  </p:cSld>
+  <p:clrMapOvr>
+    <a:masterClrMapping/>
+  </p:clrMapOvr>
+</p:sld>
+</file>
+
 <file path=ppt/slides/slide7.xml><?xml version="1.0" encoding="utf-8"?>
 <p:sld xmlns:a="http://schemas.openxmlformats.org/drawingml/2006/main" xmlns:r="http://schemas.openxmlformats.org/officeDocument/2006/relationships" xmlns:p="http://schemas.openxmlformats.org/presentationml/2006/main">
   <p:cSld>
@@ -7015,7 +8796,7 @@
           <p:cNvPr id="2" name="Title 1">
             <a:extLst>
               <a:ext uri="{FF2B5EF4-FFF2-40B4-BE49-F238E27FC236}">
-                <a16:creationId xmlns:a16="http://schemas.microsoft.com/office/drawing/2014/main" id="{EF105882-36DC-D387-CA38-FF8841B6DF85}"/>
+                <a16:creationId xmlns:a16="http://schemas.microsoft.com/office/drawing/2014/main" id="{0F6CE28D-D77F-885B-91A5-7302FAE378C4}"/>
               </a:ext>
             </a:extLst>
           </p:cNvPr>
@@ -7026,14 +8807,21 @@
             <p:ph type="title"/>
           </p:nvPr>
         </p:nvSpPr>
-        <p:spPr/>
-        <p:txBody>
-          <a:bodyPr/>
+        <p:spPr>
+          <a:xfrm>
+            <a:off x="1600199" y="699591"/>
+            <a:ext cx="8731853" cy="1470404"/>
+          </a:xfrm>
+        </p:spPr>
+        <p:txBody>
+          <a:bodyPr anchor="b">
+            <a:normAutofit/>
+          </a:bodyPr>
           <a:lstStyle/>
           <a:p>
             <a:r>
               <a:rPr lang="en-US" dirty="0"/>
-              <a:t>Results: Interpretation</a:t>
+              <a:t>Methodology: modeling</a:t>
             </a:r>
           </a:p>
         </p:txBody>
@@ -7043,7 +8831,7 @@
           <p:cNvPr id="3" name="Content Placeholder 2">
             <a:extLst>
               <a:ext uri="{FF2B5EF4-FFF2-40B4-BE49-F238E27FC236}">
-                <a16:creationId xmlns:a16="http://schemas.microsoft.com/office/drawing/2014/main" id="{121302A5-C0D1-86C4-9AA4-66F33B64A5E0}"/>
+                <a16:creationId xmlns:a16="http://schemas.microsoft.com/office/drawing/2014/main" id="{88C63423-5311-72BE-AC08-8DDEB193F258}"/>
               </a:ext>
             </a:extLst>
           </p:cNvPr>
@@ -7054,19 +8842,138 @@
             <p:ph idx="1"/>
           </p:nvPr>
         </p:nvSpPr>
-        <p:spPr/>
+        <p:spPr>
+          <a:xfrm>
+            <a:off x="1600200" y="2476499"/>
+            <a:ext cx="7638168" cy="3614813"/>
+          </a:xfrm>
+        </p:spPr>
+        <p:txBody>
+          <a:bodyPr>
+            <a:normAutofit/>
+          </a:bodyPr>
+          <a:lstStyle/>
+          <a:p>
+            <a:r>
+              <a:rPr lang="en-US" dirty="0"/>
+              <a:t>Logistic Regression (LG)</a:t>
+            </a:r>
+          </a:p>
+          <a:p>
+            <a:r>
+              <a:rPr lang="en-US" dirty="0"/>
+              <a:t>Random Forest (RF)</a:t>
+            </a:r>
+          </a:p>
+          <a:p>
+            <a:r>
+              <a:rPr lang="en-US" dirty="0"/>
+              <a:t>K-Nearest Neighbors (kNN)</a:t>
+            </a:r>
+          </a:p>
+          <a:p>
+            <a:r>
+              <a:rPr lang="en-US" dirty="0"/>
+              <a:t>Feedforward Neural Network (FF)</a:t>
+            </a:r>
+          </a:p>
+          <a:p>
+            <a:r>
+              <a:rPr lang="en-US" dirty="0"/>
+              <a:t>Stacking Ensemble (ST)</a:t>
+            </a:r>
+          </a:p>
+          <a:p>
+            <a:endParaRPr lang="en-US" dirty="0"/>
+          </a:p>
+        </p:txBody>
+      </p:sp>
+      <p:sp>
+        <p:nvSpPr>
+          <p:cNvPr id="16" name="Slide Number Placeholder 17">
+            <a:extLst>
+              <a:ext uri="{FF2B5EF4-FFF2-40B4-BE49-F238E27FC236}">
+                <a16:creationId xmlns:a16="http://schemas.microsoft.com/office/drawing/2014/main" id="{32E95C4D-CC3C-4C9D-B8E6-271568CB8F71}"/>
+              </a:ext>
+            </a:extLst>
+          </p:cNvPr>
+          <p:cNvSpPr>
+            <a:spLocks noGrp="1"/>
+          </p:cNvSpPr>
+          <p:nvPr>
+            <p:ph type="sldNum" sz="quarter" idx="12"/>
+          </p:nvPr>
+        </p:nvSpPr>
+        <p:spPr>
+          <a:xfrm>
+            <a:off x="11166329" y="6342042"/>
+            <a:ext cx="526228" cy="365125"/>
+          </a:xfrm>
+        </p:spPr>
         <p:txBody>
           <a:bodyPr/>
           <a:lstStyle/>
           <a:p>
-            <a:endParaRPr lang="en-US"/>
-          </a:p>
-        </p:txBody>
-      </p:sp>
+            <a:pPr>
+              <a:spcAft>
+                <a:spcPts val="600"/>
+              </a:spcAft>
+            </a:pPr>
+            <a:fld id="{1B0A0659-E443-491A-A36E-EC2EE49C5850}" type="slidenum">
+              <a:rPr lang="en-US" smtClean="0">
+                <a:solidFill>
+                  <a:srgbClr val="000000"/>
+                </a:solidFill>
+              </a:rPr>
+              <a:pPr>
+                <a:spcAft>
+                  <a:spcPts val="600"/>
+                </a:spcAft>
+              </a:pPr>
+              <a:t>7</a:t>
+            </a:fld>
+            <a:endParaRPr lang="en-US" dirty="0">
+              <a:solidFill>
+                <a:srgbClr val="000000"/>
+              </a:solidFill>
+            </a:endParaRPr>
+          </a:p>
+        </p:txBody>
+      </p:sp>
+      <p:pic>
+        <p:nvPicPr>
+          <p:cNvPr id="4" name="Picture 3">
+            <a:extLst>
+              <a:ext uri="{FF2B5EF4-FFF2-40B4-BE49-F238E27FC236}">
+                <a16:creationId xmlns:a16="http://schemas.microsoft.com/office/drawing/2014/main" id="{A79EFC29-1691-3ADA-DA1E-1D4E065932F4}"/>
+              </a:ext>
+            </a:extLst>
+          </p:cNvPr>
+          <p:cNvPicPr>
+            <a:picLocks noChangeAspect="1"/>
+          </p:cNvPicPr>
+          <p:nvPr/>
+        </p:nvPicPr>
+        <p:blipFill>
+          <a:blip r:embed="rId3"/>
+          <a:stretch>
+            <a:fillRect/>
+          </a:stretch>
+        </p:blipFill>
+        <p:spPr>
+          <a:xfrm>
+            <a:off x="5879357" y="2069878"/>
+            <a:ext cx="5061460" cy="3796095"/>
+          </a:xfrm>
+          <a:prstGeom prst="rect">
+            <a:avLst/>
+          </a:prstGeom>
+        </p:spPr>
+      </p:pic>
     </p:spTree>
     <p:extLst>
       <p:ext uri="{BB962C8B-B14F-4D97-AF65-F5344CB8AC3E}">
-        <p14:creationId xmlns:p14="http://schemas.microsoft.com/office/powerpoint/2010/main" val="1204778042"/>
+        <p14:creationId xmlns:p14="http://schemas.microsoft.com/office/powerpoint/2010/main" val="3083491114"/>
       </p:ext>
     </p:extLst>
   </p:cSld>
@@ -7098,7 +9005,7 @@
           <p:cNvPr id="2" name="Title 1">
             <a:extLst>
               <a:ext uri="{FF2B5EF4-FFF2-40B4-BE49-F238E27FC236}">
-                <a16:creationId xmlns:a16="http://schemas.microsoft.com/office/drawing/2014/main" id="{6701D6D5-DD5A-43F1-AC14-453CAE214ABD}"/>
+                <a16:creationId xmlns:a16="http://schemas.microsoft.com/office/drawing/2014/main" id="{0F6CE28D-D77F-885B-91A5-7302FAE378C4}"/>
               </a:ext>
             </a:extLst>
           </p:cNvPr>
@@ -7115,10 +9022,596 @@
           <a:lstStyle/>
           <a:p>
             <a:r>
-              <a:rPr lang="en-US"/>
-              <a:t>Conclusion</a:t>
-            </a:r>
-            <a:endParaRPr lang="en-US" dirty="0"/>
+              <a:rPr lang="en-US" dirty="0"/>
+              <a:t>Methodology: Hyperparameter tuning</a:t>
+            </a:r>
+          </a:p>
+        </p:txBody>
+      </p:sp>
+      <mc:AlternateContent xmlns:mc="http://schemas.openxmlformats.org/markup-compatibility/2006">
+        <mc:Choice xmlns:a14="http://schemas.microsoft.com/office/drawing/2010/main" Requires="a14">
+          <p:sp>
+            <p:nvSpPr>
+              <p:cNvPr id="3" name="Content Placeholder 2">
+                <a:extLst>
+                  <a:ext uri="{FF2B5EF4-FFF2-40B4-BE49-F238E27FC236}">
+                    <a16:creationId xmlns:a16="http://schemas.microsoft.com/office/drawing/2014/main" id="{88C63423-5311-72BE-AC08-8DDEB193F258}"/>
+                  </a:ext>
+                </a:extLst>
+              </p:cNvPr>
+              <p:cNvSpPr>
+                <a:spLocks noGrp="1"/>
+              </p:cNvSpPr>
+              <p:nvPr>
+                <p:ph idx="1"/>
+              </p:nvPr>
+            </p:nvSpPr>
+            <p:spPr>
+              <a:xfrm>
+                <a:off x="808662" y="2019299"/>
+                <a:ext cx="6292956" cy="4114801"/>
+              </a:xfrm>
+            </p:spPr>
+            <p:txBody>
+              <a:bodyPr>
+                <a:normAutofit fontScale="62500" lnSpcReduction="20000"/>
+              </a:bodyPr>
+              <a:lstStyle/>
+              <a:p>
+                <a:r>
+                  <a:rPr lang="en-US" dirty="0"/>
+                  <a:t>We tune hyperparameters with </a:t>
+                </a:r>
+                <a:r>
+                  <a:rPr lang="en-US" dirty="0" err="1"/>
+                  <a:t>GridSearch</a:t>
+                </a:r>
+                <a:r>
+                  <a:rPr lang="en-US" dirty="0"/>
+                  <a:t> (i.e. test exhaustively every combination of parameters in pre-defined parameter space)</a:t>
+                </a:r>
+              </a:p>
+              <a:p>
+                <a:r>
+                  <a:rPr lang="en-US" dirty="0"/>
+                  <a:t>Logistic Regression:</a:t>
+                </a:r>
+              </a:p>
+              <a:p>
+                <a:pPr lvl="1"/>
+                <a:r>
+                  <a:rPr lang="en-US" dirty="0"/>
+                  <a:t>L2 Regularization Penalty : </a:t>
+                </a:r>
+                <a14:m>
+                  <m:oMath xmlns:m="http://schemas.openxmlformats.org/officeDocument/2006/math">
+                    <m:f>
+                      <m:fPr>
+                        <m:ctrlPr>
+                          <a:rPr lang="en-US" b="0" i="0" smtClean="0">
+                            <a:latin typeface="Cambria Math" panose="02040503050406030204" pitchFamily="18" charset="0"/>
+                          </a:rPr>
+                        </m:ctrlPr>
+                      </m:fPr>
+                      <m:num>
+                        <m:r>
+                          <a:rPr lang="en-US" b="0" i="0" smtClean="0">
+                            <a:latin typeface="Cambria Math" panose="02040503050406030204" pitchFamily="18" charset="0"/>
+                          </a:rPr>
+                          <m:t>1</m:t>
+                        </m:r>
+                      </m:num>
+                      <m:den>
+                        <m:r>
+                          <a:rPr lang="en-US" b="0" i="1" smtClean="0">
+                            <a:latin typeface="Cambria Math" panose="02040503050406030204" pitchFamily="18" charset="0"/>
+                          </a:rPr>
+                          <m:t>𝜆</m:t>
+                        </m:r>
+                      </m:den>
+                    </m:f>
+                    <m:r>
+                      <a:rPr lang="en-US" b="0" i="1" smtClean="0">
+                        <a:latin typeface="Cambria Math" panose="02040503050406030204" pitchFamily="18" charset="0"/>
+                      </a:rPr>
+                      <m:t>∈</m:t>
+                    </m:r>
+                    <m:d>
+                      <m:dPr>
+                        <m:begChr m:val="["/>
+                        <m:endChr m:val="]"/>
+                        <m:ctrlPr>
+                          <a:rPr lang="en-US" b="0" i="1" smtClean="0">
+                            <a:latin typeface="Cambria Math" panose="02040503050406030204" pitchFamily="18" charset="0"/>
+                          </a:rPr>
+                        </m:ctrlPr>
+                      </m:dPr>
+                      <m:e>
+                        <m:r>
+                          <a:rPr lang="en-US" b="0" i="0" smtClean="0">
+                            <a:latin typeface="Cambria Math" panose="02040503050406030204" pitchFamily="18" charset="0"/>
+                          </a:rPr>
+                          <m:t>0.1, 0.2, …, 1.5</m:t>
+                        </m:r>
+                      </m:e>
+                    </m:d>
+                  </m:oMath>
+                </a14:m>
+                <a:endParaRPr lang="en-US" dirty="0"/>
+              </a:p>
+              <a:p>
+                <a:r>
+                  <a:rPr lang="en-US" dirty="0"/>
+                  <a:t>Random Forest:</a:t>
+                </a:r>
+              </a:p>
+              <a:p>
+                <a:pPr lvl="1"/>
+                <a:r>
+                  <a:rPr lang="en-US" dirty="0"/>
+                  <a:t>Number of trees: </a:t>
+                </a:r>
+                <a14:m>
+                  <m:oMath xmlns:m="http://schemas.openxmlformats.org/officeDocument/2006/math">
+                    <m:sSub>
+                      <m:sSubPr>
+                        <m:ctrlPr>
+                          <a:rPr lang="en-US" b="0" i="1" smtClean="0">
+                            <a:latin typeface="Cambria Math" panose="02040503050406030204" pitchFamily="18" charset="0"/>
+                          </a:rPr>
+                        </m:ctrlPr>
+                      </m:sSubPr>
+                      <m:e>
+                        <m:r>
+                          <a:rPr lang="en-US" b="0" i="1" smtClean="0">
+                            <a:latin typeface="Cambria Math" panose="02040503050406030204" pitchFamily="18" charset="0"/>
+                          </a:rPr>
+                          <m:t>𝑛</m:t>
+                        </m:r>
+                      </m:e>
+                      <m:sub>
+                        <m:r>
+                          <a:rPr lang="en-US" b="0" i="1" smtClean="0">
+                            <a:latin typeface="Cambria Math" panose="02040503050406030204" pitchFamily="18" charset="0"/>
+                          </a:rPr>
+                          <m:t>𝑡𝑟𝑒𝑒</m:t>
+                        </m:r>
+                      </m:sub>
+                    </m:sSub>
+                    <m:r>
+                      <a:rPr lang="en-US" b="0" i="1" smtClean="0">
+                        <a:latin typeface="Cambria Math" panose="02040503050406030204" pitchFamily="18" charset="0"/>
+                      </a:rPr>
+                      <m:t>∈[100, 200, …, 500]</m:t>
+                    </m:r>
+                  </m:oMath>
+                </a14:m>
+                <a:endParaRPr lang="en-US" dirty="0"/>
+              </a:p>
+              <a:p>
+                <a:pPr lvl="1"/>
+                <a:r>
+                  <a:rPr lang="en-US" dirty="0"/>
+                  <a:t>Fraction of features to consider at each tree split: </a:t>
+                </a:r>
+                <a14:m>
+                  <m:oMath xmlns:m="http://schemas.openxmlformats.org/officeDocument/2006/math">
+                    <m:sSub>
+                      <m:sSubPr>
+                        <m:ctrlPr>
+                          <a:rPr lang="en-US" b="0" i="1" smtClean="0">
+                            <a:latin typeface="Cambria Math" panose="02040503050406030204" pitchFamily="18" charset="0"/>
+                          </a:rPr>
+                        </m:ctrlPr>
+                      </m:sSubPr>
+                      <m:e>
+                        <m:r>
+                          <a:rPr lang="en-US" b="0" i="1" smtClean="0">
+                            <a:latin typeface="Cambria Math" panose="02040503050406030204" pitchFamily="18" charset="0"/>
+                          </a:rPr>
+                          <m:t>𝑝</m:t>
+                        </m:r>
+                      </m:e>
+                      <m:sub>
+                        <m:r>
+                          <a:rPr lang="en-US" b="0" i="1" smtClean="0">
+                            <a:latin typeface="Cambria Math" panose="02040503050406030204" pitchFamily="18" charset="0"/>
+                          </a:rPr>
+                          <m:t>𝑠𝑝𝑙𝑖𝑡</m:t>
+                        </m:r>
+                      </m:sub>
+                    </m:sSub>
+                    <m:r>
+                      <a:rPr lang="en-US" b="0" i="1" smtClean="0">
+                        <a:latin typeface="Cambria Math" panose="02040503050406030204" pitchFamily="18" charset="0"/>
+                      </a:rPr>
+                      <m:t>∈</m:t>
+                    </m:r>
+                    <m:d>
+                      <m:dPr>
+                        <m:begChr m:val="["/>
+                        <m:endChr m:val="]"/>
+                        <m:ctrlPr>
+                          <a:rPr lang="en-US" b="0" i="1" smtClean="0">
+                            <a:latin typeface="Cambria Math" panose="02040503050406030204" pitchFamily="18" charset="0"/>
+                          </a:rPr>
+                        </m:ctrlPr>
+                      </m:dPr>
+                      <m:e>
+                        <m:r>
+                          <a:rPr lang="en-US" b="0" i="1" smtClean="0">
+                            <a:latin typeface="Cambria Math" panose="02040503050406030204" pitchFamily="18" charset="0"/>
+                          </a:rPr>
+                          <m:t>0.1, 0.2, …, 0.9</m:t>
+                        </m:r>
+                      </m:e>
+                    </m:d>
+                  </m:oMath>
+                </a14:m>
+                <a:endParaRPr lang="en-US" b="0" dirty="0"/>
+              </a:p>
+              <a:p>
+                <a:r>
+                  <a:rPr lang="en-US" dirty="0"/>
+                  <a:t>K-Nearest Neighbors:</a:t>
+                </a:r>
+              </a:p>
+              <a:p>
+                <a:pPr lvl="1"/>
+                <a:r>
+                  <a:rPr lang="en-US" dirty="0"/>
+                  <a:t>Number of neighbors: </a:t>
+                </a:r>
+                <a14:m>
+                  <m:oMath xmlns:m="http://schemas.openxmlformats.org/officeDocument/2006/math">
+                    <m:r>
+                      <a:rPr lang="en-US" b="0" i="1" smtClean="0">
+                        <a:latin typeface="Cambria Math" panose="02040503050406030204" pitchFamily="18" charset="0"/>
+                      </a:rPr>
+                      <m:t>𝑘</m:t>
+                    </m:r>
+                    <m:r>
+                      <a:rPr lang="en-US" b="0" i="1" smtClean="0">
+                        <a:latin typeface="Cambria Math" panose="02040503050406030204" pitchFamily="18" charset="0"/>
+                      </a:rPr>
+                      <m:t>∈</m:t>
+                    </m:r>
+                    <m:d>
+                      <m:dPr>
+                        <m:begChr m:val="["/>
+                        <m:endChr m:val="]"/>
+                        <m:ctrlPr>
+                          <a:rPr lang="en-US" b="0" i="1" smtClean="0">
+                            <a:latin typeface="Cambria Math" panose="02040503050406030204" pitchFamily="18" charset="0"/>
+                          </a:rPr>
+                        </m:ctrlPr>
+                      </m:dPr>
+                      <m:e>
+                        <m:r>
+                          <a:rPr lang="en-US" b="0" i="1" smtClean="0">
+                            <a:latin typeface="Cambria Math" panose="02040503050406030204" pitchFamily="18" charset="0"/>
+                          </a:rPr>
+                          <m:t>3, 5, 7, 9</m:t>
+                        </m:r>
+                      </m:e>
+                    </m:d>
+                  </m:oMath>
+                </a14:m>
+                <a:endParaRPr lang="en-US" dirty="0"/>
+              </a:p>
+              <a:p>
+                <a:r>
+                  <a:rPr lang="en-US" dirty="0"/>
+                  <a:t>Neural Network:</a:t>
+                </a:r>
+              </a:p>
+              <a:p>
+                <a:pPr lvl="1"/>
+                <a:r>
+                  <a:rPr lang="en-US" dirty="0"/>
+                  <a:t>Number of layers: </a:t>
+                </a:r>
+                <a14:m>
+                  <m:oMath xmlns:m="http://schemas.openxmlformats.org/officeDocument/2006/math">
+                    <m:sSub>
+                      <m:sSubPr>
+                        <m:ctrlPr>
+                          <a:rPr lang="en-US" b="0" i="1" smtClean="0">
+                            <a:latin typeface="Cambria Math" panose="02040503050406030204" pitchFamily="18" charset="0"/>
+                          </a:rPr>
+                        </m:ctrlPr>
+                      </m:sSubPr>
+                      <m:e>
+                        <m:r>
+                          <a:rPr lang="en-US" b="0" i="1" smtClean="0">
+                            <a:latin typeface="Cambria Math" panose="02040503050406030204" pitchFamily="18" charset="0"/>
+                          </a:rPr>
+                          <m:t>𝑛</m:t>
+                        </m:r>
+                      </m:e>
+                      <m:sub>
+                        <m:r>
+                          <a:rPr lang="en-US" b="0" i="1" smtClean="0">
+                            <a:latin typeface="Cambria Math" panose="02040503050406030204" pitchFamily="18" charset="0"/>
+                          </a:rPr>
+                          <m:t>𝑙𝑎𝑦𝑒𝑟𝑠</m:t>
+                        </m:r>
+                      </m:sub>
+                    </m:sSub>
+                    <m:r>
+                      <a:rPr lang="en-US" b="0" i="1" smtClean="0">
+                        <a:latin typeface="Cambria Math" panose="02040503050406030204" pitchFamily="18" charset="0"/>
+                      </a:rPr>
+                      <m:t>∈[1, 2, 3]</m:t>
+                    </m:r>
+                  </m:oMath>
+                </a14:m>
+                <a:endParaRPr lang="en-US" dirty="0"/>
+              </a:p>
+              <a:p>
+                <a:pPr lvl="1"/>
+                <a:r>
+                  <a:rPr lang="en-US" dirty="0"/>
+                  <a:t>Nodes per layer (hidden size): </a:t>
+                </a:r>
+                <a14:m>
+                  <m:oMath xmlns:m="http://schemas.openxmlformats.org/officeDocument/2006/math">
+                    <m:sSub>
+                      <m:sSubPr>
+                        <m:ctrlPr>
+                          <a:rPr lang="en-US" b="0" i="1" smtClean="0">
+                            <a:latin typeface="Cambria Math" panose="02040503050406030204" pitchFamily="18" charset="0"/>
+                          </a:rPr>
+                        </m:ctrlPr>
+                      </m:sSubPr>
+                      <m:e>
+                        <m:r>
+                          <a:rPr lang="en-US" b="0" i="1" smtClean="0">
+                            <a:latin typeface="Cambria Math" panose="02040503050406030204" pitchFamily="18" charset="0"/>
+                          </a:rPr>
+                          <m:t>𝑛</m:t>
+                        </m:r>
+                      </m:e>
+                      <m:sub>
+                        <m:r>
+                          <a:rPr lang="en-US" b="0" i="1" smtClean="0">
+                            <a:latin typeface="Cambria Math" panose="02040503050406030204" pitchFamily="18" charset="0"/>
+                          </a:rPr>
+                          <m:t>𝑛𝑜𝑑𝑒𝑠</m:t>
+                        </m:r>
+                      </m:sub>
+                    </m:sSub>
+                    <m:r>
+                      <a:rPr lang="en-US" b="0" i="1" smtClean="0">
+                        <a:latin typeface="Cambria Math" panose="02040503050406030204" pitchFamily="18" charset="0"/>
+                      </a:rPr>
+                      <m:t>=</m:t>
+                    </m:r>
+                    <m:d>
+                      <m:dPr>
+                        <m:begChr m:val="["/>
+                        <m:endChr m:val="]"/>
+                        <m:ctrlPr>
+                          <a:rPr lang="en-US" b="0" i="1" smtClean="0">
+                            <a:latin typeface="Cambria Math" panose="02040503050406030204" pitchFamily="18" charset="0"/>
+                          </a:rPr>
+                        </m:ctrlPr>
+                      </m:dPr>
+                      <m:e>
+                        <m:r>
+                          <a:rPr lang="en-US" b="0" i="1" smtClean="0">
+                            <a:latin typeface="Cambria Math" panose="02040503050406030204" pitchFamily="18" charset="0"/>
+                          </a:rPr>
+                          <m:t>40, 50, 60</m:t>
+                        </m:r>
+                      </m:e>
+                    </m:d>
+                  </m:oMath>
+                </a14:m>
+                <a:endParaRPr lang="en-US" b="0" dirty="0"/>
+              </a:p>
+              <a:p>
+                <a:pPr lvl="1"/>
+                <a:r>
+                  <a:rPr lang="en-US" dirty="0"/>
+                  <a:t>Dropout probability: </a:t>
+                </a:r>
+                <a14:m>
+                  <m:oMath xmlns:m="http://schemas.openxmlformats.org/officeDocument/2006/math">
+                    <m:r>
+                      <a:rPr lang="en-US" b="0" i="1" smtClean="0">
+                        <a:latin typeface="Cambria Math" panose="02040503050406030204" pitchFamily="18" charset="0"/>
+                      </a:rPr>
+                      <m:t>𝑝</m:t>
+                    </m:r>
+                    <m:r>
+                      <a:rPr lang="en-US" b="0" i="1" smtClean="0">
+                        <a:latin typeface="Cambria Math" panose="02040503050406030204" pitchFamily="18" charset="0"/>
+                      </a:rPr>
+                      <m:t>∈</m:t>
+                    </m:r>
+                    <m:d>
+                      <m:dPr>
+                        <m:begChr m:val="["/>
+                        <m:endChr m:val="]"/>
+                        <m:ctrlPr>
+                          <a:rPr lang="en-US" b="0" i="1" smtClean="0">
+                            <a:latin typeface="Cambria Math" panose="02040503050406030204" pitchFamily="18" charset="0"/>
+                          </a:rPr>
+                        </m:ctrlPr>
+                      </m:dPr>
+                      <m:e>
+                        <m:r>
+                          <a:rPr lang="en-US" b="0" i="1" smtClean="0">
+                            <a:latin typeface="Cambria Math" panose="02040503050406030204" pitchFamily="18" charset="0"/>
+                          </a:rPr>
+                          <m:t>0.3, 0.5, 0.7</m:t>
+                        </m:r>
+                      </m:e>
+                    </m:d>
+                  </m:oMath>
+                </a14:m>
+                <a:endParaRPr lang="en-US" b="0" dirty="0"/>
+              </a:p>
+              <a:p>
+                <a:pPr lvl="1"/>
+                <a:r>
+                  <a:rPr lang="en-US" dirty="0"/>
+                  <a:t>Learning rate: </a:t>
+                </a:r>
+                <a14:m>
+                  <m:oMath xmlns:m="http://schemas.openxmlformats.org/officeDocument/2006/math">
+                    <m:r>
+                      <a:rPr lang="en-US" b="0" i="1" smtClean="0">
+                        <a:latin typeface="Cambria Math" panose="02040503050406030204" pitchFamily="18" charset="0"/>
+                      </a:rPr>
+                      <m:t>𝑙𝑟</m:t>
+                    </m:r>
+                    <m:r>
+                      <a:rPr lang="en-US" b="0" i="1" smtClean="0">
+                        <a:latin typeface="Cambria Math" panose="02040503050406030204" pitchFamily="18" charset="0"/>
+                      </a:rPr>
+                      <m:t>∈[0.001, 0.0001]</m:t>
+                    </m:r>
+                  </m:oMath>
+                </a14:m>
+                <a:endParaRPr lang="en-US" dirty="0"/>
+              </a:p>
+              <a:p>
+                <a:endParaRPr lang="en-US" b="0" dirty="0"/>
+              </a:p>
+            </p:txBody>
+          </p:sp>
+        </mc:Choice>
+        <mc:Fallback>
+          <p:sp>
+            <p:nvSpPr>
+              <p:cNvPr id="3" name="Content Placeholder 2">
+                <a:extLst>
+                  <a:ext uri="{FF2B5EF4-FFF2-40B4-BE49-F238E27FC236}">
+                    <a16:creationId xmlns:a16="http://schemas.microsoft.com/office/drawing/2014/main" id="{88C63423-5311-72BE-AC08-8DDEB193F258}"/>
+                  </a:ext>
+                </a:extLst>
+              </p:cNvPr>
+              <p:cNvSpPr>
+                <a:spLocks noGrp="1" noRot="1" noChangeAspect="1" noMove="1" noResize="1" noEditPoints="1" noAdjustHandles="1" noChangeArrowheads="1" noChangeShapeType="1" noTextEdit="1"/>
+              </p:cNvSpPr>
+              <p:nvPr>
+                <p:ph idx="1"/>
+              </p:nvPr>
+            </p:nvSpPr>
+            <p:spPr>
+              <a:xfrm>
+                <a:off x="808662" y="2019299"/>
+                <a:ext cx="6292956" cy="4114801"/>
+              </a:xfrm>
+              <a:blipFill>
+                <a:blip r:embed="rId3"/>
+                <a:stretch>
+                  <a:fillRect/>
+                </a:stretch>
+              </a:blipFill>
+            </p:spPr>
+            <p:txBody>
+              <a:bodyPr/>
+              <a:lstStyle/>
+              <a:p>
+                <a:r>
+                  <a:rPr lang="en-US">
+                    <a:noFill/>
+                  </a:rPr>
+                  <a:t> </a:t>
+                </a:r>
+              </a:p>
+            </p:txBody>
+          </p:sp>
+        </mc:Fallback>
+      </mc:AlternateContent>
+      <p:pic>
+        <p:nvPicPr>
+          <p:cNvPr id="5" name="Picture 4">
+            <a:extLst>
+              <a:ext uri="{FF2B5EF4-FFF2-40B4-BE49-F238E27FC236}">
+                <a16:creationId xmlns:a16="http://schemas.microsoft.com/office/drawing/2014/main" id="{D07E91F6-A61F-F878-DE5A-F152ED3E33BD}"/>
+              </a:ext>
+            </a:extLst>
+          </p:cNvPr>
+          <p:cNvPicPr>
+            <a:picLocks noChangeAspect="1"/>
+          </p:cNvPicPr>
+          <p:nvPr/>
+        </p:nvPicPr>
+        <p:blipFill>
+          <a:blip r:embed="rId4"/>
+          <a:stretch>
+            <a:fillRect/>
+          </a:stretch>
+        </p:blipFill>
+        <p:spPr>
+          <a:xfrm>
+            <a:off x="6286272" y="1590277"/>
+            <a:ext cx="4880055" cy="4636988"/>
+          </a:xfrm>
+          <a:prstGeom prst="rect">
+            <a:avLst/>
+          </a:prstGeom>
+        </p:spPr>
+      </p:pic>
+    </p:spTree>
+    <p:extLst>
+      <p:ext uri="{BB962C8B-B14F-4D97-AF65-F5344CB8AC3E}">
+        <p14:creationId xmlns:p14="http://schemas.microsoft.com/office/powerpoint/2010/main" val="681803957"/>
+      </p:ext>
+    </p:extLst>
+  </p:cSld>
+  <p:clrMapOvr>
+    <a:masterClrMapping/>
+  </p:clrMapOvr>
+</p:sld>
+</file>
+
+<file path=ppt/slides/slide9.xml><?xml version="1.0" encoding="utf-8"?>
+<p:sld xmlns:a="http://schemas.openxmlformats.org/drawingml/2006/main" xmlns:r="http://schemas.openxmlformats.org/officeDocument/2006/relationships" xmlns:p="http://schemas.openxmlformats.org/presentationml/2006/main">
+  <p:cSld>
+    <p:spTree>
+      <p:nvGrpSpPr>
+        <p:cNvPr id="1" name=""/>
+        <p:cNvGrpSpPr/>
+        <p:nvPr/>
+      </p:nvGrpSpPr>
+      <p:grpSpPr>
+        <a:xfrm>
+          <a:off x="0" y="0"/>
+          <a:ext cx="0" cy="0"/>
+          <a:chOff x="0" y="0"/>
+          <a:chExt cx="0" cy="0"/>
+        </a:xfrm>
+      </p:grpSpPr>
+      <p:sp>
+        <p:nvSpPr>
+          <p:cNvPr id="2" name="Title 1">
+            <a:extLst>
+              <a:ext uri="{FF2B5EF4-FFF2-40B4-BE49-F238E27FC236}">
+                <a16:creationId xmlns:a16="http://schemas.microsoft.com/office/drawing/2014/main" id="{0F6CE28D-D77F-885B-91A5-7302FAE378C4}"/>
+              </a:ext>
+            </a:extLst>
+          </p:cNvPr>
+          <p:cNvSpPr>
+            <a:spLocks noGrp="1"/>
+          </p:cNvSpPr>
+          <p:nvPr>
+            <p:ph type="title"/>
+          </p:nvPr>
+        </p:nvSpPr>
+        <p:spPr/>
+        <p:txBody>
+          <a:bodyPr/>
+          <a:lstStyle/>
+          <a:p>
+            <a:r>
+              <a:rPr lang="en-US" dirty="0"/>
+              <a:t>Methodology: Stacking ensemble</a:t>
+            </a:r>
           </a:p>
         </p:txBody>
       </p:sp>
@@ -7127,7 +9620,7 @@
           <p:cNvPr id="3" name="Content Placeholder 2">
             <a:extLst>
               <a:ext uri="{FF2B5EF4-FFF2-40B4-BE49-F238E27FC236}">
-                <a16:creationId xmlns:a16="http://schemas.microsoft.com/office/drawing/2014/main" id="{2EE94C4F-E112-FD23-50C2-654544403AE1}"/>
+                <a16:creationId xmlns:a16="http://schemas.microsoft.com/office/drawing/2014/main" id="{88C63423-5311-72BE-AC08-8DDEB193F258}"/>
               </a:ext>
             </a:extLst>
           </p:cNvPr>
@@ -7138,19 +9631,1863 @@
             <p:ph idx="1"/>
           </p:nvPr>
         </p:nvSpPr>
-        <p:spPr/>
+        <p:spPr>
+          <a:xfrm>
+            <a:off x="808662" y="2019299"/>
+            <a:ext cx="5388938" cy="4114801"/>
+          </a:xfrm>
+        </p:spPr>
         <p:txBody>
           <a:bodyPr/>
           <a:lstStyle/>
           <a:p>
-            <a:endParaRPr lang="en-US"/>
-          </a:p>
-        </p:txBody>
-      </p:sp>
+            <a:r>
+              <a:rPr lang="en-US" dirty="0"/>
+              <a:t>Intuitively, combine the strengths of several strong predictors. Works especially well if the models are strong in different ways</a:t>
+            </a:r>
+          </a:p>
+          <a:p>
+            <a:r>
+              <a:rPr lang="en-US" dirty="0"/>
+              <a:t>Use predicted probabilities of existing models (Level 0 models) on another algorithm (Level 1 model) to get final prediction</a:t>
+            </a:r>
+          </a:p>
+          <a:p>
+            <a:r>
+              <a:rPr lang="en-US" dirty="0"/>
+              <a:t>In this project, we use another Logistic Regression as the Level 1 model</a:t>
+            </a:r>
+          </a:p>
+        </p:txBody>
+      </p:sp>
+      <p:grpSp>
+        <p:nvGrpSpPr>
+          <p:cNvPr id="61" name="Group 60">
+            <a:extLst>
+              <a:ext uri="{FF2B5EF4-FFF2-40B4-BE49-F238E27FC236}">
+                <a16:creationId xmlns:a16="http://schemas.microsoft.com/office/drawing/2014/main" id="{B2683DE4-CA26-F18A-05D5-3DCD1489D2D4}"/>
+              </a:ext>
+            </a:extLst>
+          </p:cNvPr>
+          <p:cNvGrpSpPr/>
+          <p:nvPr/>
+        </p:nvGrpSpPr>
+        <p:grpSpPr>
+          <a:xfrm>
+            <a:off x="6350149" y="1879011"/>
+            <a:ext cx="5033189" cy="4099931"/>
+            <a:chOff x="6142949" y="2392944"/>
+            <a:chExt cx="5033189" cy="4099931"/>
+          </a:xfrm>
+        </p:grpSpPr>
+        <p:sp>
+          <p:nvSpPr>
+            <p:cNvPr id="4" name="Rectangle 3">
+              <a:extLst>
+                <a:ext uri="{FF2B5EF4-FFF2-40B4-BE49-F238E27FC236}">
+                  <a16:creationId xmlns:a16="http://schemas.microsoft.com/office/drawing/2014/main" id="{B39BBD18-3998-E3F4-57D8-A1BD56E2A43D}"/>
+                </a:ext>
+              </a:extLst>
+            </p:cNvPr>
+            <p:cNvSpPr/>
+            <p:nvPr/>
+          </p:nvSpPr>
+          <p:spPr>
+            <a:xfrm>
+              <a:off x="8090730" y="5054426"/>
+              <a:ext cx="580677" cy="473886"/>
+            </a:xfrm>
+            <a:prstGeom prst="rect">
+              <a:avLst/>
+            </a:prstGeom>
+            <a:solidFill>
+              <a:srgbClr val="0070C0"/>
+            </a:solidFill>
+          </p:spPr>
+          <p:style>
+            <a:lnRef idx="2">
+              <a:schemeClr val="accent1">
+                <a:shade val="15000"/>
+              </a:schemeClr>
+            </a:lnRef>
+            <a:fillRef idx="1">
+              <a:schemeClr val="accent1"/>
+            </a:fillRef>
+            <a:effectRef idx="0">
+              <a:schemeClr val="accent1"/>
+            </a:effectRef>
+            <a:fontRef idx="minor">
+              <a:schemeClr val="lt1"/>
+            </a:fontRef>
+          </p:style>
+          <p:txBody>
+            <a:bodyPr rtlCol="0" anchor="ctr"/>
+            <a:lstStyle/>
+            <a:p>
+              <a:pPr algn="ctr"/>
+              <a:r>
+                <a:rPr lang="en-US" dirty="0"/>
+                <a:t>LG</a:t>
+              </a:r>
+            </a:p>
+          </p:txBody>
+        </p:sp>
+        <p:sp>
+          <p:nvSpPr>
+            <p:cNvPr id="5" name="Rectangle 4">
+              <a:extLst>
+                <a:ext uri="{FF2B5EF4-FFF2-40B4-BE49-F238E27FC236}">
+                  <a16:creationId xmlns:a16="http://schemas.microsoft.com/office/drawing/2014/main" id="{AED1BCA5-55EE-5954-E440-6386BB915ECB}"/>
+                </a:ext>
+              </a:extLst>
+            </p:cNvPr>
+            <p:cNvSpPr/>
+            <p:nvPr/>
+          </p:nvSpPr>
+          <p:spPr>
+            <a:xfrm>
+              <a:off x="8890552" y="5054426"/>
+              <a:ext cx="674331" cy="473886"/>
+            </a:xfrm>
+            <a:prstGeom prst="rect">
+              <a:avLst/>
+            </a:prstGeom>
+            <a:solidFill>
+              <a:srgbClr val="0070C0"/>
+            </a:solidFill>
+          </p:spPr>
+          <p:style>
+            <a:lnRef idx="2">
+              <a:schemeClr val="accent1">
+                <a:shade val="15000"/>
+              </a:schemeClr>
+            </a:lnRef>
+            <a:fillRef idx="1">
+              <a:schemeClr val="accent1"/>
+            </a:fillRef>
+            <a:effectRef idx="0">
+              <a:schemeClr val="accent1"/>
+            </a:effectRef>
+            <a:fontRef idx="minor">
+              <a:schemeClr val="lt1"/>
+            </a:fontRef>
+          </p:style>
+          <p:txBody>
+            <a:bodyPr rtlCol="0" anchor="ctr"/>
+            <a:lstStyle/>
+            <a:p>
+              <a:pPr algn="ctr"/>
+              <a:r>
+                <a:rPr lang="en-US" dirty="0"/>
+                <a:t>kNN</a:t>
+              </a:r>
+            </a:p>
+          </p:txBody>
+        </p:sp>
+        <p:sp>
+          <p:nvSpPr>
+            <p:cNvPr id="6" name="Rectangle 5">
+              <a:extLst>
+                <a:ext uri="{FF2B5EF4-FFF2-40B4-BE49-F238E27FC236}">
+                  <a16:creationId xmlns:a16="http://schemas.microsoft.com/office/drawing/2014/main" id="{25173310-66A4-B958-507E-7F1AE83F17B7}"/>
+                </a:ext>
+              </a:extLst>
+            </p:cNvPr>
+            <p:cNvSpPr/>
+            <p:nvPr/>
+          </p:nvSpPr>
+          <p:spPr>
+            <a:xfrm>
+              <a:off x="9784028" y="5054426"/>
+              <a:ext cx="580677" cy="473886"/>
+            </a:xfrm>
+            <a:prstGeom prst="rect">
+              <a:avLst/>
+            </a:prstGeom>
+            <a:solidFill>
+              <a:srgbClr val="0070C0"/>
+            </a:solidFill>
+          </p:spPr>
+          <p:style>
+            <a:lnRef idx="2">
+              <a:schemeClr val="accent1">
+                <a:shade val="15000"/>
+              </a:schemeClr>
+            </a:lnRef>
+            <a:fillRef idx="1">
+              <a:schemeClr val="accent1"/>
+            </a:fillRef>
+            <a:effectRef idx="0">
+              <a:schemeClr val="accent1"/>
+            </a:effectRef>
+            <a:fontRef idx="minor">
+              <a:schemeClr val="lt1"/>
+            </a:fontRef>
+          </p:style>
+          <p:txBody>
+            <a:bodyPr rtlCol="0" anchor="ctr"/>
+            <a:lstStyle/>
+            <a:p>
+              <a:pPr algn="ctr"/>
+              <a:r>
+                <a:rPr lang="en-US" dirty="0"/>
+                <a:t>RF</a:t>
+              </a:r>
+            </a:p>
+          </p:txBody>
+        </p:sp>
+        <p:sp>
+          <p:nvSpPr>
+            <p:cNvPr id="7" name="Rectangle 6">
+              <a:extLst>
+                <a:ext uri="{FF2B5EF4-FFF2-40B4-BE49-F238E27FC236}">
+                  <a16:creationId xmlns:a16="http://schemas.microsoft.com/office/drawing/2014/main" id="{25234370-2ECE-5695-92B8-A5C74E66EA52}"/>
+                </a:ext>
+              </a:extLst>
+            </p:cNvPr>
+            <p:cNvSpPr/>
+            <p:nvPr/>
+          </p:nvSpPr>
+          <p:spPr>
+            <a:xfrm>
+              <a:off x="10585650" y="5060624"/>
+              <a:ext cx="580677" cy="473886"/>
+            </a:xfrm>
+            <a:prstGeom prst="rect">
+              <a:avLst/>
+            </a:prstGeom>
+            <a:solidFill>
+              <a:srgbClr val="0070C0"/>
+            </a:solidFill>
+          </p:spPr>
+          <p:style>
+            <a:lnRef idx="2">
+              <a:schemeClr val="accent1">
+                <a:shade val="15000"/>
+              </a:schemeClr>
+            </a:lnRef>
+            <a:fillRef idx="1">
+              <a:schemeClr val="accent1"/>
+            </a:fillRef>
+            <a:effectRef idx="0">
+              <a:schemeClr val="accent1"/>
+            </a:effectRef>
+            <a:fontRef idx="minor">
+              <a:schemeClr val="lt1"/>
+            </a:fontRef>
+          </p:style>
+          <p:txBody>
+            <a:bodyPr rtlCol="0" anchor="ctr"/>
+            <a:lstStyle/>
+            <a:p>
+              <a:pPr algn="ctr"/>
+              <a:r>
+                <a:rPr lang="en-US" dirty="0"/>
+                <a:t>FF</a:t>
+              </a:r>
+            </a:p>
+          </p:txBody>
+        </p:sp>
+        <p:sp>
+          <p:nvSpPr>
+            <p:cNvPr id="8" name="TextBox 7">
+              <a:extLst>
+                <a:ext uri="{FF2B5EF4-FFF2-40B4-BE49-F238E27FC236}">
+                  <a16:creationId xmlns:a16="http://schemas.microsoft.com/office/drawing/2014/main" id="{4F26C9A3-4748-AA46-83AF-22A2A5855D19}"/>
+                </a:ext>
+              </a:extLst>
+            </p:cNvPr>
+            <p:cNvSpPr txBox="1"/>
+            <p:nvPr/>
+          </p:nvSpPr>
+          <p:spPr>
+            <a:xfrm>
+              <a:off x="6148251" y="4778536"/>
+              <a:ext cx="1765868" cy="369332"/>
+            </a:xfrm>
+            <a:prstGeom prst="rect">
+              <a:avLst/>
+            </a:prstGeom>
+            <a:noFill/>
+          </p:spPr>
+          <p:txBody>
+            <a:bodyPr wrap="none" rtlCol="0">
+              <a:spAutoFit/>
+            </a:bodyPr>
+            <a:lstStyle/>
+            <a:p>
+              <a:r>
+                <a:rPr lang="en-US" dirty="0"/>
+                <a:t>Level 0 Models</a:t>
+              </a:r>
+            </a:p>
+          </p:txBody>
+        </p:sp>
+        <mc:AlternateContent xmlns:mc="http://schemas.openxmlformats.org/markup-compatibility/2006">
+          <mc:Choice xmlns:a14="http://schemas.microsoft.com/office/drawing/2010/main" Requires="a14">
+            <p:sp>
+              <p:nvSpPr>
+                <p:cNvPr id="9" name="TextBox 8">
+                  <a:extLst>
+                    <a:ext uri="{FF2B5EF4-FFF2-40B4-BE49-F238E27FC236}">
+                      <a16:creationId xmlns:a16="http://schemas.microsoft.com/office/drawing/2014/main" id="{A6F3C7A5-F6EC-77FF-EEAA-BF7CD447FDB3}"/>
+                    </a:ext>
+                  </a:extLst>
+                </p:cNvPr>
+                <p:cNvSpPr txBox="1"/>
+                <p:nvPr/>
+              </p:nvSpPr>
+              <p:spPr>
+                <a:xfrm>
+                  <a:off x="9442942" y="6061988"/>
+                  <a:ext cx="341086" cy="430887"/>
+                </a:xfrm>
+                <a:prstGeom prst="rect">
+                  <a:avLst/>
+                </a:prstGeom>
+                <a:noFill/>
+              </p:spPr>
+              <p:txBody>
+                <a:bodyPr wrap="square" lIns="0" tIns="0" rIns="0" bIns="0" rtlCol="0">
+                  <a:spAutoFit/>
+                </a:bodyPr>
+                <a:lstStyle/>
+                <a:p>
+                  <a14:m>
+                    <m:oMathPara xmlns:m="http://schemas.openxmlformats.org/officeDocument/2006/math">
+                      <m:oMathParaPr>
+                        <m:jc m:val="centerGroup"/>
+                      </m:oMathParaPr>
+                      <m:oMath xmlns:m="http://schemas.openxmlformats.org/officeDocument/2006/math">
+                        <m:r>
+                          <a:rPr lang="en-US" sz="2800" b="0" i="1" smtClean="0">
+                            <a:latin typeface="Cambria Math" panose="02040503050406030204" pitchFamily="18" charset="0"/>
+                          </a:rPr>
+                          <m:t>𝑋</m:t>
+                        </m:r>
+                      </m:oMath>
+                    </m:oMathPara>
+                  </a14:m>
+                  <a:endParaRPr lang="en-US" dirty="0"/>
+                </a:p>
+              </p:txBody>
+            </p:sp>
+          </mc:Choice>
+          <mc:Fallback>
+            <p:sp>
+              <p:nvSpPr>
+                <p:cNvPr id="9" name="TextBox 8">
+                  <a:extLst>
+                    <a:ext uri="{FF2B5EF4-FFF2-40B4-BE49-F238E27FC236}">
+                      <a16:creationId xmlns:a16="http://schemas.microsoft.com/office/drawing/2014/main" id="{A6F3C7A5-F6EC-77FF-EEAA-BF7CD447FDB3}"/>
+                    </a:ext>
+                  </a:extLst>
+                </p:cNvPr>
+                <p:cNvSpPr txBox="1">
+                  <a:spLocks noRot="1" noChangeAspect="1" noMove="1" noResize="1" noEditPoints="1" noAdjustHandles="1" noChangeArrowheads="1" noChangeShapeType="1" noTextEdit="1"/>
+                </p:cNvSpPr>
+                <p:nvPr/>
+              </p:nvSpPr>
+              <p:spPr>
+                <a:xfrm>
+                  <a:off x="9442942" y="6061988"/>
+                  <a:ext cx="341086" cy="430887"/>
+                </a:xfrm>
+                <a:prstGeom prst="rect">
+                  <a:avLst/>
+                </a:prstGeom>
+                <a:blipFill>
+                  <a:blip r:embed="rId3"/>
+                  <a:stretch>
+                    <a:fillRect/>
+                  </a:stretch>
+                </a:blipFill>
+              </p:spPr>
+              <p:txBody>
+                <a:bodyPr/>
+                <a:lstStyle/>
+                <a:p>
+                  <a:r>
+                    <a:rPr lang="en-US">
+                      <a:noFill/>
+                    </a:rPr>
+                    <a:t> </a:t>
+                  </a:r>
+                </a:p>
+              </p:txBody>
+            </p:sp>
+          </mc:Fallback>
+        </mc:AlternateContent>
+        <p:cxnSp>
+          <p:nvCxnSpPr>
+            <p:cNvPr id="12" name="Connector: Elbow 11">
+              <a:extLst>
+                <a:ext uri="{FF2B5EF4-FFF2-40B4-BE49-F238E27FC236}">
+                  <a16:creationId xmlns:a16="http://schemas.microsoft.com/office/drawing/2014/main" id="{0577A372-2441-8CAB-DF82-06AE7FB6734B}"/>
+                </a:ext>
+              </a:extLst>
+            </p:cNvPr>
+            <p:cNvCxnSpPr>
+              <a:cxnSpLocks/>
+              <a:stCxn id="9" idx="0"/>
+              <a:endCxn id="4" idx="2"/>
+            </p:cNvCxnSpPr>
+            <p:nvPr/>
+          </p:nvCxnSpPr>
+          <p:spPr>
+            <a:xfrm rot="16200000" flipV="1">
+              <a:off x="8730439" y="5178942"/>
+              <a:ext cx="533676" cy="1232416"/>
+            </a:xfrm>
+            <a:prstGeom prst="bentConnector3">
+              <a:avLst>
+                <a:gd name="adj1" fmla="val 40481"/>
+              </a:avLst>
+            </a:prstGeom>
+            <a:ln>
+              <a:solidFill>
+                <a:schemeClr val="tx1"/>
+              </a:solidFill>
+              <a:tailEnd type="triangle"/>
+            </a:ln>
+          </p:spPr>
+          <p:style>
+            <a:lnRef idx="1">
+              <a:schemeClr val="accent1"/>
+            </a:lnRef>
+            <a:fillRef idx="0">
+              <a:schemeClr val="accent1"/>
+            </a:fillRef>
+            <a:effectRef idx="0">
+              <a:schemeClr val="accent1"/>
+            </a:effectRef>
+            <a:fontRef idx="minor">
+              <a:schemeClr val="tx1"/>
+            </a:fontRef>
+          </p:style>
+        </p:cxnSp>
+        <p:cxnSp>
+          <p:nvCxnSpPr>
+            <p:cNvPr id="15" name="Connector: Elbow 14">
+              <a:extLst>
+                <a:ext uri="{FF2B5EF4-FFF2-40B4-BE49-F238E27FC236}">
+                  <a16:creationId xmlns:a16="http://schemas.microsoft.com/office/drawing/2014/main" id="{5AE73698-3775-D9FA-0D09-0DE38FACE9EE}"/>
+                </a:ext>
+              </a:extLst>
+            </p:cNvPr>
+            <p:cNvCxnSpPr>
+              <a:cxnSpLocks/>
+              <a:endCxn id="5" idx="2"/>
+            </p:cNvCxnSpPr>
+            <p:nvPr/>
+          </p:nvCxnSpPr>
+          <p:spPr>
+            <a:xfrm rot="16200000" flipV="1">
+              <a:off x="9153765" y="5602266"/>
+              <a:ext cx="533675" cy="385768"/>
+            </a:xfrm>
+            <a:prstGeom prst="bentConnector3">
+              <a:avLst>
+                <a:gd name="adj1" fmla="val 40481"/>
+              </a:avLst>
+            </a:prstGeom>
+            <a:ln>
+              <a:solidFill>
+                <a:schemeClr val="tx1"/>
+              </a:solidFill>
+              <a:tailEnd type="triangle"/>
+            </a:ln>
+          </p:spPr>
+          <p:style>
+            <a:lnRef idx="1">
+              <a:schemeClr val="accent1"/>
+            </a:lnRef>
+            <a:fillRef idx="0">
+              <a:schemeClr val="accent1"/>
+            </a:fillRef>
+            <a:effectRef idx="0">
+              <a:schemeClr val="accent1"/>
+            </a:effectRef>
+            <a:fontRef idx="minor">
+              <a:schemeClr val="tx1"/>
+            </a:fontRef>
+          </p:style>
+        </p:cxnSp>
+        <p:cxnSp>
+          <p:nvCxnSpPr>
+            <p:cNvPr id="18" name="Connector: Elbow 17">
+              <a:extLst>
+                <a:ext uri="{FF2B5EF4-FFF2-40B4-BE49-F238E27FC236}">
+                  <a16:creationId xmlns:a16="http://schemas.microsoft.com/office/drawing/2014/main" id="{942024D3-7024-2B70-1CE8-D983D6040428}"/>
+                </a:ext>
+              </a:extLst>
+            </p:cNvPr>
+            <p:cNvCxnSpPr>
+              <a:cxnSpLocks/>
+              <a:endCxn id="6" idx="2"/>
+            </p:cNvCxnSpPr>
+            <p:nvPr/>
+          </p:nvCxnSpPr>
+          <p:spPr>
+            <a:xfrm rot="5400000" flipH="1" flipV="1">
+              <a:off x="9569601" y="5572196"/>
+              <a:ext cx="548650" cy="460882"/>
+            </a:xfrm>
+            <a:prstGeom prst="bentConnector3">
+              <a:avLst>
+                <a:gd name="adj1" fmla="val 42064"/>
+              </a:avLst>
+            </a:prstGeom>
+            <a:ln>
+              <a:solidFill>
+                <a:schemeClr val="tx1"/>
+              </a:solidFill>
+              <a:tailEnd type="triangle"/>
+            </a:ln>
+          </p:spPr>
+          <p:style>
+            <a:lnRef idx="1">
+              <a:schemeClr val="accent1"/>
+            </a:lnRef>
+            <a:fillRef idx="0">
+              <a:schemeClr val="accent1"/>
+            </a:fillRef>
+            <a:effectRef idx="0">
+              <a:schemeClr val="accent1"/>
+            </a:effectRef>
+            <a:fontRef idx="minor">
+              <a:schemeClr val="tx1"/>
+            </a:fontRef>
+          </p:style>
+        </p:cxnSp>
+        <p:cxnSp>
+          <p:nvCxnSpPr>
+            <p:cNvPr id="21" name="Connector: Elbow 20">
+              <a:extLst>
+                <a:ext uri="{FF2B5EF4-FFF2-40B4-BE49-F238E27FC236}">
+                  <a16:creationId xmlns:a16="http://schemas.microsoft.com/office/drawing/2014/main" id="{A4F38010-ACD0-C786-E4BD-F710F9C0A935}"/>
+                </a:ext>
+              </a:extLst>
+            </p:cNvPr>
+            <p:cNvCxnSpPr>
+              <a:cxnSpLocks/>
+              <a:endCxn id="7" idx="2"/>
+            </p:cNvCxnSpPr>
+            <p:nvPr/>
+          </p:nvCxnSpPr>
+          <p:spPr>
+            <a:xfrm flipV="1">
+              <a:off x="9613485" y="5534510"/>
+              <a:ext cx="1262504" cy="316561"/>
+            </a:xfrm>
+            <a:prstGeom prst="bentConnector2">
+              <a:avLst/>
+            </a:prstGeom>
+            <a:ln>
+              <a:solidFill>
+                <a:schemeClr val="tx1"/>
+              </a:solidFill>
+              <a:tailEnd type="triangle"/>
+            </a:ln>
+          </p:spPr>
+          <p:style>
+            <a:lnRef idx="1">
+              <a:schemeClr val="accent1"/>
+            </a:lnRef>
+            <a:fillRef idx="0">
+              <a:schemeClr val="accent1"/>
+            </a:fillRef>
+            <a:effectRef idx="0">
+              <a:schemeClr val="accent1"/>
+            </a:effectRef>
+            <a:fontRef idx="minor">
+              <a:schemeClr val="tx1"/>
+            </a:fontRef>
+          </p:style>
+        </p:cxnSp>
+        <p:sp>
+          <p:nvSpPr>
+            <p:cNvPr id="26" name="TextBox 25">
+              <a:extLst>
+                <a:ext uri="{FF2B5EF4-FFF2-40B4-BE49-F238E27FC236}">
+                  <a16:creationId xmlns:a16="http://schemas.microsoft.com/office/drawing/2014/main" id="{C423E047-060C-8327-29FC-F4049C84CD1D}"/>
+                </a:ext>
+              </a:extLst>
+            </p:cNvPr>
+            <p:cNvSpPr txBox="1"/>
+            <p:nvPr/>
+          </p:nvSpPr>
+          <p:spPr>
+            <a:xfrm>
+              <a:off x="6617630" y="6061988"/>
+              <a:ext cx="1283685" cy="369332"/>
+            </a:xfrm>
+            <a:prstGeom prst="rect">
+              <a:avLst/>
+            </a:prstGeom>
+            <a:noFill/>
+          </p:spPr>
+          <p:txBody>
+            <a:bodyPr wrap="none" rtlCol="0">
+              <a:spAutoFit/>
+            </a:bodyPr>
+            <a:lstStyle/>
+            <a:p>
+              <a:r>
+                <a:rPr lang="en-US" dirty="0"/>
+                <a:t>Input Data</a:t>
+              </a:r>
+            </a:p>
+          </p:txBody>
+        </p:sp>
+        <p:cxnSp>
+          <p:nvCxnSpPr>
+            <p:cNvPr id="28" name="Straight Arrow Connector 27">
+              <a:extLst>
+                <a:ext uri="{FF2B5EF4-FFF2-40B4-BE49-F238E27FC236}">
+                  <a16:creationId xmlns:a16="http://schemas.microsoft.com/office/drawing/2014/main" id="{C15AB565-906F-6F90-1C18-18C0AC384572}"/>
+                </a:ext>
+              </a:extLst>
+            </p:cNvPr>
+            <p:cNvCxnSpPr>
+              <a:cxnSpLocks/>
+              <a:stCxn id="4" idx="0"/>
+            </p:cNvCxnSpPr>
+            <p:nvPr/>
+          </p:nvCxnSpPr>
+          <p:spPr>
+            <a:xfrm flipV="1">
+              <a:off x="8381069" y="4686300"/>
+              <a:ext cx="0" cy="368126"/>
+            </a:xfrm>
+            <a:prstGeom prst="straightConnector1">
+              <a:avLst/>
+            </a:prstGeom>
+            <a:ln>
+              <a:solidFill>
+                <a:schemeClr val="tx1"/>
+              </a:solidFill>
+              <a:tailEnd type="triangle"/>
+            </a:ln>
+          </p:spPr>
+          <p:style>
+            <a:lnRef idx="1">
+              <a:schemeClr val="accent1"/>
+            </a:lnRef>
+            <a:fillRef idx="0">
+              <a:schemeClr val="accent1"/>
+            </a:fillRef>
+            <a:effectRef idx="0">
+              <a:schemeClr val="accent1"/>
+            </a:effectRef>
+            <a:fontRef idx="minor">
+              <a:schemeClr val="tx1"/>
+            </a:fontRef>
+          </p:style>
+        </p:cxnSp>
+        <p:cxnSp>
+          <p:nvCxnSpPr>
+            <p:cNvPr id="32" name="Straight Arrow Connector 31">
+              <a:extLst>
+                <a:ext uri="{FF2B5EF4-FFF2-40B4-BE49-F238E27FC236}">
+                  <a16:creationId xmlns:a16="http://schemas.microsoft.com/office/drawing/2014/main" id="{CA78028C-6506-8AB4-ED9C-902BFF559792}"/>
+                </a:ext>
+              </a:extLst>
+            </p:cNvPr>
+            <p:cNvCxnSpPr>
+              <a:cxnSpLocks/>
+            </p:cNvCxnSpPr>
+            <p:nvPr/>
+          </p:nvCxnSpPr>
+          <p:spPr>
+            <a:xfrm flipV="1">
+              <a:off x="9227717" y="4686300"/>
+              <a:ext cx="0" cy="368126"/>
+            </a:xfrm>
+            <a:prstGeom prst="straightConnector1">
+              <a:avLst/>
+            </a:prstGeom>
+            <a:ln>
+              <a:solidFill>
+                <a:schemeClr val="tx1"/>
+              </a:solidFill>
+              <a:tailEnd type="triangle"/>
+            </a:ln>
+          </p:spPr>
+          <p:style>
+            <a:lnRef idx="1">
+              <a:schemeClr val="accent1"/>
+            </a:lnRef>
+            <a:fillRef idx="0">
+              <a:schemeClr val="accent1"/>
+            </a:fillRef>
+            <a:effectRef idx="0">
+              <a:schemeClr val="accent1"/>
+            </a:effectRef>
+            <a:fontRef idx="minor">
+              <a:schemeClr val="tx1"/>
+            </a:fontRef>
+          </p:style>
+        </p:cxnSp>
+        <p:cxnSp>
+          <p:nvCxnSpPr>
+            <p:cNvPr id="33" name="Straight Arrow Connector 32">
+              <a:extLst>
+                <a:ext uri="{FF2B5EF4-FFF2-40B4-BE49-F238E27FC236}">
+                  <a16:creationId xmlns:a16="http://schemas.microsoft.com/office/drawing/2014/main" id="{AC3B2224-572C-7F4B-FBF2-54A3DDCD3CF9}"/>
+                </a:ext>
+              </a:extLst>
+            </p:cNvPr>
+            <p:cNvCxnSpPr>
+              <a:cxnSpLocks/>
+            </p:cNvCxnSpPr>
+            <p:nvPr/>
+          </p:nvCxnSpPr>
+          <p:spPr>
+            <a:xfrm flipV="1">
+              <a:off x="10074366" y="4686300"/>
+              <a:ext cx="0" cy="368126"/>
+            </a:xfrm>
+            <a:prstGeom prst="straightConnector1">
+              <a:avLst/>
+            </a:prstGeom>
+            <a:ln>
+              <a:solidFill>
+                <a:schemeClr val="tx1"/>
+              </a:solidFill>
+              <a:tailEnd type="triangle"/>
+            </a:ln>
+          </p:spPr>
+          <p:style>
+            <a:lnRef idx="1">
+              <a:schemeClr val="accent1"/>
+            </a:lnRef>
+            <a:fillRef idx="0">
+              <a:schemeClr val="accent1"/>
+            </a:fillRef>
+            <a:effectRef idx="0">
+              <a:schemeClr val="accent1"/>
+            </a:effectRef>
+            <a:fontRef idx="minor">
+              <a:schemeClr val="tx1"/>
+            </a:fontRef>
+          </p:style>
+        </p:cxnSp>
+        <p:cxnSp>
+          <p:nvCxnSpPr>
+            <p:cNvPr id="34" name="Straight Arrow Connector 33">
+              <a:extLst>
+                <a:ext uri="{FF2B5EF4-FFF2-40B4-BE49-F238E27FC236}">
+                  <a16:creationId xmlns:a16="http://schemas.microsoft.com/office/drawing/2014/main" id="{D26535C8-10D4-E0C8-3CF1-FF6967347484}"/>
+                </a:ext>
+              </a:extLst>
+            </p:cNvPr>
+            <p:cNvCxnSpPr>
+              <a:cxnSpLocks/>
+            </p:cNvCxnSpPr>
+            <p:nvPr/>
+          </p:nvCxnSpPr>
+          <p:spPr>
+            <a:xfrm flipV="1">
+              <a:off x="10899530" y="4686300"/>
+              <a:ext cx="0" cy="368126"/>
+            </a:xfrm>
+            <a:prstGeom prst="straightConnector1">
+              <a:avLst/>
+            </a:prstGeom>
+            <a:ln>
+              <a:solidFill>
+                <a:schemeClr val="tx1"/>
+              </a:solidFill>
+              <a:tailEnd type="triangle"/>
+            </a:ln>
+          </p:spPr>
+          <p:style>
+            <a:lnRef idx="1">
+              <a:schemeClr val="accent1"/>
+            </a:lnRef>
+            <a:fillRef idx="0">
+              <a:schemeClr val="accent1"/>
+            </a:fillRef>
+            <a:effectRef idx="0">
+              <a:schemeClr val="accent1"/>
+            </a:effectRef>
+            <a:fontRef idx="minor">
+              <a:schemeClr val="tx1"/>
+            </a:fontRef>
+          </p:style>
+        </p:cxnSp>
+        <mc:AlternateContent xmlns:mc="http://schemas.openxmlformats.org/markup-compatibility/2006">
+          <mc:Choice xmlns:a14="http://schemas.microsoft.com/office/drawing/2010/main" Requires="a14">
+            <p:sp>
+              <p:nvSpPr>
+                <p:cNvPr id="35" name="TextBox 34">
+                  <a:extLst>
+                    <a:ext uri="{FF2B5EF4-FFF2-40B4-BE49-F238E27FC236}">
+                      <a16:creationId xmlns:a16="http://schemas.microsoft.com/office/drawing/2014/main" id="{8E353C43-917F-24F5-E16E-D983BBDB1D36}"/>
+                    </a:ext>
+                  </a:extLst>
+                </p:cNvPr>
+                <p:cNvSpPr txBox="1"/>
+                <p:nvPr/>
+              </p:nvSpPr>
+              <p:spPr>
+                <a:xfrm>
+                  <a:off x="8098301" y="4331087"/>
+                  <a:ext cx="573106" cy="292581"/>
+                </a:xfrm>
+                <a:prstGeom prst="rect">
+                  <a:avLst/>
+                </a:prstGeom>
+                <a:noFill/>
+              </p:spPr>
+              <p:txBody>
+                <a:bodyPr wrap="none" lIns="0" tIns="0" rIns="0" bIns="0" rtlCol="0">
+                  <a:spAutoFit/>
+                </a:bodyPr>
+                <a:lstStyle/>
+                <a:p>
+                  <a14:m>
+                    <m:oMathPara xmlns:m="http://schemas.openxmlformats.org/officeDocument/2006/math">
+                      <m:oMathParaPr>
+                        <m:jc m:val="centerGroup"/>
+                      </m:oMathParaPr>
+                      <m:oMath xmlns:m="http://schemas.openxmlformats.org/officeDocument/2006/math">
+                        <m:sSub>
+                          <m:sSubPr>
+                            <m:ctrlPr>
+                              <a:rPr lang="en-US" b="0" i="1" smtClean="0">
+                                <a:latin typeface="Cambria Math" panose="02040503050406030204" pitchFamily="18" charset="0"/>
+                              </a:rPr>
+                            </m:ctrlPr>
+                          </m:sSubPr>
+                          <m:e>
+                            <m:acc>
+                              <m:accPr>
+                                <m:chr m:val="̂"/>
+                                <m:ctrlPr>
+                                  <a:rPr lang="en-US" b="0" i="1" smtClean="0">
+                                    <a:latin typeface="Cambria Math" panose="02040503050406030204" pitchFamily="18" charset="0"/>
+                                  </a:rPr>
+                                </m:ctrlPr>
+                              </m:accPr>
+                              <m:e>
+                                <m:r>
+                                  <a:rPr lang="en-US" b="0" i="1" smtClean="0">
+                                    <a:latin typeface="Cambria Math" panose="02040503050406030204" pitchFamily="18" charset="0"/>
+                                  </a:rPr>
+                                  <m:t>𝑓</m:t>
+                                </m:r>
+                              </m:e>
+                            </m:acc>
+                          </m:e>
+                          <m:sub>
+                            <m:r>
+                              <a:rPr lang="en-US" b="0" i="1" smtClean="0">
+                                <a:latin typeface="Cambria Math" panose="02040503050406030204" pitchFamily="18" charset="0"/>
+                              </a:rPr>
+                              <m:t>1</m:t>
+                            </m:r>
+                          </m:sub>
+                        </m:sSub>
+                        <m:r>
+                          <a:rPr lang="en-US" b="0" i="1" smtClean="0">
+                            <a:latin typeface="Cambria Math" panose="02040503050406030204" pitchFamily="18" charset="0"/>
+                          </a:rPr>
+                          <m:t>(</m:t>
+                        </m:r>
+                        <m:r>
+                          <a:rPr lang="en-US" b="0" i="1" smtClean="0">
+                            <a:latin typeface="Cambria Math" panose="02040503050406030204" pitchFamily="18" charset="0"/>
+                          </a:rPr>
+                          <m:t>𝑥</m:t>
+                        </m:r>
+                        <m:r>
+                          <a:rPr lang="en-US" b="0" i="1" smtClean="0">
+                            <a:latin typeface="Cambria Math" panose="02040503050406030204" pitchFamily="18" charset="0"/>
+                          </a:rPr>
+                          <m:t>)</m:t>
+                        </m:r>
+                      </m:oMath>
+                    </m:oMathPara>
+                  </a14:m>
+                  <a:endParaRPr lang="en-US" dirty="0"/>
+                </a:p>
+              </p:txBody>
+            </p:sp>
+          </mc:Choice>
+          <mc:Fallback>
+            <p:sp>
+              <p:nvSpPr>
+                <p:cNvPr id="35" name="TextBox 34">
+                  <a:extLst>
+                    <a:ext uri="{FF2B5EF4-FFF2-40B4-BE49-F238E27FC236}">
+                      <a16:creationId xmlns:a16="http://schemas.microsoft.com/office/drawing/2014/main" id="{8E353C43-917F-24F5-E16E-D983BBDB1D36}"/>
+                    </a:ext>
+                  </a:extLst>
+                </p:cNvPr>
+                <p:cNvSpPr txBox="1">
+                  <a:spLocks noRot="1" noChangeAspect="1" noMove="1" noResize="1" noEditPoints="1" noAdjustHandles="1" noChangeArrowheads="1" noChangeShapeType="1" noTextEdit="1"/>
+                </p:cNvSpPr>
+                <p:nvPr/>
+              </p:nvSpPr>
+              <p:spPr>
+                <a:xfrm>
+                  <a:off x="8098301" y="4331087"/>
+                  <a:ext cx="573106" cy="292581"/>
+                </a:xfrm>
+                <a:prstGeom prst="rect">
+                  <a:avLst/>
+                </a:prstGeom>
+                <a:blipFill>
+                  <a:blip r:embed="rId4"/>
+                  <a:stretch>
+                    <a:fillRect l="-13830" t="-25000" r="-13830" b="-33333"/>
+                  </a:stretch>
+                </a:blipFill>
+              </p:spPr>
+              <p:txBody>
+                <a:bodyPr/>
+                <a:lstStyle/>
+                <a:p>
+                  <a:r>
+                    <a:rPr lang="en-US">
+                      <a:noFill/>
+                    </a:rPr>
+                    <a:t> </a:t>
+                  </a:r>
+                </a:p>
+              </p:txBody>
+            </p:sp>
+          </mc:Fallback>
+        </mc:AlternateContent>
+        <p:cxnSp>
+          <p:nvCxnSpPr>
+            <p:cNvPr id="42" name="Connector: Elbow 41">
+              <a:extLst>
+                <a:ext uri="{FF2B5EF4-FFF2-40B4-BE49-F238E27FC236}">
+                  <a16:creationId xmlns:a16="http://schemas.microsoft.com/office/drawing/2014/main" id="{F2C677E7-7AF9-FF86-4B67-FD4AEC9645A0}"/>
+                </a:ext>
+              </a:extLst>
+            </p:cNvPr>
+            <p:cNvCxnSpPr>
+              <a:cxnSpLocks/>
+            </p:cNvCxnSpPr>
+            <p:nvPr/>
+          </p:nvCxnSpPr>
+          <p:spPr>
+            <a:xfrm rot="5400000">
+              <a:off x="8714390" y="3349915"/>
+              <a:ext cx="533676" cy="1232416"/>
+            </a:xfrm>
+            <a:prstGeom prst="bentConnector3">
+              <a:avLst>
+                <a:gd name="adj1" fmla="val 40481"/>
+              </a:avLst>
+            </a:prstGeom>
+            <a:ln>
+              <a:solidFill>
+                <a:schemeClr val="tx1"/>
+              </a:solidFill>
+              <a:tailEnd type="triangle"/>
+            </a:ln>
+          </p:spPr>
+          <p:style>
+            <a:lnRef idx="1">
+              <a:schemeClr val="accent1"/>
+            </a:lnRef>
+            <a:fillRef idx="0">
+              <a:schemeClr val="accent1"/>
+            </a:fillRef>
+            <a:effectRef idx="0">
+              <a:schemeClr val="accent1"/>
+            </a:effectRef>
+            <a:fontRef idx="minor">
+              <a:schemeClr val="tx1"/>
+            </a:fontRef>
+          </p:style>
+        </p:cxnSp>
+        <p:cxnSp>
+          <p:nvCxnSpPr>
+            <p:cNvPr id="43" name="Connector: Elbow 42">
+              <a:extLst>
+                <a:ext uri="{FF2B5EF4-FFF2-40B4-BE49-F238E27FC236}">
+                  <a16:creationId xmlns:a16="http://schemas.microsoft.com/office/drawing/2014/main" id="{8DC82648-07EC-10D7-B1DF-27385AB11AF0}"/>
+                </a:ext>
+              </a:extLst>
+            </p:cNvPr>
+            <p:cNvCxnSpPr>
+              <a:cxnSpLocks/>
+            </p:cNvCxnSpPr>
+            <p:nvPr/>
+          </p:nvCxnSpPr>
+          <p:spPr>
+            <a:xfrm rot="5400000">
+              <a:off x="9137716" y="3773239"/>
+              <a:ext cx="533675" cy="385768"/>
+            </a:xfrm>
+            <a:prstGeom prst="bentConnector3">
+              <a:avLst>
+                <a:gd name="adj1" fmla="val 40481"/>
+              </a:avLst>
+            </a:prstGeom>
+            <a:ln>
+              <a:solidFill>
+                <a:schemeClr val="tx1"/>
+              </a:solidFill>
+              <a:tailEnd type="triangle"/>
+            </a:ln>
+          </p:spPr>
+          <p:style>
+            <a:lnRef idx="1">
+              <a:schemeClr val="accent1"/>
+            </a:lnRef>
+            <a:fillRef idx="0">
+              <a:schemeClr val="accent1"/>
+            </a:fillRef>
+            <a:effectRef idx="0">
+              <a:schemeClr val="accent1"/>
+            </a:effectRef>
+            <a:fontRef idx="minor">
+              <a:schemeClr val="tx1"/>
+            </a:fontRef>
+          </p:style>
+        </p:cxnSp>
+        <p:cxnSp>
+          <p:nvCxnSpPr>
+            <p:cNvPr id="44" name="Connector: Elbow 43">
+              <a:extLst>
+                <a:ext uri="{FF2B5EF4-FFF2-40B4-BE49-F238E27FC236}">
+                  <a16:creationId xmlns:a16="http://schemas.microsoft.com/office/drawing/2014/main" id="{751AD627-340A-05C9-9111-5B52AB0AEAF7}"/>
+                </a:ext>
+              </a:extLst>
+            </p:cNvPr>
+            <p:cNvCxnSpPr>
+              <a:cxnSpLocks/>
+            </p:cNvCxnSpPr>
+            <p:nvPr/>
+          </p:nvCxnSpPr>
+          <p:spPr>
+            <a:xfrm rot="16200000" flipH="1">
+              <a:off x="9553552" y="3743169"/>
+              <a:ext cx="548650" cy="460882"/>
+            </a:xfrm>
+            <a:prstGeom prst="bentConnector3">
+              <a:avLst>
+                <a:gd name="adj1" fmla="val 39631"/>
+              </a:avLst>
+            </a:prstGeom>
+            <a:ln>
+              <a:solidFill>
+                <a:schemeClr val="tx1"/>
+              </a:solidFill>
+              <a:tailEnd type="triangle"/>
+            </a:ln>
+          </p:spPr>
+          <p:style>
+            <a:lnRef idx="1">
+              <a:schemeClr val="accent1"/>
+            </a:lnRef>
+            <a:fillRef idx="0">
+              <a:schemeClr val="accent1"/>
+            </a:fillRef>
+            <a:effectRef idx="0">
+              <a:schemeClr val="accent1"/>
+            </a:effectRef>
+            <a:fontRef idx="minor">
+              <a:schemeClr val="tx1"/>
+            </a:fontRef>
+          </p:style>
+        </p:cxnSp>
+        <p:cxnSp>
+          <p:nvCxnSpPr>
+            <p:cNvPr id="45" name="Connector: Elbow 44">
+              <a:extLst>
+                <a:ext uri="{FF2B5EF4-FFF2-40B4-BE49-F238E27FC236}">
+                  <a16:creationId xmlns:a16="http://schemas.microsoft.com/office/drawing/2014/main" id="{F04AC85C-CDE7-D3F7-1FEF-E05DE16910DA}"/>
+                </a:ext>
+              </a:extLst>
+            </p:cNvPr>
+            <p:cNvCxnSpPr>
+              <a:cxnSpLocks/>
+            </p:cNvCxnSpPr>
+            <p:nvPr/>
+          </p:nvCxnSpPr>
+          <p:spPr>
+            <a:xfrm>
+              <a:off x="9637026" y="3911351"/>
+              <a:ext cx="1262504" cy="316561"/>
+            </a:xfrm>
+            <a:prstGeom prst="bentConnector2">
+              <a:avLst/>
+            </a:prstGeom>
+            <a:ln>
+              <a:solidFill>
+                <a:schemeClr val="tx1"/>
+              </a:solidFill>
+              <a:tailEnd type="triangle"/>
+            </a:ln>
+          </p:spPr>
+          <p:style>
+            <a:lnRef idx="1">
+              <a:schemeClr val="accent1"/>
+            </a:lnRef>
+            <a:fillRef idx="0">
+              <a:schemeClr val="accent1"/>
+            </a:fillRef>
+            <a:effectRef idx="0">
+              <a:schemeClr val="accent1"/>
+            </a:effectRef>
+            <a:fontRef idx="minor">
+              <a:schemeClr val="tx1"/>
+            </a:fontRef>
+          </p:style>
+        </p:cxnSp>
+        <p:sp>
+          <p:nvSpPr>
+            <p:cNvPr id="51" name="Rectangle 50">
+              <a:extLst>
+                <a:ext uri="{FF2B5EF4-FFF2-40B4-BE49-F238E27FC236}">
+                  <a16:creationId xmlns:a16="http://schemas.microsoft.com/office/drawing/2014/main" id="{5D1DBBAA-3010-0CBF-CC33-F24F25B663B4}"/>
+                </a:ext>
+              </a:extLst>
+            </p:cNvPr>
+            <p:cNvSpPr/>
+            <p:nvPr/>
+          </p:nvSpPr>
+          <p:spPr>
+            <a:xfrm>
+              <a:off x="8301570" y="3182513"/>
+              <a:ext cx="2591731" cy="435550"/>
+            </a:xfrm>
+            <a:prstGeom prst="rect">
+              <a:avLst/>
+            </a:prstGeom>
+          </p:spPr>
+          <p:style>
+            <a:lnRef idx="2">
+              <a:schemeClr val="accent1">
+                <a:shade val="15000"/>
+              </a:schemeClr>
+            </a:lnRef>
+            <a:fillRef idx="1">
+              <a:schemeClr val="accent1"/>
+            </a:fillRef>
+            <a:effectRef idx="0">
+              <a:schemeClr val="accent1"/>
+            </a:effectRef>
+            <a:fontRef idx="minor">
+              <a:schemeClr val="lt1"/>
+            </a:fontRef>
+          </p:style>
+          <p:txBody>
+            <a:bodyPr rtlCol="0" anchor="ctr"/>
+            <a:lstStyle/>
+            <a:p>
+              <a:pPr algn="ctr"/>
+              <a:r>
+                <a:rPr lang="en-US" dirty="0"/>
+                <a:t>LG’</a:t>
+              </a:r>
+            </a:p>
+          </p:txBody>
+        </p:sp>
+        <p:sp>
+          <p:nvSpPr>
+            <p:cNvPr id="52" name="TextBox 51">
+              <a:extLst>
+                <a:ext uri="{FF2B5EF4-FFF2-40B4-BE49-F238E27FC236}">
+                  <a16:creationId xmlns:a16="http://schemas.microsoft.com/office/drawing/2014/main" id="{205A906E-7FA7-CF39-619E-4BC375952BBD}"/>
+                </a:ext>
+              </a:extLst>
+            </p:cNvPr>
+            <p:cNvSpPr txBox="1"/>
+            <p:nvPr/>
+          </p:nvSpPr>
+          <p:spPr>
+            <a:xfrm>
+              <a:off x="6250843" y="3182513"/>
+              <a:ext cx="1663276" cy="369332"/>
+            </a:xfrm>
+            <a:prstGeom prst="rect">
+              <a:avLst/>
+            </a:prstGeom>
+            <a:noFill/>
+          </p:spPr>
+          <p:txBody>
+            <a:bodyPr wrap="none" rtlCol="0">
+              <a:spAutoFit/>
+            </a:bodyPr>
+            <a:lstStyle/>
+            <a:p>
+              <a:r>
+                <a:rPr lang="en-US" dirty="0"/>
+                <a:t>Level 1 Model</a:t>
+              </a:r>
+            </a:p>
+          </p:txBody>
+        </p:sp>
+        <p:cxnSp>
+          <p:nvCxnSpPr>
+            <p:cNvPr id="54" name="Straight Arrow Connector 53">
+              <a:extLst>
+                <a:ext uri="{FF2B5EF4-FFF2-40B4-BE49-F238E27FC236}">
+                  <a16:creationId xmlns:a16="http://schemas.microsoft.com/office/drawing/2014/main" id="{15D8436C-7D92-4160-F713-5ECEA2E00475}"/>
+                </a:ext>
+              </a:extLst>
+            </p:cNvPr>
+            <p:cNvCxnSpPr>
+              <a:cxnSpLocks/>
+              <a:stCxn id="51" idx="0"/>
+            </p:cNvCxnSpPr>
+            <p:nvPr/>
+          </p:nvCxnSpPr>
+          <p:spPr>
+            <a:xfrm flipH="1" flipV="1">
+              <a:off x="9597435" y="2813963"/>
+              <a:ext cx="1" cy="368550"/>
+            </a:xfrm>
+            <a:prstGeom prst="straightConnector1">
+              <a:avLst/>
+            </a:prstGeom>
+            <a:ln>
+              <a:solidFill>
+                <a:schemeClr val="tx1"/>
+              </a:solidFill>
+              <a:tailEnd type="triangle"/>
+            </a:ln>
+          </p:spPr>
+          <p:style>
+            <a:lnRef idx="1">
+              <a:schemeClr val="accent1"/>
+            </a:lnRef>
+            <a:fillRef idx="0">
+              <a:schemeClr val="accent1"/>
+            </a:fillRef>
+            <a:effectRef idx="0">
+              <a:schemeClr val="accent1"/>
+            </a:effectRef>
+            <a:fontRef idx="minor">
+              <a:schemeClr val="tx1"/>
+            </a:fontRef>
+          </p:style>
+        </p:cxnSp>
+        <p:sp>
+          <p:nvSpPr>
+            <p:cNvPr id="56" name="TextBox 55">
+              <a:extLst>
+                <a:ext uri="{FF2B5EF4-FFF2-40B4-BE49-F238E27FC236}">
+                  <a16:creationId xmlns:a16="http://schemas.microsoft.com/office/drawing/2014/main" id="{E65C6C56-72B1-6E62-5760-7F53883B6CDB}"/>
+                </a:ext>
+              </a:extLst>
+            </p:cNvPr>
+            <p:cNvSpPr txBox="1"/>
+            <p:nvPr/>
+          </p:nvSpPr>
+          <p:spPr>
+            <a:xfrm>
+              <a:off x="6142949" y="2392944"/>
+              <a:ext cx="1825821" cy="369332"/>
+            </a:xfrm>
+            <a:prstGeom prst="rect">
+              <a:avLst/>
+            </a:prstGeom>
+            <a:noFill/>
+          </p:spPr>
+          <p:txBody>
+            <a:bodyPr wrap="none" rtlCol="0">
+              <a:spAutoFit/>
+            </a:bodyPr>
+            <a:lstStyle/>
+            <a:p>
+              <a:r>
+                <a:rPr lang="en-US" dirty="0"/>
+                <a:t>Final prediction</a:t>
+              </a:r>
+            </a:p>
+          </p:txBody>
+        </p:sp>
+        <mc:AlternateContent xmlns:mc="http://schemas.openxmlformats.org/markup-compatibility/2006">
+          <mc:Choice xmlns:a14="http://schemas.microsoft.com/office/drawing/2010/main" Requires="a14">
+            <p:sp>
+              <p:nvSpPr>
+                <p:cNvPr id="57" name="TextBox 56">
+                  <a:extLst>
+                    <a:ext uri="{FF2B5EF4-FFF2-40B4-BE49-F238E27FC236}">
+                      <a16:creationId xmlns:a16="http://schemas.microsoft.com/office/drawing/2014/main" id="{A5302A10-CAD4-6015-773F-63E935422054}"/>
+                    </a:ext>
+                  </a:extLst>
+                </p:cNvPr>
+                <p:cNvSpPr txBox="1"/>
+                <p:nvPr/>
+              </p:nvSpPr>
+              <p:spPr>
+                <a:xfrm>
+                  <a:off x="9324271" y="2428488"/>
+                  <a:ext cx="676339" cy="292581"/>
+                </a:xfrm>
+                <a:prstGeom prst="rect">
+                  <a:avLst/>
+                </a:prstGeom>
+                <a:noFill/>
+              </p:spPr>
+              <p:txBody>
+                <a:bodyPr wrap="none" lIns="0" tIns="0" rIns="0" bIns="0" rtlCol="0">
+                  <a:spAutoFit/>
+                </a:bodyPr>
+                <a:lstStyle/>
+                <a:p>
+                  <a14:m>
+                    <m:oMathPara xmlns:m="http://schemas.openxmlformats.org/officeDocument/2006/math">
+                      <m:oMathParaPr>
+                        <m:jc m:val="centerGroup"/>
+                      </m:oMathParaPr>
+                      <m:oMath xmlns:m="http://schemas.openxmlformats.org/officeDocument/2006/math">
+                        <m:sSub>
+                          <m:sSubPr>
+                            <m:ctrlPr>
+                              <a:rPr lang="en-US" b="0" i="1" smtClean="0">
+                                <a:latin typeface="Cambria Math" panose="02040503050406030204" pitchFamily="18" charset="0"/>
+                              </a:rPr>
+                            </m:ctrlPr>
+                          </m:sSubPr>
+                          <m:e>
+                            <m:acc>
+                              <m:accPr>
+                                <m:chr m:val="̂"/>
+                                <m:ctrlPr>
+                                  <a:rPr lang="en-US" b="0" i="1" smtClean="0">
+                                    <a:latin typeface="Cambria Math" panose="02040503050406030204" pitchFamily="18" charset="0"/>
+                                  </a:rPr>
+                                </m:ctrlPr>
+                              </m:accPr>
+                              <m:e>
+                                <m:r>
+                                  <a:rPr lang="en-US" b="0" i="1" smtClean="0">
+                                    <a:latin typeface="Cambria Math" panose="02040503050406030204" pitchFamily="18" charset="0"/>
+                                  </a:rPr>
+                                  <m:t>𝑓</m:t>
+                                </m:r>
+                              </m:e>
+                            </m:acc>
+                          </m:e>
+                          <m:sub>
+                            <m:r>
+                              <a:rPr lang="en-US" b="0" i="1" smtClean="0">
+                                <a:latin typeface="Cambria Math" panose="02040503050406030204" pitchFamily="18" charset="0"/>
+                              </a:rPr>
+                              <m:t>𝑆𝑇</m:t>
+                            </m:r>
+                          </m:sub>
+                        </m:sSub>
+                        <m:r>
+                          <a:rPr lang="en-US" b="0" i="1" smtClean="0">
+                            <a:latin typeface="Cambria Math" panose="02040503050406030204" pitchFamily="18" charset="0"/>
+                          </a:rPr>
+                          <m:t>(</m:t>
+                        </m:r>
+                        <m:r>
+                          <a:rPr lang="en-US" b="0" i="1" smtClean="0">
+                            <a:latin typeface="Cambria Math" panose="02040503050406030204" pitchFamily="18" charset="0"/>
+                          </a:rPr>
+                          <m:t>𝑥</m:t>
+                        </m:r>
+                        <m:r>
+                          <a:rPr lang="en-US" b="0" i="1" smtClean="0">
+                            <a:latin typeface="Cambria Math" panose="02040503050406030204" pitchFamily="18" charset="0"/>
+                          </a:rPr>
+                          <m:t>)</m:t>
+                        </m:r>
+                      </m:oMath>
+                    </m:oMathPara>
+                  </a14:m>
+                  <a:endParaRPr lang="en-US" dirty="0"/>
+                </a:p>
+              </p:txBody>
+            </p:sp>
+          </mc:Choice>
+          <mc:Fallback>
+            <p:sp>
+              <p:nvSpPr>
+                <p:cNvPr id="57" name="TextBox 56">
+                  <a:extLst>
+                    <a:ext uri="{FF2B5EF4-FFF2-40B4-BE49-F238E27FC236}">
+                      <a16:creationId xmlns:a16="http://schemas.microsoft.com/office/drawing/2014/main" id="{A5302A10-CAD4-6015-773F-63E935422054}"/>
+                    </a:ext>
+                  </a:extLst>
+                </p:cNvPr>
+                <p:cNvSpPr txBox="1">
+                  <a:spLocks noRot="1" noChangeAspect="1" noMove="1" noResize="1" noEditPoints="1" noAdjustHandles="1" noChangeArrowheads="1" noChangeShapeType="1" noTextEdit="1"/>
+                </p:cNvSpPr>
+                <p:nvPr/>
+              </p:nvSpPr>
+              <p:spPr>
+                <a:xfrm>
+                  <a:off x="9324271" y="2428488"/>
+                  <a:ext cx="676339" cy="292581"/>
+                </a:xfrm>
+                <a:prstGeom prst="rect">
+                  <a:avLst/>
+                </a:prstGeom>
+                <a:blipFill>
+                  <a:blip r:embed="rId5"/>
+                  <a:stretch>
+                    <a:fillRect l="-11712" t="-25000" r="-11712" b="-33333"/>
+                  </a:stretch>
+                </a:blipFill>
+              </p:spPr>
+              <p:txBody>
+                <a:bodyPr/>
+                <a:lstStyle/>
+                <a:p>
+                  <a:r>
+                    <a:rPr lang="en-US">
+                      <a:noFill/>
+                    </a:rPr>
+                    <a:t> </a:t>
+                  </a:r>
+                </a:p>
+              </p:txBody>
+            </p:sp>
+          </mc:Fallback>
+        </mc:AlternateContent>
+        <mc:AlternateContent xmlns:mc="http://schemas.openxmlformats.org/markup-compatibility/2006">
+          <mc:Choice xmlns:a14="http://schemas.microsoft.com/office/drawing/2010/main" Requires="a14">
+            <p:sp>
+              <p:nvSpPr>
+                <p:cNvPr id="58" name="TextBox 57">
+                  <a:extLst>
+                    <a:ext uri="{FF2B5EF4-FFF2-40B4-BE49-F238E27FC236}">
+                      <a16:creationId xmlns:a16="http://schemas.microsoft.com/office/drawing/2014/main" id="{C1CDB371-B8BE-87B5-AD18-3DACA136606F}"/>
+                    </a:ext>
+                  </a:extLst>
+                </p:cNvPr>
+                <p:cNvSpPr txBox="1"/>
+                <p:nvPr/>
+              </p:nvSpPr>
+              <p:spPr>
+                <a:xfrm>
+                  <a:off x="8890552" y="4323613"/>
+                  <a:ext cx="578427" cy="292581"/>
+                </a:xfrm>
+                <a:prstGeom prst="rect">
+                  <a:avLst/>
+                </a:prstGeom>
+                <a:noFill/>
+              </p:spPr>
+              <p:txBody>
+                <a:bodyPr wrap="none" lIns="0" tIns="0" rIns="0" bIns="0" rtlCol="0">
+                  <a:spAutoFit/>
+                </a:bodyPr>
+                <a:lstStyle/>
+                <a:p>
+                  <a14:m>
+                    <m:oMathPara xmlns:m="http://schemas.openxmlformats.org/officeDocument/2006/math">
+                      <m:oMathParaPr>
+                        <m:jc m:val="centerGroup"/>
+                      </m:oMathParaPr>
+                      <m:oMath xmlns:m="http://schemas.openxmlformats.org/officeDocument/2006/math">
+                        <m:sSub>
+                          <m:sSubPr>
+                            <m:ctrlPr>
+                              <a:rPr lang="en-US" b="0" i="1" smtClean="0">
+                                <a:latin typeface="Cambria Math" panose="02040503050406030204" pitchFamily="18" charset="0"/>
+                              </a:rPr>
+                            </m:ctrlPr>
+                          </m:sSubPr>
+                          <m:e>
+                            <m:acc>
+                              <m:accPr>
+                                <m:chr m:val="̂"/>
+                                <m:ctrlPr>
+                                  <a:rPr lang="en-US" b="0" i="1" smtClean="0">
+                                    <a:latin typeface="Cambria Math" panose="02040503050406030204" pitchFamily="18" charset="0"/>
+                                  </a:rPr>
+                                </m:ctrlPr>
+                              </m:accPr>
+                              <m:e>
+                                <m:r>
+                                  <a:rPr lang="en-US" b="0" i="1" smtClean="0">
+                                    <a:latin typeface="Cambria Math" panose="02040503050406030204" pitchFamily="18" charset="0"/>
+                                  </a:rPr>
+                                  <m:t>𝑓</m:t>
+                                </m:r>
+                              </m:e>
+                            </m:acc>
+                          </m:e>
+                          <m:sub>
+                            <m:r>
+                              <a:rPr lang="en-US" b="0" i="1" smtClean="0">
+                                <a:latin typeface="Cambria Math" panose="02040503050406030204" pitchFamily="18" charset="0"/>
+                              </a:rPr>
+                              <m:t>2</m:t>
+                            </m:r>
+                          </m:sub>
+                        </m:sSub>
+                        <m:r>
+                          <a:rPr lang="en-US" b="0" i="1" smtClean="0">
+                            <a:latin typeface="Cambria Math" panose="02040503050406030204" pitchFamily="18" charset="0"/>
+                          </a:rPr>
+                          <m:t>(</m:t>
+                        </m:r>
+                        <m:r>
+                          <a:rPr lang="en-US" b="0" i="1" smtClean="0">
+                            <a:latin typeface="Cambria Math" panose="02040503050406030204" pitchFamily="18" charset="0"/>
+                          </a:rPr>
+                          <m:t>𝑥</m:t>
+                        </m:r>
+                        <m:r>
+                          <a:rPr lang="en-US" b="0" i="1" smtClean="0">
+                            <a:latin typeface="Cambria Math" panose="02040503050406030204" pitchFamily="18" charset="0"/>
+                          </a:rPr>
+                          <m:t>)</m:t>
+                        </m:r>
+                      </m:oMath>
+                    </m:oMathPara>
+                  </a14:m>
+                  <a:endParaRPr lang="en-US" dirty="0"/>
+                </a:p>
+              </p:txBody>
+            </p:sp>
+          </mc:Choice>
+          <mc:Fallback>
+            <p:sp>
+              <p:nvSpPr>
+                <p:cNvPr id="58" name="TextBox 57">
+                  <a:extLst>
+                    <a:ext uri="{FF2B5EF4-FFF2-40B4-BE49-F238E27FC236}">
+                      <a16:creationId xmlns:a16="http://schemas.microsoft.com/office/drawing/2014/main" id="{C1CDB371-B8BE-87B5-AD18-3DACA136606F}"/>
+                    </a:ext>
+                  </a:extLst>
+                </p:cNvPr>
+                <p:cNvSpPr txBox="1">
+                  <a:spLocks noRot="1" noChangeAspect="1" noMove="1" noResize="1" noEditPoints="1" noAdjustHandles="1" noChangeArrowheads="1" noChangeShapeType="1" noTextEdit="1"/>
+                </p:cNvSpPr>
+                <p:nvPr/>
+              </p:nvSpPr>
+              <p:spPr>
+                <a:xfrm>
+                  <a:off x="8890552" y="4323613"/>
+                  <a:ext cx="578427" cy="292581"/>
+                </a:xfrm>
+                <a:prstGeom prst="rect">
+                  <a:avLst/>
+                </a:prstGeom>
+                <a:blipFill>
+                  <a:blip r:embed="rId6"/>
+                  <a:stretch>
+                    <a:fillRect l="-13684" t="-27083" r="-13684" b="-33333"/>
+                  </a:stretch>
+                </a:blipFill>
+              </p:spPr>
+              <p:txBody>
+                <a:bodyPr/>
+                <a:lstStyle/>
+                <a:p>
+                  <a:r>
+                    <a:rPr lang="en-US">
+                      <a:noFill/>
+                    </a:rPr>
+                    <a:t> </a:t>
+                  </a:r>
+                </a:p>
+              </p:txBody>
+            </p:sp>
+          </mc:Fallback>
+        </mc:AlternateContent>
+        <mc:AlternateContent xmlns:mc="http://schemas.openxmlformats.org/markup-compatibility/2006">
+          <mc:Choice xmlns:a14="http://schemas.microsoft.com/office/drawing/2010/main" Requires="a14">
+            <p:sp>
+              <p:nvSpPr>
+                <p:cNvPr id="59" name="TextBox 58">
+                  <a:extLst>
+                    <a:ext uri="{FF2B5EF4-FFF2-40B4-BE49-F238E27FC236}">
+                      <a16:creationId xmlns:a16="http://schemas.microsoft.com/office/drawing/2014/main" id="{8A1EB90B-47BD-35B1-6890-D8EF5BDC256D}"/>
+                    </a:ext>
+                  </a:extLst>
+                </p:cNvPr>
+                <p:cNvSpPr txBox="1"/>
+                <p:nvPr/>
+              </p:nvSpPr>
+              <p:spPr>
+                <a:xfrm>
+                  <a:off x="9771765" y="4329773"/>
+                  <a:ext cx="578427" cy="292581"/>
+                </a:xfrm>
+                <a:prstGeom prst="rect">
+                  <a:avLst/>
+                </a:prstGeom>
+                <a:noFill/>
+              </p:spPr>
+              <p:txBody>
+                <a:bodyPr wrap="none" lIns="0" tIns="0" rIns="0" bIns="0" rtlCol="0">
+                  <a:spAutoFit/>
+                </a:bodyPr>
+                <a:lstStyle/>
+                <a:p>
+                  <a14:m>
+                    <m:oMathPara xmlns:m="http://schemas.openxmlformats.org/officeDocument/2006/math">
+                      <m:oMathParaPr>
+                        <m:jc m:val="centerGroup"/>
+                      </m:oMathParaPr>
+                      <m:oMath xmlns:m="http://schemas.openxmlformats.org/officeDocument/2006/math">
+                        <m:sSub>
+                          <m:sSubPr>
+                            <m:ctrlPr>
+                              <a:rPr lang="en-US" b="0" i="1" smtClean="0">
+                                <a:latin typeface="Cambria Math" panose="02040503050406030204" pitchFamily="18" charset="0"/>
+                              </a:rPr>
+                            </m:ctrlPr>
+                          </m:sSubPr>
+                          <m:e>
+                            <m:acc>
+                              <m:accPr>
+                                <m:chr m:val="̂"/>
+                                <m:ctrlPr>
+                                  <a:rPr lang="en-US" b="0" i="1" smtClean="0">
+                                    <a:latin typeface="Cambria Math" panose="02040503050406030204" pitchFamily="18" charset="0"/>
+                                  </a:rPr>
+                                </m:ctrlPr>
+                              </m:accPr>
+                              <m:e>
+                                <m:r>
+                                  <a:rPr lang="en-US" b="0" i="1" smtClean="0">
+                                    <a:latin typeface="Cambria Math" panose="02040503050406030204" pitchFamily="18" charset="0"/>
+                                  </a:rPr>
+                                  <m:t>𝑓</m:t>
+                                </m:r>
+                              </m:e>
+                            </m:acc>
+                          </m:e>
+                          <m:sub>
+                            <m:r>
+                              <a:rPr lang="en-US" b="0" i="1" smtClean="0">
+                                <a:latin typeface="Cambria Math" panose="02040503050406030204" pitchFamily="18" charset="0"/>
+                              </a:rPr>
+                              <m:t>3</m:t>
+                            </m:r>
+                          </m:sub>
+                        </m:sSub>
+                        <m:r>
+                          <a:rPr lang="en-US" b="0" i="1" smtClean="0">
+                            <a:latin typeface="Cambria Math" panose="02040503050406030204" pitchFamily="18" charset="0"/>
+                          </a:rPr>
+                          <m:t>(</m:t>
+                        </m:r>
+                        <m:r>
+                          <a:rPr lang="en-US" b="0" i="1" smtClean="0">
+                            <a:latin typeface="Cambria Math" panose="02040503050406030204" pitchFamily="18" charset="0"/>
+                          </a:rPr>
+                          <m:t>𝑥</m:t>
+                        </m:r>
+                        <m:r>
+                          <a:rPr lang="en-US" b="0" i="1" smtClean="0">
+                            <a:latin typeface="Cambria Math" panose="02040503050406030204" pitchFamily="18" charset="0"/>
+                          </a:rPr>
+                          <m:t>)</m:t>
+                        </m:r>
+                      </m:oMath>
+                    </m:oMathPara>
+                  </a14:m>
+                  <a:endParaRPr lang="en-US" dirty="0"/>
+                </a:p>
+              </p:txBody>
+            </p:sp>
+          </mc:Choice>
+          <mc:Fallback>
+            <p:sp>
+              <p:nvSpPr>
+                <p:cNvPr id="59" name="TextBox 58">
+                  <a:extLst>
+                    <a:ext uri="{FF2B5EF4-FFF2-40B4-BE49-F238E27FC236}">
+                      <a16:creationId xmlns:a16="http://schemas.microsoft.com/office/drawing/2014/main" id="{8A1EB90B-47BD-35B1-6890-D8EF5BDC256D}"/>
+                    </a:ext>
+                  </a:extLst>
+                </p:cNvPr>
+                <p:cNvSpPr txBox="1">
+                  <a:spLocks noRot="1" noChangeAspect="1" noMove="1" noResize="1" noEditPoints="1" noAdjustHandles="1" noChangeArrowheads="1" noChangeShapeType="1" noTextEdit="1"/>
+                </p:cNvSpPr>
+                <p:nvPr/>
+              </p:nvSpPr>
+              <p:spPr>
+                <a:xfrm>
+                  <a:off x="9771765" y="4329773"/>
+                  <a:ext cx="578427" cy="292581"/>
+                </a:xfrm>
+                <a:prstGeom prst="rect">
+                  <a:avLst/>
+                </a:prstGeom>
+                <a:blipFill>
+                  <a:blip r:embed="rId7"/>
+                  <a:stretch>
+                    <a:fillRect l="-13684" t="-27083" r="-13684" b="-33333"/>
+                  </a:stretch>
+                </a:blipFill>
+              </p:spPr>
+              <p:txBody>
+                <a:bodyPr/>
+                <a:lstStyle/>
+                <a:p>
+                  <a:r>
+                    <a:rPr lang="en-US">
+                      <a:noFill/>
+                    </a:rPr>
+                    <a:t> </a:t>
+                  </a:r>
+                </a:p>
+              </p:txBody>
+            </p:sp>
+          </mc:Fallback>
+        </mc:AlternateContent>
+        <mc:AlternateContent xmlns:mc="http://schemas.openxmlformats.org/markup-compatibility/2006">
+          <mc:Choice xmlns:a14="http://schemas.microsoft.com/office/drawing/2010/main" Requires="a14">
+            <p:sp>
+              <p:nvSpPr>
+                <p:cNvPr id="60" name="TextBox 59">
+                  <a:extLst>
+                    <a:ext uri="{FF2B5EF4-FFF2-40B4-BE49-F238E27FC236}">
+                      <a16:creationId xmlns:a16="http://schemas.microsoft.com/office/drawing/2014/main" id="{3CC3D863-C7E5-E477-01E9-023D2D0BCADC}"/>
+                    </a:ext>
+                  </a:extLst>
+                </p:cNvPr>
+                <p:cNvSpPr txBox="1"/>
+                <p:nvPr/>
+              </p:nvSpPr>
+              <p:spPr>
+                <a:xfrm>
+                  <a:off x="10606751" y="4331087"/>
+                  <a:ext cx="569387" cy="292581"/>
+                </a:xfrm>
+                <a:prstGeom prst="rect">
+                  <a:avLst/>
+                </a:prstGeom>
+                <a:noFill/>
+              </p:spPr>
+              <p:txBody>
+                <a:bodyPr wrap="none" lIns="0" tIns="0" rIns="0" bIns="0" rtlCol="0">
+                  <a:spAutoFit/>
+                </a:bodyPr>
+                <a:lstStyle/>
+                <a:p>
+                  <a14:m>
+                    <m:oMathPara xmlns:m="http://schemas.openxmlformats.org/officeDocument/2006/math">
+                      <m:oMathParaPr>
+                        <m:jc m:val="centerGroup"/>
+                      </m:oMathParaPr>
+                      <m:oMath xmlns:m="http://schemas.openxmlformats.org/officeDocument/2006/math">
+                        <m:sSub>
+                          <m:sSubPr>
+                            <m:ctrlPr>
+                              <a:rPr lang="en-US" b="0" i="1" smtClean="0">
+                                <a:latin typeface="Cambria Math" panose="02040503050406030204" pitchFamily="18" charset="0"/>
+                              </a:rPr>
+                            </m:ctrlPr>
+                          </m:sSubPr>
+                          <m:e>
+                            <m:acc>
+                              <m:accPr>
+                                <m:chr m:val="̂"/>
+                                <m:ctrlPr>
+                                  <a:rPr lang="en-US" b="0" i="1" smtClean="0">
+                                    <a:latin typeface="Cambria Math" panose="02040503050406030204" pitchFamily="18" charset="0"/>
+                                  </a:rPr>
+                                </m:ctrlPr>
+                              </m:accPr>
+                              <m:e>
+                                <m:r>
+                                  <a:rPr lang="en-US" b="0" i="1" smtClean="0">
+                                    <a:latin typeface="Cambria Math" panose="02040503050406030204" pitchFamily="18" charset="0"/>
+                                  </a:rPr>
+                                  <m:t>𝑓</m:t>
+                                </m:r>
+                              </m:e>
+                            </m:acc>
+                          </m:e>
+                          <m:sub>
+                            <m:r>
+                              <a:rPr lang="en-US" b="0" i="1" smtClean="0">
+                                <a:latin typeface="Cambria Math" panose="02040503050406030204" pitchFamily="18" charset="0"/>
+                              </a:rPr>
+                              <m:t>4</m:t>
+                            </m:r>
+                          </m:sub>
+                        </m:sSub>
+                        <m:r>
+                          <a:rPr lang="en-US" b="0" i="1" smtClean="0">
+                            <a:latin typeface="Cambria Math" panose="02040503050406030204" pitchFamily="18" charset="0"/>
+                          </a:rPr>
+                          <m:t>(</m:t>
+                        </m:r>
+                        <m:r>
+                          <a:rPr lang="en-US" b="0" i="1" smtClean="0">
+                            <a:latin typeface="Cambria Math" panose="02040503050406030204" pitchFamily="18" charset="0"/>
+                          </a:rPr>
+                          <m:t>𝑥</m:t>
+                        </m:r>
+                        <m:r>
+                          <a:rPr lang="en-US" b="0" i="1" smtClean="0">
+                            <a:latin typeface="Cambria Math" panose="02040503050406030204" pitchFamily="18" charset="0"/>
+                          </a:rPr>
+                          <m:t>)</m:t>
+                        </m:r>
+                      </m:oMath>
+                    </m:oMathPara>
+                  </a14:m>
+                  <a:endParaRPr lang="en-US" dirty="0"/>
+                </a:p>
+              </p:txBody>
+            </p:sp>
+          </mc:Choice>
+          <mc:Fallback>
+            <p:sp>
+              <p:nvSpPr>
+                <p:cNvPr id="60" name="TextBox 59">
+                  <a:extLst>
+                    <a:ext uri="{FF2B5EF4-FFF2-40B4-BE49-F238E27FC236}">
+                      <a16:creationId xmlns:a16="http://schemas.microsoft.com/office/drawing/2014/main" id="{3CC3D863-C7E5-E477-01E9-023D2D0BCADC}"/>
+                    </a:ext>
+                  </a:extLst>
+                </p:cNvPr>
+                <p:cNvSpPr txBox="1">
+                  <a:spLocks noRot="1" noChangeAspect="1" noMove="1" noResize="1" noEditPoints="1" noAdjustHandles="1" noChangeArrowheads="1" noChangeShapeType="1" noTextEdit="1"/>
+                </p:cNvSpPr>
+                <p:nvPr/>
+              </p:nvSpPr>
+              <p:spPr>
+                <a:xfrm>
+                  <a:off x="10606751" y="4331087"/>
+                  <a:ext cx="569387" cy="292581"/>
+                </a:xfrm>
+                <a:prstGeom prst="rect">
+                  <a:avLst/>
+                </a:prstGeom>
+                <a:blipFill>
+                  <a:blip r:embed="rId8"/>
+                  <a:stretch>
+                    <a:fillRect l="-13978" t="-25000" r="-15054" b="-33333"/>
+                  </a:stretch>
+                </a:blipFill>
+              </p:spPr>
+              <p:txBody>
+                <a:bodyPr/>
+                <a:lstStyle/>
+                <a:p>
+                  <a:r>
+                    <a:rPr lang="en-US">
+                      <a:noFill/>
+                    </a:rPr>
+                    <a:t> </a:t>
+                  </a:r>
+                </a:p>
+              </p:txBody>
+            </p:sp>
+          </mc:Fallback>
+        </mc:AlternateContent>
+      </p:grpSp>
     </p:spTree>
     <p:extLst>
       <p:ext uri="{BB962C8B-B14F-4D97-AF65-F5344CB8AC3E}">
-        <p14:creationId xmlns:p14="http://schemas.microsoft.com/office/powerpoint/2010/main" val="3858923319"/>
+        <p14:creationId xmlns:p14="http://schemas.microsoft.com/office/powerpoint/2010/main" val="3252012045"/>
       </p:ext>
     </p:extLst>
   </p:cSld>

--- a/report/project_presentation.pptx
+++ b/report/project_presentation.pptx
@@ -10,8 +10,8 @@
   <p:sldIdLst>
     <p:sldId id="256" r:id="rId2"/>
     <p:sldId id="263" r:id="rId3"/>
-    <p:sldId id="257" r:id="rId4"/>
-    <p:sldId id="258" r:id="rId5"/>
+    <p:sldId id="271" r:id="rId4"/>
+    <p:sldId id="272" r:id="rId5"/>
     <p:sldId id="259" r:id="rId6"/>
     <p:sldId id="265" r:id="rId7"/>
     <p:sldId id="267" r:id="rId8"/>
@@ -210,7 +210,7 @@
           <a:p>
             <a:fld id="{BFED8B4C-F872-BB40-941E-1DCEAAB37286}" type="datetimeFigureOut">
               <a:rPr lang="en-US" smtClean="0"/>
-              <a:t>12/1/2023</a:t>
+              <a:t>12/2/23</a:t>
             </a:fld>
             <a:endParaRPr lang="en-US"/>
           </a:p>
@@ -521,9 +521,6 @@
           <a:bodyPr/>
           <a:lstStyle/>
           <a:p>
-            <a:endParaRPr lang="en-US" dirty="0"/>
-          </a:p>
-          <a:p>
             <a:pPr marL="0" marR="0" lvl="0" indent="0" algn="l" defTabSz="914400" rtl="0" eaLnBrk="1" fontAlgn="auto" latinLnBrk="0" hangingPunct="1">
               <a:lnSpc>
                 <a:spcPct val="100000"/>
@@ -542,34 +539,18 @@
               <a:defRPr/>
             </a:pPr>
             <a:r>
+              <a:rPr lang="en-US" dirty="0"/>
+              <a:t>Hello everyone, thank you for your time and attention. With my colleagues, Matthew Chen and Jasper Tsai we worked on a final project regarding </a:t>
+            </a:r>
+            <a:r>
               <a:rPr lang="en-US" u="sng" dirty="0"/>
-              <a:t>Introduce the Malware issue</a:t>
-            </a:r>
-            <a:endParaRPr lang="en-US" dirty="0"/>
-          </a:p>
-          <a:p>
-            <a:r>
-              <a:rPr lang="en-US" dirty="0"/>
-              <a:t>The Android operating system has become a popular choice for smartphone users worldwide. It currently has a global market share of 72% in the mobile operating systems market. However, the rapid growth of Android apps and its worldwide popularity in the smartphone market as well as it’s open-source nature has made it an easy and accessible target for malware. </a:t>
-            </a:r>
-          </a:p>
-          <a:p>
-            <a:endParaRPr lang="en-US" dirty="0"/>
-          </a:p>
-          <a:p>
-            <a:r>
-              <a:rPr lang="en-US" dirty="0"/>
-              <a:t>Although Android attempts to curb the harm of malicious software with updates to fix vulnerabilities, like they do with Play Protect in the Google Play Appstore, unfortunately, malware apps have also upgraded and adapted to this evolution. </a:t>
-            </a:r>
-          </a:p>
-          <a:p>
-            <a:endParaRPr lang="en-US" dirty="0"/>
-          </a:p>
-          <a:p>
-            <a:r>
-              <a:rPr lang="en-US" dirty="0"/>
-              <a:t>For those of us unfamiliar with the concept, malware is a type of software that is designed to harm or exploit any device it infects. It can be used to steal personal information, damage files or even take control of a device. The ever-increasing number of native AOS permissions and developers’ ability to create custom permissions provide plenty of options to gain control over devices and private data. Therefore newly created permissions could be of great importance in detecting current malware. </a:t>
-            </a:r>
+              <a:t>malware detection</a:t>
+            </a:r>
+            <a:r>
+              <a:rPr lang="en-US" u="none" dirty="0"/>
+              <a:t> of Android apps</a:t>
+            </a:r>
+            <a:endParaRPr lang="en-US" u="sng" dirty="0"/>
           </a:p>
           <a:p>
             <a:endParaRPr lang="en-US" dirty="0"/>
@@ -593,7 +574,7 @@
           <a:p>
             <a:fld id="{AF049292-9110-EF43-9B06-BC27797FB358}" type="slidenum">
               <a:rPr lang="en-US" smtClean="0"/>
-              <a:t>2</a:t>
+              <a:t>1</a:t>
             </a:fld>
             <a:endParaRPr lang="en-US"/>
           </a:p>
@@ -602,7 +583,91 @@
     </p:spTree>
     <p:extLst>
       <p:ext uri="{BB962C8B-B14F-4D97-AF65-F5344CB8AC3E}">
-        <p14:creationId xmlns:p14="http://schemas.microsoft.com/office/powerpoint/2010/main" val="268272540"/>
+        <p14:creationId xmlns:p14="http://schemas.microsoft.com/office/powerpoint/2010/main" val="544132814"/>
+      </p:ext>
+    </p:extLst>
+  </p:cSld>
+  <p:clrMapOvr>
+    <a:masterClrMapping/>
+  </p:clrMapOvr>
+</p:notes>
+</file>
+
+<file path=ppt/notesSlides/notesSlide10.xml><?xml version="1.0" encoding="utf-8"?>
+<p:notes xmlns:a="http://schemas.openxmlformats.org/drawingml/2006/main" xmlns:r="http://schemas.openxmlformats.org/officeDocument/2006/relationships" xmlns:p="http://schemas.openxmlformats.org/presentationml/2006/main">
+  <p:cSld>
+    <p:spTree>
+      <p:nvGrpSpPr>
+        <p:cNvPr id="1" name=""/>
+        <p:cNvGrpSpPr/>
+        <p:nvPr/>
+      </p:nvGrpSpPr>
+      <p:grpSpPr>
+        <a:xfrm>
+          <a:off x="0" y="0"/>
+          <a:ext cx="0" cy="0"/>
+          <a:chOff x="0" y="0"/>
+          <a:chExt cx="0" cy="0"/>
+        </a:xfrm>
+      </p:grpSpPr>
+      <p:sp>
+        <p:nvSpPr>
+          <p:cNvPr id="2" name="Slide Image Placeholder 1"/>
+          <p:cNvSpPr>
+            <a:spLocks noGrp="1" noRot="1" noChangeAspect="1"/>
+          </p:cNvSpPr>
+          <p:nvPr>
+            <p:ph type="sldImg"/>
+          </p:nvPr>
+        </p:nvSpPr>
+        <p:spPr/>
+      </p:sp>
+      <p:sp>
+        <p:nvSpPr>
+          <p:cNvPr id="3" name="Notes Placeholder 2"/>
+          <p:cNvSpPr>
+            <a:spLocks noGrp="1"/>
+          </p:cNvSpPr>
+          <p:nvPr>
+            <p:ph type="body" idx="1"/>
+          </p:nvPr>
+        </p:nvSpPr>
+        <p:spPr/>
+        <p:txBody>
+          <a:bodyPr/>
+          <a:lstStyle/>
+          <a:p>
+            <a:endParaRPr lang="en-US" dirty="0"/>
+          </a:p>
+        </p:txBody>
+      </p:sp>
+      <p:sp>
+        <p:nvSpPr>
+          <p:cNvPr id="4" name="Slide Number Placeholder 3"/>
+          <p:cNvSpPr>
+            <a:spLocks noGrp="1"/>
+          </p:cNvSpPr>
+          <p:nvPr>
+            <p:ph type="sldNum" sz="quarter" idx="5"/>
+          </p:nvPr>
+        </p:nvSpPr>
+        <p:spPr/>
+        <p:txBody>
+          <a:bodyPr/>
+          <a:lstStyle/>
+          <a:p>
+            <a:fld id="{AF049292-9110-EF43-9B06-BC27797FB358}" type="slidenum">
+              <a:rPr lang="en-US" smtClean="0"/>
+              <a:t>11</a:t>
+            </a:fld>
+            <a:endParaRPr lang="en-US"/>
+          </a:p>
+        </p:txBody>
+      </p:sp>
+    </p:spTree>
+    <p:extLst>
+      <p:ext uri="{BB962C8B-B14F-4D97-AF65-F5344CB8AC3E}">
+        <p14:creationId xmlns:p14="http://schemas.microsoft.com/office/powerpoint/2010/main" val="997116608"/>
       </p:ext>
     </p:extLst>
   </p:cSld>
@@ -656,6 +721,9 @@
           <a:bodyPr/>
           <a:lstStyle/>
           <a:p>
+            <a:endParaRPr lang="en-US" dirty="0"/>
+          </a:p>
+          <a:p>
             <a:pPr marL="0" marR="0" lvl="0" indent="0" algn="l" defTabSz="914400" rtl="0" eaLnBrk="1" fontAlgn="auto" latinLnBrk="0" hangingPunct="1">
               <a:lnSpc>
                 <a:spcPct val="100000"/>
@@ -675,50 +743,120 @@
             </a:pPr>
             <a:r>
               <a:rPr lang="en-US" u="sng" dirty="0"/>
-              <a:t>Discuss the article we will be referencing</a:t>
-            </a:r>
+              <a:t>Introduce the Malware issue</a:t>
+            </a:r>
+            <a:endParaRPr lang="en-US" dirty="0"/>
           </a:p>
           <a:p>
             <a:r>
               <a:rPr lang="en-US" dirty="0"/>
-              <a:t>Our project was inspired by a paper from the Journal of information Security and Applications which tackles this very issue. The researchers of this article have proposed a novel malware detection framework for Android called </a:t>
+              <a:t>The Android operating system has become a popular choice for smartphone users worldwide. And  has a global market share of 72% in the mobile operating systems market. However, the rapid growth of Android apps and its worldwide popularity in the smartphone market as well as it’s open-source nature has made it an easy and accessible target for malware. </a:t>
+            </a:r>
+          </a:p>
+          <a:p>
+            <a:endParaRPr lang="en-US" dirty="0"/>
+          </a:p>
+          <a:p>
+            <a:r>
+              <a:rPr lang="en-US" dirty="0"/>
+              <a:t>For those of us unfamiliar with the concept, malware is a type of software that is designed to harm or exploit any device it infects. It can be used to steal personal information, damage files or even take control of a device. </a:t>
+            </a:r>
+          </a:p>
+          <a:p>
+            <a:endParaRPr lang="en-US" dirty="0"/>
+          </a:p>
+          <a:p>
+            <a:r>
+              <a:rPr lang="en-US" dirty="0"/>
+              <a:t>How some of this Malware can get into your phone, is through permissions.</a:t>
+            </a:r>
+          </a:p>
+          <a:p>
+            <a:endParaRPr lang="en-US" dirty="0"/>
+          </a:p>
+          <a:p>
+            <a:pPr marL="0" marR="0" lvl="0" indent="0" algn="l" defTabSz="914400" rtl="0" eaLnBrk="1" fontAlgn="auto" latinLnBrk="0" hangingPunct="1">
+              <a:lnSpc>
+                <a:spcPct val="100000"/>
+              </a:lnSpc>
+              <a:spcBef>
+                <a:spcPts val="0"/>
+              </a:spcBef>
+              <a:spcAft>
+                <a:spcPts val="0"/>
+              </a:spcAft>
+              <a:buClrTx/>
+              <a:buSzTx/>
+              <a:buFontTx/>
+              <a:buNone/>
+              <a:tabLst/>
+              <a:defRPr/>
+            </a:pPr>
+            <a:r>
+              <a:rPr lang="en-US" dirty="0"/>
+              <a:t>For example, there were apps caught by Google Play to be gaming or photography apps which were removed because they were caught accessing user data without consent.</a:t>
+            </a:r>
+          </a:p>
+          <a:p>
+            <a:endParaRPr lang="en-US" dirty="0"/>
+          </a:p>
+          <a:p>
+            <a:r>
+              <a:rPr lang="en-US" dirty="0"/>
+              <a:t> So for any app, it usually asks you for authentication, if it can access your photos, your location </a:t>
             </a:r>
             <a:r>
               <a:rPr lang="en-US" dirty="0" err="1"/>
-              <a:t>NATICUSdroid</a:t>
+              <a:t>etc</a:t>
             </a:r>
             <a:r>
               <a:rPr lang="en-US" dirty="0"/>
-              <a:t>. </a:t>
-            </a:r>
-            <a:r>
-              <a:rPr lang="en-US" dirty="0" err="1"/>
-              <a:t>NATICUSdroid</a:t>
-            </a:r>
+              <a:t>…. Malware hiding in one of these apps can get into your phone and steal personal information from you. </a:t>
+            </a:r>
+          </a:p>
+          <a:p>
+            <a:endParaRPr lang="en-US" dirty="0"/>
+          </a:p>
+          <a:p>
             <a:r>
               <a:rPr lang="en-US" dirty="0"/>
-              <a:t> investigates and classifies benign and malware using statistically selected native and custom Android permissions as features for various machine learning classifiers. </a:t>
+              <a:t>Since the number of permissions continue to increase and app developers have the ability to create custom permissions, there are plenty of opportunities to gain control over devices and private data. </a:t>
             </a:r>
           </a:p>
           <a:p>
             <a:endParaRPr lang="en-US" dirty="0"/>
           </a:p>
           <a:p>
-            <a:r>
-              <a:rPr lang="en-US" u="sng" dirty="0"/>
-              <a:t>Our objective</a:t>
-            </a:r>
-            <a:endParaRPr lang="en-US" u="none" dirty="0"/>
-          </a:p>
-          <a:p>
-            <a:r>
-              <a:rPr lang="en-US" u="none" dirty="0"/>
-              <a:t>Our objective was first to replicate the performance of some of their machine learning methods before attempting to improve upon them with some of our own ideas. We see that Random Forest had done the best with a validation accuracy of 97%. Aside from the models here we will also fit a neural network to see if we can get a better performance. </a:t>
-            </a:r>
-            <a:endParaRPr lang="en-US" u="sng" dirty="0"/>
+            <a:pPr marL="0" marR="0" lvl="0" indent="0" algn="l" defTabSz="914400" rtl="0" eaLnBrk="1" fontAlgn="auto" latinLnBrk="0" hangingPunct="1">
+              <a:lnSpc>
+                <a:spcPct val="100000"/>
+              </a:lnSpc>
+              <a:spcBef>
+                <a:spcPts val="0"/>
+              </a:spcBef>
+              <a:spcAft>
+                <a:spcPts val="0"/>
+              </a:spcAft>
+              <a:buClrTx/>
+              <a:buSzTx/>
+              <a:buFontTx/>
+              <a:buNone/>
+              <a:tabLst/>
+              <a:defRPr/>
+            </a:pPr>
+            <a:r>
+              <a:rPr lang="en-US" dirty="0"/>
+              <a:t>Although Android attempts to curb the harm of malicious software with updates to fix vulnerabilities, malware apps have also upgraded and adapted with time. </a:t>
+            </a:r>
           </a:p>
           <a:p>
             <a:endParaRPr lang="en-US" dirty="0"/>
+          </a:p>
+          <a:p>
+            <a:r>
+              <a:rPr lang="en-US" dirty="0"/>
+              <a:t>Therefore we think that newly created permissions could be significant in detecting current malware. </a:t>
+            </a:r>
           </a:p>
         </p:txBody>
       </p:sp>
@@ -739,7 +877,7 @@
           <a:p>
             <a:fld id="{AF049292-9110-EF43-9B06-BC27797FB358}" type="slidenum">
               <a:rPr lang="en-US" smtClean="0"/>
-              <a:t>3</a:t>
+              <a:t>2</a:t>
             </a:fld>
             <a:endParaRPr lang="en-US"/>
           </a:p>
@@ -748,7 +886,7 @@
     </p:spTree>
     <p:extLst>
       <p:ext uri="{BB962C8B-B14F-4D97-AF65-F5344CB8AC3E}">
-        <p14:creationId xmlns:p14="http://schemas.microsoft.com/office/powerpoint/2010/main" val="322801201"/>
+        <p14:creationId xmlns:p14="http://schemas.microsoft.com/office/powerpoint/2010/main" val="268272540"/>
       </p:ext>
     </p:extLst>
   </p:cSld>
@@ -823,18 +961,27 @@
               <a:rPr lang="en-US" u="sng" dirty="0"/>
               <a:t>Discuss the dataset</a:t>
             </a:r>
+            <a:endParaRPr lang="en-US" u="none" dirty="0"/>
+          </a:p>
+          <a:p>
+            <a:r>
+              <a:rPr lang="en-US" dirty="0"/>
+              <a:t>Our dataset comes from the UC Irvine Repository. Which was a dataset size of roughly 30,000 benign and malware collected from 2010-2019 to identify the most significant permissions. </a:t>
+            </a:r>
+          </a:p>
+          <a:p>
             <a:endParaRPr lang="en-US" dirty="0"/>
           </a:p>
           <a:p>
             <a:r>
               <a:rPr lang="en-US" dirty="0"/>
-              <a:t>86 permissions were analyzed in roughly 30,000 benign and malware collected during 2010-2019 to identify the most significant permissions. </a:t>
+              <a:t>The data has two main sources. </a:t>
             </a:r>
           </a:p>
           <a:p>
             <a:r>
               <a:rPr lang="en-US" dirty="0"/>
-              <a:t>The data has two main sources. Benign apps which were taken from the </a:t>
+              <a:t>Benign apps were taken from the </a:t>
             </a:r>
             <a:r>
               <a:rPr lang="en-US" dirty="0" err="1"/>
@@ -842,7 +989,7 @@
             </a:r>
             <a:r>
               <a:rPr lang="en-US" dirty="0"/>
-              <a:t> database. Although a few sources like Google Play Store have been known to contain malware, for simplicity, an assumption was made that the apps from these sources exhibit non-malicious behavior. To add additional assurance, the 15,000 apps chosen were rated ‘benign’ by an antivirus software and further pruned using a threshold of a specific API protection level. </a:t>
+              <a:t> database. Although a few sources like Google Play Store and Samsung have been known to contain malware, for simplicity, an assumption was made that the apps from these sources exhibit non-malicious behavior. To add additional assurance, the 15,000 apps chosen were ones that were rated ‘benign’ by an antivirus software and further pruned using a threshold of a specific API protection level resulting in 14633 benign apps. </a:t>
             </a:r>
           </a:p>
           <a:p>
@@ -851,7 +998,7 @@
           <a:p>
             <a:r>
               <a:rPr lang="en-US" dirty="0"/>
-              <a:t>The malware dataset was taken from Argus Lab’s Android Malware Database, of which a roughly similar random sample size was taken.</a:t>
+              <a:t>The malware dataset was taken from Argus Lab’s Android Malware Database, of which a roughly similar random sample size of 14700 was taken.</a:t>
             </a:r>
           </a:p>
           <a:p>
@@ -860,11 +1007,23 @@
           <a:p>
             <a:r>
               <a:rPr lang="en-US" dirty="0"/>
-              <a:t>We’ll notice some overlap in the permissions being used for both benign and malicious apps so we can guess that they may not be included in the final features after we fit our models. The table just gives an idea of the most frequently used permissions in the apps. </a:t>
+              <a:t>After computing permission frequencies, the permissions that were called by less than 100 apps were removed which narrowed down the original 6761 features down to 86.</a:t>
             </a:r>
           </a:p>
           <a:p>
             <a:endParaRPr lang="en-US" dirty="0"/>
+          </a:p>
+          <a:p>
+            <a:r>
+              <a:rPr lang="en-US" dirty="0"/>
+              <a:t>The table here gives an idea of the most frequently used permissions in the apps. </a:t>
+            </a:r>
+          </a:p>
+          <a:p>
+            <a:r>
+              <a:rPr lang="en-US" dirty="0"/>
+              <a:t>We’ll notice some overlap in the permissions being used for both benign and malicious apps and with a fairly high frequency so though we haven’t done so yet, it may be of interest to remove such features from our dataset to see if our performance improves. </a:t>
+            </a:r>
           </a:p>
         </p:txBody>
       </p:sp>
@@ -885,7 +1044,7 @@
           <a:p>
             <a:fld id="{AF049292-9110-EF43-9B06-BC27797FB358}" type="slidenum">
               <a:rPr lang="en-US" smtClean="0"/>
-              <a:t>4</a:t>
+              <a:t>3</a:t>
             </a:fld>
             <a:endParaRPr lang="en-US"/>
           </a:p>
@@ -948,16 +1107,61 @@
           <a:bodyPr/>
           <a:lstStyle/>
           <a:p>
+            <a:pPr marL="0" marR="0" lvl="0" indent="0" algn="l" defTabSz="914400" rtl="0" eaLnBrk="1" fontAlgn="auto" latinLnBrk="0" hangingPunct="1">
+              <a:lnSpc>
+                <a:spcPct val="100000"/>
+              </a:lnSpc>
+              <a:spcBef>
+                <a:spcPts val="0"/>
+              </a:spcBef>
+              <a:spcAft>
+                <a:spcPts val="0"/>
+              </a:spcAft>
+              <a:buClrTx/>
+              <a:buSzTx/>
+              <a:buFontTx/>
+              <a:buNone/>
+              <a:tabLst/>
+              <a:defRPr/>
+            </a:pPr>
+            <a:r>
+              <a:rPr lang="en-US" u="sng" dirty="0"/>
+              <a:t>Discuss the article we will be referencing</a:t>
+            </a:r>
+          </a:p>
+          <a:p>
             <a:r>
               <a:rPr lang="en-US" dirty="0"/>
-              <a:t>Image source:</a:t>
-            </a:r>
-          </a:p>
-          <a:p>
+              <a:t>Along with our dataset came a research article  from the Journal of information Security and Applications which tackles this very issue. The researchers of this article have proposed a novel malware detection framework for Android called </a:t>
+            </a:r>
+            <a:r>
+              <a:rPr lang="en-US" dirty="0" err="1"/>
+              <a:t>NATICUSdroid</a:t>
+            </a:r>
             <a:r>
               <a:rPr lang="en-US" dirty="0"/>
-              <a:t>https://www.researchgate.net/figure/Repeated-K-Fold-Cross-Validation-A-repeated-10-fold-CV-was-applied-The-10-fold-CV-works_fig1_328798891</a:t>
-            </a:r>
+              <a:t> which investigates and classifies benign and malware using statistically selected Android permissions as features for various machine learning classifiers. </a:t>
+            </a:r>
+          </a:p>
+          <a:p>
+            <a:endParaRPr lang="en-US" dirty="0"/>
+          </a:p>
+          <a:p>
+            <a:r>
+              <a:rPr lang="en-US" u="sng" dirty="0"/>
+              <a:t>Our objective</a:t>
+            </a:r>
+            <a:endParaRPr lang="en-US" u="none" dirty="0"/>
+          </a:p>
+          <a:p>
+            <a:r>
+              <a:rPr lang="en-US" u="none" dirty="0"/>
+              <a:t>Our objective was first to use similar methods to get a similar performance to some of their machine learning methods before attempting to improve upon them with some of our own.</a:t>
+            </a:r>
+            <a:endParaRPr lang="en-US" u="sng" dirty="0"/>
+          </a:p>
+          <a:p>
+            <a:endParaRPr lang="en-US" dirty="0"/>
           </a:p>
         </p:txBody>
       </p:sp>
@@ -978,7 +1182,7 @@
           <a:p>
             <a:fld id="{AF049292-9110-EF43-9B06-BC27797FB358}" type="slidenum">
               <a:rPr lang="en-US" smtClean="0"/>
-              <a:t>5</a:t>
+              <a:t>4</a:t>
             </a:fld>
             <a:endParaRPr lang="en-US"/>
           </a:p>
@@ -987,7 +1191,7 @@
     </p:spTree>
     <p:extLst>
       <p:ext uri="{BB962C8B-B14F-4D97-AF65-F5344CB8AC3E}">
-        <p14:creationId xmlns:p14="http://schemas.microsoft.com/office/powerpoint/2010/main" val="1424183369"/>
+        <p14:creationId xmlns:p14="http://schemas.microsoft.com/office/powerpoint/2010/main" val="322801201"/>
       </p:ext>
     </p:extLst>
   </p:cSld>
@@ -1043,46 +1247,13 @@
           <a:p>
             <a:r>
               <a:rPr lang="en-US" dirty="0"/>
-              <a:t>Random Forest and k-Nearest Neighbors are the most successful models from Mathur (2021). We select these to replicate their results.</a:t>
+              <a:t>Image source:</a:t>
             </a:r>
           </a:p>
           <a:p>
             <a:r>
               <a:rPr lang="en-US" dirty="0"/>
-              <a:t>In addition, we also experiment with:</a:t>
-            </a:r>
-          </a:p>
-          <a:p>
-            <a:r>
-              <a:rPr lang="en-US" dirty="0"/>
-              <a:t>Logistic Regression (to test a linear baseline)</a:t>
-            </a:r>
-          </a:p>
-          <a:p>
-            <a:r>
-              <a:rPr lang="en-US" dirty="0"/>
-              <a:t>Feedforward Neural Network</a:t>
-            </a:r>
-          </a:p>
-          <a:p>
-            <a:r>
-              <a:rPr lang="en-US" dirty="0"/>
-              <a:t>Stacking Ensemble</a:t>
-            </a:r>
-          </a:p>
-          <a:p>
-            <a:endParaRPr lang="en-US" dirty="0"/>
-          </a:p>
-          <a:p>
-            <a:r>
-              <a:rPr lang="en-US" dirty="0"/>
-              <a:t>Image source:</a:t>
-            </a:r>
-          </a:p>
-          <a:p>
-            <a:r>
-              <a:rPr lang="en-US" dirty="0"/>
-              <a:t>https://scipython.com/blog/plotting-the-decision-boundary-of-a-logistic-regression-model/</a:t>
+              <a:t>https://www.researchgate.net/figure/Repeated-K-Fold-Cross-Validation-A-repeated-10-fold-CV-was-applied-The-10-fold-CV-works_fig1_328798891</a:t>
             </a:r>
           </a:p>
         </p:txBody>
@@ -1104,7 +1275,7 @@
           <a:p>
             <a:fld id="{AF049292-9110-EF43-9B06-BC27797FB358}" type="slidenum">
               <a:rPr lang="en-US" smtClean="0"/>
-              <a:t>7</a:t>
+              <a:t>5</a:t>
             </a:fld>
             <a:endParaRPr lang="en-US"/>
           </a:p>
@@ -1113,7 +1284,7 @@
     </p:spTree>
     <p:extLst>
       <p:ext uri="{BB962C8B-B14F-4D97-AF65-F5344CB8AC3E}">
-        <p14:creationId xmlns:p14="http://schemas.microsoft.com/office/powerpoint/2010/main" val="2934724227"/>
+        <p14:creationId xmlns:p14="http://schemas.microsoft.com/office/powerpoint/2010/main" val="1424183369"/>
       </p:ext>
     </p:extLst>
   </p:cSld>
@@ -1167,7 +1338,49 @@
           <a:bodyPr/>
           <a:lstStyle/>
           <a:p>
+            <a:r>
+              <a:rPr lang="en-US" dirty="0"/>
+              <a:t>Random Forest and k-Nearest Neighbors are the most successful models from Mathur (2021). We select these to replicate their results.</a:t>
+            </a:r>
+          </a:p>
+          <a:p>
+            <a:r>
+              <a:rPr lang="en-US" dirty="0"/>
+              <a:t>In addition, we also experiment with:</a:t>
+            </a:r>
+          </a:p>
+          <a:p>
+            <a:r>
+              <a:rPr lang="en-US" dirty="0"/>
+              <a:t>Logistic Regression (to test a linear baseline)</a:t>
+            </a:r>
+          </a:p>
+          <a:p>
+            <a:r>
+              <a:rPr lang="en-US" dirty="0"/>
+              <a:t>Feedforward Neural Network</a:t>
+            </a:r>
+          </a:p>
+          <a:p>
+            <a:r>
+              <a:rPr lang="en-US" dirty="0"/>
+              <a:t>Stacking Ensemble</a:t>
+            </a:r>
+          </a:p>
+          <a:p>
             <a:endParaRPr lang="en-US" dirty="0"/>
+          </a:p>
+          <a:p>
+            <a:r>
+              <a:rPr lang="en-US" dirty="0"/>
+              <a:t>Image source:</a:t>
+            </a:r>
+          </a:p>
+          <a:p>
+            <a:r>
+              <a:rPr lang="en-US" dirty="0"/>
+              <a:t>https://scipython.com/blog/plotting-the-decision-boundary-of-a-logistic-regression-model/</a:t>
+            </a:r>
           </a:p>
         </p:txBody>
       </p:sp>
@@ -1188,7 +1401,7 @@
           <a:p>
             <a:fld id="{AF049292-9110-EF43-9B06-BC27797FB358}" type="slidenum">
               <a:rPr lang="en-US" smtClean="0"/>
-              <a:t>8</a:t>
+              <a:t>7</a:t>
             </a:fld>
             <a:endParaRPr lang="en-US"/>
           </a:p>
@@ -1197,7 +1410,7 @@
     </p:spTree>
     <p:extLst>
       <p:ext uri="{BB962C8B-B14F-4D97-AF65-F5344CB8AC3E}">
-        <p14:creationId xmlns:p14="http://schemas.microsoft.com/office/powerpoint/2010/main" val="2637022461"/>
+        <p14:creationId xmlns:p14="http://schemas.microsoft.com/office/powerpoint/2010/main" val="2934724227"/>
       </p:ext>
     </p:extLst>
   </p:cSld>
@@ -1272,7 +1485,7 @@
           <a:p>
             <a:fld id="{AF049292-9110-EF43-9B06-BC27797FB358}" type="slidenum">
               <a:rPr lang="en-US" smtClean="0"/>
-              <a:t>9</a:t>
+              <a:t>8</a:t>
             </a:fld>
             <a:endParaRPr lang="en-US"/>
           </a:p>
@@ -1281,7 +1494,7 @@
     </p:spTree>
     <p:extLst>
       <p:ext uri="{BB962C8B-B14F-4D97-AF65-F5344CB8AC3E}">
-        <p14:creationId xmlns:p14="http://schemas.microsoft.com/office/powerpoint/2010/main" val="4013006554"/>
+        <p14:creationId xmlns:p14="http://schemas.microsoft.com/office/powerpoint/2010/main" val="2637022461"/>
       </p:ext>
     </p:extLst>
   </p:cSld>
@@ -1356,7 +1569,7 @@
           <a:p>
             <a:fld id="{AF049292-9110-EF43-9B06-BC27797FB358}" type="slidenum">
               <a:rPr lang="en-US" smtClean="0"/>
-              <a:t>10</a:t>
+              <a:t>9</a:t>
             </a:fld>
             <a:endParaRPr lang="en-US"/>
           </a:p>
@@ -1365,7 +1578,7 @@
     </p:spTree>
     <p:extLst>
       <p:ext uri="{BB962C8B-B14F-4D97-AF65-F5344CB8AC3E}">
-        <p14:creationId xmlns:p14="http://schemas.microsoft.com/office/powerpoint/2010/main" val="2926890030"/>
+        <p14:creationId xmlns:p14="http://schemas.microsoft.com/office/powerpoint/2010/main" val="4013006554"/>
       </p:ext>
     </p:extLst>
   </p:cSld>
@@ -1440,7 +1653,7 @@
           <a:p>
             <a:fld id="{AF049292-9110-EF43-9B06-BC27797FB358}" type="slidenum">
               <a:rPr lang="en-US" smtClean="0"/>
-              <a:t>11</a:t>
+              <a:t>10</a:t>
             </a:fld>
             <a:endParaRPr lang="en-US"/>
           </a:p>
@@ -1449,7 +1662,7 @@
     </p:spTree>
     <p:extLst>
       <p:ext uri="{BB962C8B-B14F-4D97-AF65-F5344CB8AC3E}">
-        <p14:creationId xmlns:p14="http://schemas.microsoft.com/office/powerpoint/2010/main" val="997116608"/>
+        <p14:creationId xmlns:p14="http://schemas.microsoft.com/office/powerpoint/2010/main" val="2926890030"/>
       </p:ext>
     </p:extLst>
   </p:cSld>
@@ -1621,7 +1834,7 @@
           <a:p>
             <a:fld id="{E6171E64-FE02-4DE5-B72F-53C3706641C3}" type="datetimeFigureOut">
               <a:rPr lang="en-US" smtClean="0"/>
-              <a:t>12/1/2023</a:t>
+              <a:t>12/2/23</a:t>
             </a:fld>
             <a:endParaRPr lang="en-US"/>
           </a:p>
@@ -2008,7 +2221,7 @@
           <a:p>
             <a:fld id="{E6171E64-FE02-4DE5-B72F-53C3706641C3}" type="datetimeFigureOut">
               <a:rPr lang="en-US" smtClean="0"/>
-              <a:t>12/1/2023</a:t>
+              <a:t>12/2/23</a:t>
             </a:fld>
             <a:endParaRPr lang="en-US"/>
           </a:p>
@@ -2401,7 +2614,7 @@
           <a:p>
             <a:fld id="{E6171E64-FE02-4DE5-B72F-53C3706641C3}" type="datetimeFigureOut">
               <a:rPr lang="en-US" smtClean="0"/>
-              <a:t>12/1/2023</a:t>
+              <a:t>12/2/23</a:t>
             </a:fld>
             <a:endParaRPr lang="en-US"/>
           </a:p>
@@ -2816,7 +3029,7 @@
           <a:p>
             <a:fld id="{E6171E64-FE02-4DE5-B72F-53C3706641C3}" type="datetimeFigureOut">
               <a:rPr lang="en-US" smtClean="0"/>
-              <a:t>12/1/2023</a:t>
+              <a:t>12/2/23</a:t>
             </a:fld>
             <a:endParaRPr lang="en-US"/>
           </a:p>
@@ -3158,7 +3371,7 @@
           <a:p>
             <a:fld id="{E6171E64-FE02-4DE5-B72F-53C3706641C3}" type="datetimeFigureOut">
               <a:rPr lang="en-US" smtClean="0"/>
-              <a:t>12/1/2023</a:t>
+              <a:t>12/2/23</a:t>
             </a:fld>
             <a:endParaRPr lang="en-US"/>
           </a:p>
@@ -3482,7 +3695,7 @@
           <a:p>
             <a:fld id="{E6171E64-FE02-4DE5-B72F-53C3706641C3}" type="datetimeFigureOut">
               <a:rPr lang="en-US" smtClean="0"/>
-              <a:t>12/1/2023</a:t>
+              <a:t>12/2/23</a:t>
             </a:fld>
             <a:endParaRPr lang="en-US"/>
           </a:p>
@@ -3963,7 +4176,7 @@
           <a:p>
             <a:fld id="{E6171E64-FE02-4DE5-B72F-53C3706641C3}" type="datetimeFigureOut">
               <a:rPr lang="en-US" smtClean="0"/>
-              <a:t>12/1/2023</a:t>
+              <a:t>12/2/23</a:t>
             </a:fld>
             <a:endParaRPr lang="en-US"/>
           </a:p>
@@ -4125,7 +4338,7 @@
           <a:p>
             <a:fld id="{E6171E64-FE02-4DE5-B72F-53C3706641C3}" type="datetimeFigureOut">
               <a:rPr lang="en-US" smtClean="0"/>
-              <a:t>12/1/2023</a:t>
+              <a:t>12/2/23</a:t>
             </a:fld>
             <a:endParaRPr lang="en-US"/>
           </a:p>
@@ -4238,7 +4451,7 @@
           <a:p>
             <a:fld id="{E6171E64-FE02-4DE5-B72F-53C3706641C3}" type="datetimeFigureOut">
               <a:rPr lang="en-US" smtClean="0"/>
-              <a:t>12/1/2023</a:t>
+              <a:t>12/2/23</a:t>
             </a:fld>
             <a:endParaRPr lang="en-US"/>
           </a:p>
@@ -4560,7 +4773,7 @@
           <a:p>
             <a:fld id="{E6171E64-FE02-4DE5-B72F-53C3706641C3}" type="datetimeFigureOut">
               <a:rPr lang="en-US" smtClean="0"/>
-              <a:t>12/1/2023</a:t>
+              <a:t>12/2/23</a:t>
             </a:fld>
             <a:endParaRPr lang="en-US"/>
           </a:p>
@@ -4862,7 +5075,7 @@
           <a:p>
             <a:fld id="{E6171E64-FE02-4DE5-B72F-53C3706641C3}" type="datetimeFigureOut">
               <a:rPr lang="en-US" smtClean="0"/>
-              <a:t>12/1/2023</a:t>
+              <a:t>12/2/23</a:t>
             </a:fld>
             <a:endParaRPr lang="en-US"/>
           </a:p>
@@ -5103,7 +5316,7 @@
           <a:p>
             <a:fld id="{E6171E64-FE02-4DE5-B72F-53C3706641C3}" type="datetimeFigureOut">
               <a:rPr lang="en-US" smtClean="0"/>
-              <a:t>12/1/2023</a:t>
+              <a:t>12/2/23</a:t>
             </a:fld>
             <a:endParaRPr lang="en-US"/>
           </a:p>
@@ -5867,7 +6080,7 @@
           <p:nvPr/>
         </p:nvPicPr>
         <p:blipFill rotWithShape="1">
-          <a:blip r:embed="rId2">
+          <a:blip r:embed="rId3">
             <a:alphaModFix amt="50000"/>
           </a:blip>
           <a:srcRect t="7985" b="1654"/>
@@ -5993,11 +6206,11 @@
             <a:avLst/>
           </a:prstGeom>
           <a:blipFill dpi="0" rotWithShape="1">
-            <a:blip r:embed="rId3">
+            <a:blip r:embed="rId4">
               <a:alphaModFix amt="99000"/>
               <a:extLst>
                 <a:ext uri="{96DAC541-7B7A-43D3-8B79-37D633B846F1}">
-                  <asvg:svgBlip xmlns:asvg="http://schemas.microsoft.com/office/drawing/2016/SVG/main" r:embed="rId4"/>
+                  <asvg:svgBlip xmlns:asvg="http://schemas.microsoft.com/office/drawing/2016/SVG/main" r:embed="rId5"/>
                 </a:ext>
               </a:extLst>
             </a:blip>
@@ -6646,7 +6859,7 @@
                   <a:spcPts val="600"/>
                 </a:spcAft>
               </a:pPr>
-              <a:t>12/1/2023</a:t>
+              <a:t>12/2/23</a:t>
             </a:fld>
             <a:endParaRPr lang="en-US"/>
           </a:p>
@@ -7827,12 +8040,59 @@
           <a:chExt cx="0" cy="0"/>
         </a:xfrm>
       </p:grpSpPr>
-      <p:sp>
-        <p:nvSpPr>
-          <p:cNvPr id="2" name="Title 1">
+      <p:pic>
+        <p:nvPicPr>
+          <p:cNvPr id="6" name="Picture 2" descr="Android Trojan proves impossible to remove">
             <a:extLst>
               <a:ext uri="{FF2B5EF4-FFF2-40B4-BE49-F238E27FC236}">
-                <a16:creationId xmlns:a16="http://schemas.microsoft.com/office/drawing/2014/main" id="{BBC50C80-13C9-A9EC-47FA-327E94B65227}"/>
+                <a16:creationId xmlns:a16="http://schemas.microsoft.com/office/drawing/2014/main" id="{33A6E152-2149-A258-AF64-F0E1587836FD}"/>
+              </a:ext>
+            </a:extLst>
+          </p:cNvPr>
+          <p:cNvPicPr>
+            <a:picLocks noChangeAspect="1" noChangeArrowheads="1"/>
+          </p:cNvPicPr>
+          <p:nvPr/>
+        </p:nvPicPr>
+        <p:blipFill>
+          <a:blip r:embed="rId3">
+            <a:extLst>
+              <a:ext uri="{28A0092B-C50C-407E-A947-70E740481C1C}">
+                <a14:useLocalDpi xmlns:a14="http://schemas.microsoft.com/office/drawing/2010/main" val="0"/>
+              </a:ext>
+            </a:extLst>
+          </a:blip>
+          <a:srcRect/>
+          <a:stretch>
+            <a:fillRect/>
+          </a:stretch>
+        </p:blipFill>
+        <p:spPr bwMode="auto">
+          <a:xfrm>
+            <a:off x="808661" y="0"/>
+            <a:ext cx="10282237" cy="6858000"/>
+          </a:xfrm>
+          <a:prstGeom prst="rect">
+            <a:avLst/>
+          </a:prstGeom>
+          <a:noFill/>
+          <a:extLst>
+            <a:ext uri="{909E8E84-426E-40DD-AFC4-6F175D3DCCD1}">
+              <a14:hiddenFill xmlns:a14="http://schemas.microsoft.com/office/drawing/2010/main">
+                <a:solidFill>
+                  <a:srgbClr val="FFFFFF"/>
+                </a:solidFill>
+              </a14:hiddenFill>
+            </a:ext>
+          </a:extLst>
+        </p:spPr>
+      </p:pic>
+      <p:sp>
+        <p:nvSpPr>
+          <p:cNvPr id="7" name="Title 1">
+            <a:extLst>
+              <a:ext uri="{FF2B5EF4-FFF2-40B4-BE49-F238E27FC236}">
+                <a16:creationId xmlns:a16="http://schemas.microsoft.com/office/drawing/2014/main" id="{92184740-B1D3-44EB-E870-F1003AB9C78A}"/>
               </a:ext>
             </a:extLst>
           </p:cNvPr>
@@ -7855,41 +8115,16 @@
           <a:p>
             <a:pPr algn="ctr"/>
             <a:r>
-              <a:rPr lang="en-US" dirty="0"/>
-              <a:t>Malware</a:t>
+              <a:rPr lang="en-US" dirty="0">
+                <a:solidFill>
+                  <a:schemeClr val="bg1"/>
+                </a:solidFill>
+              </a:rPr>
+              <a:t>What is Malware?</a:t>
             </a:r>
           </a:p>
         </p:txBody>
       </p:sp>
-      <p:pic>
-        <p:nvPicPr>
-          <p:cNvPr id="4" name="Picture 3">
-            <a:extLst>
-              <a:ext uri="{FF2B5EF4-FFF2-40B4-BE49-F238E27FC236}">
-                <a16:creationId xmlns:a16="http://schemas.microsoft.com/office/drawing/2014/main" id="{F4688C94-B4D0-4498-5E2B-B16CC95C8798}"/>
-              </a:ext>
-            </a:extLst>
-          </p:cNvPr>
-          <p:cNvPicPr>
-            <a:picLocks noChangeAspect="1"/>
-          </p:cNvPicPr>
-          <p:nvPr/>
-        </p:nvPicPr>
-        <p:blipFill rotWithShape="1">
-          <a:blip r:embed="rId3"/>
-          <a:srcRect b="7450"/>
-          <a:stretch/>
-        </p:blipFill>
-        <p:spPr>
-          <a:xfrm>
-            <a:off x="3064354" y="1564414"/>
-            <a:ext cx="5104829" cy="4049577"/>
-          </a:xfrm>
-          <a:prstGeom prst="rect">
-            <a:avLst/>
-          </a:prstGeom>
-        </p:spPr>
-      </p:pic>
     </p:spTree>
     <p:extLst>
       <p:ext uri="{BB962C8B-B14F-4D97-AF65-F5344CB8AC3E}">
@@ -7920,96 +8155,6 @@
           <a:chExt cx="0" cy="0"/>
         </a:xfrm>
       </p:grpSpPr>
-      <p:pic>
-        <p:nvPicPr>
-          <p:cNvPr id="10" name="Picture 9" descr="A close-up of a document&#10;&#10;Description automatically generated">
-            <a:extLst>
-              <a:ext uri="{FF2B5EF4-FFF2-40B4-BE49-F238E27FC236}">
-                <a16:creationId xmlns:a16="http://schemas.microsoft.com/office/drawing/2014/main" id="{99A67774-2B7D-C5B1-9435-FE98DC480EAC}"/>
-              </a:ext>
-            </a:extLst>
-          </p:cNvPr>
-          <p:cNvPicPr>
-            <a:picLocks noChangeAspect="1"/>
-          </p:cNvPicPr>
-          <p:nvPr/>
-        </p:nvPicPr>
-        <p:blipFill>
-          <a:blip r:embed="rId3"/>
-          <a:stretch>
-            <a:fillRect/>
-          </a:stretch>
-        </p:blipFill>
-        <p:spPr>
-          <a:xfrm>
-            <a:off x="1737431" y="217650"/>
-            <a:ext cx="7772400" cy="2991270"/>
-          </a:xfrm>
-          <a:prstGeom prst="rect">
-            <a:avLst/>
-          </a:prstGeom>
-        </p:spPr>
-      </p:pic>
-      <p:pic>
-        <p:nvPicPr>
-          <p:cNvPr id="19" name="Picture 18" descr="A table with numbers and symbols&#10;&#10;Description automatically generated">
-            <a:extLst>
-              <a:ext uri="{FF2B5EF4-FFF2-40B4-BE49-F238E27FC236}">
-                <a16:creationId xmlns:a16="http://schemas.microsoft.com/office/drawing/2014/main" id="{3D670857-8684-F74D-7CA6-F89E00988926}"/>
-              </a:ext>
-            </a:extLst>
-          </p:cNvPr>
-          <p:cNvPicPr>
-            <a:picLocks noChangeAspect="1"/>
-          </p:cNvPicPr>
-          <p:nvPr/>
-        </p:nvPicPr>
-        <p:blipFill>
-          <a:blip r:embed="rId4"/>
-          <a:stretch>
-            <a:fillRect/>
-          </a:stretch>
-        </p:blipFill>
-        <p:spPr>
-          <a:xfrm>
-            <a:off x="1737431" y="3429000"/>
-            <a:ext cx="7772400" cy="2701956"/>
-          </a:xfrm>
-          <a:prstGeom prst="rect">
-            <a:avLst/>
-          </a:prstGeom>
-        </p:spPr>
-      </p:pic>
-    </p:spTree>
-    <p:extLst>
-      <p:ext uri="{BB962C8B-B14F-4D97-AF65-F5344CB8AC3E}">
-        <p14:creationId xmlns:p14="http://schemas.microsoft.com/office/powerpoint/2010/main" val="4161649350"/>
-      </p:ext>
-    </p:extLst>
-  </p:cSld>
-  <p:clrMapOvr>
-    <a:masterClrMapping/>
-  </p:clrMapOvr>
-</p:sld>
-</file>
-
-<file path=ppt/slides/slide4.xml><?xml version="1.0" encoding="utf-8"?>
-<p:sld xmlns:a="http://schemas.openxmlformats.org/drawingml/2006/main" xmlns:r="http://schemas.openxmlformats.org/officeDocument/2006/relationships" xmlns:p="http://schemas.openxmlformats.org/presentationml/2006/main">
-  <p:cSld>
-    <p:spTree>
-      <p:nvGrpSpPr>
-        <p:cNvPr id="1" name=""/>
-        <p:cNvGrpSpPr/>
-        <p:nvPr/>
-      </p:nvGrpSpPr>
-      <p:grpSpPr>
-        <a:xfrm>
-          <a:off x="0" y="0"/>
-          <a:ext cx="0" cy="0"/>
-          <a:chOff x="0" y="0"/>
-          <a:chExt cx="0" cy="0"/>
-        </a:xfrm>
-      </p:grpSpPr>
       <p:sp>
         <p:nvSpPr>
           <p:cNvPr id="2" name="Title 1">
@@ -8034,13 +8179,14 @@
         </p:spPr>
         <p:txBody>
           <a:bodyPr>
-            <a:normAutofit fontScale="90000"/>
+            <a:normAutofit/>
           </a:bodyPr>
           <a:lstStyle/>
           <a:p>
+            <a:pPr algn="ctr"/>
             <a:r>
               <a:rPr lang="en-US" dirty="0"/>
-              <a:t>Exploratory Data Analysis</a:t>
+              <a:t>DATA SOURCE</a:t>
             </a:r>
           </a:p>
         </p:txBody>
@@ -8127,7 +8273,97 @@
     </p:spTree>
     <p:extLst>
       <p:ext uri="{BB962C8B-B14F-4D97-AF65-F5344CB8AC3E}">
-        <p14:creationId xmlns:p14="http://schemas.microsoft.com/office/powerpoint/2010/main" val="2061080694"/>
+        <p14:creationId xmlns:p14="http://schemas.microsoft.com/office/powerpoint/2010/main" val="2274588187"/>
+      </p:ext>
+    </p:extLst>
+  </p:cSld>
+  <p:clrMapOvr>
+    <a:masterClrMapping/>
+  </p:clrMapOvr>
+</p:sld>
+</file>
+
+<file path=ppt/slides/slide4.xml><?xml version="1.0" encoding="utf-8"?>
+<p:sld xmlns:a="http://schemas.openxmlformats.org/drawingml/2006/main" xmlns:r="http://schemas.openxmlformats.org/officeDocument/2006/relationships" xmlns:p="http://schemas.openxmlformats.org/presentationml/2006/main">
+  <p:cSld>
+    <p:spTree>
+      <p:nvGrpSpPr>
+        <p:cNvPr id="1" name=""/>
+        <p:cNvGrpSpPr/>
+        <p:nvPr/>
+      </p:nvGrpSpPr>
+      <p:grpSpPr>
+        <a:xfrm>
+          <a:off x="0" y="0"/>
+          <a:ext cx="0" cy="0"/>
+          <a:chOff x="0" y="0"/>
+          <a:chExt cx="0" cy="0"/>
+        </a:xfrm>
+      </p:grpSpPr>
+      <p:pic>
+        <p:nvPicPr>
+          <p:cNvPr id="10" name="Picture 9" descr="A close-up of a document&#10;&#10;Description automatically generated">
+            <a:extLst>
+              <a:ext uri="{FF2B5EF4-FFF2-40B4-BE49-F238E27FC236}">
+                <a16:creationId xmlns:a16="http://schemas.microsoft.com/office/drawing/2014/main" id="{99A67774-2B7D-C5B1-9435-FE98DC480EAC}"/>
+              </a:ext>
+            </a:extLst>
+          </p:cNvPr>
+          <p:cNvPicPr>
+            <a:picLocks noChangeAspect="1"/>
+          </p:cNvPicPr>
+          <p:nvPr/>
+        </p:nvPicPr>
+        <p:blipFill>
+          <a:blip r:embed="rId3"/>
+          <a:stretch>
+            <a:fillRect/>
+          </a:stretch>
+        </p:blipFill>
+        <p:spPr>
+          <a:xfrm>
+            <a:off x="1737431" y="217650"/>
+            <a:ext cx="7772400" cy="2991270"/>
+          </a:xfrm>
+          <a:prstGeom prst="rect">
+            <a:avLst/>
+          </a:prstGeom>
+        </p:spPr>
+      </p:pic>
+      <p:pic>
+        <p:nvPicPr>
+          <p:cNvPr id="19" name="Picture 18" descr="A table with numbers and symbols&#10;&#10;Description automatically generated">
+            <a:extLst>
+              <a:ext uri="{FF2B5EF4-FFF2-40B4-BE49-F238E27FC236}">
+                <a16:creationId xmlns:a16="http://schemas.microsoft.com/office/drawing/2014/main" id="{3D670857-8684-F74D-7CA6-F89E00988926}"/>
+              </a:ext>
+            </a:extLst>
+          </p:cNvPr>
+          <p:cNvPicPr>
+            <a:picLocks noChangeAspect="1"/>
+          </p:cNvPicPr>
+          <p:nvPr/>
+        </p:nvPicPr>
+        <p:blipFill>
+          <a:blip r:embed="rId4"/>
+          <a:stretch>
+            <a:fillRect/>
+          </a:stretch>
+        </p:blipFill>
+        <p:spPr>
+          <a:xfrm>
+            <a:off x="1737431" y="3429000"/>
+            <a:ext cx="7772400" cy="2701956"/>
+          </a:xfrm>
+          <a:prstGeom prst="rect">
+            <a:avLst/>
+          </a:prstGeom>
+        </p:spPr>
+      </p:pic>
+    </p:spTree>
+    <p:extLst>
+      <p:ext uri="{BB962C8B-B14F-4D97-AF65-F5344CB8AC3E}">
+        <p14:creationId xmlns:p14="http://schemas.microsoft.com/office/powerpoint/2010/main" val="1062223314"/>
       </p:ext>
     </p:extLst>
   </p:cSld>
@@ -8673,7 +8909,7 @@
                   <a:spcPts val="600"/>
                 </a:spcAft>
               </a:pPr>
-              <a:t>12/1/2023</a:t>
+              <a:t>12/2/23</a:t>
             </a:fld>
             <a:endParaRPr lang="en-US" dirty="0"/>
           </a:p>
@@ -9028,8 +9264,8 @@
           </a:p>
         </p:txBody>
       </p:sp>
-      <mc:AlternateContent xmlns:mc="http://schemas.openxmlformats.org/markup-compatibility/2006">
-        <mc:Choice xmlns:a14="http://schemas.microsoft.com/office/drawing/2010/main" Requires="a14">
+      <mc:AlternateContent xmlns:mc="http://schemas.openxmlformats.org/markup-compatibility/2006" xmlns:a14="http://schemas.microsoft.com/office/drawing/2010/main">
+        <mc:Choice Requires="a14">
           <p:sp>
             <p:nvSpPr>
               <p:cNvPr id="3" name="Content Placeholder 2">
@@ -9088,7 +9324,7 @@
                     <m:f>
                       <m:fPr>
                         <m:ctrlPr>
-                          <a:rPr lang="en-US" b="0" i="0" smtClean="0">
+                          <a:rPr lang="en-US" b="0" i="1" smtClean="0">
                             <a:latin typeface="Cambria Math" panose="02040503050406030204" pitchFamily="18" charset="0"/>
                           </a:rPr>
                         </m:ctrlPr>
@@ -9483,7 +9719,7 @@
             </p:txBody>
           </p:sp>
         </mc:Choice>
-        <mc:Fallback>
+        <mc:Fallback xmlns="">
           <p:sp>
             <p:nvSpPr>
               <p:cNvPr id="3" name="Content Placeholder 2">
@@ -9923,8 +10159,8 @@
             </a:p>
           </p:txBody>
         </p:sp>
-        <mc:AlternateContent xmlns:mc="http://schemas.openxmlformats.org/markup-compatibility/2006">
-          <mc:Choice xmlns:a14="http://schemas.microsoft.com/office/drawing/2010/main" Requires="a14">
+        <mc:AlternateContent xmlns:mc="http://schemas.openxmlformats.org/markup-compatibility/2006" xmlns:a14="http://schemas.microsoft.com/office/drawing/2010/main">
+          <mc:Choice Requires="a14">
             <p:sp>
               <p:nvSpPr>
                 <p:cNvPr id="9" name="TextBox 8">
@@ -9953,6 +10189,7 @@
                 </a:bodyPr>
                 <a:lstStyle/>
                 <a:p>
+                  <a:pPr/>
                   <a14:m>
                     <m:oMathPara xmlns:m="http://schemas.openxmlformats.org/officeDocument/2006/math">
                       <m:oMathParaPr>
@@ -9973,7 +10210,7 @@
               </p:txBody>
             </p:sp>
           </mc:Choice>
-          <mc:Fallback>
+          <mc:Fallback xmlns="">
             <p:sp>
               <p:nvSpPr>
                 <p:cNvPr id="9" name="TextBox 8">
@@ -10417,8 +10654,8 @@
             </a:fontRef>
           </p:style>
         </p:cxnSp>
-        <mc:AlternateContent xmlns:mc="http://schemas.openxmlformats.org/markup-compatibility/2006">
-          <mc:Choice xmlns:a14="http://schemas.microsoft.com/office/drawing/2010/main" Requires="a14">
+        <mc:AlternateContent xmlns:mc="http://schemas.openxmlformats.org/markup-compatibility/2006" xmlns:a14="http://schemas.microsoft.com/office/drawing/2010/main">
+          <mc:Choice Requires="a14">
             <p:sp>
               <p:nvSpPr>
                 <p:cNvPr id="35" name="TextBox 34">
@@ -10447,6 +10684,7 @@
                 </a:bodyPr>
                 <a:lstStyle/>
                 <a:p>
+                  <a:pPr/>
                   <a14:m>
                     <m:oMathPara xmlns:m="http://schemas.openxmlformats.org/officeDocument/2006/math">
                       <m:oMathParaPr>
@@ -10516,7 +10754,7 @@
               </p:txBody>
             </p:sp>
           </mc:Choice>
-          <mc:Fallback>
+          <mc:Fallback xmlns="">
             <p:sp>
               <p:nvSpPr>
                 <p:cNvPr id="35" name="TextBox 34">
@@ -10907,8 +11145,8 @@
             </a:p>
           </p:txBody>
         </p:sp>
-        <mc:AlternateContent xmlns:mc="http://schemas.openxmlformats.org/markup-compatibility/2006">
-          <mc:Choice xmlns:a14="http://schemas.microsoft.com/office/drawing/2010/main" Requires="a14">
+        <mc:AlternateContent xmlns:mc="http://schemas.openxmlformats.org/markup-compatibility/2006" xmlns:a14="http://schemas.microsoft.com/office/drawing/2010/main">
+          <mc:Choice Requires="a14">
             <p:sp>
               <p:nvSpPr>
                 <p:cNvPr id="57" name="TextBox 56">
@@ -10937,6 +11175,7 @@
                 </a:bodyPr>
                 <a:lstStyle/>
                 <a:p>
+                  <a:pPr/>
                   <a14:m>
                     <m:oMathPara xmlns:m="http://schemas.openxmlformats.org/officeDocument/2006/math">
                       <m:oMathParaPr>
@@ -11006,7 +11245,7 @@
               </p:txBody>
             </p:sp>
           </mc:Choice>
-          <mc:Fallback>
+          <mc:Fallback xmlns="">
             <p:sp>
               <p:nvSpPr>
                 <p:cNvPr id="57" name="TextBox 56">
@@ -11051,8 +11290,8 @@
             </p:sp>
           </mc:Fallback>
         </mc:AlternateContent>
-        <mc:AlternateContent xmlns:mc="http://schemas.openxmlformats.org/markup-compatibility/2006">
-          <mc:Choice xmlns:a14="http://schemas.microsoft.com/office/drawing/2010/main" Requires="a14">
+        <mc:AlternateContent xmlns:mc="http://schemas.openxmlformats.org/markup-compatibility/2006" xmlns:a14="http://schemas.microsoft.com/office/drawing/2010/main">
+          <mc:Choice Requires="a14">
             <p:sp>
               <p:nvSpPr>
                 <p:cNvPr id="58" name="TextBox 57">
@@ -11081,6 +11320,7 @@
                 </a:bodyPr>
                 <a:lstStyle/>
                 <a:p>
+                  <a:pPr/>
                   <a14:m>
                     <m:oMathPara xmlns:m="http://schemas.openxmlformats.org/officeDocument/2006/math">
                       <m:oMathParaPr>
@@ -11150,7 +11390,7 @@
               </p:txBody>
             </p:sp>
           </mc:Choice>
-          <mc:Fallback>
+          <mc:Fallback xmlns="">
             <p:sp>
               <p:nvSpPr>
                 <p:cNvPr id="58" name="TextBox 57">
@@ -11195,8 +11435,8 @@
             </p:sp>
           </mc:Fallback>
         </mc:AlternateContent>
-        <mc:AlternateContent xmlns:mc="http://schemas.openxmlformats.org/markup-compatibility/2006">
-          <mc:Choice xmlns:a14="http://schemas.microsoft.com/office/drawing/2010/main" Requires="a14">
+        <mc:AlternateContent xmlns:mc="http://schemas.openxmlformats.org/markup-compatibility/2006" xmlns:a14="http://schemas.microsoft.com/office/drawing/2010/main">
+          <mc:Choice Requires="a14">
             <p:sp>
               <p:nvSpPr>
                 <p:cNvPr id="59" name="TextBox 58">
@@ -11225,6 +11465,7 @@
                 </a:bodyPr>
                 <a:lstStyle/>
                 <a:p>
+                  <a:pPr/>
                   <a14:m>
                     <m:oMathPara xmlns:m="http://schemas.openxmlformats.org/officeDocument/2006/math">
                       <m:oMathParaPr>
@@ -11294,7 +11535,7 @@
               </p:txBody>
             </p:sp>
           </mc:Choice>
-          <mc:Fallback>
+          <mc:Fallback xmlns="">
             <p:sp>
               <p:nvSpPr>
                 <p:cNvPr id="59" name="TextBox 58">
@@ -11339,8 +11580,8 @@
             </p:sp>
           </mc:Fallback>
         </mc:AlternateContent>
-        <mc:AlternateContent xmlns:mc="http://schemas.openxmlformats.org/markup-compatibility/2006">
-          <mc:Choice xmlns:a14="http://schemas.microsoft.com/office/drawing/2010/main" Requires="a14">
+        <mc:AlternateContent xmlns:mc="http://schemas.openxmlformats.org/markup-compatibility/2006" xmlns:a14="http://schemas.microsoft.com/office/drawing/2010/main">
+          <mc:Choice Requires="a14">
             <p:sp>
               <p:nvSpPr>
                 <p:cNvPr id="60" name="TextBox 59">
@@ -11369,6 +11610,7 @@
                 </a:bodyPr>
                 <a:lstStyle/>
                 <a:p>
+                  <a:pPr/>
                   <a14:m>
                     <m:oMathPara xmlns:m="http://schemas.openxmlformats.org/officeDocument/2006/math">
                       <m:oMathParaPr>
@@ -11438,7 +11680,7 @@
               </p:txBody>
             </p:sp>
           </mc:Choice>
-          <mc:Fallback>
+          <mc:Fallback xmlns="">
             <p:sp>
               <p:nvSpPr>
                 <p:cNvPr id="60" name="TextBox 59">

--- a/report/project_presentation.pptx
+++ b/report/project_presentation.pptx
@@ -5,23 +5,22 @@
     <p:sldMasterId id="2147483686" r:id="rId1"/>
   </p:sldMasterIdLst>
   <p:notesMasterIdLst>
-    <p:notesMasterId r:id="rId16"/>
+    <p:notesMasterId r:id="rId15"/>
   </p:notesMasterIdLst>
   <p:sldIdLst>
     <p:sldId id="256" r:id="rId2"/>
     <p:sldId id="263" r:id="rId3"/>
     <p:sldId id="271" r:id="rId4"/>
-    <p:sldId id="272" r:id="rId5"/>
-    <p:sldId id="259" r:id="rId6"/>
-    <p:sldId id="265" r:id="rId7"/>
-    <p:sldId id="267" r:id="rId8"/>
-    <p:sldId id="266" r:id="rId9"/>
-    <p:sldId id="268" r:id="rId10"/>
-    <p:sldId id="269" r:id="rId11"/>
-    <p:sldId id="270" r:id="rId12"/>
-    <p:sldId id="260" r:id="rId13"/>
-    <p:sldId id="261" r:id="rId14"/>
-    <p:sldId id="262" r:id="rId15"/>
+    <p:sldId id="259" r:id="rId5"/>
+    <p:sldId id="265" r:id="rId6"/>
+    <p:sldId id="267" r:id="rId7"/>
+    <p:sldId id="266" r:id="rId8"/>
+    <p:sldId id="268" r:id="rId9"/>
+    <p:sldId id="269" r:id="rId10"/>
+    <p:sldId id="270" r:id="rId11"/>
+    <p:sldId id="260" r:id="rId12"/>
+    <p:sldId id="261" r:id="rId13"/>
+    <p:sldId id="262" r:id="rId14"/>
   </p:sldIdLst>
   <p:sldSz cx="12192000" cy="6858000"/>
   <p:notesSz cx="6858000" cy="9144000"/>
@@ -593,90 +592,6 @@
 </p:notes>
 </file>
 
-<file path=ppt/notesSlides/notesSlide10.xml><?xml version="1.0" encoding="utf-8"?>
-<p:notes xmlns:a="http://schemas.openxmlformats.org/drawingml/2006/main" xmlns:r="http://schemas.openxmlformats.org/officeDocument/2006/relationships" xmlns:p="http://schemas.openxmlformats.org/presentationml/2006/main">
-  <p:cSld>
-    <p:spTree>
-      <p:nvGrpSpPr>
-        <p:cNvPr id="1" name=""/>
-        <p:cNvGrpSpPr/>
-        <p:nvPr/>
-      </p:nvGrpSpPr>
-      <p:grpSpPr>
-        <a:xfrm>
-          <a:off x="0" y="0"/>
-          <a:ext cx="0" cy="0"/>
-          <a:chOff x="0" y="0"/>
-          <a:chExt cx="0" cy="0"/>
-        </a:xfrm>
-      </p:grpSpPr>
-      <p:sp>
-        <p:nvSpPr>
-          <p:cNvPr id="2" name="Slide Image Placeholder 1"/>
-          <p:cNvSpPr>
-            <a:spLocks noGrp="1" noRot="1" noChangeAspect="1"/>
-          </p:cNvSpPr>
-          <p:nvPr>
-            <p:ph type="sldImg"/>
-          </p:nvPr>
-        </p:nvSpPr>
-        <p:spPr/>
-      </p:sp>
-      <p:sp>
-        <p:nvSpPr>
-          <p:cNvPr id="3" name="Notes Placeholder 2"/>
-          <p:cNvSpPr>
-            <a:spLocks noGrp="1"/>
-          </p:cNvSpPr>
-          <p:nvPr>
-            <p:ph type="body" idx="1"/>
-          </p:nvPr>
-        </p:nvSpPr>
-        <p:spPr/>
-        <p:txBody>
-          <a:bodyPr/>
-          <a:lstStyle/>
-          <a:p>
-            <a:endParaRPr lang="en-US" dirty="0"/>
-          </a:p>
-        </p:txBody>
-      </p:sp>
-      <p:sp>
-        <p:nvSpPr>
-          <p:cNvPr id="4" name="Slide Number Placeholder 3"/>
-          <p:cNvSpPr>
-            <a:spLocks noGrp="1"/>
-          </p:cNvSpPr>
-          <p:nvPr>
-            <p:ph type="sldNum" sz="quarter" idx="5"/>
-          </p:nvPr>
-        </p:nvSpPr>
-        <p:spPr/>
-        <p:txBody>
-          <a:bodyPr/>
-          <a:lstStyle/>
-          <a:p>
-            <a:fld id="{AF049292-9110-EF43-9B06-BC27797FB358}" type="slidenum">
-              <a:rPr lang="en-US" smtClean="0"/>
-              <a:t>11</a:t>
-            </a:fld>
-            <a:endParaRPr lang="en-US"/>
-          </a:p>
-        </p:txBody>
-      </p:sp>
-    </p:spTree>
-    <p:extLst>
-      <p:ext uri="{BB962C8B-B14F-4D97-AF65-F5344CB8AC3E}">
-        <p14:creationId xmlns:p14="http://schemas.microsoft.com/office/powerpoint/2010/main" val="997116608"/>
-      </p:ext>
-    </p:extLst>
-  </p:cSld>
-  <p:clrMapOvr>
-    <a:masterClrMapping/>
-  </p:clrMapOvr>
-</p:notes>
-</file>
-
 <file path=ppt/notesSlides/notesSlide2.xml><?xml version="1.0" encoding="utf-8"?>
 <p:notes xmlns:a="http://schemas.openxmlformats.org/drawingml/2006/main" xmlns:r="http://schemas.openxmlformats.org/officeDocument/2006/relationships" xmlns:p="http://schemas.openxmlformats.org/presentationml/2006/main">
   <p:cSld>
@@ -966,7 +881,15 @@
           <a:p>
             <a:r>
               <a:rPr lang="en-US" dirty="0"/>
-              <a:t>Our dataset comes from the UC Irvine Repository. Which was a dataset size of roughly 30,000 benign and malware collected from 2010-2019 to identify the most significant permissions. </a:t>
+              <a:t>We sourced our dataset from a paper by Mathur(2021),  in the UC Irvine Repository called </a:t>
+            </a:r>
+            <a:r>
+              <a:rPr lang="en-US" dirty="0" err="1"/>
+              <a:t>Naticus</a:t>
+            </a:r>
+            <a:r>
+              <a:rPr lang="en-US" dirty="0"/>
+              <a:t> which was a dataset size of roughly 30,000 benign and malware collected from 2010-2019 to identify the most significant permissions. </a:t>
             </a:r>
           </a:p>
           <a:p>
@@ -975,7 +898,7 @@
           <a:p>
             <a:r>
               <a:rPr lang="en-US" dirty="0"/>
-              <a:t>The data has two main sources. </a:t>
+              <a:t>Their data had two main sources. </a:t>
             </a:r>
           </a:p>
           <a:p>
@@ -1014,16 +937,68 @@
             <a:endParaRPr lang="en-US" dirty="0"/>
           </a:p>
           <a:p>
+            <a:pPr marL="0" marR="0" lvl="0" indent="0" algn="l" defTabSz="914400" rtl="0" eaLnBrk="1" fontAlgn="auto" latinLnBrk="0" hangingPunct="1">
+              <a:lnSpc>
+                <a:spcPct val="100000"/>
+              </a:lnSpc>
+              <a:spcBef>
+                <a:spcPts val="0"/>
+              </a:spcBef>
+              <a:spcAft>
+                <a:spcPts val="0"/>
+              </a:spcAft>
+              <a:buClrTx/>
+              <a:buSzTx/>
+              <a:buFontTx/>
+              <a:buNone/>
+              <a:tabLst/>
+              <a:defRPr/>
+            </a:pPr>
+            <a:r>
+              <a:rPr lang="en-US" u="sng" dirty="0"/>
+              <a:t>Mention the article we will be referencing</a:t>
+            </a:r>
+          </a:p>
+          <a:p>
             <a:r>
               <a:rPr lang="en-US" dirty="0"/>
-              <a:t>The table here gives an idea of the most frequently used permissions in the apps. </a:t>
-            </a:r>
-          </a:p>
-          <a:p>
-            <a:r>
-              <a:rPr lang="en-US" dirty="0"/>
-              <a:t>We’ll notice some overlap in the permissions being used for both benign and malicious apps and with a fairly high frequency so though we haven’t done so yet, it may be of interest to remove such features from our dataset to see if our performance improves. </a:t>
-            </a:r>
+              <a:t>The research article, Mathur 2021, that was the source of our dataset tackles had the same objective of investigating and classifying benign and malware using statistically selected Android permissions as features for various machine learning classifiers. </a:t>
+            </a:r>
+          </a:p>
+          <a:p>
+            <a:r>
+              <a:rPr lang="en-US" u="sng" dirty="0"/>
+              <a:t>Our objective</a:t>
+            </a:r>
+            <a:endParaRPr lang="en-US" u="none" dirty="0"/>
+          </a:p>
+          <a:p>
+            <a:r>
+              <a:rPr lang="en-US" u="none" dirty="0"/>
+              <a:t>Our objective was first to use similar methods to get a similar performance to some of their machine learning methods before attempting to improve upon them with some of our own.</a:t>
+            </a:r>
+            <a:endParaRPr lang="en-US" u="sng" dirty="0"/>
+          </a:p>
+          <a:p>
+            <a:endParaRPr lang="en-US" dirty="0"/>
+          </a:p>
+          <a:p>
+            <a:endParaRPr lang="en-US" dirty="0"/>
+          </a:p>
+          <a:p>
+            <a:endParaRPr lang="en-US" dirty="0"/>
+          </a:p>
+          <a:p>
+            <a:endParaRPr lang="en-US" dirty="0"/>
+          </a:p>
+          <a:p>
+            <a:endParaRPr lang="en-US" dirty="0"/>
+          </a:p>
+          <a:p>
+            <a:endParaRPr lang="en-US" dirty="0"/>
+          </a:p>
+          <a:p>
+            <a:endParaRPr lang="en-US" dirty="0"/>
           </a:p>
         </p:txBody>
       </p:sp>
@@ -1107,61 +1082,16 @@
           <a:bodyPr/>
           <a:lstStyle/>
           <a:p>
-            <a:pPr marL="0" marR="0" lvl="0" indent="0" algn="l" defTabSz="914400" rtl="0" eaLnBrk="1" fontAlgn="auto" latinLnBrk="0" hangingPunct="1">
-              <a:lnSpc>
-                <a:spcPct val="100000"/>
-              </a:lnSpc>
-              <a:spcBef>
-                <a:spcPts val="0"/>
-              </a:spcBef>
-              <a:spcAft>
-                <a:spcPts val="0"/>
-              </a:spcAft>
-              <a:buClrTx/>
-              <a:buSzTx/>
-              <a:buFontTx/>
-              <a:buNone/>
-              <a:tabLst/>
-              <a:defRPr/>
-            </a:pPr>
-            <a:r>
-              <a:rPr lang="en-US" u="sng" dirty="0"/>
-              <a:t>Discuss the article we will be referencing</a:t>
-            </a:r>
-          </a:p>
-          <a:p>
             <a:r>
               <a:rPr lang="en-US" dirty="0"/>
-              <a:t>Along with our dataset came a research article  from the Journal of information Security and Applications which tackles this very issue. The researchers of this article have proposed a novel malware detection framework for Android called </a:t>
-            </a:r>
-            <a:r>
-              <a:rPr lang="en-US" dirty="0" err="1"/>
-              <a:t>NATICUSdroid</a:t>
-            </a:r>
+              <a:t>Image source:</a:t>
+            </a:r>
+          </a:p>
+          <a:p>
             <a:r>
               <a:rPr lang="en-US" dirty="0"/>
-              <a:t> which investigates and classifies benign and malware using statistically selected Android permissions as features for various machine learning classifiers. </a:t>
-            </a:r>
-          </a:p>
-          <a:p>
-            <a:endParaRPr lang="en-US" dirty="0"/>
-          </a:p>
-          <a:p>
-            <a:r>
-              <a:rPr lang="en-US" u="sng" dirty="0"/>
-              <a:t>Our objective</a:t>
-            </a:r>
-            <a:endParaRPr lang="en-US" u="none" dirty="0"/>
-          </a:p>
-          <a:p>
-            <a:r>
-              <a:rPr lang="en-US" u="none" dirty="0"/>
-              <a:t>Our objective was first to use similar methods to get a similar performance to some of their machine learning methods before attempting to improve upon them with some of our own.</a:t>
-            </a:r>
-            <a:endParaRPr lang="en-US" u="sng" dirty="0"/>
-          </a:p>
-          <a:p>
-            <a:endParaRPr lang="en-US" dirty="0"/>
+              <a:t>https://www.researchgate.net/figure/Repeated-K-Fold-Cross-Validation-A-repeated-10-fold-CV-was-applied-The-10-fold-CV-works_fig1_328798891</a:t>
+            </a:r>
           </a:p>
         </p:txBody>
       </p:sp>
@@ -1191,7 +1121,7 @@
     </p:spTree>
     <p:extLst>
       <p:ext uri="{BB962C8B-B14F-4D97-AF65-F5344CB8AC3E}">
-        <p14:creationId xmlns:p14="http://schemas.microsoft.com/office/powerpoint/2010/main" val="322801201"/>
+        <p14:creationId xmlns:p14="http://schemas.microsoft.com/office/powerpoint/2010/main" val="1424183369"/>
       </p:ext>
     </p:extLst>
   </p:cSld>
@@ -1247,13 +1177,46 @@
           <a:p>
             <a:r>
               <a:rPr lang="en-US" dirty="0"/>
+              <a:t>Random Forest and k-Nearest Neighbors are the most successful models from Mathur (2021). We select these to replicate their results.</a:t>
+            </a:r>
+          </a:p>
+          <a:p>
+            <a:r>
+              <a:rPr lang="en-US" dirty="0"/>
+              <a:t>In addition, we also experiment with:</a:t>
+            </a:r>
+          </a:p>
+          <a:p>
+            <a:r>
+              <a:rPr lang="en-US" dirty="0"/>
+              <a:t>Logistic Regression (to test a linear baseline)</a:t>
+            </a:r>
+          </a:p>
+          <a:p>
+            <a:r>
+              <a:rPr lang="en-US" dirty="0"/>
+              <a:t>Feedforward Neural Network</a:t>
+            </a:r>
+          </a:p>
+          <a:p>
+            <a:r>
+              <a:rPr lang="en-US" dirty="0"/>
+              <a:t>Stacking Ensemble</a:t>
+            </a:r>
+          </a:p>
+          <a:p>
+            <a:endParaRPr lang="en-US" dirty="0"/>
+          </a:p>
+          <a:p>
+            <a:r>
+              <a:rPr lang="en-US" dirty="0"/>
               <a:t>Image source:</a:t>
             </a:r>
           </a:p>
           <a:p>
             <a:r>
               <a:rPr lang="en-US" dirty="0"/>
-              <a:t>https://www.researchgate.net/figure/Repeated-K-Fold-Cross-Validation-A-repeated-10-fold-CV-was-applied-The-10-fold-CV-works_fig1_328798891</a:t>
+              <a:t>https://scipython.com/blog/plotting-the-decision-boundary-of-a-logistic-regression-model/</a:t>
             </a:r>
           </a:p>
         </p:txBody>
@@ -1275,7 +1238,7 @@
           <a:p>
             <a:fld id="{AF049292-9110-EF43-9B06-BC27797FB358}" type="slidenum">
               <a:rPr lang="en-US" smtClean="0"/>
-              <a:t>5</a:t>
+              <a:t>6</a:t>
             </a:fld>
             <a:endParaRPr lang="en-US"/>
           </a:p>
@@ -1284,7 +1247,7 @@
     </p:spTree>
     <p:extLst>
       <p:ext uri="{BB962C8B-B14F-4D97-AF65-F5344CB8AC3E}">
-        <p14:creationId xmlns:p14="http://schemas.microsoft.com/office/powerpoint/2010/main" val="1424183369"/>
+        <p14:creationId xmlns:p14="http://schemas.microsoft.com/office/powerpoint/2010/main" val="2934724227"/>
       </p:ext>
     </p:extLst>
   </p:cSld>
@@ -1338,49 +1301,7 @@
           <a:bodyPr/>
           <a:lstStyle/>
           <a:p>
-            <a:r>
-              <a:rPr lang="en-US" dirty="0"/>
-              <a:t>Random Forest and k-Nearest Neighbors are the most successful models from Mathur (2021). We select these to replicate their results.</a:t>
-            </a:r>
-          </a:p>
-          <a:p>
-            <a:r>
-              <a:rPr lang="en-US" dirty="0"/>
-              <a:t>In addition, we also experiment with:</a:t>
-            </a:r>
-          </a:p>
-          <a:p>
-            <a:r>
-              <a:rPr lang="en-US" dirty="0"/>
-              <a:t>Logistic Regression (to test a linear baseline)</a:t>
-            </a:r>
-          </a:p>
-          <a:p>
-            <a:r>
-              <a:rPr lang="en-US" dirty="0"/>
-              <a:t>Feedforward Neural Network</a:t>
-            </a:r>
-          </a:p>
-          <a:p>
-            <a:r>
-              <a:rPr lang="en-US" dirty="0"/>
-              <a:t>Stacking Ensemble</a:t>
-            </a:r>
-          </a:p>
-          <a:p>
             <a:endParaRPr lang="en-US" dirty="0"/>
-          </a:p>
-          <a:p>
-            <a:r>
-              <a:rPr lang="en-US" dirty="0"/>
-              <a:t>Image source:</a:t>
-            </a:r>
-          </a:p>
-          <a:p>
-            <a:r>
-              <a:rPr lang="en-US" dirty="0"/>
-              <a:t>https://scipython.com/blog/plotting-the-decision-boundary-of-a-logistic-regression-model/</a:t>
-            </a:r>
           </a:p>
         </p:txBody>
       </p:sp>
@@ -1410,7 +1331,7 @@
     </p:spTree>
     <p:extLst>
       <p:ext uri="{BB962C8B-B14F-4D97-AF65-F5344CB8AC3E}">
-        <p14:creationId xmlns:p14="http://schemas.microsoft.com/office/powerpoint/2010/main" val="2934724227"/>
+        <p14:creationId xmlns:p14="http://schemas.microsoft.com/office/powerpoint/2010/main" val="2637022461"/>
       </p:ext>
     </p:extLst>
   </p:cSld>
@@ -1494,7 +1415,7 @@
     </p:spTree>
     <p:extLst>
       <p:ext uri="{BB962C8B-B14F-4D97-AF65-F5344CB8AC3E}">
-        <p14:creationId xmlns:p14="http://schemas.microsoft.com/office/powerpoint/2010/main" val="2637022461"/>
+        <p14:creationId xmlns:p14="http://schemas.microsoft.com/office/powerpoint/2010/main" val="4013006554"/>
       </p:ext>
     </p:extLst>
   </p:cSld>
@@ -1578,7 +1499,7 @@
     </p:spTree>
     <p:extLst>
       <p:ext uri="{BB962C8B-B14F-4D97-AF65-F5344CB8AC3E}">
-        <p14:creationId xmlns:p14="http://schemas.microsoft.com/office/powerpoint/2010/main" val="4013006554"/>
+        <p14:creationId xmlns:p14="http://schemas.microsoft.com/office/powerpoint/2010/main" val="2926890030"/>
       </p:ext>
     </p:extLst>
   </p:cSld>
@@ -1662,7 +1583,7 @@
     </p:spTree>
     <p:extLst>
       <p:ext uri="{BB962C8B-B14F-4D97-AF65-F5344CB8AC3E}">
-        <p14:creationId xmlns:p14="http://schemas.microsoft.com/office/powerpoint/2010/main" val="2926890030"/>
+        <p14:creationId xmlns:p14="http://schemas.microsoft.com/office/powerpoint/2010/main" val="997116608"/>
       </p:ext>
     </p:extLst>
   </p:cSld>
@@ -6494,200 +6415,6 @@
             <p:ph type="title"/>
           </p:nvPr>
         </p:nvSpPr>
-        <p:spPr/>
-        <p:txBody>
-          <a:bodyPr/>
-          <a:lstStyle/>
-          <a:p>
-            <a:r>
-              <a:rPr lang="en-US" dirty="0"/>
-              <a:t>Methodology: Stacking ensemble</a:t>
-            </a:r>
-          </a:p>
-        </p:txBody>
-      </p:sp>
-      <p:sp>
-        <p:nvSpPr>
-          <p:cNvPr id="3" name="Content Placeholder 2">
-            <a:extLst>
-              <a:ext uri="{FF2B5EF4-FFF2-40B4-BE49-F238E27FC236}">
-                <a16:creationId xmlns:a16="http://schemas.microsoft.com/office/drawing/2014/main" id="{88C63423-5311-72BE-AC08-8DDEB193F258}"/>
-              </a:ext>
-            </a:extLst>
-          </p:cNvPr>
-          <p:cNvSpPr>
-            <a:spLocks noGrp="1"/>
-          </p:cNvSpPr>
-          <p:nvPr>
-            <p:ph idx="1"/>
-          </p:nvPr>
-        </p:nvSpPr>
-        <p:spPr>
-          <a:xfrm>
-            <a:off x="917166" y="1905833"/>
-            <a:ext cx="10357666" cy="4114801"/>
-          </a:xfrm>
-        </p:spPr>
-        <p:txBody>
-          <a:bodyPr/>
-          <a:lstStyle/>
-          <a:p>
-            <a:r>
-              <a:rPr lang="en-US" dirty="0"/>
-              <a:t>Consider a regression example</a:t>
-            </a:r>
-          </a:p>
-          <a:p>
-            <a:r>
-              <a:rPr lang="en-US" dirty="0"/>
-              <a:t>Given predictions from Level 0 models</a:t>
-            </a:r>
-          </a:p>
-          <a:p>
-            <a:r>
-              <a:rPr lang="en-US" dirty="0"/>
-              <a:t>Let the dataset </a:t>
-            </a:r>
-            <a:r>
-              <a:rPr lang="en-US" b="1" dirty="0"/>
-              <a:t>Z </a:t>
-            </a:r>
-            <a:r>
-              <a:rPr lang="en-US" dirty="0"/>
-              <a:t>be distributed according to (X,Y) ~ </a:t>
-            </a:r>
-            <a:r>
-              <a:rPr lang="en-US" i="1" dirty="0"/>
-              <a:t>P</a:t>
-            </a:r>
-          </a:p>
-          <a:p>
-            <a:r>
-              <a:rPr lang="en-US" dirty="0"/>
-              <a:t>Under square error loss, we are searching for weights such that</a:t>
-            </a:r>
-          </a:p>
-          <a:p>
-            <a:endParaRPr lang="en-US" dirty="0"/>
-          </a:p>
-          <a:p>
-            <a:endParaRPr lang="en-US" dirty="0"/>
-          </a:p>
-          <a:p>
-            <a:r>
-              <a:rPr lang="en-US" dirty="0"/>
-              <a:t>At the population level, this solution corresponds to a Level 1 Linear Regression model </a:t>
-            </a:r>
-            <a:endParaRPr lang="en-US" b="0" dirty="0"/>
-          </a:p>
-        </p:txBody>
-      </p:sp>
-      <p:pic>
-        <p:nvPicPr>
-          <p:cNvPr id="5" name="Picture 4">
-            <a:extLst>
-              <a:ext uri="{FF2B5EF4-FFF2-40B4-BE49-F238E27FC236}">
-                <a16:creationId xmlns:a16="http://schemas.microsoft.com/office/drawing/2014/main" id="{95AEBBCC-6049-E10B-B2EF-F036B33C9436}"/>
-              </a:ext>
-            </a:extLst>
-          </p:cNvPr>
-          <p:cNvPicPr>
-            <a:picLocks noChangeAspect="1"/>
-          </p:cNvPicPr>
-          <p:nvPr/>
-        </p:nvPicPr>
-        <p:blipFill>
-          <a:blip r:embed="rId3"/>
-          <a:stretch>
-            <a:fillRect/>
-          </a:stretch>
-        </p:blipFill>
-        <p:spPr>
-          <a:xfrm>
-            <a:off x="5793544" y="2445467"/>
-            <a:ext cx="1485939" cy="391896"/>
-          </a:xfrm>
-          <a:prstGeom prst="rect">
-            <a:avLst/>
-          </a:prstGeom>
-        </p:spPr>
-      </p:pic>
-      <p:pic>
-        <p:nvPicPr>
-          <p:cNvPr id="7" name="Picture 6">
-            <a:extLst>
-              <a:ext uri="{FF2B5EF4-FFF2-40B4-BE49-F238E27FC236}">
-                <a16:creationId xmlns:a16="http://schemas.microsoft.com/office/drawing/2014/main" id="{75577332-AA70-4AEA-2555-C1C61CC5962D}"/>
-              </a:ext>
-            </a:extLst>
-          </p:cNvPr>
-          <p:cNvPicPr>
-            <a:picLocks noChangeAspect="1"/>
-          </p:cNvPicPr>
-          <p:nvPr/>
-        </p:nvPicPr>
-        <p:blipFill>
-          <a:blip r:embed="rId4"/>
-          <a:stretch>
-            <a:fillRect/>
-          </a:stretch>
-        </p:blipFill>
-        <p:spPr>
-          <a:xfrm>
-            <a:off x="3706449" y="4020638"/>
-            <a:ext cx="4316299" cy="1066828"/>
-          </a:xfrm>
-          <a:prstGeom prst="rect">
-            <a:avLst/>
-          </a:prstGeom>
-        </p:spPr>
-      </p:pic>
-    </p:spTree>
-    <p:extLst>
-      <p:ext uri="{BB962C8B-B14F-4D97-AF65-F5344CB8AC3E}">
-        <p14:creationId xmlns:p14="http://schemas.microsoft.com/office/powerpoint/2010/main" val="1976424682"/>
-      </p:ext>
-    </p:extLst>
-  </p:cSld>
-  <p:clrMapOvr>
-    <a:masterClrMapping/>
-  </p:clrMapOvr>
-</p:sld>
-</file>
-
-<file path=ppt/slides/slide11.xml><?xml version="1.0" encoding="utf-8"?>
-<p:sld xmlns:a="http://schemas.openxmlformats.org/drawingml/2006/main" xmlns:r="http://schemas.openxmlformats.org/officeDocument/2006/relationships" xmlns:p="http://schemas.openxmlformats.org/presentationml/2006/main">
-  <p:cSld>
-    <p:spTree>
-      <p:nvGrpSpPr>
-        <p:cNvPr id="1" name=""/>
-        <p:cNvGrpSpPr/>
-        <p:nvPr/>
-      </p:nvGrpSpPr>
-      <p:grpSpPr>
-        <a:xfrm>
-          <a:off x="0" y="0"/>
-          <a:ext cx="0" cy="0"/>
-          <a:chOff x="0" y="0"/>
-          <a:chExt cx="0" cy="0"/>
-        </a:xfrm>
-      </p:grpSpPr>
-      <p:sp>
-        <p:nvSpPr>
-          <p:cNvPr id="2" name="Title 1">
-            <a:extLst>
-              <a:ext uri="{FF2B5EF4-FFF2-40B4-BE49-F238E27FC236}">
-                <a16:creationId xmlns:a16="http://schemas.microsoft.com/office/drawing/2014/main" id="{0F6CE28D-D77F-885B-91A5-7302FAE378C4}"/>
-              </a:ext>
-            </a:extLst>
-          </p:cNvPr>
-          <p:cNvSpPr>
-            <a:spLocks noGrp="1"/>
-          </p:cNvSpPr>
-          <p:nvPr>
-            <p:ph type="title"/>
-          </p:nvPr>
-        </p:nvSpPr>
         <p:spPr>
           <a:xfrm>
             <a:off x="795014" y="1107588"/>
@@ -6941,7 +6668,7 @@
                   <a:spcPts val="600"/>
                 </a:spcAft>
               </a:pPr>
-              <a:t>11</a:t>
+              <a:t>10</a:t>
             </a:fld>
             <a:endParaRPr lang="en-US"/>
           </a:p>
@@ -6960,7 +6687,7 @@
 </p:sld>
 </file>
 
-<file path=ppt/slides/slide12.xml><?xml version="1.0" encoding="utf-8"?>
+<file path=ppt/slides/slide11.xml><?xml version="1.0" encoding="utf-8"?>
 <p:sld xmlns:a="http://schemas.openxmlformats.org/drawingml/2006/main" xmlns:r="http://schemas.openxmlformats.org/officeDocument/2006/relationships" xmlns:p="http://schemas.openxmlformats.org/presentationml/2006/main">
   <p:cSld>
     <p:spTree>
@@ -7856,7 +7583,7 @@
 </p:sld>
 </file>
 
-<file path=ppt/slides/slide13.xml><?xml version="1.0" encoding="utf-8"?>
+<file path=ppt/slides/slide12.xml><?xml version="1.0" encoding="utf-8"?>
 <p:sld xmlns:a="http://schemas.openxmlformats.org/drawingml/2006/main" xmlns:r="http://schemas.openxmlformats.org/officeDocument/2006/relationships" xmlns:p="http://schemas.openxmlformats.org/presentationml/2006/main">
   <p:cSld>
     <p:spTree>
@@ -7939,7 +7666,7 @@
 </p:sld>
 </file>
 
-<file path=ppt/slides/slide14.xml><?xml version="1.0" encoding="utf-8"?>
+<file path=ppt/slides/slide13.xml><?xml version="1.0" encoding="utf-8"?>
 <p:sld xmlns:a="http://schemas.openxmlformats.org/drawingml/2006/main" xmlns:r="http://schemas.openxmlformats.org/officeDocument/2006/relationships" xmlns:p="http://schemas.openxmlformats.org/presentationml/2006/main">
   <p:cSld>
     <p:spTree>
@@ -8284,96 +8011,6 @@
 </file>
 
 <file path=ppt/slides/slide4.xml><?xml version="1.0" encoding="utf-8"?>
-<p:sld xmlns:a="http://schemas.openxmlformats.org/drawingml/2006/main" xmlns:r="http://schemas.openxmlformats.org/officeDocument/2006/relationships" xmlns:p="http://schemas.openxmlformats.org/presentationml/2006/main">
-  <p:cSld>
-    <p:spTree>
-      <p:nvGrpSpPr>
-        <p:cNvPr id="1" name=""/>
-        <p:cNvGrpSpPr/>
-        <p:nvPr/>
-      </p:nvGrpSpPr>
-      <p:grpSpPr>
-        <a:xfrm>
-          <a:off x="0" y="0"/>
-          <a:ext cx="0" cy="0"/>
-          <a:chOff x="0" y="0"/>
-          <a:chExt cx="0" cy="0"/>
-        </a:xfrm>
-      </p:grpSpPr>
-      <p:pic>
-        <p:nvPicPr>
-          <p:cNvPr id="10" name="Picture 9" descr="A close-up of a document&#10;&#10;Description automatically generated">
-            <a:extLst>
-              <a:ext uri="{FF2B5EF4-FFF2-40B4-BE49-F238E27FC236}">
-                <a16:creationId xmlns:a16="http://schemas.microsoft.com/office/drawing/2014/main" id="{99A67774-2B7D-C5B1-9435-FE98DC480EAC}"/>
-              </a:ext>
-            </a:extLst>
-          </p:cNvPr>
-          <p:cNvPicPr>
-            <a:picLocks noChangeAspect="1"/>
-          </p:cNvPicPr>
-          <p:nvPr/>
-        </p:nvPicPr>
-        <p:blipFill>
-          <a:blip r:embed="rId3"/>
-          <a:stretch>
-            <a:fillRect/>
-          </a:stretch>
-        </p:blipFill>
-        <p:spPr>
-          <a:xfrm>
-            <a:off x="1737431" y="217650"/>
-            <a:ext cx="7772400" cy="2991270"/>
-          </a:xfrm>
-          <a:prstGeom prst="rect">
-            <a:avLst/>
-          </a:prstGeom>
-        </p:spPr>
-      </p:pic>
-      <p:pic>
-        <p:nvPicPr>
-          <p:cNvPr id="19" name="Picture 18" descr="A table with numbers and symbols&#10;&#10;Description automatically generated">
-            <a:extLst>
-              <a:ext uri="{FF2B5EF4-FFF2-40B4-BE49-F238E27FC236}">
-                <a16:creationId xmlns:a16="http://schemas.microsoft.com/office/drawing/2014/main" id="{3D670857-8684-F74D-7CA6-F89E00988926}"/>
-              </a:ext>
-            </a:extLst>
-          </p:cNvPr>
-          <p:cNvPicPr>
-            <a:picLocks noChangeAspect="1"/>
-          </p:cNvPicPr>
-          <p:nvPr/>
-        </p:nvPicPr>
-        <p:blipFill>
-          <a:blip r:embed="rId4"/>
-          <a:stretch>
-            <a:fillRect/>
-          </a:stretch>
-        </p:blipFill>
-        <p:spPr>
-          <a:xfrm>
-            <a:off x="1737431" y="3429000"/>
-            <a:ext cx="7772400" cy="2701956"/>
-          </a:xfrm>
-          <a:prstGeom prst="rect">
-            <a:avLst/>
-          </a:prstGeom>
-        </p:spPr>
-      </p:pic>
-    </p:spTree>
-    <p:extLst>
-      <p:ext uri="{BB962C8B-B14F-4D97-AF65-F5344CB8AC3E}">
-        <p14:creationId xmlns:p14="http://schemas.microsoft.com/office/powerpoint/2010/main" val="1062223314"/>
-      </p:ext>
-    </p:extLst>
-  </p:cSld>
-  <p:clrMapOvr>
-    <a:masterClrMapping/>
-  </p:clrMapOvr>
-</p:sld>
-</file>
-
-<file path=ppt/slides/slide5.xml><?xml version="1.0" encoding="utf-8"?>
 <p:sld xmlns:a="http://schemas.openxmlformats.org/drawingml/2006/main" xmlns:r="http://schemas.openxmlformats.org/officeDocument/2006/relationships" xmlns:p="http://schemas.openxmlformats.org/presentationml/2006/main">
   <p:cSld>
     <p:spTree>
@@ -8715,7 +8352,7 @@
 </p:sld>
 </file>
 
-<file path=ppt/slides/slide6.xml><?xml version="1.0" encoding="utf-8"?>
+<file path=ppt/slides/slide5.xml><?xml version="1.0" encoding="utf-8"?>
 <p:sld xmlns:a="http://schemas.openxmlformats.org/drawingml/2006/main" xmlns:r="http://schemas.openxmlformats.org/officeDocument/2006/relationships" xmlns:p="http://schemas.openxmlformats.org/presentationml/2006/main">
   <p:cSld>
     <p:spTree>
@@ -8991,7 +8628,7 @@
                   <a:spcPts val="600"/>
                 </a:spcAft>
               </a:pPr>
-              <a:t>6</a:t>
+              <a:t>5</a:t>
             </a:fld>
             <a:endParaRPr lang="en-US"/>
           </a:p>
@@ -9010,7 +8647,7 @@
 </p:sld>
 </file>
 
-<file path=ppt/slides/slide7.xml><?xml version="1.0" encoding="utf-8"?>
+<file path=ppt/slides/slide6.xml><?xml version="1.0" encoding="utf-8"?>
 <p:sld xmlns:a="http://schemas.openxmlformats.org/drawingml/2006/main" xmlns:r="http://schemas.openxmlformats.org/officeDocument/2006/relationships" xmlns:p="http://schemas.openxmlformats.org/presentationml/2006/main">
   <p:cSld>
     <p:spTree>
@@ -9166,7 +8803,7 @@
                   <a:spcPts val="600"/>
                 </a:spcAft>
               </a:pPr>
-              <a:t>7</a:t>
+              <a:t>6</a:t>
             </a:fld>
             <a:endParaRPr lang="en-US" dirty="0">
               <a:solidFill>
@@ -9219,7 +8856,7 @@
 </p:sld>
 </file>
 
-<file path=ppt/slides/slide8.xml><?xml version="1.0" encoding="utf-8"?>
+<file path=ppt/slides/slide7.xml><?xml version="1.0" encoding="utf-8"?>
 <p:sld xmlns:a="http://schemas.openxmlformats.org/drawingml/2006/main" xmlns:r="http://schemas.openxmlformats.org/officeDocument/2006/relationships" xmlns:p="http://schemas.openxmlformats.org/presentationml/2006/main">
   <p:cSld>
     <p:spTree>
@@ -9806,7 +9443,7 @@
 </p:sld>
 </file>
 
-<file path=ppt/slides/slide9.xml><?xml version="1.0" encoding="utf-8"?>
+<file path=ppt/slides/slide8.xml><?xml version="1.0" encoding="utf-8"?>
 <p:sld xmlns:a="http://schemas.openxmlformats.org/drawingml/2006/main" xmlns:r="http://schemas.openxmlformats.org/officeDocument/2006/relationships" xmlns:p="http://schemas.openxmlformats.org/presentationml/2006/main">
   <p:cSld>
     <p:spTree>
@@ -11739,6 +11376,200 @@
 </p:sld>
 </file>
 
+<file path=ppt/slides/slide9.xml><?xml version="1.0" encoding="utf-8"?>
+<p:sld xmlns:a="http://schemas.openxmlformats.org/drawingml/2006/main" xmlns:r="http://schemas.openxmlformats.org/officeDocument/2006/relationships" xmlns:p="http://schemas.openxmlformats.org/presentationml/2006/main">
+  <p:cSld>
+    <p:spTree>
+      <p:nvGrpSpPr>
+        <p:cNvPr id="1" name=""/>
+        <p:cNvGrpSpPr/>
+        <p:nvPr/>
+      </p:nvGrpSpPr>
+      <p:grpSpPr>
+        <a:xfrm>
+          <a:off x="0" y="0"/>
+          <a:ext cx="0" cy="0"/>
+          <a:chOff x="0" y="0"/>
+          <a:chExt cx="0" cy="0"/>
+        </a:xfrm>
+      </p:grpSpPr>
+      <p:sp>
+        <p:nvSpPr>
+          <p:cNvPr id="2" name="Title 1">
+            <a:extLst>
+              <a:ext uri="{FF2B5EF4-FFF2-40B4-BE49-F238E27FC236}">
+                <a16:creationId xmlns:a16="http://schemas.microsoft.com/office/drawing/2014/main" id="{0F6CE28D-D77F-885B-91A5-7302FAE378C4}"/>
+              </a:ext>
+            </a:extLst>
+          </p:cNvPr>
+          <p:cNvSpPr>
+            <a:spLocks noGrp="1"/>
+          </p:cNvSpPr>
+          <p:nvPr>
+            <p:ph type="title"/>
+          </p:nvPr>
+        </p:nvSpPr>
+        <p:spPr/>
+        <p:txBody>
+          <a:bodyPr/>
+          <a:lstStyle/>
+          <a:p>
+            <a:r>
+              <a:rPr lang="en-US" dirty="0"/>
+              <a:t>Methodology: Stacking ensemble</a:t>
+            </a:r>
+          </a:p>
+        </p:txBody>
+      </p:sp>
+      <p:sp>
+        <p:nvSpPr>
+          <p:cNvPr id="3" name="Content Placeholder 2">
+            <a:extLst>
+              <a:ext uri="{FF2B5EF4-FFF2-40B4-BE49-F238E27FC236}">
+                <a16:creationId xmlns:a16="http://schemas.microsoft.com/office/drawing/2014/main" id="{88C63423-5311-72BE-AC08-8DDEB193F258}"/>
+              </a:ext>
+            </a:extLst>
+          </p:cNvPr>
+          <p:cNvSpPr>
+            <a:spLocks noGrp="1"/>
+          </p:cNvSpPr>
+          <p:nvPr>
+            <p:ph idx="1"/>
+          </p:nvPr>
+        </p:nvSpPr>
+        <p:spPr>
+          <a:xfrm>
+            <a:off x="917166" y="1905833"/>
+            <a:ext cx="10357666" cy="4114801"/>
+          </a:xfrm>
+        </p:spPr>
+        <p:txBody>
+          <a:bodyPr/>
+          <a:lstStyle/>
+          <a:p>
+            <a:r>
+              <a:rPr lang="en-US" dirty="0"/>
+              <a:t>Consider a regression example</a:t>
+            </a:r>
+          </a:p>
+          <a:p>
+            <a:r>
+              <a:rPr lang="en-US" dirty="0"/>
+              <a:t>Given predictions from Level 0 models</a:t>
+            </a:r>
+          </a:p>
+          <a:p>
+            <a:r>
+              <a:rPr lang="en-US" dirty="0"/>
+              <a:t>Let the dataset </a:t>
+            </a:r>
+            <a:r>
+              <a:rPr lang="en-US" b="1" dirty="0"/>
+              <a:t>Z </a:t>
+            </a:r>
+            <a:r>
+              <a:rPr lang="en-US" dirty="0"/>
+              <a:t>be distributed according to (X,Y) ~ </a:t>
+            </a:r>
+            <a:r>
+              <a:rPr lang="en-US" i="1" dirty="0"/>
+              <a:t>P</a:t>
+            </a:r>
+          </a:p>
+          <a:p>
+            <a:r>
+              <a:rPr lang="en-US" dirty="0"/>
+              <a:t>Under square error loss, we are searching for weights such that</a:t>
+            </a:r>
+          </a:p>
+          <a:p>
+            <a:endParaRPr lang="en-US" dirty="0"/>
+          </a:p>
+          <a:p>
+            <a:endParaRPr lang="en-US" dirty="0"/>
+          </a:p>
+          <a:p>
+            <a:r>
+              <a:rPr lang="en-US" dirty="0"/>
+              <a:t>At the population level, this solution corresponds to a Level 1 Linear Regression model </a:t>
+            </a:r>
+            <a:endParaRPr lang="en-US" b="0" dirty="0"/>
+          </a:p>
+        </p:txBody>
+      </p:sp>
+      <p:pic>
+        <p:nvPicPr>
+          <p:cNvPr id="5" name="Picture 4">
+            <a:extLst>
+              <a:ext uri="{FF2B5EF4-FFF2-40B4-BE49-F238E27FC236}">
+                <a16:creationId xmlns:a16="http://schemas.microsoft.com/office/drawing/2014/main" id="{95AEBBCC-6049-E10B-B2EF-F036B33C9436}"/>
+              </a:ext>
+            </a:extLst>
+          </p:cNvPr>
+          <p:cNvPicPr>
+            <a:picLocks noChangeAspect="1"/>
+          </p:cNvPicPr>
+          <p:nvPr/>
+        </p:nvPicPr>
+        <p:blipFill>
+          <a:blip r:embed="rId3"/>
+          <a:stretch>
+            <a:fillRect/>
+          </a:stretch>
+        </p:blipFill>
+        <p:spPr>
+          <a:xfrm>
+            <a:off x="5793544" y="2445467"/>
+            <a:ext cx="1485939" cy="391896"/>
+          </a:xfrm>
+          <a:prstGeom prst="rect">
+            <a:avLst/>
+          </a:prstGeom>
+        </p:spPr>
+      </p:pic>
+      <p:pic>
+        <p:nvPicPr>
+          <p:cNvPr id="7" name="Picture 6">
+            <a:extLst>
+              <a:ext uri="{FF2B5EF4-FFF2-40B4-BE49-F238E27FC236}">
+                <a16:creationId xmlns:a16="http://schemas.microsoft.com/office/drawing/2014/main" id="{75577332-AA70-4AEA-2555-C1C61CC5962D}"/>
+              </a:ext>
+            </a:extLst>
+          </p:cNvPr>
+          <p:cNvPicPr>
+            <a:picLocks noChangeAspect="1"/>
+          </p:cNvPicPr>
+          <p:nvPr/>
+        </p:nvPicPr>
+        <p:blipFill>
+          <a:blip r:embed="rId4"/>
+          <a:stretch>
+            <a:fillRect/>
+          </a:stretch>
+        </p:blipFill>
+        <p:spPr>
+          <a:xfrm>
+            <a:off x="3706449" y="4020638"/>
+            <a:ext cx="4316299" cy="1066828"/>
+          </a:xfrm>
+          <a:prstGeom prst="rect">
+            <a:avLst/>
+          </a:prstGeom>
+        </p:spPr>
+      </p:pic>
+    </p:spTree>
+    <p:extLst>
+      <p:ext uri="{BB962C8B-B14F-4D97-AF65-F5344CB8AC3E}">
+        <p14:creationId xmlns:p14="http://schemas.microsoft.com/office/powerpoint/2010/main" val="1976424682"/>
+      </p:ext>
+    </p:extLst>
+  </p:cSld>
+  <p:clrMapOvr>
+    <a:masterClrMapping/>
+  </p:clrMapOvr>
+</p:sld>
+</file>
+
 <file path=ppt/theme/theme1.xml><?xml version="1.0" encoding="utf-8"?>
 <a:theme xmlns:a="http://schemas.openxmlformats.org/drawingml/2006/main" name="VeniceBeachVTI">
   <a:themeElements>
